--- a/submissions/phase3/stepvi.pptx
+++ b/submissions/phase3/stepvi.pptx
@@ -21,8 +21,8 @@
     <p:sldId id="290" r:id="rId15"/>
     <p:sldId id="291" r:id="rId16"/>
     <p:sldId id="298" r:id="rId17"/>
-    <p:sldId id="294" r:id="rId18"/>
-    <p:sldId id="306" r:id="rId19"/>
+    <p:sldId id="306" r:id="rId18"/>
+    <p:sldId id="294" r:id="rId19"/>
     <p:sldId id="281" r:id="rId20"/>
     <p:sldId id="292" r:id="rId21"/>
     <p:sldId id="303" r:id="rId22"/>
@@ -4024,6 +4024,126 @@
           </a:p>
         </p:txBody>
       </p:sp>
+      <p:pic>
+        <p:nvPicPr>
+          <p:cNvPr id="4" name="Picture 3">
+            <a:extLst>
+              <a:ext uri="{FF2B5EF4-FFF2-40B4-BE49-F238E27FC236}">
+                <a16:creationId xmlns:a16="http://schemas.microsoft.com/office/drawing/2014/main" id="{A933BC9F-850F-3CAF-CEC4-5D99AFF4DD4F}"/>
+              </a:ext>
+            </a:extLst>
+          </p:cNvPr>
+          <p:cNvPicPr>
+            <a:picLocks noChangeAspect="1"/>
+          </p:cNvPicPr>
+          <p:nvPr/>
+        </p:nvPicPr>
+        <p:blipFill>
+          <a:blip r:embed="rId2"/>
+          <a:stretch>
+            <a:fillRect/>
+          </a:stretch>
+        </p:blipFill>
+        <p:spPr>
+          <a:xfrm>
+            <a:off x="2987515" y="1438406"/>
+            <a:ext cx="6216970" cy="730288"/>
+          </a:xfrm>
+          <a:prstGeom prst="rect">
+            <a:avLst/>
+          </a:prstGeom>
+        </p:spPr>
+      </p:pic>
+      <p:pic>
+        <p:nvPicPr>
+          <p:cNvPr id="6" name="Picture 5">
+            <a:extLst>
+              <a:ext uri="{FF2B5EF4-FFF2-40B4-BE49-F238E27FC236}">
+                <a16:creationId xmlns:a16="http://schemas.microsoft.com/office/drawing/2014/main" id="{42F9F3D2-3CF3-0FE9-462A-FCA109B2FDA4}"/>
+              </a:ext>
+            </a:extLst>
+          </p:cNvPr>
+          <p:cNvPicPr>
+            <a:picLocks noChangeAspect="1"/>
+          </p:cNvPicPr>
+          <p:nvPr/>
+        </p:nvPicPr>
+        <p:blipFill>
+          <a:blip r:embed="rId3"/>
+          <a:stretch>
+            <a:fillRect/>
+          </a:stretch>
+        </p:blipFill>
+        <p:spPr>
+          <a:xfrm>
+            <a:off x="1057016" y="3230362"/>
+            <a:ext cx="1930499" cy="908097"/>
+          </a:xfrm>
+          <a:prstGeom prst="rect">
+            <a:avLst/>
+          </a:prstGeom>
+        </p:spPr>
+      </p:pic>
+      <p:pic>
+        <p:nvPicPr>
+          <p:cNvPr id="13" name="Picture 12">
+            <a:extLst>
+              <a:ext uri="{FF2B5EF4-FFF2-40B4-BE49-F238E27FC236}">
+                <a16:creationId xmlns:a16="http://schemas.microsoft.com/office/drawing/2014/main" id="{8C2B8A1E-D86B-DF37-494D-8F4F20A56357}"/>
+              </a:ext>
+            </a:extLst>
+          </p:cNvPr>
+          <p:cNvPicPr>
+            <a:picLocks noChangeAspect="1"/>
+          </p:cNvPicPr>
+          <p:nvPr/>
+        </p:nvPicPr>
+        <p:blipFill>
+          <a:blip r:embed="rId4"/>
+          <a:stretch>
+            <a:fillRect/>
+          </a:stretch>
+        </p:blipFill>
+        <p:spPr>
+          <a:xfrm>
+            <a:off x="7362890" y="2345073"/>
+            <a:ext cx="3683189" cy="3010055"/>
+          </a:xfrm>
+          <a:prstGeom prst="rect">
+            <a:avLst/>
+          </a:prstGeom>
+        </p:spPr>
+      </p:pic>
+      <p:pic>
+        <p:nvPicPr>
+          <p:cNvPr id="15" name="Picture 14">
+            <a:extLst>
+              <a:ext uri="{FF2B5EF4-FFF2-40B4-BE49-F238E27FC236}">
+                <a16:creationId xmlns:a16="http://schemas.microsoft.com/office/drawing/2014/main" id="{B1E3B897-D211-B785-034E-03FD348A2B92}"/>
+              </a:ext>
+            </a:extLst>
+          </p:cNvPr>
+          <p:cNvPicPr>
+            <a:picLocks noChangeAspect="1"/>
+          </p:cNvPicPr>
+          <p:nvPr/>
+        </p:nvPicPr>
+        <p:blipFill>
+          <a:blip r:embed="rId5"/>
+          <a:stretch>
+            <a:fillRect/>
+          </a:stretch>
+        </p:blipFill>
+        <p:spPr>
+          <a:xfrm>
+            <a:off x="3264553" y="2202814"/>
+            <a:ext cx="3816546" cy="3206915"/>
+          </a:xfrm>
+          <a:prstGeom prst="rect">
+            <a:avLst/>
+          </a:prstGeom>
+        </p:spPr>
+      </p:pic>
     </p:spTree>
     <p:extLst>
       <p:ext uri="{BB962C8B-B14F-4D97-AF65-F5344CB8AC3E}">
@@ -4223,6 +4343,66 @@
           </a:p>
         </p:txBody>
       </p:sp>
+      <p:pic>
+        <p:nvPicPr>
+          <p:cNvPr id="8" name="Picture 7">
+            <a:extLst>
+              <a:ext uri="{FF2B5EF4-FFF2-40B4-BE49-F238E27FC236}">
+                <a16:creationId xmlns:a16="http://schemas.microsoft.com/office/drawing/2014/main" id="{826728DA-576D-B655-92B8-4657D4C13A97}"/>
+              </a:ext>
+            </a:extLst>
+          </p:cNvPr>
+          <p:cNvPicPr>
+            <a:picLocks noChangeAspect="1"/>
+          </p:cNvPicPr>
+          <p:nvPr/>
+        </p:nvPicPr>
+        <p:blipFill>
+          <a:blip r:embed="rId2"/>
+          <a:stretch>
+            <a:fillRect/>
+          </a:stretch>
+        </p:blipFill>
+        <p:spPr>
+          <a:xfrm>
+            <a:off x="7569115" y="2717273"/>
+            <a:ext cx="3302170" cy="2838596"/>
+          </a:xfrm>
+          <a:prstGeom prst="rect">
+            <a:avLst/>
+          </a:prstGeom>
+        </p:spPr>
+      </p:pic>
+      <p:pic>
+        <p:nvPicPr>
+          <p:cNvPr id="12" name="Picture 11">
+            <a:extLst>
+              <a:ext uri="{FF2B5EF4-FFF2-40B4-BE49-F238E27FC236}">
+                <a16:creationId xmlns:a16="http://schemas.microsoft.com/office/drawing/2014/main" id="{35B971DE-8196-3C9B-49F6-264E18913FEE}"/>
+              </a:ext>
+            </a:extLst>
+          </p:cNvPr>
+          <p:cNvPicPr>
+            <a:picLocks noChangeAspect="1"/>
+          </p:cNvPicPr>
+          <p:nvPr/>
+        </p:nvPicPr>
+        <p:blipFill>
+          <a:blip r:embed="rId3"/>
+          <a:stretch>
+            <a:fillRect/>
+          </a:stretch>
+        </p:blipFill>
+        <p:spPr>
+          <a:xfrm>
+            <a:off x="1234084" y="1729823"/>
+            <a:ext cx="3257717" cy="3448227"/>
+          </a:xfrm>
+          <a:prstGeom prst="rect">
+            <a:avLst/>
+          </a:prstGeom>
+        </p:spPr>
+      </p:pic>
     </p:spTree>
     <p:extLst>
       <p:ext uri="{BB962C8B-B14F-4D97-AF65-F5344CB8AC3E}">
@@ -4615,12 +4795,166 @@
               <a:buChar char="n"/>
             </a:pPr>
             <a:r>
+              <a:rPr lang="en-US" altLang="zh-CN" dirty="0" err="1"/>
+              <a:t>best_threshold</a:t>
+            </a:r>
+            <a:r>
               <a:rPr lang="en-US" altLang="zh-CN" dirty="0"/>
-              <a:t>Todo</a:t>
-            </a:r>
-          </a:p>
-        </p:txBody>
-      </p:sp>
+              <a:t> = 0.84</a:t>
+            </a:r>
+          </a:p>
+        </p:txBody>
+      </p:sp>
+      <p:pic>
+        <p:nvPicPr>
+          <p:cNvPr id="5" name="Picture 4">
+            <a:extLst>
+              <a:ext uri="{FF2B5EF4-FFF2-40B4-BE49-F238E27FC236}">
+                <a16:creationId xmlns:a16="http://schemas.microsoft.com/office/drawing/2014/main" id="{05665948-7165-CB8B-9053-762F992505F0}"/>
+              </a:ext>
+            </a:extLst>
+          </p:cNvPr>
+          <p:cNvPicPr>
+            <a:picLocks noChangeAspect="1"/>
+          </p:cNvPicPr>
+          <p:nvPr/>
+        </p:nvPicPr>
+        <p:blipFill>
+          <a:blip r:embed="rId2"/>
+          <a:stretch>
+            <a:fillRect/>
+          </a:stretch>
+        </p:blipFill>
+        <p:spPr>
+          <a:xfrm>
+            <a:off x="388161" y="2335962"/>
+            <a:ext cx="3708591" cy="2876698"/>
+          </a:xfrm>
+          <a:prstGeom prst="rect">
+            <a:avLst/>
+          </a:prstGeom>
+        </p:spPr>
+      </p:pic>
+      <p:pic>
+        <p:nvPicPr>
+          <p:cNvPr id="8" name="Picture 7">
+            <a:extLst>
+              <a:ext uri="{FF2B5EF4-FFF2-40B4-BE49-F238E27FC236}">
+                <a16:creationId xmlns:a16="http://schemas.microsoft.com/office/drawing/2014/main" id="{7D2EC86E-DF89-B7BA-45FE-63747BC7B217}"/>
+              </a:ext>
+            </a:extLst>
+          </p:cNvPr>
+          <p:cNvPicPr>
+            <a:picLocks noChangeAspect="1"/>
+          </p:cNvPicPr>
+          <p:nvPr/>
+        </p:nvPicPr>
+        <p:blipFill>
+          <a:blip r:embed="rId3"/>
+          <a:stretch>
+            <a:fillRect/>
+          </a:stretch>
+        </p:blipFill>
+        <p:spPr>
+          <a:xfrm>
+            <a:off x="703330" y="1289955"/>
+            <a:ext cx="6191568" cy="711237"/>
+          </a:xfrm>
+          <a:prstGeom prst="rect">
+            <a:avLst/>
+          </a:prstGeom>
+        </p:spPr>
+      </p:pic>
+      <p:pic>
+        <p:nvPicPr>
+          <p:cNvPr id="10" name="Picture 9">
+            <a:extLst>
+              <a:ext uri="{FF2B5EF4-FFF2-40B4-BE49-F238E27FC236}">
+                <a16:creationId xmlns:a16="http://schemas.microsoft.com/office/drawing/2014/main" id="{12CF32B8-DE02-F668-7756-F20B79F4BE1C}"/>
+              </a:ext>
+            </a:extLst>
+          </p:cNvPr>
+          <p:cNvPicPr>
+            <a:picLocks noChangeAspect="1"/>
+          </p:cNvPicPr>
+          <p:nvPr/>
+        </p:nvPicPr>
+        <p:blipFill>
+          <a:blip r:embed="rId4"/>
+          <a:stretch>
+            <a:fillRect/>
+          </a:stretch>
+        </p:blipFill>
+        <p:spPr>
+          <a:xfrm>
+            <a:off x="8521648" y="1232414"/>
+            <a:ext cx="2006703" cy="927148"/>
+          </a:xfrm>
+          <a:prstGeom prst="rect">
+            <a:avLst/>
+          </a:prstGeom>
+        </p:spPr>
+      </p:pic>
+      <p:pic>
+        <p:nvPicPr>
+          <p:cNvPr id="13" name="Picture 12">
+            <a:extLst>
+              <a:ext uri="{FF2B5EF4-FFF2-40B4-BE49-F238E27FC236}">
+                <a16:creationId xmlns:a16="http://schemas.microsoft.com/office/drawing/2014/main" id="{1AD5CA1F-FD01-709E-39E0-D8556F7ACACC}"/>
+              </a:ext>
+            </a:extLst>
+          </p:cNvPr>
+          <p:cNvPicPr>
+            <a:picLocks noChangeAspect="1"/>
+          </p:cNvPicPr>
+          <p:nvPr/>
+        </p:nvPicPr>
+        <p:blipFill>
+          <a:blip r:embed="rId5"/>
+          <a:stretch>
+            <a:fillRect/>
+          </a:stretch>
+        </p:blipFill>
+        <p:spPr>
+          <a:xfrm>
+            <a:off x="4360207" y="2303305"/>
+            <a:ext cx="3657788" cy="2971953"/>
+          </a:xfrm>
+          <a:prstGeom prst="rect">
+            <a:avLst/>
+          </a:prstGeom>
+        </p:spPr>
+      </p:pic>
+      <p:pic>
+        <p:nvPicPr>
+          <p:cNvPr id="15" name="Picture 14">
+            <a:extLst>
+              <a:ext uri="{FF2B5EF4-FFF2-40B4-BE49-F238E27FC236}">
+                <a16:creationId xmlns:a16="http://schemas.microsoft.com/office/drawing/2014/main" id="{93B29C9C-7DB5-055B-28CA-988ED12F740F}"/>
+              </a:ext>
+            </a:extLst>
+          </p:cNvPr>
+          <p:cNvPicPr>
+            <a:picLocks noChangeAspect="1"/>
+          </p:cNvPicPr>
+          <p:nvPr/>
+        </p:nvPicPr>
+        <p:blipFill>
+          <a:blip r:embed="rId6"/>
+          <a:stretch>
+            <a:fillRect/>
+          </a:stretch>
+        </p:blipFill>
+        <p:spPr>
+          <a:xfrm>
+            <a:off x="8215905" y="2239317"/>
+            <a:ext cx="3587934" cy="2978303"/>
+          </a:xfrm>
+          <a:prstGeom prst="rect">
+            <a:avLst/>
+          </a:prstGeom>
+        </p:spPr>
+      </p:pic>
     </p:spTree>
     <p:extLst>
       <p:ext uri="{BB962C8B-B14F-4D97-AF65-F5344CB8AC3E}">
@@ -4825,6 +5159,126 @@
           </a:p>
         </p:txBody>
       </p:sp>
+      <p:pic>
+        <p:nvPicPr>
+          <p:cNvPr id="4" name="Picture 3">
+            <a:extLst>
+              <a:ext uri="{FF2B5EF4-FFF2-40B4-BE49-F238E27FC236}">
+                <a16:creationId xmlns:a16="http://schemas.microsoft.com/office/drawing/2014/main" id="{0B9119EB-5758-61B1-27A4-A6741AF3BF9F}"/>
+              </a:ext>
+            </a:extLst>
+          </p:cNvPr>
+          <p:cNvPicPr>
+            <a:picLocks noChangeAspect="1"/>
+          </p:cNvPicPr>
+          <p:nvPr/>
+        </p:nvPicPr>
+        <p:blipFill>
+          <a:blip r:embed="rId2"/>
+          <a:stretch>
+            <a:fillRect/>
+          </a:stretch>
+        </p:blipFill>
+        <p:spPr>
+          <a:xfrm>
+            <a:off x="3006564" y="1375857"/>
+            <a:ext cx="6178868" cy="711237"/>
+          </a:xfrm>
+          <a:prstGeom prst="rect">
+            <a:avLst/>
+          </a:prstGeom>
+        </p:spPr>
+      </p:pic>
+      <p:pic>
+        <p:nvPicPr>
+          <p:cNvPr id="6" name="Picture 5">
+            <a:extLst>
+              <a:ext uri="{FF2B5EF4-FFF2-40B4-BE49-F238E27FC236}">
+                <a16:creationId xmlns:a16="http://schemas.microsoft.com/office/drawing/2014/main" id="{EA2CE7DA-3695-90EF-42CA-E024CD4BE599}"/>
+              </a:ext>
+            </a:extLst>
+          </p:cNvPr>
+          <p:cNvPicPr>
+            <a:picLocks noChangeAspect="1"/>
+          </p:cNvPicPr>
+          <p:nvPr/>
+        </p:nvPicPr>
+        <p:blipFill>
+          <a:blip r:embed="rId3"/>
+          <a:stretch>
+            <a:fillRect/>
+          </a:stretch>
+        </p:blipFill>
+        <p:spPr>
+          <a:xfrm>
+            <a:off x="1338892" y="3144999"/>
+            <a:ext cx="1981302" cy="914447"/>
+          </a:xfrm>
+          <a:prstGeom prst="rect">
+            <a:avLst/>
+          </a:prstGeom>
+        </p:spPr>
+      </p:pic>
+      <p:pic>
+        <p:nvPicPr>
+          <p:cNvPr id="10" name="Picture 9">
+            <a:extLst>
+              <a:ext uri="{FF2B5EF4-FFF2-40B4-BE49-F238E27FC236}">
+                <a16:creationId xmlns:a16="http://schemas.microsoft.com/office/drawing/2014/main" id="{73F437E8-61B5-DD28-E84E-F5125C2E8647}"/>
+              </a:ext>
+            </a:extLst>
+          </p:cNvPr>
+          <p:cNvPicPr>
+            <a:picLocks noChangeAspect="1"/>
+          </p:cNvPicPr>
+          <p:nvPr/>
+        </p:nvPicPr>
+        <p:blipFill>
+          <a:blip r:embed="rId4"/>
+          <a:stretch>
+            <a:fillRect/>
+          </a:stretch>
+        </p:blipFill>
+        <p:spPr>
+          <a:xfrm>
+            <a:off x="3690614" y="2307458"/>
+            <a:ext cx="3765744" cy="2971953"/>
+          </a:xfrm>
+          <a:prstGeom prst="rect">
+            <a:avLst/>
+          </a:prstGeom>
+        </p:spPr>
+      </p:pic>
+      <p:pic>
+        <p:nvPicPr>
+          <p:cNvPr id="13" name="Picture 12">
+            <a:extLst>
+              <a:ext uri="{FF2B5EF4-FFF2-40B4-BE49-F238E27FC236}">
+                <a16:creationId xmlns:a16="http://schemas.microsoft.com/office/drawing/2014/main" id="{ED67C577-FFDB-4BEA-3643-6C5D8A9B2F2F}"/>
+              </a:ext>
+            </a:extLst>
+          </p:cNvPr>
+          <p:cNvPicPr>
+            <a:picLocks noChangeAspect="1"/>
+          </p:cNvPicPr>
+          <p:nvPr/>
+        </p:nvPicPr>
+        <p:blipFill>
+          <a:blip r:embed="rId5"/>
+          <a:stretch>
+            <a:fillRect/>
+          </a:stretch>
+        </p:blipFill>
+        <p:spPr>
+          <a:xfrm>
+            <a:off x="7662543" y="2406937"/>
+            <a:ext cx="3594285" cy="2978303"/>
+          </a:xfrm>
+          <a:prstGeom prst="rect">
+            <a:avLst/>
+          </a:prstGeom>
+        </p:spPr>
+      </p:pic>
     </p:spTree>
     <p:extLst>
       <p:ext uri="{BB962C8B-B14F-4D97-AF65-F5344CB8AC3E}">
@@ -5024,6 +5478,126 @@
           </a:p>
         </p:txBody>
       </p:sp>
+      <p:pic>
+        <p:nvPicPr>
+          <p:cNvPr id="5" name="Picture 4">
+            <a:extLst>
+              <a:ext uri="{FF2B5EF4-FFF2-40B4-BE49-F238E27FC236}">
+                <a16:creationId xmlns:a16="http://schemas.microsoft.com/office/drawing/2014/main" id="{CF8DFBF6-8DCA-F47E-C624-122678ACBE5C}"/>
+              </a:ext>
+            </a:extLst>
+          </p:cNvPr>
+          <p:cNvPicPr>
+            <a:picLocks noChangeAspect="1"/>
+          </p:cNvPicPr>
+          <p:nvPr/>
+        </p:nvPicPr>
+        <p:blipFill>
+          <a:blip r:embed="rId2"/>
+          <a:stretch>
+            <a:fillRect/>
+          </a:stretch>
+        </p:blipFill>
+        <p:spPr>
+          <a:xfrm>
+            <a:off x="2805579" y="1358149"/>
+            <a:ext cx="6185218" cy="749339"/>
+          </a:xfrm>
+          <a:prstGeom prst="rect">
+            <a:avLst/>
+          </a:prstGeom>
+        </p:spPr>
+      </p:pic>
+      <p:pic>
+        <p:nvPicPr>
+          <p:cNvPr id="8" name="Picture 7">
+            <a:extLst>
+              <a:ext uri="{FF2B5EF4-FFF2-40B4-BE49-F238E27FC236}">
+                <a16:creationId xmlns:a16="http://schemas.microsoft.com/office/drawing/2014/main" id="{18736D05-5A7C-49A3-892A-78E764379280}"/>
+              </a:ext>
+            </a:extLst>
+          </p:cNvPr>
+          <p:cNvPicPr>
+            <a:picLocks noChangeAspect="1"/>
+          </p:cNvPicPr>
+          <p:nvPr/>
+        </p:nvPicPr>
+        <p:blipFill>
+          <a:blip r:embed="rId3"/>
+          <a:stretch>
+            <a:fillRect/>
+          </a:stretch>
+        </p:blipFill>
+        <p:spPr>
+          <a:xfrm>
+            <a:off x="1150660" y="3154356"/>
+            <a:ext cx="1987652" cy="958899"/>
+          </a:xfrm>
+          <a:prstGeom prst="rect">
+            <a:avLst/>
+          </a:prstGeom>
+        </p:spPr>
+      </p:pic>
+      <p:pic>
+        <p:nvPicPr>
+          <p:cNvPr id="10" name="Picture 9">
+            <a:extLst>
+              <a:ext uri="{FF2B5EF4-FFF2-40B4-BE49-F238E27FC236}">
+                <a16:creationId xmlns:a16="http://schemas.microsoft.com/office/drawing/2014/main" id="{A46FA345-3F98-165E-7FB4-7B74C2233685}"/>
+              </a:ext>
+            </a:extLst>
+          </p:cNvPr>
+          <p:cNvPicPr>
+            <a:picLocks noChangeAspect="1"/>
+          </p:cNvPicPr>
+          <p:nvPr/>
+        </p:nvPicPr>
+        <p:blipFill>
+          <a:blip r:embed="rId4"/>
+          <a:stretch>
+            <a:fillRect/>
+          </a:stretch>
+        </p:blipFill>
+        <p:spPr>
+          <a:xfrm>
+            <a:off x="3646620" y="2350573"/>
+            <a:ext cx="3657788" cy="2978303"/>
+          </a:xfrm>
+          <a:prstGeom prst="rect">
+            <a:avLst/>
+          </a:prstGeom>
+        </p:spPr>
+      </p:pic>
+      <p:pic>
+        <p:nvPicPr>
+          <p:cNvPr id="13" name="Picture 12">
+            <a:extLst>
+              <a:ext uri="{FF2B5EF4-FFF2-40B4-BE49-F238E27FC236}">
+                <a16:creationId xmlns:a16="http://schemas.microsoft.com/office/drawing/2014/main" id="{7E9406FD-BC3F-82E4-7EAE-9CA847CFBEB6}"/>
+              </a:ext>
+            </a:extLst>
+          </p:cNvPr>
+          <p:cNvPicPr>
+            <a:picLocks noChangeAspect="1"/>
+          </p:cNvPicPr>
+          <p:nvPr/>
+        </p:nvPicPr>
+        <p:blipFill>
+          <a:blip r:embed="rId5"/>
+          <a:stretch>
+            <a:fillRect/>
+          </a:stretch>
+        </p:blipFill>
+        <p:spPr>
+          <a:xfrm>
+            <a:off x="7696012" y="2350573"/>
+            <a:ext cx="3657788" cy="2946551"/>
+          </a:xfrm>
+          <a:prstGeom prst="rect">
+            <a:avLst/>
+          </a:prstGeom>
+        </p:spPr>
+      </p:pic>
     </p:spTree>
     <p:extLst>
       <p:ext uri="{BB962C8B-B14F-4D97-AF65-F5344CB8AC3E}">
@@ -5223,6 +5797,66 @@
           </a:p>
         </p:txBody>
       </p:sp>
+      <p:pic>
+        <p:nvPicPr>
+          <p:cNvPr id="6" name="Picture 5">
+            <a:extLst>
+              <a:ext uri="{FF2B5EF4-FFF2-40B4-BE49-F238E27FC236}">
+                <a16:creationId xmlns:a16="http://schemas.microsoft.com/office/drawing/2014/main" id="{3981A781-DB84-3EC5-055C-DBC01435E95C}"/>
+              </a:ext>
+            </a:extLst>
+          </p:cNvPr>
+          <p:cNvPicPr>
+            <a:picLocks noChangeAspect="1"/>
+          </p:cNvPicPr>
+          <p:nvPr/>
+        </p:nvPicPr>
+        <p:blipFill>
+          <a:blip r:embed="rId2"/>
+          <a:stretch>
+            <a:fillRect/>
+          </a:stretch>
+        </p:blipFill>
+        <p:spPr>
+          <a:xfrm>
+            <a:off x="652159" y="2225396"/>
+            <a:ext cx="2984653" cy="2800494"/>
+          </a:xfrm>
+          <a:prstGeom prst="rect">
+            <a:avLst/>
+          </a:prstGeom>
+        </p:spPr>
+      </p:pic>
+      <p:pic>
+        <p:nvPicPr>
+          <p:cNvPr id="9" name="Picture 8">
+            <a:extLst>
+              <a:ext uri="{FF2B5EF4-FFF2-40B4-BE49-F238E27FC236}">
+                <a16:creationId xmlns:a16="http://schemas.microsoft.com/office/drawing/2014/main" id="{4ACE656E-70A1-A487-FC8E-4272E08F816A}"/>
+              </a:ext>
+            </a:extLst>
+          </p:cNvPr>
+          <p:cNvPicPr>
+            <a:picLocks noChangeAspect="1"/>
+          </p:cNvPicPr>
+          <p:nvPr/>
+        </p:nvPicPr>
+        <p:blipFill>
+          <a:blip r:embed="rId3"/>
+          <a:stretch>
+            <a:fillRect/>
+          </a:stretch>
+        </p:blipFill>
+        <p:spPr>
+          <a:xfrm>
+            <a:off x="4136728" y="2517511"/>
+            <a:ext cx="2971953" cy="2508379"/>
+          </a:xfrm>
+          <a:prstGeom prst="rect">
+            <a:avLst/>
+          </a:prstGeom>
+        </p:spPr>
+      </p:pic>
     </p:spTree>
     <p:extLst>
       <p:ext uri="{BB962C8B-B14F-4D97-AF65-F5344CB8AC3E}">
@@ -5291,7 +5925,7 @@
             </a:pPr>
             <a:r>
               <a:rPr lang="en-US" altLang="zh-CN" sz="3600" b="1" dirty="0"/>
-              <a:t>Decision Tree Classifier – False Discoveries</a:t>
+              <a:t>DT Classifier – False Discoveries</a:t>
             </a:r>
           </a:p>
         </p:txBody>
@@ -5425,7 +6059,7 @@
     </p:spTree>
     <p:extLst>
       <p:ext uri="{BB962C8B-B14F-4D97-AF65-F5344CB8AC3E}">
-        <p14:creationId xmlns:p14="http://schemas.microsoft.com/office/powerpoint/2010/main" val="3492231397"/>
+        <p14:creationId xmlns:p14="http://schemas.microsoft.com/office/powerpoint/2010/main" val="1756547846"/>
       </p:ext>
     </p:extLst>
   </p:cSld>
@@ -5590,8 +6224,8 @@
         </p:nvSpPr>
         <p:spPr>
           <a:xfrm>
-            <a:off x="1555715" y="5475205"/>
-            <a:ext cx="2336738" cy="403316"/>
+            <a:off x="1555714" y="5475205"/>
+            <a:ext cx="9003429" cy="403316"/>
           </a:xfrm>
           <a:prstGeom prst="rect">
             <a:avLst/>
@@ -5615,16 +6249,170 @@
               <a:buChar char="n"/>
             </a:pPr>
             <a:r>
+              <a:rPr lang="en-US" altLang="zh-CN" dirty="0" err="1"/>
+              <a:t>best_threshold</a:t>
+            </a:r>
+            <a:r>
               <a:rPr lang="en-US" altLang="zh-CN" dirty="0"/>
-              <a:t>Todo</a:t>
-            </a:r>
-          </a:p>
-        </p:txBody>
-      </p:sp>
+              <a:t> = 0.86</a:t>
+            </a:r>
+          </a:p>
+        </p:txBody>
+      </p:sp>
+      <p:pic>
+        <p:nvPicPr>
+          <p:cNvPr id="5" name="Picture 4">
+            <a:extLst>
+              <a:ext uri="{FF2B5EF4-FFF2-40B4-BE49-F238E27FC236}">
+                <a16:creationId xmlns:a16="http://schemas.microsoft.com/office/drawing/2014/main" id="{2E7EF3D5-7690-A6E6-F139-66C95704151C}"/>
+              </a:ext>
+            </a:extLst>
+          </p:cNvPr>
+          <p:cNvPicPr>
+            <a:picLocks noChangeAspect="1"/>
+          </p:cNvPicPr>
+          <p:nvPr/>
+        </p:nvPicPr>
+        <p:blipFill>
+          <a:blip r:embed="rId2"/>
+          <a:stretch>
+            <a:fillRect/>
+          </a:stretch>
+        </p:blipFill>
+        <p:spPr>
+          <a:xfrm>
+            <a:off x="368107" y="2447851"/>
+            <a:ext cx="3746693" cy="2876698"/>
+          </a:xfrm>
+          <a:prstGeom prst="rect">
+            <a:avLst/>
+          </a:prstGeom>
+        </p:spPr>
+      </p:pic>
+      <p:pic>
+        <p:nvPicPr>
+          <p:cNvPr id="8" name="Picture 7">
+            <a:extLst>
+              <a:ext uri="{FF2B5EF4-FFF2-40B4-BE49-F238E27FC236}">
+                <a16:creationId xmlns:a16="http://schemas.microsoft.com/office/drawing/2014/main" id="{9A723B34-9EB7-0694-8CE2-15698AAF4DCF}"/>
+              </a:ext>
+            </a:extLst>
+          </p:cNvPr>
+          <p:cNvPicPr>
+            <a:picLocks noChangeAspect="1"/>
+          </p:cNvPicPr>
+          <p:nvPr/>
+        </p:nvPicPr>
+        <p:blipFill>
+          <a:blip r:embed="rId3"/>
+          <a:stretch>
+            <a:fillRect/>
+          </a:stretch>
+        </p:blipFill>
+        <p:spPr>
+          <a:xfrm>
+            <a:off x="541404" y="1277091"/>
+            <a:ext cx="6210619" cy="730288"/>
+          </a:xfrm>
+          <a:prstGeom prst="rect">
+            <a:avLst/>
+          </a:prstGeom>
+        </p:spPr>
+      </p:pic>
+      <p:pic>
+        <p:nvPicPr>
+          <p:cNvPr id="10" name="Picture 9">
+            <a:extLst>
+              <a:ext uri="{FF2B5EF4-FFF2-40B4-BE49-F238E27FC236}">
+                <a16:creationId xmlns:a16="http://schemas.microsoft.com/office/drawing/2014/main" id="{B81CFA06-1497-DCD0-5A02-EE722BD9112D}"/>
+              </a:ext>
+            </a:extLst>
+          </p:cNvPr>
+          <p:cNvPicPr>
+            <a:picLocks noChangeAspect="1"/>
+          </p:cNvPicPr>
+          <p:nvPr/>
+        </p:nvPicPr>
+        <p:blipFill>
+          <a:blip r:embed="rId4"/>
+          <a:stretch>
+            <a:fillRect/>
+          </a:stretch>
+        </p:blipFill>
+        <p:spPr>
+          <a:xfrm>
+            <a:off x="7784140" y="1272483"/>
+            <a:ext cx="2044805" cy="958899"/>
+          </a:xfrm>
+          <a:prstGeom prst="rect">
+            <a:avLst/>
+          </a:prstGeom>
+        </p:spPr>
+      </p:pic>
+      <p:pic>
+        <p:nvPicPr>
+          <p:cNvPr id="13" name="Picture 12">
+            <a:extLst>
+              <a:ext uri="{FF2B5EF4-FFF2-40B4-BE49-F238E27FC236}">
+                <a16:creationId xmlns:a16="http://schemas.microsoft.com/office/drawing/2014/main" id="{81809F26-1627-6CFF-50BD-2C6465D62AF9}"/>
+              </a:ext>
+            </a:extLst>
+          </p:cNvPr>
+          <p:cNvPicPr>
+            <a:picLocks noChangeAspect="1"/>
+          </p:cNvPicPr>
+          <p:nvPr/>
+        </p:nvPicPr>
+        <p:blipFill>
+          <a:blip r:embed="rId5"/>
+          <a:stretch>
+            <a:fillRect/>
+          </a:stretch>
+        </p:blipFill>
+        <p:spPr>
+          <a:xfrm>
+            <a:off x="4270279" y="2339896"/>
+            <a:ext cx="3651438" cy="2984653"/>
+          </a:xfrm>
+          <a:prstGeom prst="rect">
+            <a:avLst/>
+          </a:prstGeom>
+        </p:spPr>
+      </p:pic>
+      <p:pic>
+        <p:nvPicPr>
+          <p:cNvPr id="15" name="Picture 14">
+            <a:extLst>
+              <a:ext uri="{FF2B5EF4-FFF2-40B4-BE49-F238E27FC236}">
+                <a16:creationId xmlns:a16="http://schemas.microsoft.com/office/drawing/2014/main" id="{72A4567E-6192-D465-AE56-5D50F588CDB6}"/>
+              </a:ext>
+            </a:extLst>
+          </p:cNvPr>
+          <p:cNvPicPr>
+            <a:picLocks noChangeAspect="1"/>
+          </p:cNvPicPr>
+          <p:nvPr/>
+        </p:nvPicPr>
+        <p:blipFill>
+          <a:blip r:embed="rId6"/>
+          <a:stretch>
+            <a:fillRect/>
+          </a:stretch>
+        </p:blipFill>
+        <p:spPr>
+          <a:xfrm>
+            <a:off x="8185057" y="2285612"/>
+            <a:ext cx="3594285" cy="3010055"/>
+          </a:xfrm>
+          <a:prstGeom prst="rect">
+            <a:avLst/>
+          </a:prstGeom>
+        </p:spPr>
+      </p:pic>
     </p:spTree>
     <p:extLst>
       <p:ext uri="{BB962C8B-B14F-4D97-AF65-F5344CB8AC3E}">
-        <p14:creationId xmlns:p14="http://schemas.microsoft.com/office/powerpoint/2010/main" val="1756547846"/>
+        <p14:creationId xmlns:p14="http://schemas.microsoft.com/office/powerpoint/2010/main" val="3492231397"/>
       </p:ext>
     </p:extLst>
   </p:cSld>
@@ -5838,6 +6626,126 @@
           </a:p>
         </p:txBody>
       </p:sp>
+      <p:pic>
+        <p:nvPicPr>
+          <p:cNvPr id="4" name="Picture 3">
+            <a:extLst>
+              <a:ext uri="{FF2B5EF4-FFF2-40B4-BE49-F238E27FC236}">
+                <a16:creationId xmlns:a16="http://schemas.microsoft.com/office/drawing/2014/main" id="{C64C52C4-1500-9A77-F748-70E913639AE9}"/>
+              </a:ext>
+            </a:extLst>
+          </p:cNvPr>
+          <p:cNvPicPr>
+            <a:picLocks noChangeAspect="1"/>
+          </p:cNvPicPr>
+          <p:nvPr/>
+        </p:nvPicPr>
+        <p:blipFill>
+          <a:blip r:embed="rId2"/>
+          <a:stretch>
+            <a:fillRect/>
+          </a:stretch>
+        </p:blipFill>
+        <p:spPr>
+          <a:xfrm>
+            <a:off x="2997040" y="1420113"/>
+            <a:ext cx="6197919" cy="730288"/>
+          </a:xfrm>
+          <a:prstGeom prst="rect">
+            <a:avLst/>
+          </a:prstGeom>
+        </p:spPr>
+      </p:pic>
+      <p:pic>
+        <p:nvPicPr>
+          <p:cNvPr id="6" name="Picture 5">
+            <a:extLst>
+              <a:ext uri="{FF2B5EF4-FFF2-40B4-BE49-F238E27FC236}">
+                <a16:creationId xmlns:a16="http://schemas.microsoft.com/office/drawing/2014/main" id="{A1E0F0DA-FCE7-8A42-F43C-412EFE73EDC1}"/>
+              </a:ext>
+            </a:extLst>
+          </p:cNvPr>
+          <p:cNvPicPr>
+            <a:picLocks noChangeAspect="1"/>
+          </p:cNvPicPr>
+          <p:nvPr/>
+        </p:nvPicPr>
+        <p:blipFill>
+          <a:blip r:embed="rId3"/>
+          <a:stretch>
+            <a:fillRect/>
+          </a:stretch>
+        </p:blipFill>
+        <p:spPr>
+          <a:xfrm>
+            <a:off x="1669543" y="3244261"/>
+            <a:ext cx="2038455" cy="946199"/>
+          </a:xfrm>
+          <a:prstGeom prst="rect">
+            <a:avLst/>
+          </a:prstGeom>
+        </p:spPr>
+      </p:pic>
+      <p:pic>
+        <p:nvPicPr>
+          <p:cNvPr id="9" name="Picture 8">
+            <a:extLst>
+              <a:ext uri="{FF2B5EF4-FFF2-40B4-BE49-F238E27FC236}">
+                <a16:creationId xmlns:a16="http://schemas.microsoft.com/office/drawing/2014/main" id="{E56C87E7-9235-7DDE-0F91-B8CC92767C37}"/>
+              </a:ext>
+            </a:extLst>
+          </p:cNvPr>
+          <p:cNvPicPr>
+            <a:picLocks noChangeAspect="1"/>
+          </p:cNvPicPr>
+          <p:nvPr/>
+        </p:nvPicPr>
+        <p:blipFill>
+          <a:blip r:embed="rId4"/>
+          <a:stretch>
+            <a:fillRect/>
+          </a:stretch>
+        </p:blipFill>
+        <p:spPr>
+          <a:xfrm>
+            <a:off x="4048031" y="2351948"/>
+            <a:ext cx="3638737" cy="2927500"/>
+          </a:xfrm>
+          <a:prstGeom prst="rect">
+            <a:avLst/>
+          </a:prstGeom>
+        </p:spPr>
+      </p:pic>
+      <p:pic>
+        <p:nvPicPr>
+          <p:cNvPr id="13" name="Picture 12">
+            <a:extLst>
+              <a:ext uri="{FF2B5EF4-FFF2-40B4-BE49-F238E27FC236}">
+                <a16:creationId xmlns:a16="http://schemas.microsoft.com/office/drawing/2014/main" id="{1CB27D7B-5040-80CB-2F65-78A739C065CF}"/>
+              </a:ext>
+            </a:extLst>
+          </p:cNvPr>
+          <p:cNvPicPr>
+            <a:picLocks noChangeAspect="1"/>
+          </p:cNvPicPr>
+          <p:nvPr/>
+        </p:nvPicPr>
+        <p:blipFill>
+          <a:blip r:embed="rId5"/>
+          <a:stretch>
+            <a:fillRect/>
+          </a:stretch>
+        </p:blipFill>
+        <p:spPr>
+          <a:xfrm>
+            <a:off x="8026801" y="2236081"/>
+            <a:ext cx="3600635" cy="2940201"/>
+          </a:xfrm>
+          <a:prstGeom prst="rect">
+            <a:avLst/>
+          </a:prstGeom>
+        </p:spPr>
+      </p:pic>
     </p:spTree>
     <p:extLst>
       <p:ext uri="{BB962C8B-B14F-4D97-AF65-F5344CB8AC3E}">
@@ -6091,7 +6999,7 @@
             </a:pPr>
             <a:r>
               <a:rPr lang="en-US" altLang="zh-CN" dirty="0"/>
-              <a:t>Todo</a:t>
+              <a:t>Minimize Type I error (Increase precision score)</a:t>
             </a:r>
           </a:p>
           <a:p>
@@ -6525,6 +7433,126 @@
           </a:p>
         </p:txBody>
       </p:sp>
+      <p:pic>
+        <p:nvPicPr>
+          <p:cNvPr id="4" name="Picture 3">
+            <a:extLst>
+              <a:ext uri="{FF2B5EF4-FFF2-40B4-BE49-F238E27FC236}">
+                <a16:creationId xmlns:a16="http://schemas.microsoft.com/office/drawing/2014/main" id="{C2EFCF1D-1FF4-F408-A7E5-55C6E4C32341}"/>
+              </a:ext>
+            </a:extLst>
+          </p:cNvPr>
+          <p:cNvPicPr>
+            <a:picLocks noChangeAspect="1"/>
+          </p:cNvPicPr>
+          <p:nvPr/>
+        </p:nvPicPr>
+        <p:blipFill>
+          <a:blip r:embed="rId2"/>
+          <a:stretch>
+            <a:fillRect/>
+          </a:stretch>
+        </p:blipFill>
+        <p:spPr>
+          <a:xfrm>
+            <a:off x="3079595" y="1293118"/>
+            <a:ext cx="6032810" cy="711237"/>
+          </a:xfrm>
+          <a:prstGeom prst="rect">
+            <a:avLst/>
+          </a:prstGeom>
+        </p:spPr>
+      </p:pic>
+      <p:pic>
+        <p:nvPicPr>
+          <p:cNvPr id="6" name="Picture 5">
+            <a:extLst>
+              <a:ext uri="{FF2B5EF4-FFF2-40B4-BE49-F238E27FC236}">
+                <a16:creationId xmlns:a16="http://schemas.microsoft.com/office/drawing/2014/main" id="{67DB2CEE-8A87-F8B4-EBD3-BA9726E4F63F}"/>
+              </a:ext>
+            </a:extLst>
+          </p:cNvPr>
+          <p:cNvPicPr>
+            <a:picLocks noChangeAspect="1"/>
+          </p:cNvPicPr>
+          <p:nvPr/>
+        </p:nvPicPr>
+        <p:blipFill>
+          <a:blip r:embed="rId3"/>
+          <a:stretch>
+            <a:fillRect/>
+          </a:stretch>
+        </p:blipFill>
+        <p:spPr>
+          <a:xfrm>
+            <a:off x="1118253" y="3245783"/>
+            <a:ext cx="1917799" cy="920797"/>
+          </a:xfrm>
+          <a:prstGeom prst="rect">
+            <a:avLst/>
+          </a:prstGeom>
+        </p:spPr>
+      </p:pic>
+      <p:pic>
+        <p:nvPicPr>
+          <p:cNvPr id="9" name="Picture 8">
+            <a:extLst>
+              <a:ext uri="{FF2B5EF4-FFF2-40B4-BE49-F238E27FC236}">
+                <a16:creationId xmlns:a16="http://schemas.microsoft.com/office/drawing/2014/main" id="{99BEB3D6-838C-B6C5-B1FA-190FD4788FC7}"/>
+              </a:ext>
+            </a:extLst>
+          </p:cNvPr>
+          <p:cNvPicPr>
+            <a:picLocks noChangeAspect="1"/>
+          </p:cNvPicPr>
+          <p:nvPr/>
+        </p:nvPicPr>
+        <p:blipFill>
+          <a:blip r:embed="rId4"/>
+          <a:stretch>
+            <a:fillRect/>
+          </a:stretch>
+        </p:blipFill>
+        <p:spPr>
+          <a:xfrm>
+            <a:off x="3535497" y="2180382"/>
+            <a:ext cx="3575234" cy="2940201"/>
+          </a:xfrm>
+          <a:prstGeom prst="rect">
+            <a:avLst/>
+          </a:prstGeom>
+        </p:spPr>
+      </p:pic>
+      <p:pic>
+        <p:nvPicPr>
+          <p:cNvPr id="13" name="Picture 12">
+            <a:extLst>
+              <a:ext uri="{FF2B5EF4-FFF2-40B4-BE49-F238E27FC236}">
+                <a16:creationId xmlns:a16="http://schemas.microsoft.com/office/drawing/2014/main" id="{D40F53A0-8614-152C-A706-3B3710A8B529}"/>
+              </a:ext>
+            </a:extLst>
+          </p:cNvPr>
+          <p:cNvPicPr>
+            <a:picLocks noChangeAspect="1"/>
+          </p:cNvPicPr>
+          <p:nvPr/>
+        </p:nvPicPr>
+        <p:blipFill>
+          <a:blip r:embed="rId5"/>
+          <a:stretch>
+            <a:fillRect/>
+          </a:stretch>
+        </p:blipFill>
+        <p:spPr>
+          <a:xfrm>
+            <a:off x="7498513" y="2138679"/>
+            <a:ext cx="3575234" cy="2927500"/>
+          </a:xfrm>
+          <a:prstGeom prst="rect">
+            <a:avLst/>
+          </a:prstGeom>
+        </p:spPr>
+      </p:pic>
     </p:spTree>
     <p:extLst>
       <p:ext uri="{BB962C8B-B14F-4D97-AF65-F5344CB8AC3E}">
@@ -6728,6 +7756,66 @@
           </a:p>
         </p:txBody>
       </p:sp>
+      <p:pic>
+        <p:nvPicPr>
+          <p:cNvPr id="8" name="Picture 7">
+            <a:extLst>
+              <a:ext uri="{FF2B5EF4-FFF2-40B4-BE49-F238E27FC236}">
+                <a16:creationId xmlns:a16="http://schemas.microsoft.com/office/drawing/2014/main" id="{918B6D41-41F6-373D-60F5-BAD657CF6218}"/>
+              </a:ext>
+            </a:extLst>
+          </p:cNvPr>
+          <p:cNvPicPr>
+            <a:picLocks noChangeAspect="1"/>
+          </p:cNvPicPr>
+          <p:nvPr/>
+        </p:nvPicPr>
+        <p:blipFill>
+          <a:blip r:embed="rId2"/>
+          <a:stretch>
+            <a:fillRect/>
+          </a:stretch>
+        </p:blipFill>
+        <p:spPr>
+          <a:xfrm>
+            <a:off x="1518928" y="2372613"/>
+            <a:ext cx="3232316" cy="2667137"/>
+          </a:xfrm>
+          <a:prstGeom prst="rect">
+            <a:avLst/>
+          </a:prstGeom>
+        </p:spPr>
+      </p:pic>
+      <p:pic>
+        <p:nvPicPr>
+          <p:cNvPr id="12" name="Picture 11">
+            <a:extLst>
+              <a:ext uri="{FF2B5EF4-FFF2-40B4-BE49-F238E27FC236}">
+                <a16:creationId xmlns:a16="http://schemas.microsoft.com/office/drawing/2014/main" id="{87AD1755-D907-1DF7-0688-CF0C74954822}"/>
+              </a:ext>
+            </a:extLst>
+          </p:cNvPr>
+          <p:cNvPicPr>
+            <a:picLocks noChangeAspect="1"/>
+          </p:cNvPicPr>
+          <p:nvPr/>
+        </p:nvPicPr>
+        <p:blipFill>
+          <a:blip r:embed="rId3"/>
+          <a:stretch>
+            <a:fillRect/>
+          </a:stretch>
+        </p:blipFill>
+        <p:spPr>
+          <a:xfrm>
+            <a:off x="6749884" y="2611006"/>
+            <a:ext cx="3232316" cy="3327571"/>
+          </a:xfrm>
+          <a:prstGeom prst="rect">
+            <a:avLst/>
+          </a:prstGeom>
+        </p:spPr>
+      </p:pic>
     </p:spTree>
     <p:extLst>
       <p:ext uri="{BB962C8B-B14F-4D97-AF65-F5344CB8AC3E}">
@@ -7103,8 +8191,8 @@
         </p:nvSpPr>
         <p:spPr>
           <a:xfrm>
-            <a:off x="1555715" y="5475205"/>
-            <a:ext cx="2336738" cy="403316"/>
+            <a:off x="1555714" y="5475205"/>
+            <a:ext cx="9504171" cy="403316"/>
           </a:xfrm>
           <a:prstGeom prst="rect">
             <a:avLst/>
@@ -7128,12 +8216,166 @@
               <a:buChar char="n"/>
             </a:pPr>
             <a:r>
+              <a:rPr lang="en-US" altLang="zh-CN" dirty="0" err="1"/>
+              <a:t>best_threshold</a:t>
+            </a:r>
+            <a:r>
               <a:rPr lang="en-US" altLang="zh-CN" dirty="0"/>
-              <a:t>Todo</a:t>
-            </a:r>
-          </a:p>
-        </p:txBody>
-      </p:sp>
+              <a:t> = 0.78</a:t>
+            </a:r>
+          </a:p>
+        </p:txBody>
+      </p:sp>
+      <p:pic>
+        <p:nvPicPr>
+          <p:cNvPr id="5" name="Picture 4">
+            <a:extLst>
+              <a:ext uri="{FF2B5EF4-FFF2-40B4-BE49-F238E27FC236}">
+                <a16:creationId xmlns:a16="http://schemas.microsoft.com/office/drawing/2014/main" id="{CA495C43-8016-3828-39A5-BBDDDC5BDE33}"/>
+              </a:ext>
+            </a:extLst>
+          </p:cNvPr>
+          <p:cNvPicPr>
+            <a:picLocks noChangeAspect="1"/>
+          </p:cNvPicPr>
+          <p:nvPr/>
+        </p:nvPicPr>
+        <p:blipFill>
+          <a:blip r:embed="rId2"/>
+          <a:stretch>
+            <a:fillRect/>
+          </a:stretch>
+        </p:blipFill>
+        <p:spPr>
+          <a:xfrm>
+            <a:off x="841212" y="2553150"/>
+            <a:ext cx="3765744" cy="2889398"/>
+          </a:xfrm>
+          <a:prstGeom prst="rect">
+            <a:avLst/>
+          </a:prstGeom>
+        </p:spPr>
+      </p:pic>
+      <p:pic>
+        <p:nvPicPr>
+          <p:cNvPr id="8" name="Picture 7">
+            <a:extLst>
+              <a:ext uri="{FF2B5EF4-FFF2-40B4-BE49-F238E27FC236}">
+                <a16:creationId xmlns:a16="http://schemas.microsoft.com/office/drawing/2014/main" id="{314DAF61-B4F1-FD36-AFE1-4036C8A002F0}"/>
+              </a:ext>
+            </a:extLst>
+          </p:cNvPr>
+          <p:cNvPicPr>
+            <a:picLocks noChangeAspect="1"/>
+          </p:cNvPicPr>
+          <p:nvPr/>
+        </p:nvPicPr>
+        <p:blipFill>
+          <a:blip r:embed="rId3"/>
+          <a:stretch>
+            <a:fillRect/>
+          </a:stretch>
+        </p:blipFill>
+        <p:spPr>
+          <a:xfrm>
+            <a:off x="3327246" y="1325096"/>
+            <a:ext cx="5994708" cy="692186"/>
+          </a:xfrm>
+          <a:prstGeom prst="rect">
+            <a:avLst/>
+          </a:prstGeom>
+        </p:spPr>
+      </p:pic>
+      <p:pic>
+        <p:nvPicPr>
+          <p:cNvPr id="10" name="Picture 9">
+            <a:extLst>
+              <a:ext uri="{FF2B5EF4-FFF2-40B4-BE49-F238E27FC236}">
+                <a16:creationId xmlns:a16="http://schemas.microsoft.com/office/drawing/2014/main" id="{C648A0D0-5CD5-40C3-61B3-8621E5D4DE5B}"/>
+              </a:ext>
+            </a:extLst>
+          </p:cNvPr>
+          <p:cNvPicPr>
+            <a:picLocks noChangeAspect="1"/>
+          </p:cNvPicPr>
+          <p:nvPr/>
+        </p:nvPicPr>
+        <p:blipFill>
+          <a:blip r:embed="rId4"/>
+          <a:stretch>
+            <a:fillRect/>
+          </a:stretch>
+        </p:blipFill>
+        <p:spPr>
+          <a:xfrm>
+            <a:off x="574589" y="1201534"/>
+            <a:ext cx="1962251" cy="927148"/>
+          </a:xfrm>
+          <a:prstGeom prst="rect">
+            <a:avLst/>
+          </a:prstGeom>
+        </p:spPr>
+      </p:pic>
+      <p:pic>
+        <p:nvPicPr>
+          <p:cNvPr id="13" name="Picture 12">
+            <a:extLst>
+              <a:ext uri="{FF2B5EF4-FFF2-40B4-BE49-F238E27FC236}">
+                <a16:creationId xmlns:a16="http://schemas.microsoft.com/office/drawing/2014/main" id="{3AF4AB0B-3633-D820-26EC-E7CD370C249B}"/>
+              </a:ext>
+            </a:extLst>
+          </p:cNvPr>
+          <p:cNvPicPr>
+            <a:picLocks noChangeAspect="1"/>
+          </p:cNvPicPr>
+          <p:nvPr/>
+        </p:nvPicPr>
+        <p:blipFill>
+          <a:blip r:embed="rId5"/>
+          <a:stretch>
+            <a:fillRect/>
+          </a:stretch>
+        </p:blipFill>
+        <p:spPr>
+          <a:xfrm>
+            <a:off x="4606956" y="2441750"/>
+            <a:ext cx="3562533" cy="2952902"/>
+          </a:xfrm>
+          <a:prstGeom prst="rect">
+            <a:avLst/>
+          </a:prstGeom>
+        </p:spPr>
+      </p:pic>
+      <p:pic>
+        <p:nvPicPr>
+          <p:cNvPr id="15" name="Picture 14">
+            <a:extLst>
+              <a:ext uri="{FF2B5EF4-FFF2-40B4-BE49-F238E27FC236}">
+                <a16:creationId xmlns:a16="http://schemas.microsoft.com/office/drawing/2014/main" id="{D64ACD75-498D-62F8-E7E4-6421C4395D0D}"/>
+              </a:ext>
+            </a:extLst>
+          </p:cNvPr>
+          <p:cNvPicPr>
+            <a:picLocks noChangeAspect="1"/>
+          </p:cNvPicPr>
+          <p:nvPr/>
+        </p:nvPicPr>
+        <p:blipFill>
+          <a:blip r:embed="rId6"/>
+          <a:stretch>
+            <a:fillRect/>
+          </a:stretch>
+        </p:blipFill>
+        <p:spPr>
+          <a:xfrm>
+            <a:off x="8299549" y="2508697"/>
+            <a:ext cx="3568883" cy="2933851"/>
+          </a:xfrm>
+          <a:prstGeom prst="rect">
+            <a:avLst/>
+          </a:prstGeom>
+        </p:spPr>
+      </p:pic>
     </p:spTree>
     <p:extLst>
       <p:ext uri="{BB962C8B-B14F-4D97-AF65-F5344CB8AC3E}">
@@ -7347,6 +8589,126 @@
           </a:p>
         </p:txBody>
       </p:sp>
+      <p:pic>
+        <p:nvPicPr>
+          <p:cNvPr id="5" name="Picture 4">
+            <a:extLst>
+              <a:ext uri="{FF2B5EF4-FFF2-40B4-BE49-F238E27FC236}">
+                <a16:creationId xmlns:a16="http://schemas.microsoft.com/office/drawing/2014/main" id="{D2EFEEB8-B50D-57FB-DF0F-8EE1CD99A4F9}"/>
+              </a:ext>
+            </a:extLst>
+          </p:cNvPr>
+          <p:cNvPicPr>
+            <a:picLocks noChangeAspect="1"/>
+          </p:cNvPicPr>
+          <p:nvPr/>
+        </p:nvPicPr>
+        <p:blipFill>
+          <a:blip r:embed="rId2"/>
+          <a:stretch>
+            <a:fillRect/>
+          </a:stretch>
+        </p:blipFill>
+        <p:spPr>
+          <a:xfrm>
+            <a:off x="2751663" y="1358432"/>
+            <a:ext cx="6013759" cy="723937"/>
+          </a:xfrm>
+          <a:prstGeom prst="rect">
+            <a:avLst/>
+          </a:prstGeom>
+        </p:spPr>
+      </p:pic>
+      <p:pic>
+        <p:nvPicPr>
+          <p:cNvPr id="10" name="Picture 9">
+            <a:extLst>
+              <a:ext uri="{FF2B5EF4-FFF2-40B4-BE49-F238E27FC236}">
+                <a16:creationId xmlns:a16="http://schemas.microsoft.com/office/drawing/2014/main" id="{483A119E-2C33-EE9D-B0B0-E0A4FAE178F1}"/>
+              </a:ext>
+            </a:extLst>
+          </p:cNvPr>
+          <p:cNvPicPr>
+            <a:picLocks noChangeAspect="1"/>
+          </p:cNvPicPr>
+          <p:nvPr/>
+        </p:nvPicPr>
+        <p:blipFill>
+          <a:blip r:embed="rId3"/>
+          <a:stretch>
+            <a:fillRect/>
+          </a:stretch>
+        </p:blipFill>
+        <p:spPr>
+          <a:xfrm>
+            <a:off x="1686526" y="3239433"/>
+            <a:ext cx="2006703" cy="933498"/>
+          </a:xfrm>
+          <a:prstGeom prst="rect">
+            <a:avLst/>
+          </a:prstGeom>
+        </p:spPr>
+      </p:pic>
+      <p:pic>
+        <p:nvPicPr>
+          <p:cNvPr id="15" name="Picture 14">
+            <a:extLst>
+              <a:ext uri="{FF2B5EF4-FFF2-40B4-BE49-F238E27FC236}">
+                <a16:creationId xmlns:a16="http://schemas.microsoft.com/office/drawing/2014/main" id="{16BF2AE3-2997-5D22-39FC-01F6A0211F72}"/>
+              </a:ext>
+            </a:extLst>
+          </p:cNvPr>
+          <p:cNvPicPr>
+            <a:picLocks noChangeAspect="1"/>
+          </p:cNvPicPr>
+          <p:nvPr/>
+        </p:nvPicPr>
+        <p:blipFill>
+          <a:blip r:embed="rId4"/>
+          <a:stretch>
+            <a:fillRect/>
+          </a:stretch>
+        </p:blipFill>
+        <p:spPr>
+          <a:xfrm>
+            <a:off x="8020411" y="2066973"/>
+            <a:ext cx="3575234" cy="2952902"/>
+          </a:xfrm>
+          <a:prstGeom prst="rect">
+            <a:avLst/>
+          </a:prstGeom>
+        </p:spPr>
+      </p:pic>
+      <p:pic>
+        <p:nvPicPr>
+          <p:cNvPr id="17" name="Picture 16">
+            <a:extLst>
+              <a:ext uri="{FF2B5EF4-FFF2-40B4-BE49-F238E27FC236}">
+                <a16:creationId xmlns:a16="http://schemas.microsoft.com/office/drawing/2014/main" id="{7B72DF61-D41D-D38D-7939-769A2770A436}"/>
+              </a:ext>
+            </a:extLst>
+          </p:cNvPr>
+          <p:cNvPicPr>
+            <a:picLocks noChangeAspect="1"/>
+          </p:cNvPicPr>
+          <p:nvPr/>
+        </p:nvPicPr>
+        <p:blipFill>
+          <a:blip r:embed="rId5"/>
+          <a:stretch>
+            <a:fillRect/>
+          </a:stretch>
+        </p:blipFill>
+        <p:spPr>
+          <a:xfrm>
+            <a:off x="4171590" y="2232906"/>
+            <a:ext cx="3581584" cy="2946551"/>
+          </a:xfrm>
+          <a:prstGeom prst="rect">
+            <a:avLst/>
+          </a:prstGeom>
+        </p:spPr>
+      </p:pic>
     </p:spTree>
     <p:extLst>
       <p:ext uri="{BB962C8B-B14F-4D97-AF65-F5344CB8AC3E}">
@@ -7564,6 +8926,126 @@
           </a:p>
         </p:txBody>
       </p:sp>
+      <p:pic>
+        <p:nvPicPr>
+          <p:cNvPr id="6" name="Picture 5">
+            <a:extLst>
+              <a:ext uri="{FF2B5EF4-FFF2-40B4-BE49-F238E27FC236}">
+                <a16:creationId xmlns:a16="http://schemas.microsoft.com/office/drawing/2014/main" id="{00F4FC39-BCE5-FB55-A7C5-FDBFD213E23D}"/>
+              </a:ext>
+            </a:extLst>
+          </p:cNvPr>
+          <p:cNvPicPr>
+            <a:picLocks noChangeAspect="1"/>
+          </p:cNvPicPr>
+          <p:nvPr/>
+        </p:nvPicPr>
+        <p:blipFill>
+          <a:blip r:embed="rId2"/>
+          <a:stretch>
+            <a:fillRect/>
+          </a:stretch>
+        </p:blipFill>
+        <p:spPr>
+          <a:xfrm>
+            <a:off x="3082770" y="1385645"/>
+            <a:ext cx="6026460" cy="603281"/>
+          </a:xfrm>
+          <a:prstGeom prst="rect">
+            <a:avLst/>
+          </a:prstGeom>
+        </p:spPr>
+      </p:pic>
+      <p:pic>
+        <p:nvPicPr>
+          <p:cNvPr id="10" name="Picture 9">
+            <a:extLst>
+              <a:ext uri="{FF2B5EF4-FFF2-40B4-BE49-F238E27FC236}">
+                <a16:creationId xmlns:a16="http://schemas.microsoft.com/office/drawing/2014/main" id="{D50EE16E-52C7-F24D-0D17-CCA80A8C2172}"/>
+              </a:ext>
+            </a:extLst>
+          </p:cNvPr>
+          <p:cNvPicPr>
+            <a:picLocks noChangeAspect="1"/>
+          </p:cNvPicPr>
+          <p:nvPr/>
+        </p:nvPicPr>
+        <p:blipFill>
+          <a:blip r:embed="rId3"/>
+          <a:stretch>
+            <a:fillRect/>
+          </a:stretch>
+        </p:blipFill>
+        <p:spPr>
+          <a:xfrm>
+            <a:off x="1044413" y="2986834"/>
+            <a:ext cx="2070206" cy="946199"/>
+          </a:xfrm>
+          <a:prstGeom prst="rect">
+            <a:avLst/>
+          </a:prstGeom>
+        </p:spPr>
+      </p:pic>
+      <p:pic>
+        <p:nvPicPr>
+          <p:cNvPr id="15" name="Picture 14">
+            <a:extLst>
+              <a:ext uri="{FF2B5EF4-FFF2-40B4-BE49-F238E27FC236}">
+                <a16:creationId xmlns:a16="http://schemas.microsoft.com/office/drawing/2014/main" id="{6D3AB649-38C3-D82D-E1CF-A9580751A5AE}"/>
+              </a:ext>
+            </a:extLst>
+          </p:cNvPr>
+          <p:cNvPicPr>
+            <a:picLocks noChangeAspect="1"/>
+          </p:cNvPicPr>
+          <p:nvPr/>
+        </p:nvPicPr>
+        <p:blipFill>
+          <a:blip r:embed="rId4"/>
+          <a:stretch>
+            <a:fillRect/>
+          </a:stretch>
+        </p:blipFill>
+        <p:spPr>
+          <a:xfrm>
+            <a:off x="3736431" y="2223381"/>
+            <a:ext cx="3543482" cy="2965602"/>
+          </a:xfrm>
+          <a:prstGeom prst="rect">
+            <a:avLst/>
+          </a:prstGeom>
+        </p:spPr>
+      </p:pic>
+      <p:pic>
+        <p:nvPicPr>
+          <p:cNvPr id="17" name="Picture 16">
+            <a:extLst>
+              <a:ext uri="{FF2B5EF4-FFF2-40B4-BE49-F238E27FC236}">
+                <a16:creationId xmlns:a16="http://schemas.microsoft.com/office/drawing/2014/main" id="{99A4BD16-ABFD-1722-5C07-D992EBF2709D}"/>
+              </a:ext>
+            </a:extLst>
+          </p:cNvPr>
+          <p:cNvPicPr>
+            <a:picLocks noChangeAspect="1"/>
+          </p:cNvPicPr>
+          <p:nvPr/>
+        </p:nvPicPr>
+        <p:blipFill>
+          <a:blip r:embed="rId5"/>
+          <a:stretch>
+            <a:fillRect/>
+          </a:stretch>
+        </p:blipFill>
+        <p:spPr>
+          <a:xfrm>
+            <a:off x="7591404" y="2142240"/>
+            <a:ext cx="3556183" cy="2933851"/>
+          </a:xfrm>
+          <a:prstGeom prst="rect">
+            <a:avLst/>
+          </a:prstGeom>
+        </p:spPr>
+      </p:pic>
     </p:spTree>
     <p:extLst>
       <p:ext uri="{BB962C8B-B14F-4D97-AF65-F5344CB8AC3E}">
@@ -7767,6 +9249,36 @@
           </a:p>
         </p:txBody>
       </p:sp>
+      <p:pic>
+        <p:nvPicPr>
+          <p:cNvPr id="8" name="Picture 7">
+            <a:extLst>
+              <a:ext uri="{FF2B5EF4-FFF2-40B4-BE49-F238E27FC236}">
+                <a16:creationId xmlns:a16="http://schemas.microsoft.com/office/drawing/2014/main" id="{D7CE127C-FE1C-EF32-1BA0-BA051904F4F1}"/>
+              </a:ext>
+            </a:extLst>
+          </p:cNvPr>
+          <p:cNvPicPr>
+            <a:picLocks noChangeAspect="1"/>
+          </p:cNvPicPr>
+          <p:nvPr/>
+        </p:nvPicPr>
+        <p:blipFill>
+          <a:blip r:embed="rId2"/>
+          <a:stretch>
+            <a:fillRect/>
+          </a:stretch>
+        </p:blipFill>
+        <p:spPr>
+          <a:xfrm>
+            <a:off x="1133404" y="2242432"/>
+            <a:ext cx="2762392" cy="2927500"/>
+          </a:xfrm>
+          <a:prstGeom prst="rect">
+            <a:avLst/>
+          </a:prstGeom>
+        </p:spPr>
+      </p:pic>
     </p:spTree>
     <p:extLst>
       <p:ext uri="{BB962C8B-B14F-4D97-AF65-F5344CB8AC3E}">
@@ -8142,8 +9654,8 @@
         </p:nvSpPr>
         <p:spPr>
           <a:xfrm>
-            <a:off x="803018" y="5700674"/>
-            <a:ext cx="2336738" cy="403316"/>
+            <a:off x="803017" y="5700674"/>
+            <a:ext cx="10191553" cy="403316"/>
           </a:xfrm>
           <a:prstGeom prst="rect">
             <a:avLst/>
@@ -8167,12 +9679,166 @@
               <a:buChar char="n"/>
             </a:pPr>
             <a:r>
+              <a:rPr lang="en-US" altLang="zh-CN" dirty="0" err="1"/>
+              <a:t>best_threshold</a:t>
+            </a:r>
+            <a:r>
               <a:rPr lang="en-US" altLang="zh-CN" dirty="0"/>
-              <a:t>Todo</a:t>
-            </a:r>
-          </a:p>
-        </p:txBody>
-      </p:sp>
+              <a:t> = 0.13</a:t>
+            </a:r>
+          </a:p>
+        </p:txBody>
+      </p:sp>
+      <p:pic>
+        <p:nvPicPr>
+          <p:cNvPr id="5" name="Picture 4">
+            <a:extLst>
+              <a:ext uri="{FF2B5EF4-FFF2-40B4-BE49-F238E27FC236}">
+                <a16:creationId xmlns:a16="http://schemas.microsoft.com/office/drawing/2014/main" id="{E8B9F9BC-7C98-244E-BAA3-027FEF74895A}"/>
+              </a:ext>
+            </a:extLst>
+          </p:cNvPr>
+          <p:cNvPicPr>
+            <a:picLocks noChangeAspect="1"/>
+          </p:cNvPicPr>
+          <p:nvPr/>
+        </p:nvPicPr>
+        <p:blipFill>
+          <a:blip r:embed="rId2"/>
+          <a:stretch>
+            <a:fillRect/>
+          </a:stretch>
+        </p:blipFill>
+        <p:spPr>
+          <a:xfrm>
+            <a:off x="536023" y="2669646"/>
+            <a:ext cx="3848298" cy="2933851"/>
+          </a:xfrm>
+          <a:prstGeom prst="rect">
+            <a:avLst/>
+          </a:prstGeom>
+        </p:spPr>
+      </p:pic>
+      <p:pic>
+        <p:nvPicPr>
+          <p:cNvPr id="8" name="Picture 7">
+            <a:extLst>
+              <a:ext uri="{FF2B5EF4-FFF2-40B4-BE49-F238E27FC236}">
+                <a16:creationId xmlns:a16="http://schemas.microsoft.com/office/drawing/2014/main" id="{13C42152-B313-595A-0E0C-658E366CD614}"/>
+              </a:ext>
+            </a:extLst>
+          </p:cNvPr>
+          <p:cNvPicPr>
+            <a:picLocks noChangeAspect="1"/>
+          </p:cNvPicPr>
+          <p:nvPr/>
+        </p:nvPicPr>
+        <p:blipFill>
+          <a:blip r:embed="rId3"/>
+          <a:stretch>
+            <a:fillRect/>
+          </a:stretch>
+        </p:blipFill>
+        <p:spPr>
+          <a:xfrm>
+            <a:off x="896557" y="1428279"/>
+            <a:ext cx="6001058" cy="692186"/>
+          </a:xfrm>
+          <a:prstGeom prst="rect">
+            <a:avLst/>
+          </a:prstGeom>
+        </p:spPr>
+      </p:pic>
+      <p:pic>
+        <p:nvPicPr>
+          <p:cNvPr id="10" name="Picture 9">
+            <a:extLst>
+              <a:ext uri="{FF2B5EF4-FFF2-40B4-BE49-F238E27FC236}">
+                <a16:creationId xmlns:a16="http://schemas.microsoft.com/office/drawing/2014/main" id="{49CB2157-C5CE-B3DC-D35A-530FA2656BF5}"/>
+              </a:ext>
+            </a:extLst>
+          </p:cNvPr>
+          <p:cNvPicPr>
+            <a:picLocks noChangeAspect="1"/>
+          </p:cNvPicPr>
+          <p:nvPr/>
+        </p:nvPicPr>
+        <p:blipFill>
+          <a:blip r:embed="rId4"/>
+          <a:stretch>
+            <a:fillRect/>
+          </a:stretch>
+        </p:blipFill>
+        <p:spPr>
+          <a:xfrm>
+            <a:off x="7924745" y="1162521"/>
+            <a:ext cx="2133710" cy="914447"/>
+          </a:xfrm>
+          <a:prstGeom prst="rect">
+            <a:avLst/>
+          </a:prstGeom>
+        </p:spPr>
+      </p:pic>
+      <p:pic>
+        <p:nvPicPr>
+          <p:cNvPr id="13" name="Picture 12">
+            <a:extLst>
+              <a:ext uri="{FF2B5EF4-FFF2-40B4-BE49-F238E27FC236}">
+                <a16:creationId xmlns:a16="http://schemas.microsoft.com/office/drawing/2014/main" id="{7CBB1006-A040-93A9-3115-52EFF20F894F}"/>
+              </a:ext>
+            </a:extLst>
+          </p:cNvPr>
+          <p:cNvPicPr>
+            <a:picLocks noChangeAspect="1"/>
+          </p:cNvPicPr>
+          <p:nvPr/>
+        </p:nvPicPr>
+        <p:blipFill>
+          <a:blip r:embed="rId5"/>
+          <a:stretch>
+            <a:fillRect/>
+          </a:stretch>
+        </p:blipFill>
+        <p:spPr>
+          <a:xfrm>
+            <a:off x="4462598" y="2449233"/>
+            <a:ext cx="3549832" cy="2946551"/>
+          </a:xfrm>
+          <a:prstGeom prst="rect">
+            <a:avLst/>
+          </a:prstGeom>
+        </p:spPr>
+      </p:pic>
+      <p:pic>
+        <p:nvPicPr>
+          <p:cNvPr id="15" name="Picture 14">
+            <a:extLst>
+              <a:ext uri="{FF2B5EF4-FFF2-40B4-BE49-F238E27FC236}">
+                <a16:creationId xmlns:a16="http://schemas.microsoft.com/office/drawing/2014/main" id="{DFCC3D5D-07C2-2CA0-4385-F6F730FD7093}"/>
+              </a:ext>
+            </a:extLst>
+          </p:cNvPr>
+          <p:cNvPicPr>
+            <a:picLocks noChangeAspect="1"/>
+          </p:cNvPicPr>
+          <p:nvPr/>
+        </p:nvPicPr>
+        <p:blipFill>
+          <a:blip r:embed="rId6"/>
+          <a:stretch>
+            <a:fillRect/>
+          </a:stretch>
+        </p:blipFill>
+        <p:spPr>
+          <a:xfrm>
+            <a:off x="8280363" y="2508113"/>
+            <a:ext cx="3556183" cy="2940201"/>
+          </a:xfrm>
+          <a:prstGeom prst="rect">
+            <a:avLst/>
+          </a:prstGeom>
+        </p:spPr>
+      </p:pic>
     </p:spTree>
     <p:extLst>
       <p:ext uri="{BB962C8B-B14F-4D97-AF65-F5344CB8AC3E}">
@@ -8688,6 +10354,156 @@
           </a:p>
         </p:txBody>
       </p:sp>
+      <p:pic>
+        <p:nvPicPr>
+          <p:cNvPr id="4" name="Picture 3">
+            <a:extLst>
+              <a:ext uri="{FF2B5EF4-FFF2-40B4-BE49-F238E27FC236}">
+                <a16:creationId xmlns:a16="http://schemas.microsoft.com/office/drawing/2014/main" id="{71ADB42F-8292-DBE7-465B-73DD9A5B7731}"/>
+              </a:ext>
+            </a:extLst>
+          </p:cNvPr>
+          <p:cNvPicPr>
+            <a:picLocks noChangeAspect="1"/>
+          </p:cNvPicPr>
+          <p:nvPr/>
+        </p:nvPicPr>
+        <p:blipFill>
+          <a:blip r:embed="rId2"/>
+          <a:stretch>
+            <a:fillRect/>
+          </a:stretch>
+        </p:blipFill>
+        <p:spPr>
+          <a:xfrm>
+            <a:off x="324781" y="1990362"/>
+            <a:ext cx="5315223" cy="679485"/>
+          </a:xfrm>
+          <a:prstGeom prst="rect">
+            <a:avLst/>
+          </a:prstGeom>
+        </p:spPr>
+      </p:pic>
+      <p:pic>
+        <p:nvPicPr>
+          <p:cNvPr id="6" name="Picture 5">
+            <a:extLst>
+              <a:ext uri="{FF2B5EF4-FFF2-40B4-BE49-F238E27FC236}">
+                <a16:creationId xmlns:a16="http://schemas.microsoft.com/office/drawing/2014/main" id="{F9FDA6C3-B93E-D27F-C302-62F60BF98D96}"/>
+              </a:ext>
+            </a:extLst>
+          </p:cNvPr>
+          <p:cNvPicPr>
+            <a:picLocks noChangeAspect="1"/>
+          </p:cNvPicPr>
+          <p:nvPr/>
+        </p:nvPicPr>
+        <p:blipFill>
+          <a:blip r:embed="rId3"/>
+          <a:stretch>
+            <a:fillRect/>
+          </a:stretch>
+        </p:blipFill>
+        <p:spPr>
+          <a:xfrm>
+            <a:off x="324781" y="3565659"/>
+            <a:ext cx="5296172" cy="673135"/>
+          </a:xfrm>
+          <a:prstGeom prst="rect">
+            <a:avLst/>
+          </a:prstGeom>
+        </p:spPr>
+      </p:pic>
+      <p:pic>
+        <p:nvPicPr>
+          <p:cNvPr id="9" name="Picture 8">
+            <a:extLst>
+              <a:ext uri="{FF2B5EF4-FFF2-40B4-BE49-F238E27FC236}">
+                <a16:creationId xmlns:a16="http://schemas.microsoft.com/office/drawing/2014/main" id="{B9655069-EC63-D26C-B41C-093C222BA4E9}"/>
+              </a:ext>
+            </a:extLst>
+          </p:cNvPr>
+          <p:cNvPicPr>
+            <a:picLocks noChangeAspect="1"/>
+          </p:cNvPicPr>
+          <p:nvPr/>
+        </p:nvPicPr>
+        <p:blipFill>
+          <a:blip r:embed="rId4"/>
+          <a:stretch>
+            <a:fillRect/>
+          </a:stretch>
+        </p:blipFill>
+        <p:spPr>
+          <a:xfrm>
+            <a:off x="6551998" y="1961724"/>
+            <a:ext cx="5346975" cy="679485"/>
+          </a:xfrm>
+          <a:prstGeom prst="rect">
+            <a:avLst/>
+          </a:prstGeom>
+        </p:spPr>
+      </p:pic>
+      <p:pic>
+        <p:nvPicPr>
+          <p:cNvPr id="13" name="Picture 12">
+            <a:extLst>
+              <a:ext uri="{FF2B5EF4-FFF2-40B4-BE49-F238E27FC236}">
+                <a16:creationId xmlns:a16="http://schemas.microsoft.com/office/drawing/2014/main" id="{4D4E4558-007A-CCED-4AE5-A75586A26EF0}"/>
+              </a:ext>
+            </a:extLst>
+          </p:cNvPr>
+          <p:cNvPicPr>
+            <a:picLocks noChangeAspect="1"/>
+          </p:cNvPicPr>
+          <p:nvPr/>
+        </p:nvPicPr>
+        <p:blipFill>
+          <a:blip r:embed="rId5"/>
+          <a:stretch>
+            <a:fillRect/>
+          </a:stretch>
+        </p:blipFill>
+        <p:spPr>
+          <a:xfrm>
+            <a:off x="369233" y="5031350"/>
+            <a:ext cx="5270771" cy="654084"/>
+          </a:xfrm>
+          <a:prstGeom prst="rect">
+            <a:avLst/>
+          </a:prstGeom>
+        </p:spPr>
+      </p:pic>
+      <p:pic>
+        <p:nvPicPr>
+          <p:cNvPr id="15" name="Picture 14">
+            <a:extLst>
+              <a:ext uri="{FF2B5EF4-FFF2-40B4-BE49-F238E27FC236}">
+                <a16:creationId xmlns:a16="http://schemas.microsoft.com/office/drawing/2014/main" id="{9FB9125F-B2B9-4A77-841C-4CEA4B3376EC}"/>
+              </a:ext>
+            </a:extLst>
+          </p:cNvPr>
+          <p:cNvPicPr>
+            <a:picLocks noChangeAspect="1"/>
+          </p:cNvPicPr>
+          <p:nvPr/>
+        </p:nvPicPr>
+        <p:blipFill>
+          <a:blip r:embed="rId6"/>
+          <a:stretch>
+            <a:fillRect/>
+          </a:stretch>
+        </p:blipFill>
+        <p:spPr>
+          <a:xfrm>
+            <a:off x="6628200" y="3444830"/>
+            <a:ext cx="5239019" cy="673135"/>
+          </a:xfrm>
+          <a:prstGeom prst="rect">
+            <a:avLst/>
+          </a:prstGeom>
+        </p:spPr>
+      </p:pic>
     </p:spTree>
     <p:extLst>
       <p:ext uri="{BB962C8B-B14F-4D97-AF65-F5344CB8AC3E}">
@@ -8901,7 +10717,7 @@
         </p:nvSpPr>
         <p:spPr>
           <a:xfrm>
-            <a:off x="781875" y="2291638"/>
+            <a:off x="781875" y="2504948"/>
             <a:ext cx="2734211" cy="403316"/>
           </a:xfrm>
           <a:prstGeom prst="rect">
@@ -9115,6 +10931,36 @@
           </a:p>
         </p:txBody>
       </p:sp>
+      <p:pic>
+        <p:nvPicPr>
+          <p:cNvPr id="5" name="Picture 4">
+            <a:extLst>
+              <a:ext uri="{FF2B5EF4-FFF2-40B4-BE49-F238E27FC236}">
+                <a16:creationId xmlns:a16="http://schemas.microsoft.com/office/drawing/2014/main" id="{EFFAF6AA-D9AD-AB43-5503-18C52E82E9FB}"/>
+              </a:ext>
+            </a:extLst>
+          </p:cNvPr>
+          <p:cNvPicPr>
+            <a:picLocks noChangeAspect="1"/>
+          </p:cNvPicPr>
+          <p:nvPr/>
+        </p:nvPicPr>
+        <p:blipFill>
+          <a:blip r:embed="rId2"/>
+          <a:stretch>
+            <a:fillRect/>
+          </a:stretch>
+        </p:blipFill>
+        <p:spPr>
+          <a:xfrm>
+            <a:off x="926355" y="1745982"/>
+            <a:ext cx="9055845" cy="665595"/>
+          </a:xfrm>
+          <a:prstGeom prst="rect">
+            <a:avLst/>
+          </a:prstGeom>
+        </p:spPr>
+      </p:pic>
     </p:spTree>
     <p:extLst>
       <p:ext uri="{BB962C8B-B14F-4D97-AF65-F5344CB8AC3E}">
@@ -9721,7 +11567,7 @@
         <p:spPr>
           <a:xfrm>
             <a:off x="687659" y="5575769"/>
-            <a:ext cx="10560714" cy="403316"/>
+            <a:ext cx="10560714" cy="735714"/>
           </a:xfrm>
           <a:prstGeom prst="rect">
             <a:avLst/>
@@ -9746,11 +11592,155 @@
             </a:pPr>
             <a:r>
               <a:rPr lang="en-US" altLang="zh-CN" dirty="0"/>
-              <a:t>Todo</a:t>
-            </a:r>
-          </a:p>
-        </p:txBody>
-      </p:sp>
+              <a:t>Compared with the default model, </a:t>
+            </a:r>
+            <a:r>
+              <a:rPr lang="en-US" altLang="zh-CN" b="1" dirty="0"/>
+              <a:t>precision </a:t>
+            </a:r>
+            <a:r>
+              <a:rPr lang="en-US" altLang="zh-CN" dirty="0"/>
+              <a:t>and </a:t>
+            </a:r>
+            <a:r>
+              <a:rPr lang="en-US" altLang="zh-CN" b="1" dirty="0" err="1"/>
+              <a:t>ave_precision_score</a:t>
+            </a:r>
+            <a:r>
+              <a:rPr lang="en-US" altLang="zh-CN" dirty="0"/>
+              <a:t> increase. The number of </a:t>
+            </a:r>
+            <a:r>
+              <a:rPr lang="en-US" altLang="zh-CN" b="1" dirty="0"/>
+              <a:t>false positives </a:t>
+            </a:r>
+            <a:r>
+              <a:rPr lang="en-US" altLang="zh-CN" dirty="0"/>
+              <a:t>increases slight. </a:t>
+            </a:r>
+          </a:p>
+        </p:txBody>
+      </p:sp>
+      <p:pic>
+        <p:nvPicPr>
+          <p:cNvPr id="4" name="Picture 3">
+            <a:extLst>
+              <a:ext uri="{FF2B5EF4-FFF2-40B4-BE49-F238E27FC236}">
+                <a16:creationId xmlns:a16="http://schemas.microsoft.com/office/drawing/2014/main" id="{9A5A358D-0AC2-AD41-75E2-8F98B7712A3E}"/>
+              </a:ext>
+            </a:extLst>
+          </p:cNvPr>
+          <p:cNvPicPr>
+            <a:picLocks noChangeAspect="1"/>
+          </p:cNvPicPr>
+          <p:nvPr/>
+        </p:nvPicPr>
+        <p:blipFill>
+          <a:blip r:embed="rId2"/>
+          <a:stretch>
+            <a:fillRect/>
+          </a:stretch>
+        </p:blipFill>
+        <p:spPr>
+          <a:xfrm>
+            <a:off x="2008964" y="1289955"/>
+            <a:ext cx="8174071" cy="963644"/>
+          </a:xfrm>
+          <a:prstGeom prst="rect">
+            <a:avLst/>
+          </a:prstGeom>
+        </p:spPr>
+      </p:pic>
+      <p:pic>
+        <p:nvPicPr>
+          <p:cNvPr id="9" name="Picture 8">
+            <a:extLst>
+              <a:ext uri="{FF2B5EF4-FFF2-40B4-BE49-F238E27FC236}">
+                <a16:creationId xmlns:a16="http://schemas.microsoft.com/office/drawing/2014/main" id="{7E9E39E1-2FD1-C633-2B16-8489B88CFB1C}"/>
+              </a:ext>
+            </a:extLst>
+          </p:cNvPr>
+          <p:cNvPicPr>
+            <a:picLocks noChangeAspect="1"/>
+          </p:cNvPicPr>
+          <p:nvPr/>
+        </p:nvPicPr>
+        <p:blipFill>
+          <a:blip r:embed="rId3"/>
+          <a:stretch>
+            <a:fillRect/>
+          </a:stretch>
+        </p:blipFill>
+        <p:spPr>
+          <a:xfrm>
+            <a:off x="979664" y="2810193"/>
+            <a:ext cx="2890703" cy="1324906"/>
+          </a:xfrm>
+          <a:prstGeom prst="rect">
+            <a:avLst/>
+          </a:prstGeom>
+        </p:spPr>
+      </p:pic>
+      <p:pic>
+        <p:nvPicPr>
+          <p:cNvPr id="13" name="Picture 12">
+            <a:extLst>
+              <a:ext uri="{FF2B5EF4-FFF2-40B4-BE49-F238E27FC236}">
+                <a16:creationId xmlns:a16="http://schemas.microsoft.com/office/drawing/2014/main" id="{D1D38E31-51EF-FE9D-C5D8-81286A496746}"/>
+              </a:ext>
+            </a:extLst>
+          </p:cNvPr>
+          <p:cNvPicPr>
+            <a:picLocks noChangeAspect="1"/>
+          </p:cNvPicPr>
+          <p:nvPr/>
+        </p:nvPicPr>
+        <p:blipFill>
+          <a:blip r:embed="rId4"/>
+          <a:stretch>
+            <a:fillRect/>
+          </a:stretch>
+        </p:blipFill>
+        <p:spPr>
+          <a:xfrm>
+            <a:off x="7846691" y="2308447"/>
+            <a:ext cx="3683189" cy="2946551"/>
+          </a:xfrm>
+          <a:prstGeom prst="rect">
+            <a:avLst/>
+          </a:prstGeom>
+        </p:spPr>
+      </p:pic>
+      <p:pic>
+        <p:nvPicPr>
+          <p:cNvPr id="15" name="Picture 14">
+            <a:extLst>
+              <a:ext uri="{FF2B5EF4-FFF2-40B4-BE49-F238E27FC236}">
+                <a16:creationId xmlns:a16="http://schemas.microsoft.com/office/drawing/2014/main" id="{806B8B48-C8B6-E146-CDCB-C2772667878D}"/>
+              </a:ext>
+            </a:extLst>
+          </p:cNvPr>
+          <p:cNvPicPr>
+            <a:picLocks noChangeAspect="1"/>
+          </p:cNvPicPr>
+          <p:nvPr/>
+        </p:nvPicPr>
+        <p:blipFill>
+          <a:blip r:embed="rId5"/>
+          <a:stretch>
+            <a:fillRect/>
+          </a:stretch>
+        </p:blipFill>
+        <p:spPr>
+          <a:xfrm>
+            <a:off x="3966840" y="2253599"/>
+            <a:ext cx="3670489" cy="2927500"/>
+          </a:xfrm>
+          <a:prstGeom prst="rect">
+            <a:avLst/>
+          </a:prstGeom>
+        </p:spPr>
+      </p:pic>
     </p:spTree>
     <p:extLst>
       <p:ext uri="{BB962C8B-B14F-4D97-AF65-F5344CB8AC3E}">
@@ -9905,12 +11895,132 @@
           </a:p>
         </p:txBody>
       </p:sp>
-      <p:sp>
-        <p:nvSpPr>
-          <p:cNvPr id="19" name="TextBox 18">
-            <a:extLst>
-              <a:ext uri="{FF2B5EF4-FFF2-40B4-BE49-F238E27FC236}">
-                <a16:creationId xmlns:a16="http://schemas.microsoft.com/office/drawing/2014/main" id="{68782E40-E83D-478A-A658-EF76F2AA298F}"/>
+      <p:pic>
+        <p:nvPicPr>
+          <p:cNvPr id="4" name="Picture 3">
+            <a:extLst>
+              <a:ext uri="{FF2B5EF4-FFF2-40B4-BE49-F238E27FC236}">
+                <a16:creationId xmlns:a16="http://schemas.microsoft.com/office/drawing/2014/main" id="{B9E96930-6975-37C0-250D-0E50E9A00E8B}"/>
+              </a:ext>
+            </a:extLst>
+          </p:cNvPr>
+          <p:cNvPicPr>
+            <a:picLocks noChangeAspect="1"/>
+          </p:cNvPicPr>
+          <p:nvPr/>
+        </p:nvPicPr>
+        <p:blipFill>
+          <a:blip r:embed="rId2"/>
+          <a:stretch>
+            <a:fillRect/>
+          </a:stretch>
+        </p:blipFill>
+        <p:spPr>
+          <a:xfrm>
+            <a:off x="2875407" y="1289955"/>
+            <a:ext cx="6185218" cy="723937"/>
+          </a:xfrm>
+          <a:prstGeom prst="rect">
+            <a:avLst/>
+          </a:prstGeom>
+        </p:spPr>
+      </p:pic>
+      <p:pic>
+        <p:nvPicPr>
+          <p:cNvPr id="6" name="Picture 5">
+            <a:extLst>
+              <a:ext uri="{FF2B5EF4-FFF2-40B4-BE49-F238E27FC236}">
+                <a16:creationId xmlns:a16="http://schemas.microsoft.com/office/drawing/2014/main" id="{2A14867C-9488-6AA3-FF8F-92DFD14AD84C}"/>
+              </a:ext>
+            </a:extLst>
+          </p:cNvPr>
+          <p:cNvPicPr>
+            <a:picLocks noChangeAspect="1"/>
+          </p:cNvPicPr>
+          <p:nvPr/>
+        </p:nvPicPr>
+        <p:blipFill>
+          <a:blip r:embed="rId3"/>
+          <a:stretch>
+            <a:fillRect/>
+          </a:stretch>
+        </p:blipFill>
+        <p:spPr>
+          <a:xfrm>
+            <a:off x="1140228" y="2874033"/>
+            <a:ext cx="1943200" cy="920797"/>
+          </a:xfrm>
+          <a:prstGeom prst="rect">
+            <a:avLst/>
+          </a:prstGeom>
+        </p:spPr>
+      </p:pic>
+      <p:pic>
+        <p:nvPicPr>
+          <p:cNvPr id="12" name="Picture 11">
+            <a:extLst>
+              <a:ext uri="{FF2B5EF4-FFF2-40B4-BE49-F238E27FC236}">
+                <a16:creationId xmlns:a16="http://schemas.microsoft.com/office/drawing/2014/main" id="{E8E6E952-764D-0937-3D75-6FF8B572F333}"/>
+              </a:ext>
+            </a:extLst>
+          </p:cNvPr>
+          <p:cNvPicPr>
+            <a:picLocks noChangeAspect="1"/>
+          </p:cNvPicPr>
+          <p:nvPr/>
+        </p:nvPicPr>
+        <p:blipFill>
+          <a:blip r:embed="rId4"/>
+          <a:stretch>
+            <a:fillRect/>
+          </a:stretch>
+        </p:blipFill>
+        <p:spPr>
+          <a:xfrm>
+            <a:off x="7825374" y="2211873"/>
+            <a:ext cx="3638737" cy="2946551"/>
+          </a:xfrm>
+          <a:prstGeom prst="rect">
+            <a:avLst/>
+          </a:prstGeom>
+        </p:spPr>
+      </p:pic>
+      <p:pic>
+        <p:nvPicPr>
+          <p:cNvPr id="15" name="Picture 14">
+            <a:extLst>
+              <a:ext uri="{FF2B5EF4-FFF2-40B4-BE49-F238E27FC236}">
+                <a16:creationId xmlns:a16="http://schemas.microsoft.com/office/drawing/2014/main" id="{893873FB-6F98-7DDF-5FAC-FA88EF32A67E}"/>
+              </a:ext>
+            </a:extLst>
+          </p:cNvPr>
+          <p:cNvPicPr>
+            <a:picLocks noChangeAspect="1"/>
+          </p:cNvPicPr>
+          <p:nvPr/>
+        </p:nvPicPr>
+        <p:blipFill>
+          <a:blip r:embed="rId5"/>
+          <a:stretch>
+            <a:fillRect/>
+          </a:stretch>
+        </p:blipFill>
+        <p:spPr>
+          <a:xfrm>
+            <a:off x="3801286" y="2129895"/>
+            <a:ext cx="3740342" cy="2946551"/>
+          </a:xfrm>
+          <a:prstGeom prst="rect">
+            <a:avLst/>
+          </a:prstGeom>
+        </p:spPr>
+      </p:pic>
+      <p:sp>
+        <p:nvSpPr>
+          <p:cNvPr id="16" name="TextBox 15">
+            <a:extLst>
+              <a:ext uri="{FF2B5EF4-FFF2-40B4-BE49-F238E27FC236}">
+                <a16:creationId xmlns:a16="http://schemas.microsoft.com/office/drawing/2014/main" id="{611DA0C4-9370-D1D4-7339-C131AB30694A}"/>
               </a:ext>
             </a:extLst>
           </p:cNvPr>
@@ -9920,7 +12030,7 @@
         <p:spPr>
           <a:xfrm>
             <a:off x="687659" y="5575769"/>
-            <a:ext cx="10560714" cy="403316"/>
+            <a:ext cx="10560714" cy="735714"/>
           </a:xfrm>
           <a:prstGeom prst="rect">
             <a:avLst/>
@@ -9945,7 +12055,7 @@
             </a:pPr>
             <a:r>
               <a:rPr lang="en-US" altLang="zh-CN" dirty="0"/>
-              <a:t>Todo</a:t>
+              <a:t>Compared to the performance on the train set, the performance on validation set doesn’t change much.</a:t>
             </a:r>
           </a:p>
         </p:txBody>
@@ -10149,6 +12259,36 @@
           </a:p>
         </p:txBody>
       </p:sp>
+      <p:pic>
+        <p:nvPicPr>
+          <p:cNvPr id="6" name="Picture 5">
+            <a:extLst>
+              <a:ext uri="{FF2B5EF4-FFF2-40B4-BE49-F238E27FC236}">
+                <a16:creationId xmlns:a16="http://schemas.microsoft.com/office/drawing/2014/main" id="{FE4A70EF-6722-4088-FA05-E2D761F5E4CC}"/>
+              </a:ext>
+            </a:extLst>
+          </p:cNvPr>
+          <p:cNvPicPr>
+            <a:picLocks noChangeAspect="1"/>
+          </p:cNvPicPr>
+          <p:nvPr/>
+        </p:nvPicPr>
+        <p:blipFill>
+          <a:blip r:embed="rId2"/>
+          <a:stretch>
+            <a:fillRect/>
+          </a:stretch>
+        </p:blipFill>
+        <p:spPr>
+          <a:xfrm>
+            <a:off x="1607828" y="2188454"/>
+            <a:ext cx="3206915" cy="3035456"/>
+          </a:xfrm>
+          <a:prstGeom prst="rect">
+            <a:avLst/>
+          </a:prstGeom>
+        </p:spPr>
+      </p:pic>
     </p:spTree>
     <p:extLst>
       <p:ext uri="{BB962C8B-B14F-4D97-AF65-F5344CB8AC3E}">
@@ -10348,6 +12488,66 @@
           </a:p>
         </p:txBody>
       </p:sp>
+      <p:pic>
+        <p:nvPicPr>
+          <p:cNvPr id="4" name="Picture 3">
+            <a:extLst>
+              <a:ext uri="{FF2B5EF4-FFF2-40B4-BE49-F238E27FC236}">
+                <a16:creationId xmlns:a16="http://schemas.microsoft.com/office/drawing/2014/main" id="{9F4BFBDF-F893-8E99-A07A-BE066CE7F8B5}"/>
+              </a:ext>
+            </a:extLst>
+          </p:cNvPr>
+          <p:cNvPicPr>
+            <a:picLocks noChangeAspect="1"/>
+          </p:cNvPicPr>
+          <p:nvPr/>
+        </p:nvPicPr>
+        <p:blipFill>
+          <a:blip r:embed="rId2"/>
+          <a:stretch>
+            <a:fillRect/>
+          </a:stretch>
+        </p:blipFill>
+        <p:spPr>
+          <a:xfrm>
+            <a:off x="1486255" y="1471121"/>
+            <a:ext cx="3841947" cy="3689540"/>
+          </a:xfrm>
+          <a:prstGeom prst="rect">
+            <a:avLst/>
+          </a:prstGeom>
+        </p:spPr>
+      </p:pic>
+      <p:pic>
+        <p:nvPicPr>
+          <p:cNvPr id="6" name="Picture 5">
+            <a:extLst>
+              <a:ext uri="{FF2B5EF4-FFF2-40B4-BE49-F238E27FC236}">
+                <a16:creationId xmlns:a16="http://schemas.microsoft.com/office/drawing/2014/main" id="{664B2325-3FC0-40DE-72B6-990EA160C563}"/>
+              </a:ext>
+            </a:extLst>
+          </p:cNvPr>
+          <p:cNvPicPr>
+            <a:picLocks noChangeAspect="1"/>
+          </p:cNvPicPr>
+          <p:nvPr/>
+        </p:nvPicPr>
+        <p:blipFill>
+          <a:blip r:embed="rId3"/>
+          <a:stretch>
+            <a:fillRect/>
+          </a:stretch>
+        </p:blipFill>
+        <p:spPr>
+          <a:xfrm>
+            <a:off x="5968016" y="1433279"/>
+            <a:ext cx="3841947" cy="3708591"/>
+          </a:xfrm>
+          <a:prstGeom prst="rect">
+            <a:avLst/>
+          </a:prstGeom>
+        </p:spPr>
+      </p:pic>
     </p:spTree>
     <p:extLst>
       <p:ext uri="{BB962C8B-B14F-4D97-AF65-F5344CB8AC3E}">
@@ -10542,11 +12742,161 @@
             </a:pPr>
             <a:r>
               <a:rPr lang="en-US" altLang="zh-CN" dirty="0"/>
-              <a:t>Todo</a:t>
-            </a:r>
-          </a:p>
-        </p:txBody>
-      </p:sp>
+              <a:t>Best threshold is 0.53.</a:t>
+            </a:r>
+          </a:p>
+        </p:txBody>
+      </p:sp>
+      <p:pic>
+        <p:nvPicPr>
+          <p:cNvPr id="4" name="Picture 3">
+            <a:extLst>
+              <a:ext uri="{FF2B5EF4-FFF2-40B4-BE49-F238E27FC236}">
+                <a16:creationId xmlns:a16="http://schemas.microsoft.com/office/drawing/2014/main" id="{B0C87F0F-FAB5-EDDA-C5DC-32E7C6586C89}"/>
+              </a:ext>
+            </a:extLst>
+          </p:cNvPr>
+          <p:cNvPicPr>
+            <a:picLocks noChangeAspect="1"/>
+          </p:cNvPicPr>
+          <p:nvPr/>
+        </p:nvPicPr>
+        <p:blipFill>
+          <a:blip r:embed="rId2"/>
+          <a:stretch>
+            <a:fillRect/>
+          </a:stretch>
+        </p:blipFill>
+        <p:spPr>
+          <a:xfrm>
+            <a:off x="7991253" y="2487738"/>
+            <a:ext cx="3714941" cy="2844946"/>
+          </a:xfrm>
+          <a:prstGeom prst="rect">
+            <a:avLst/>
+          </a:prstGeom>
+        </p:spPr>
+      </p:pic>
+      <p:pic>
+        <p:nvPicPr>
+          <p:cNvPr id="6" name="Picture 5">
+            <a:extLst>
+              <a:ext uri="{FF2B5EF4-FFF2-40B4-BE49-F238E27FC236}">
+                <a16:creationId xmlns:a16="http://schemas.microsoft.com/office/drawing/2014/main" id="{7C971632-98ED-27E8-83F8-97AC2F247ABB}"/>
+              </a:ext>
+            </a:extLst>
+          </p:cNvPr>
+          <p:cNvPicPr>
+            <a:picLocks noChangeAspect="1"/>
+          </p:cNvPicPr>
+          <p:nvPr/>
+        </p:nvPicPr>
+        <p:blipFill>
+          <a:blip r:embed="rId3"/>
+          <a:stretch>
+            <a:fillRect/>
+          </a:stretch>
+        </p:blipFill>
+        <p:spPr>
+          <a:xfrm>
+            <a:off x="862640" y="1298776"/>
+            <a:ext cx="2019404" cy="946199"/>
+          </a:xfrm>
+          <a:prstGeom prst="rect">
+            <a:avLst/>
+          </a:prstGeom>
+        </p:spPr>
+      </p:pic>
+      <p:pic>
+        <p:nvPicPr>
+          <p:cNvPr id="9" name="Picture 8">
+            <a:extLst>
+              <a:ext uri="{FF2B5EF4-FFF2-40B4-BE49-F238E27FC236}">
+                <a16:creationId xmlns:a16="http://schemas.microsoft.com/office/drawing/2014/main" id="{DF872E49-A327-5761-4388-E1814859E655}"/>
+              </a:ext>
+            </a:extLst>
+          </p:cNvPr>
+          <p:cNvPicPr>
+            <a:picLocks noChangeAspect="1"/>
+          </p:cNvPicPr>
+          <p:nvPr/>
+        </p:nvPicPr>
+        <p:blipFill>
+          <a:blip r:embed="rId4"/>
+          <a:stretch>
+            <a:fillRect/>
+          </a:stretch>
+        </p:blipFill>
+        <p:spPr>
+          <a:xfrm>
+            <a:off x="4257261" y="2348031"/>
+            <a:ext cx="3733992" cy="2984653"/>
+          </a:xfrm>
+          <a:prstGeom prst="rect">
+            <a:avLst/>
+          </a:prstGeom>
+        </p:spPr>
+      </p:pic>
+      <p:pic>
+        <p:nvPicPr>
+          <p:cNvPr id="12" name="Picture 11">
+            <a:extLst>
+              <a:ext uri="{FF2B5EF4-FFF2-40B4-BE49-F238E27FC236}">
+                <a16:creationId xmlns:a16="http://schemas.microsoft.com/office/drawing/2014/main" id="{0E25C352-A282-4E2F-9EBD-EB34B62430B7}"/>
+              </a:ext>
+            </a:extLst>
+          </p:cNvPr>
+          <p:cNvPicPr>
+            <a:picLocks noChangeAspect="1"/>
+          </p:cNvPicPr>
+          <p:nvPr/>
+        </p:nvPicPr>
+        <p:blipFill>
+          <a:blip r:embed="rId5"/>
+          <a:stretch>
+            <a:fillRect/>
+          </a:stretch>
+        </p:blipFill>
+        <p:spPr>
+          <a:xfrm>
+            <a:off x="586827" y="2443414"/>
+            <a:ext cx="3613336" cy="2997354"/>
+          </a:xfrm>
+          <a:prstGeom prst="rect">
+            <a:avLst/>
+          </a:prstGeom>
+        </p:spPr>
+      </p:pic>
+      <p:pic>
+        <p:nvPicPr>
+          <p:cNvPr id="14" name="Picture 13">
+            <a:extLst>
+              <a:ext uri="{FF2B5EF4-FFF2-40B4-BE49-F238E27FC236}">
+                <a16:creationId xmlns:a16="http://schemas.microsoft.com/office/drawing/2014/main" id="{DB17F933-D2DC-C03C-595F-17F506EFF377}"/>
+              </a:ext>
+            </a:extLst>
+          </p:cNvPr>
+          <p:cNvPicPr>
+            <a:picLocks noChangeAspect="1"/>
+          </p:cNvPicPr>
+          <p:nvPr/>
+        </p:nvPicPr>
+        <p:blipFill>
+          <a:blip r:embed="rId6"/>
+          <a:stretch>
+            <a:fillRect/>
+          </a:stretch>
+        </p:blipFill>
+        <p:spPr>
+          <a:xfrm>
+            <a:off x="3847785" y="1324365"/>
+            <a:ext cx="6134415" cy="711237"/>
+          </a:xfrm>
+          <a:prstGeom prst="rect">
+            <a:avLst/>
+          </a:prstGeom>
+        </p:spPr>
+      </p:pic>
     </p:spTree>
     <p:extLst>
       <p:ext uri="{BB962C8B-B14F-4D97-AF65-F5344CB8AC3E}">
@@ -10747,6 +13097,126 @@
           </a:p>
         </p:txBody>
       </p:sp>
+      <p:pic>
+        <p:nvPicPr>
+          <p:cNvPr id="5" name="Picture 4">
+            <a:extLst>
+              <a:ext uri="{FF2B5EF4-FFF2-40B4-BE49-F238E27FC236}">
+                <a16:creationId xmlns:a16="http://schemas.microsoft.com/office/drawing/2014/main" id="{18B2A922-F1A2-5EC1-E46B-9A09A92048FC}"/>
+              </a:ext>
+            </a:extLst>
+          </p:cNvPr>
+          <p:cNvPicPr>
+            <a:picLocks noChangeAspect="1"/>
+          </p:cNvPicPr>
+          <p:nvPr/>
+        </p:nvPicPr>
+        <p:blipFill>
+          <a:blip r:embed="rId2"/>
+          <a:stretch>
+            <a:fillRect/>
+          </a:stretch>
+        </p:blipFill>
+        <p:spPr>
+          <a:xfrm>
+            <a:off x="3000214" y="1263011"/>
+            <a:ext cx="6191568" cy="698536"/>
+          </a:xfrm>
+          <a:prstGeom prst="rect">
+            <a:avLst/>
+          </a:prstGeom>
+        </p:spPr>
+      </p:pic>
+      <p:pic>
+        <p:nvPicPr>
+          <p:cNvPr id="9" name="Picture 8">
+            <a:extLst>
+              <a:ext uri="{FF2B5EF4-FFF2-40B4-BE49-F238E27FC236}">
+                <a16:creationId xmlns:a16="http://schemas.microsoft.com/office/drawing/2014/main" id="{0DB88041-250C-2A81-22D2-7F898E4082B6}"/>
+              </a:ext>
+            </a:extLst>
+          </p:cNvPr>
+          <p:cNvPicPr>
+            <a:picLocks noChangeAspect="1"/>
+          </p:cNvPicPr>
+          <p:nvPr/>
+        </p:nvPicPr>
+        <p:blipFill>
+          <a:blip r:embed="rId3"/>
+          <a:stretch>
+            <a:fillRect/>
+          </a:stretch>
+        </p:blipFill>
+        <p:spPr>
+          <a:xfrm>
+            <a:off x="1221391" y="3021477"/>
+            <a:ext cx="1968601" cy="958899"/>
+          </a:xfrm>
+          <a:prstGeom prst="rect">
+            <a:avLst/>
+          </a:prstGeom>
+        </p:spPr>
+      </p:pic>
+      <p:pic>
+        <p:nvPicPr>
+          <p:cNvPr id="14" name="Picture 13">
+            <a:extLst>
+              <a:ext uri="{FF2B5EF4-FFF2-40B4-BE49-F238E27FC236}">
+                <a16:creationId xmlns:a16="http://schemas.microsoft.com/office/drawing/2014/main" id="{5EACEEEA-CADF-2AAE-3330-62E7BC745D77}"/>
+              </a:ext>
+            </a:extLst>
+          </p:cNvPr>
+          <p:cNvPicPr>
+            <a:picLocks noChangeAspect="1"/>
+          </p:cNvPicPr>
+          <p:nvPr/>
+        </p:nvPicPr>
+        <p:blipFill>
+          <a:blip r:embed="rId4"/>
+          <a:stretch>
+            <a:fillRect/>
+          </a:stretch>
+        </p:blipFill>
+        <p:spPr>
+          <a:xfrm>
+            <a:off x="7862566" y="2168427"/>
+            <a:ext cx="3651438" cy="3010055"/>
+          </a:xfrm>
+          <a:prstGeom prst="rect">
+            <a:avLst/>
+          </a:prstGeom>
+        </p:spPr>
+      </p:pic>
+      <p:pic>
+        <p:nvPicPr>
+          <p:cNvPr id="16" name="Picture 15">
+            <a:extLst>
+              <a:ext uri="{FF2B5EF4-FFF2-40B4-BE49-F238E27FC236}">
+                <a16:creationId xmlns:a16="http://schemas.microsoft.com/office/drawing/2014/main" id="{E42E02FA-B475-B6B7-E90D-45609207D377}"/>
+              </a:ext>
+            </a:extLst>
+          </p:cNvPr>
+          <p:cNvPicPr>
+            <a:picLocks noChangeAspect="1"/>
+          </p:cNvPicPr>
+          <p:nvPr/>
+        </p:nvPicPr>
+        <p:blipFill>
+          <a:blip r:embed="rId5"/>
+          <a:stretch>
+            <a:fillRect/>
+          </a:stretch>
+        </p:blipFill>
+        <p:spPr>
+          <a:xfrm>
+            <a:off x="3618006" y="2168427"/>
+            <a:ext cx="3816546" cy="3219615"/>
+          </a:xfrm>
+          <a:prstGeom prst="rect">
+            <a:avLst/>
+          </a:prstGeom>
+        </p:spPr>
+      </p:pic>
     </p:spTree>
     <p:extLst>
       <p:ext uri="{BB962C8B-B14F-4D97-AF65-F5344CB8AC3E}">

--- a/submissions/phase3/stepvi.pptx
+++ b/submissions/phase3/stepvi.pptx
@@ -16,26 +16,22 @@
     <p:sldId id="282" r:id="rId10"/>
     <p:sldId id="264" r:id="rId11"/>
     <p:sldId id="287" r:id="rId12"/>
-    <p:sldId id="288" r:id="rId13"/>
-    <p:sldId id="305" r:id="rId14"/>
-    <p:sldId id="290" r:id="rId15"/>
-    <p:sldId id="291" r:id="rId16"/>
-    <p:sldId id="298" r:id="rId17"/>
-    <p:sldId id="306" r:id="rId18"/>
-    <p:sldId id="294" r:id="rId19"/>
-    <p:sldId id="281" r:id="rId20"/>
-    <p:sldId id="292" r:id="rId21"/>
-    <p:sldId id="303" r:id="rId22"/>
-    <p:sldId id="302" r:id="rId23"/>
-    <p:sldId id="307" r:id="rId24"/>
-    <p:sldId id="296" r:id="rId25"/>
-    <p:sldId id="297" r:id="rId26"/>
-    <p:sldId id="293" r:id="rId27"/>
-    <p:sldId id="299" r:id="rId28"/>
-    <p:sldId id="309" r:id="rId29"/>
-    <p:sldId id="295" r:id="rId30"/>
-    <p:sldId id="308" r:id="rId31"/>
-    <p:sldId id="279" r:id="rId32"/>
+    <p:sldId id="305" r:id="rId13"/>
+    <p:sldId id="290" r:id="rId14"/>
+    <p:sldId id="291" r:id="rId15"/>
+    <p:sldId id="298" r:id="rId16"/>
+    <p:sldId id="294" r:id="rId17"/>
+    <p:sldId id="281" r:id="rId18"/>
+    <p:sldId id="292" r:id="rId19"/>
+    <p:sldId id="303" r:id="rId20"/>
+    <p:sldId id="307" r:id="rId21"/>
+    <p:sldId id="296" r:id="rId22"/>
+    <p:sldId id="297" r:id="rId23"/>
+    <p:sldId id="293" r:id="rId24"/>
+    <p:sldId id="309" r:id="rId25"/>
+    <p:sldId id="295" r:id="rId26"/>
+    <p:sldId id="308" r:id="rId27"/>
+    <p:sldId id="279" r:id="rId28"/>
   </p:sldIdLst>
   <p:sldSz cx="12192000" cy="6858000"/>
   <p:notesSz cx="6858000" cy="9144000"/>
@@ -3980,7 +3976,7 @@
         <p:spPr>
           <a:xfrm>
             <a:off x="1495986" y="5531507"/>
-            <a:ext cx="3676840" cy="403316"/>
+            <a:ext cx="9194010" cy="403316"/>
           </a:xfrm>
           <a:prstGeom prst="rect">
             <a:avLst/>
@@ -4019,7 +4015,7 @@
           <a:p>
             <a:r>
               <a:rPr lang="en-US" altLang="zh-CN" dirty="0"/>
-              <a:t>Todo</a:t>
+              <a:t>The performance on the validation slightly decreases. </a:t>
             </a:r>
           </a:p>
         </p:txBody>
@@ -4365,7 +4361,7 @@
         </p:blipFill>
         <p:spPr>
           <a:xfrm>
-            <a:off x="7569115" y="2717273"/>
+            <a:off x="7446567" y="2541112"/>
             <a:ext cx="3302170" cy="2838596"/>
           </a:xfrm>
           <a:prstGeom prst="rect">
@@ -4395,7 +4391,7 @@
         </p:blipFill>
         <p:spPr>
           <a:xfrm>
-            <a:off x="1234084" y="1729823"/>
+            <a:off x="1365169" y="1931481"/>
             <a:ext cx="3257717" cy="3448227"/>
           </a:xfrm>
           <a:prstGeom prst="rect">
@@ -4471,7 +4467,7 @@
             </a:pPr>
             <a:r>
               <a:rPr lang="en-US" altLang="zh-CN" sz="3600" b="1" dirty="0"/>
-              <a:t>RF classifier – False Discoveries</a:t>
+              <a:t>RF classifier – Assess classification thresholds</a:t>
             </a:r>
           </a:p>
         </p:txBody>
@@ -4572,7 +4568,7 @@
         <p:spPr>
           <a:xfrm>
             <a:off x="1668449" y="5455745"/>
-            <a:ext cx="9041304" cy="403316"/>
+            <a:ext cx="9483460" cy="403316"/>
           </a:xfrm>
           <a:prstGeom prst="rect">
             <a:avLst/>
@@ -4596,16 +4592,182 @@
               <a:buChar char="n"/>
             </a:pPr>
             <a:r>
+              <a:rPr lang="en-US" altLang="zh-CN" b="1" dirty="0" err="1"/>
+              <a:t>best_threshold</a:t>
+            </a:r>
+            <a:r>
+              <a:rPr lang="en-US" altLang="zh-CN" b="1" dirty="0"/>
+              <a:t> </a:t>
+            </a:r>
+            <a:r>
               <a:rPr lang="en-US" altLang="zh-CN" dirty="0"/>
-              <a:t>Todo</a:t>
-            </a:r>
-          </a:p>
-        </p:txBody>
-      </p:sp>
+              <a:t>= 0.84. After using the best threshold, the </a:t>
+            </a:r>
+            <a:r>
+              <a:rPr lang="en-US" altLang="zh-CN" b="1" dirty="0"/>
+              <a:t>rate of Type I error</a:t>
+            </a:r>
+            <a:r>
+              <a:rPr lang="en-US" altLang="zh-CN" dirty="0"/>
+              <a:t> decreases.</a:t>
+            </a:r>
+          </a:p>
+        </p:txBody>
+      </p:sp>
+      <p:pic>
+        <p:nvPicPr>
+          <p:cNvPr id="5" name="Picture 4">
+            <a:extLst>
+              <a:ext uri="{FF2B5EF4-FFF2-40B4-BE49-F238E27FC236}">
+                <a16:creationId xmlns:a16="http://schemas.microsoft.com/office/drawing/2014/main" id="{05665948-7165-CB8B-9053-762F992505F0}"/>
+              </a:ext>
+            </a:extLst>
+          </p:cNvPr>
+          <p:cNvPicPr>
+            <a:picLocks noChangeAspect="1"/>
+          </p:cNvPicPr>
+          <p:nvPr/>
+        </p:nvPicPr>
+        <p:blipFill>
+          <a:blip r:embed="rId2"/>
+          <a:stretch>
+            <a:fillRect/>
+          </a:stretch>
+        </p:blipFill>
+        <p:spPr>
+          <a:xfrm>
+            <a:off x="388161" y="2335962"/>
+            <a:ext cx="3708591" cy="2876698"/>
+          </a:xfrm>
+          <a:prstGeom prst="rect">
+            <a:avLst/>
+          </a:prstGeom>
+        </p:spPr>
+      </p:pic>
+      <p:pic>
+        <p:nvPicPr>
+          <p:cNvPr id="8" name="Picture 7">
+            <a:extLst>
+              <a:ext uri="{FF2B5EF4-FFF2-40B4-BE49-F238E27FC236}">
+                <a16:creationId xmlns:a16="http://schemas.microsoft.com/office/drawing/2014/main" id="{7D2EC86E-DF89-B7BA-45FE-63747BC7B217}"/>
+              </a:ext>
+            </a:extLst>
+          </p:cNvPr>
+          <p:cNvPicPr>
+            <a:picLocks noChangeAspect="1"/>
+          </p:cNvPicPr>
+          <p:nvPr/>
+        </p:nvPicPr>
+        <p:blipFill>
+          <a:blip r:embed="rId3"/>
+          <a:stretch>
+            <a:fillRect/>
+          </a:stretch>
+        </p:blipFill>
+        <p:spPr>
+          <a:xfrm>
+            <a:off x="703330" y="1289955"/>
+            <a:ext cx="6191568" cy="711237"/>
+          </a:xfrm>
+          <a:prstGeom prst="rect">
+            <a:avLst/>
+          </a:prstGeom>
+        </p:spPr>
+      </p:pic>
+      <p:pic>
+        <p:nvPicPr>
+          <p:cNvPr id="10" name="Picture 9">
+            <a:extLst>
+              <a:ext uri="{FF2B5EF4-FFF2-40B4-BE49-F238E27FC236}">
+                <a16:creationId xmlns:a16="http://schemas.microsoft.com/office/drawing/2014/main" id="{12CF32B8-DE02-F668-7756-F20B79F4BE1C}"/>
+              </a:ext>
+            </a:extLst>
+          </p:cNvPr>
+          <p:cNvPicPr>
+            <a:picLocks noChangeAspect="1"/>
+          </p:cNvPicPr>
+          <p:nvPr/>
+        </p:nvPicPr>
+        <p:blipFill>
+          <a:blip r:embed="rId4"/>
+          <a:stretch>
+            <a:fillRect/>
+          </a:stretch>
+        </p:blipFill>
+        <p:spPr>
+          <a:xfrm>
+            <a:off x="8521648" y="1232414"/>
+            <a:ext cx="2006703" cy="927148"/>
+          </a:xfrm>
+          <a:prstGeom prst="rect">
+            <a:avLst/>
+          </a:prstGeom>
+        </p:spPr>
+      </p:pic>
+      <p:pic>
+        <p:nvPicPr>
+          <p:cNvPr id="13" name="Picture 12">
+            <a:extLst>
+              <a:ext uri="{FF2B5EF4-FFF2-40B4-BE49-F238E27FC236}">
+                <a16:creationId xmlns:a16="http://schemas.microsoft.com/office/drawing/2014/main" id="{1AD5CA1F-FD01-709E-39E0-D8556F7ACACC}"/>
+              </a:ext>
+            </a:extLst>
+          </p:cNvPr>
+          <p:cNvPicPr>
+            <a:picLocks noChangeAspect="1"/>
+          </p:cNvPicPr>
+          <p:nvPr/>
+        </p:nvPicPr>
+        <p:blipFill>
+          <a:blip r:embed="rId5"/>
+          <a:stretch>
+            <a:fillRect/>
+          </a:stretch>
+        </p:blipFill>
+        <p:spPr>
+          <a:xfrm>
+            <a:off x="4360207" y="2303305"/>
+            <a:ext cx="3657788" cy="2971953"/>
+          </a:xfrm>
+          <a:prstGeom prst="rect">
+            <a:avLst/>
+          </a:prstGeom>
+        </p:spPr>
+      </p:pic>
+      <p:pic>
+        <p:nvPicPr>
+          <p:cNvPr id="15" name="Picture 14">
+            <a:extLst>
+              <a:ext uri="{FF2B5EF4-FFF2-40B4-BE49-F238E27FC236}">
+                <a16:creationId xmlns:a16="http://schemas.microsoft.com/office/drawing/2014/main" id="{93B29C9C-7DB5-055B-28CA-988ED12F740F}"/>
+              </a:ext>
+            </a:extLst>
+          </p:cNvPr>
+          <p:cNvPicPr>
+            <a:picLocks noChangeAspect="1"/>
+          </p:cNvPicPr>
+          <p:nvPr/>
+        </p:nvPicPr>
+        <p:blipFill>
+          <a:blip r:embed="rId6"/>
+          <a:stretch>
+            <a:fillRect/>
+          </a:stretch>
+        </p:blipFill>
+        <p:spPr>
+          <a:xfrm>
+            <a:off x="8215905" y="2239317"/>
+            <a:ext cx="3587934" cy="2978303"/>
+          </a:xfrm>
+          <a:prstGeom prst="rect">
+            <a:avLst/>
+          </a:prstGeom>
+        </p:spPr>
+      </p:pic>
     </p:spTree>
     <p:extLst>
       <p:ext uri="{BB962C8B-B14F-4D97-AF65-F5344CB8AC3E}">
-        <p14:creationId xmlns:p14="http://schemas.microsoft.com/office/powerpoint/2010/main" val="2144772120"/>
+        <p14:creationId xmlns:p14="http://schemas.microsoft.com/office/powerpoint/2010/main" val="3562020861"/>
       </p:ext>
     </p:extLst>
   </p:cSld>
@@ -4670,7 +4832,7 @@
             </a:pPr>
             <a:r>
               <a:rPr lang="en-US" altLang="zh-CN" sz="3600" b="1" dirty="0"/>
-              <a:t>RF classifier – Assess classification thresholds</a:t>
+              <a:t>Decision Tree Classifier – Performance on train</a:t>
             </a:r>
           </a:p>
         </p:txBody>
@@ -4691,7 +4853,12 @@
             <p:ph type="sldNum" sz="quarter" idx="12"/>
           </p:nvPr>
         </p:nvSpPr>
-        <p:spPr/>
+        <p:spPr>
+          <a:xfrm>
+            <a:off x="8610600" y="6299856"/>
+            <a:ext cx="2743200" cy="365125"/>
+          </a:xfrm>
+        </p:spPr>
         <p:txBody>
           <a:bodyPr/>
           <a:lstStyle/>
@@ -4700,7 +4867,7 @@
               <a:rPr lang="zh-CN" altLang="en-US" smtClean="0"/>
               <a:t>13</a:t>
             </a:fld>
-            <a:endParaRPr lang="zh-CN" altLang="en-US"/>
+            <a:endParaRPr lang="zh-CN" altLang="en-US" dirty="0"/>
           </a:p>
         </p:txBody>
       </p:sp>
@@ -4758,10 +4925,10 @@
       </p:sp>
       <p:sp>
         <p:nvSpPr>
-          <p:cNvPr id="4" name="TextBox 3">
-            <a:extLst>
-              <a:ext uri="{FF2B5EF4-FFF2-40B4-BE49-F238E27FC236}">
-                <a16:creationId xmlns:a16="http://schemas.microsoft.com/office/drawing/2014/main" id="{9D18040C-32C7-18B1-9503-7077020AE38B}"/>
+          <p:cNvPr id="16" name="TextBox 15">
+            <a:extLst>
+              <a:ext uri="{FF2B5EF4-FFF2-40B4-BE49-F238E27FC236}">
+                <a16:creationId xmlns:a16="http://schemas.microsoft.com/office/drawing/2014/main" id="{AF9174C3-8E94-70DD-E297-46F1F1BF9F01}"/>
               </a:ext>
             </a:extLst>
           </p:cNvPr>
@@ -4770,8 +4937,8 @@
         </p:nvSpPr>
         <p:spPr>
           <a:xfrm>
-            <a:off x="1668449" y="5455745"/>
-            <a:ext cx="9041304" cy="403316"/>
+            <a:off x="1152395" y="5333611"/>
+            <a:ext cx="9241066" cy="403317"/>
           </a:xfrm>
           <a:prstGeom prst="rect">
             <a:avLst/>
@@ -4795,22 +4962,18 @@
               <a:buChar char="n"/>
             </a:pPr>
             <a:r>
-              <a:rPr lang="en-US" altLang="zh-CN" dirty="0" err="1"/>
-              <a:t>best_threshold</a:t>
-            </a:r>
-            <a:r>
               <a:rPr lang="en-US" altLang="zh-CN" dirty="0"/>
-              <a:t> = 0.84</a:t>
+              <a:t>Todo</a:t>
             </a:r>
           </a:p>
         </p:txBody>
       </p:sp>
       <p:pic>
         <p:nvPicPr>
-          <p:cNvPr id="5" name="Picture 4">
-            <a:extLst>
-              <a:ext uri="{FF2B5EF4-FFF2-40B4-BE49-F238E27FC236}">
-                <a16:creationId xmlns:a16="http://schemas.microsoft.com/office/drawing/2014/main" id="{05665948-7165-CB8B-9053-762F992505F0}"/>
+          <p:cNvPr id="4" name="Picture 3">
+            <a:extLst>
+              <a:ext uri="{FF2B5EF4-FFF2-40B4-BE49-F238E27FC236}">
+                <a16:creationId xmlns:a16="http://schemas.microsoft.com/office/drawing/2014/main" id="{0B9119EB-5758-61B1-27A4-A6741AF3BF9F}"/>
               </a:ext>
             </a:extLst>
           </p:cNvPr>
@@ -4827,8 +4990,8 @@
         </p:blipFill>
         <p:spPr>
           <a:xfrm>
-            <a:off x="388161" y="2335962"/>
-            <a:ext cx="3708591" cy="2876698"/>
+            <a:off x="3006564" y="1375857"/>
+            <a:ext cx="6178868" cy="711237"/>
           </a:xfrm>
           <a:prstGeom prst="rect">
             <a:avLst/>
@@ -4837,10 +5000,10 @@
       </p:pic>
       <p:pic>
         <p:nvPicPr>
-          <p:cNvPr id="8" name="Picture 7">
-            <a:extLst>
-              <a:ext uri="{FF2B5EF4-FFF2-40B4-BE49-F238E27FC236}">
-                <a16:creationId xmlns:a16="http://schemas.microsoft.com/office/drawing/2014/main" id="{7D2EC86E-DF89-B7BA-45FE-63747BC7B217}"/>
+          <p:cNvPr id="6" name="Picture 5">
+            <a:extLst>
+              <a:ext uri="{FF2B5EF4-FFF2-40B4-BE49-F238E27FC236}">
+                <a16:creationId xmlns:a16="http://schemas.microsoft.com/office/drawing/2014/main" id="{EA2CE7DA-3695-90EF-42CA-E024CD4BE599}"/>
               </a:ext>
             </a:extLst>
           </p:cNvPr>
@@ -4857,8 +5020,8 @@
         </p:blipFill>
         <p:spPr>
           <a:xfrm>
-            <a:off x="703330" y="1289955"/>
-            <a:ext cx="6191568" cy="711237"/>
+            <a:off x="1338892" y="3144999"/>
+            <a:ext cx="1981302" cy="914447"/>
           </a:xfrm>
           <a:prstGeom prst="rect">
             <a:avLst/>
@@ -4870,7 +5033,7 @@
           <p:cNvPr id="10" name="Picture 9">
             <a:extLst>
               <a:ext uri="{FF2B5EF4-FFF2-40B4-BE49-F238E27FC236}">
-                <a16:creationId xmlns:a16="http://schemas.microsoft.com/office/drawing/2014/main" id="{12CF32B8-DE02-F668-7756-F20B79F4BE1C}"/>
+                <a16:creationId xmlns:a16="http://schemas.microsoft.com/office/drawing/2014/main" id="{73F437E8-61B5-DD28-E84E-F5125C2E8647}"/>
               </a:ext>
             </a:extLst>
           </p:cNvPr>
@@ -4887,8 +5050,8 @@
         </p:blipFill>
         <p:spPr>
           <a:xfrm>
-            <a:off x="8521648" y="1232414"/>
-            <a:ext cx="2006703" cy="927148"/>
+            <a:off x="3690614" y="2307458"/>
+            <a:ext cx="3765744" cy="2971953"/>
           </a:xfrm>
           <a:prstGeom prst="rect">
             <a:avLst/>
@@ -4900,7 +5063,7 @@
           <p:cNvPr id="13" name="Picture 12">
             <a:extLst>
               <a:ext uri="{FF2B5EF4-FFF2-40B4-BE49-F238E27FC236}">
-                <a16:creationId xmlns:a16="http://schemas.microsoft.com/office/drawing/2014/main" id="{1AD5CA1F-FD01-709E-39E0-D8556F7ACACC}"/>
+                <a16:creationId xmlns:a16="http://schemas.microsoft.com/office/drawing/2014/main" id="{ED67C577-FFDB-4BEA-3643-6C5D8A9B2F2F}"/>
               </a:ext>
             </a:extLst>
           </p:cNvPr>
@@ -4917,38 +5080,8 @@
         </p:blipFill>
         <p:spPr>
           <a:xfrm>
-            <a:off x="4360207" y="2303305"/>
-            <a:ext cx="3657788" cy="2971953"/>
-          </a:xfrm>
-          <a:prstGeom prst="rect">
-            <a:avLst/>
-          </a:prstGeom>
-        </p:spPr>
-      </p:pic>
-      <p:pic>
-        <p:nvPicPr>
-          <p:cNvPr id="15" name="Picture 14">
-            <a:extLst>
-              <a:ext uri="{FF2B5EF4-FFF2-40B4-BE49-F238E27FC236}">
-                <a16:creationId xmlns:a16="http://schemas.microsoft.com/office/drawing/2014/main" id="{93B29C9C-7DB5-055B-28CA-988ED12F740F}"/>
-              </a:ext>
-            </a:extLst>
-          </p:cNvPr>
-          <p:cNvPicPr>
-            <a:picLocks noChangeAspect="1"/>
-          </p:cNvPicPr>
-          <p:nvPr/>
-        </p:nvPicPr>
-        <p:blipFill>
-          <a:blip r:embed="rId6"/>
-          <a:stretch>
-            <a:fillRect/>
-          </a:stretch>
-        </p:blipFill>
-        <p:spPr>
-          <a:xfrm>
-            <a:off x="8215905" y="2239317"/>
-            <a:ext cx="3587934" cy="2978303"/>
+            <a:off x="7662543" y="2406937"/>
+            <a:ext cx="3594285" cy="2978303"/>
           </a:xfrm>
           <a:prstGeom prst="rect">
             <a:avLst/>
@@ -4958,7 +5091,7 @@
     </p:spTree>
     <p:extLst>
       <p:ext uri="{BB962C8B-B14F-4D97-AF65-F5344CB8AC3E}">
-        <p14:creationId xmlns:p14="http://schemas.microsoft.com/office/powerpoint/2010/main" val="3562020861"/>
+        <p14:creationId xmlns:p14="http://schemas.microsoft.com/office/powerpoint/2010/main" val="3954684719"/>
       </p:ext>
     </p:extLst>
   </p:cSld>
@@ -5023,7 +5156,7 @@
             </a:pPr>
             <a:r>
               <a:rPr lang="en-US" altLang="zh-CN" sz="3600" b="1" dirty="0"/>
-              <a:t>Decision Tree Classifier – Performance on train</a:t>
+              <a:t>Decision Tree Classifier – Performance on validation</a:t>
             </a:r>
           </a:p>
         </p:txBody>
@@ -5044,12 +5177,7 @@
             <p:ph type="sldNum" sz="quarter" idx="12"/>
           </p:nvPr>
         </p:nvSpPr>
-        <p:spPr>
-          <a:xfrm>
-            <a:off x="8610600" y="6299856"/>
-            <a:ext cx="2743200" cy="365125"/>
-          </a:xfrm>
-        </p:spPr>
+        <p:spPr/>
         <p:txBody>
           <a:bodyPr/>
           <a:lstStyle/>
@@ -5058,7 +5186,7 @@
               <a:rPr lang="zh-CN" altLang="en-US" smtClean="0"/>
               <a:t>14</a:t>
             </a:fld>
-            <a:endParaRPr lang="zh-CN" altLang="en-US" dirty="0"/>
+            <a:endParaRPr lang="zh-CN" altLang="en-US"/>
           </a:p>
         </p:txBody>
       </p:sp>
@@ -5116,10 +5244,10 @@
       </p:sp>
       <p:sp>
         <p:nvSpPr>
-          <p:cNvPr id="16" name="TextBox 15">
-            <a:extLst>
-              <a:ext uri="{FF2B5EF4-FFF2-40B4-BE49-F238E27FC236}">
-                <a16:creationId xmlns:a16="http://schemas.microsoft.com/office/drawing/2014/main" id="{AF9174C3-8E94-70DD-E297-46F1F1BF9F01}"/>
+          <p:cNvPr id="4" name="TextBox 3">
+            <a:extLst>
+              <a:ext uri="{FF2B5EF4-FFF2-40B4-BE49-F238E27FC236}">
+                <a16:creationId xmlns:a16="http://schemas.microsoft.com/office/drawing/2014/main" id="{9D18040C-32C7-18B1-9503-7077020AE38B}"/>
               </a:ext>
             </a:extLst>
           </p:cNvPr>
@@ -5128,8 +5256,8 @@
         </p:nvSpPr>
         <p:spPr>
           <a:xfrm>
-            <a:off x="1152395" y="5333611"/>
-            <a:ext cx="9241066" cy="403317"/>
+            <a:off x="1064713" y="5407814"/>
+            <a:ext cx="9666951" cy="403316"/>
           </a:xfrm>
           <a:prstGeom prst="rect">
             <a:avLst/>
@@ -5154,17 +5282,17 @@
             </a:pPr>
             <a:r>
               <a:rPr lang="en-US" altLang="zh-CN" dirty="0"/>
-              <a:t>Todo</a:t>
+              <a:t>The performances on the train set and validation set are similar.</a:t>
             </a:r>
           </a:p>
         </p:txBody>
       </p:sp>
       <p:pic>
         <p:nvPicPr>
-          <p:cNvPr id="4" name="Picture 3">
-            <a:extLst>
-              <a:ext uri="{FF2B5EF4-FFF2-40B4-BE49-F238E27FC236}">
-                <a16:creationId xmlns:a16="http://schemas.microsoft.com/office/drawing/2014/main" id="{0B9119EB-5758-61B1-27A4-A6741AF3BF9F}"/>
+          <p:cNvPr id="5" name="Picture 4">
+            <a:extLst>
+              <a:ext uri="{FF2B5EF4-FFF2-40B4-BE49-F238E27FC236}">
+                <a16:creationId xmlns:a16="http://schemas.microsoft.com/office/drawing/2014/main" id="{CF8DFBF6-8DCA-F47E-C624-122678ACBE5C}"/>
               </a:ext>
             </a:extLst>
           </p:cNvPr>
@@ -5181,8 +5309,8 @@
         </p:blipFill>
         <p:spPr>
           <a:xfrm>
-            <a:off x="3006564" y="1375857"/>
-            <a:ext cx="6178868" cy="711237"/>
+            <a:off x="2805579" y="1358149"/>
+            <a:ext cx="6185218" cy="749339"/>
           </a:xfrm>
           <a:prstGeom prst="rect">
             <a:avLst/>
@@ -5191,10 +5319,10 @@
       </p:pic>
       <p:pic>
         <p:nvPicPr>
-          <p:cNvPr id="6" name="Picture 5">
-            <a:extLst>
-              <a:ext uri="{FF2B5EF4-FFF2-40B4-BE49-F238E27FC236}">
-                <a16:creationId xmlns:a16="http://schemas.microsoft.com/office/drawing/2014/main" id="{EA2CE7DA-3695-90EF-42CA-E024CD4BE599}"/>
+          <p:cNvPr id="8" name="Picture 7">
+            <a:extLst>
+              <a:ext uri="{FF2B5EF4-FFF2-40B4-BE49-F238E27FC236}">
+                <a16:creationId xmlns:a16="http://schemas.microsoft.com/office/drawing/2014/main" id="{18736D05-5A7C-49A3-892A-78E764379280}"/>
               </a:ext>
             </a:extLst>
           </p:cNvPr>
@@ -5211,8 +5339,8 @@
         </p:blipFill>
         <p:spPr>
           <a:xfrm>
-            <a:off x="1338892" y="3144999"/>
-            <a:ext cx="1981302" cy="914447"/>
+            <a:off x="1150660" y="3154356"/>
+            <a:ext cx="1987652" cy="958899"/>
           </a:xfrm>
           <a:prstGeom prst="rect">
             <a:avLst/>
@@ -5224,7 +5352,7 @@
           <p:cNvPr id="10" name="Picture 9">
             <a:extLst>
               <a:ext uri="{FF2B5EF4-FFF2-40B4-BE49-F238E27FC236}">
-                <a16:creationId xmlns:a16="http://schemas.microsoft.com/office/drawing/2014/main" id="{73F437E8-61B5-DD28-E84E-F5125C2E8647}"/>
+                <a16:creationId xmlns:a16="http://schemas.microsoft.com/office/drawing/2014/main" id="{A46FA345-3F98-165E-7FB4-7B74C2233685}"/>
               </a:ext>
             </a:extLst>
           </p:cNvPr>
@@ -5241,8 +5369,8 @@
         </p:blipFill>
         <p:spPr>
           <a:xfrm>
-            <a:off x="3690614" y="2307458"/>
-            <a:ext cx="3765744" cy="2971953"/>
+            <a:off x="3646620" y="2350573"/>
+            <a:ext cx="3657788" cy="2978303"/>
           </a:xfrm>
           <a:prstGeom prst="rect">
             <a:avLst/>
@@ -5254,7 +5382,7 @@
           <p:cNvPr id="13" name="Picture 12">
             <a:extLst>
               <a:ext uri="{FF2B5EF4-FFF2-40B4-BE49-F238E27FC236}">
-                <a16:creationId xmlns:a16="http://schemas.microsoft.com/office/drawing/2014/main" id="{ED67C577-FFDB-4BEA-3643-6C5D8A9B2F2F}"/>
+                <a16:creationId xmlns:a16="http://schemas.microsoft.com/office/drawing/2014/main" id="{7E9406FD-BC3F-82E4-7EAE-9CA847CFBEB6}"/>
               </a:ext>
             </a:extLst>
           </p:cNvPr>
@@ -5271,8 +5399,8 @@
         </p:blipFill>
         <p:spPr>
           <a:xfrm>
-            <a:off x="7662543" y="2406937"/>
-            <a:ext cx="3594285" cy="2978303"/>
+            <a:off x="7696012" y="2350573"/>
+            <a:ext cx="3657788" cy="2946551"/>
           </a:xfrm>
           <a:prstGeom prst="rect">
             <a:avLst/>
@@ -5282,7 +5410,7 @@
     </p:spTree>
     <p:extLst>
       <p:ext uri="{BB962C8B-B14F-4D97-AF65-F5344CB8AC3E}">
-        <p14:creationId xmlns:p14="http://schemas.microsoft.com/office/powerpoint/2010/main" val="3954684719"/>
+        <p14:creationId xmlns:p14="http://schemas.microsoft.com/office/powerpoint/2010/main" val="350333477"/>
       </p:ext>
     </p:extLst>
   </p:cSld>
@@ -5323,8 +5451,8 @@
         </p:nvSpPr>
         <p:spPr>
           <a:xfrm>
-            <a:off x="-1" y="98695"/>
-            <a:ext cx="12191999" cy="714234"/>
+            <a:off x="0" y="98695"/>
+            <a:ext cx="12192000" cy="714234"/>
           </a:xfrm>
           <a:prstGeom prst="rect">
             <a:avLst/>
@@ -5347,7 +5475,7 @@
             </a:pPr>
             <a:r>
               <a:rPr lang="en-US" altLang="zh-CN" sz="3600" b="1" dirty="0"/>
-              <a:t>Decision Tree Classifier – Performance on validation</a:t>
+              <a:t>DT Classifier– Permutation Feature Importance</a:t>
             </a:r>
           </a:p>
         </p:txBody>
@@ -5435,10 +5563,10 @@
       </p:sp>
       <p:sp>
         <p:nvSpPr>
-          <p:cNvPr id="4" name="TextBox 3">
-            <a:extLst>
-              <a:ext uri="{FF2B5EF4-FFF2-40B4-BE49-F238E27FC236}">
-                <a16:creationId xmlns:a16="http://schemas.microsoft.com/office/drawing/2014/main" id="{9D18040C-32C7-18B1-9503-7077020AE38B}"/>
+          <p:cNvPr id="3" name="TextBox 2">
+            <a:extLst>
+              <a:ext uri="{FF2B5EF4-FFF2-40B4-BE49-F238E27FC236}">
+                <a16:creationId xmlns:a16="http://schemas.microsoft.com/office/drawing/2014/main" id="{8A498E7B-01A7-2741-5514-5380B811BA01}"/>
               </a:ext>
             </a:extLst>
           </p:cNvPr>
@@ -5447,8 +5575,8 @@
         </p:nvSpPr>
         <p:spPr>
           <a:xfrm>
-            <a:off x="1064713" y="5407814"/>
-            <a:ext cx="9666951" cy="403316"/>
+            <a:off x="868137" y="1383446"/>
+            <a:ext cx="5083319" cy="403316"/>
           </a:xfrm>
           <a:prstGeom prst="rect">
             <a:avLst/>
@@ -5473,17 +5601,17 @@
             </a:pPr>
             <a:r>
               <a:rPr lang="en-US" altLang="zh-CN" dirty="0"/>
-              <a:t>Todo</a:t>
+              <a:t>This is a list of the most significant attributes.</a:t>
             </a:r>
           </a:p>
         </p:txBody>
       </p:sp>
       <p:pic>
         <p:nvPicPr>
-          <p:cNvPr id="5" name="Picture 4">
-            <a:extLst>
-              <a:ext uri="{FF2B5EF4-FFF2-40B4-BE49-F238E27FC236}">
-                <a16:creationId xmlns:a16="http://schemas.microsoft.com/office/drawing/2014/main" id="{CF8DFBF6-8DCA-F47E-C624-122678ACBE5C}"/>
+          <p:cNvPr id="6" name="Picture 5">
+            <a:extLst>
+              <a:ext uri="{FF2B5EF4-FFF2-40B4-BE49-F238E27FC236}">
+                <a16:creationId xmlns:a16="http://schemas.microsoft.com/office/drawing/2014/main" id="{3981A781-DB84-3EC5-055C-DBC01435E95C}"/>
               </a:ext>
             </a:extLst>
           </p:cNvPr>
@@ -5500,8 +5628,8 @@
         </p:blipFill>
         <p:spPr>
           <a:xfrm>
-            <a:off x="2805579" y="1358149"/>
-            <a:ext cx="6185218" cy="749339"/>
+            <a:off x="1557132" y="2114194"/>
+            <a:ext cx="2984653" cy="2800494"/>
           </a:xfrm>
           <a:prstGeom prst="rect">
             <a:avLst/>
@@ -5510,10 +5638,10 @@
       </p:pic>
       <p:pic>
         <p:nvPicPr>
-          <p:cNvPr id="8" name="Picture 7">
-            <a:extLst>
-              <a:ext uri="{FF2B5EF4-FFF2-40B4-BE49-F238E27FC236}">
-                <a16:creationId xmlns:a16="http://schemas.microsoft.com/office/drawing/2014/main" id="{18736D05-5A7C-49A3-892A-78E764379280}"/>
+          <p:cNvPr id="9" name="Picture 8">
+            <a:extLst>
+              <a:ext uri="{FF2B5EF4-FFF2-40B4-BE49-F238E27FC236}">
+                <a16:creationId xmlns:a16="http://schemas.microsoft.com/office/drawing/2014/main" id="{4ACE656E-70A1-A487-FC8E-4272E08F816A}"/>
               </a:ext>
             </a:extLst>
           </p:cNvPr>
@@ -5530,68 +5658,8 @@
         </p:blipFill>
         <p:spPr>
           <a:xfrm>
-            <a:off x="1150660" y="3154356"/>
-            <a:ext cx="1987652" cy="958899"/>
-          </a:xfrm>
-          <a:prstGeom prst="rect">
-            <a:avLst/>
-          </a:prstGeom>
-        </p:spPr>
-      </p:pic>
-      <p:pic>
-        <p:nvPicPr>
-          <p:cNvPr id="10" name="Picture 9">
-            <a:extLst>
-              <a:ext uri="{FF2B5EF4-FFF2-40B4-BE49-F238E27FC236}">
-                <a16:creationId xmlns:a16="http://schemas.microsoft.com/office/drawing/2014/main" id="{A46FA345-3F98-165E-7FB4-7B74C2233685}"/>
-              </a:ext>
-            </a:extLst>
-          </p:cNvPr>
-          <p:cNvPicPr>
-            <a:picLocks noChangeAspect="1"/>
-          </p:cNvPicPr>
-          <p:nvPr/>
-        </p:nvPicPr>
-        <p:blipFill>
-          <a:blip r:embed="rId4"/>
-          <a:stretch>
-            <a:fillRect/>
-          </a:stretch>
-        </p:blipFill>
-        <p:spPr>
-          <a:xfrm>
-            <a:off x="3646620" y="2350573"/>
-            <a:ext cx="3657788" cy="2978303"/>
-          </a:xfrm>
-          <a:prstGeom prst="rect">
-            <a:avLst/>
-          </a:prstGeom>
-        </p:spPr>
-      </p:pic>
-      <p:pic>
-        <p:nvPicPr>
-          <p:cNvPr id="13" name="Picture 12">
-            <a:extLst>
-              <a:ext uri="{FF2B5EF4-FFF2-40B4-BE49-F238E27FC236}">
-                <a16:creationId xmlns:a16="http://schemas.microsoft.com/office/drawing/2014/main" id="{7E9406FD-BC3F-82E4-7EAE-9CA847CFBEB6}"/>
-              </a:ext>
-            </a:extLst>
-          </p:cNvPr>
-          <p:cNvPicPr>
-            <a:picLocks noChangeAspect="1"/>
-          </p:cNvPicPr>
-          <p:nvPr/>
-        </p:nvPicPr>
-        <p:blipFill>
-          <a:blip r:embed="rId5"/>
-          <a:stretch>
-            <a:fillRect/>
-          </a:stretch>
-        </p:blipFill>
-        <p:spPr>
-          <a:xfrm>
-            <a:off x="7696012" y="2350573"/>
-            <a:ext cx="3657788" cy="2946551"/>
+            <a:off x="6096000" y="2260251"/>
+            <a:ext cx="2971953" cy="2508379"/>
           </a:xfrm>
           <a:prstGeom prst="rect">
             <a:avLst/>
@@ -5601,7 +5669,7 @@
     </p:spTree>
     <p:extLst>
       <p:ext uri="{BB962C8B-B14F-4D97-AF65-F5344CB8AC3E}">
-        <p14:creationId xmlns:p14="http://schemas.microsoft.com/office/powerpoint/2010/main" val="350333477"/>
+        <p14:creationId xmlns:p14="http://schemas.microsoft.com/office/powerpoint/2010/main" val="1109016149"/>
       </p:ext>
     </p:extLst>
   </p:cSld>
@@ -5642,8 +5710,8 @@
         </p:nvSpPr>
         <p:spPr>
           <a:xfrm>
-            <a:off x="0" y="98695"/>
-            <a:ext cx="12192000" cy="714234"/>
+            <a:off x="-1" y="98695"/>
+            <a:ext cx="12191999" cy="714234"/>
           </a:xfrm>
           <a:prstGeom prst="rect">
             <a:avLst/>
@@ -5666,7 +5734,7 @@
             </a:pPr>
             <a:r>
               <a:rPr lang="en-US" altLang="zh-CN" sz="3600" b="1" dirty="0"/>
-              <a:t>DT Classifier– Permutation Feature Importance</a:t>
+              <a:t>DT Classifier – Assess classification thresholds</a:t>
             </a:r>
           </a:p>
         </p:txBody>
@@ -5754,10 +5822,10 @@
       </p:sp>
       <p:sp>
         <p:nvSpPr>
-          <p:cNvPr id="3" name="TextBox 2">
-            <a:extLst>
-              <a:ext uri="{FF2B5EF4-FFF2-40B4-BE49-F238E27FC236}">
-                <a16:creationId xmlns:a16="http://schemas.microsoft.com/office/drawing/2014/main" id="{8A498E7B-01A7-2741-5514-5380B811BA01}"/>
+          <p:cNvPr id="4" name="TextBox 3">
+            <a:extLst>
+              <a:ext uri="{FF2B5EF4-FFF2-40B4-BE49-F238E27FC236}">
+                <a16:creationId xmlns:a16="http://schemas.microsoft.com/office/drawing/2014/main" id="{9D18040C-32C7-18B1-9503-7077020AE38B}"/>
               </a:ext>
             </a:extLst>
           </p:cNvPr>
@@ -5766,8 +5834,8 @@
         </p:nvSpPr>
         <p:spPr>
           <a:xfrm>
-            <a:off x="7108681" y="2023738"/>
-            <a:ext cx="5083319" cy="403316"/>
+            <a:off x="1555714" y="5475205"/>
+            <a:ext cx="9003429" cy="735714"/>
           </a:xfrm>
           <a:prstGeom prst="rect">
             <a:avLst/>
@@ -5791,18 +5859,26 @@
               <a:buChar char="n"/>
             </a:pPr>
             <a:r>
+              <a:rPr lang="en-US" altLang="zh-CN" b="1" dirty="0" err="1"/>
+              <a:t>best_threshold</a:t>
+            </a:r>
+            <a:r>
+              <a:rPr lang="en-US" altLang="zh-CN" b="1" dirty="0"/>
+              <a:t> </a:t>
+            </a:r>
+            <a:r>
               <a:rPr lang="en-US" altLang="zh-CN" dirty="0"/>
-              <a:t>This is a list of the most significant attributes.</a:t>
+              <a:t>= 0.86. The adjustment of threshold is useful since the performance metrics are better.</a:t>
             </a:r>
           </a:p>
         </p:txBody>
       </p:sp>
       <p:pic>
         <p:nvPicPr>
-          <p:cNvPr id="6" name="Picture 5">
-            <a:extLst>
-              <a:ext uri="{FF2B5EF4-FFF2-40B4-BE49-F238E27FC236}">
-                <a16:creationId xmlns:a16="http://schemas.microsoft.com/office/drawing/2014/main" id="{3981A781-DB84-3EC5-055C-DBC01435E95C}"/>
+          <p:cNvPr id="5" name="Picture 4">
+            <a:extLst>
+              <a:ext uri="{FF2B5EF4-FFF2-40B4-BE49-F238E27FC236}">
+                <a16:creationId xmlns:a16="http://schemas.microsoft.com/office/drawing/2014/main" id="{2E7EF3D5-7690-A6E6-F139-66C95704151C}"/>
               </a:ext>
             </a:extLst>
           </p:cNvPr>
@@ -5819,8 +5895,8 @@
         </p:blipFill>
         <p:spPr>
           <a:xfrm>
-            <a:off x="652159" y="2225396"/>
-            <a:ext cx="2984653" cy="2800494"/>
+            <a:off x="368107" y="2447851"/>
+            <a:ext cx="3746693" cy="2876698"/>
           </a:xfrm>
           <a:prstGeom prst="rect">
             <a:avLst/>
@@ -5829,10 +5905,10 @@
       </p:pic>
       <p:pic>
         <p:nvPicPr>
-          <p:cNvPr id="9" name="Picture 8">
-            <a:extLst>
-              <a:ext uri="{FF2B5EF4-FFF2-40B4-BE49-F238E27FC236}">
-                <a16:creationId xmlns:a16="http://schemas.microsoft.com/office/drawing/2014/main" id="{4ACE656E-70A1-A487-FC8E-4272E08F816A}"/>
+          <p:cNvPr id="8" name="Picture 7">
+            <a:extLst>
+              <a:ext uri="{FF2B5EF4-FFF2-40B4-BE49-F238E27FC236}">
+                <a16:creationId xmlns:a16="http://schemas.microsoft.com/office/drawing/2014/main" id="{9A723B34-9EB7-0694-8CE2-15698AAF4DCF}"/>
               </a:ext>
             </a:extLst>
           </p:cNvPr>
@@ -5849,8 +5925,98 @@
         </p:blipFill>
         <p:spPr>
           <a:xfrm>
-            <a:off x="4136728" y="2517511"/>
-            <a:ext cx="2971953" cy="2508379"/>
+            <a:off x="541404" y="1277091"/>
+            <a:ext cx="6210619" cy="730288"/>
+          </a:xfrm>
+          <a:prstGeom prst="rect">
+            <a:avLst/>
+          </a:prstGeom>
+        </p:spPr>
+      </p:pic>
+      <p:pic>
+        <p:nvPicPr>
+          <p:cNvPr id="10" name="Picture 9">
+            <a:extLst>
+              <a:ext uri="{FF2B5EF4-FFF2-40B4-BE49-F238E27FC236}">
+                <a16:creationId xmlns:a16="http://schemas.microsoft.com/office/drawing/2014/main" id="{B81CFA06-1497-DCD0-5A02-EE722BD9112D}"/>
+              </a:ext>
+            </a:extLst>
+          </p:cNvPr>
+          <p:cNvPicPr>
+            <a:picLocks noChangeAspect="1"/>
+          </p:cNvPicPr>
+          <p:nvPr/>
+        </p:nvPicPr>
+        <p:blipFill>
+          <a:blip r:embed="rId4"/>
+          <a:stretch>
+            <a:fillRect/>
+          </a:stretch>
+        </p:blipFill>
+        <p:spPr>
+          <a:xfrm>
+            <a:off x="7784140" y="1272483"/>
+            <a:ext cx="2044805" cy="958899"/>
+          </a:xfrm>
+          <a:prstGeom prst="rect">
+            <a:avLst/>
+          </a:prstGeom>
+        </p:spPr>
+      </p:pic>
+      <p:pic>
+        <p:nvPicPr>
+          <p:cNvPr id="13" name="Picture 12">
+            <a:extLst>
+              <a:ext uri="{FF2B5EF4-FFF2-40B4-BE49-F238E27FC236}">
+                <a16:creationId xmlns:a16="http://schemas.microsoft.com/office/drawing/2014/main" id="{81809F26-1627-6CFF-50BD-2C6465D62AF9}"/>
+              </a:ext>
+            </a:extLst>
+          </p:cNvPr>
+          <p:cNvPicPr>
+            <a:picLocks noChangeAspect="1"/>
+          </p:cNvPicPr>
+          <p:nvPr/>
+        </p:nvPicPr>
+        <p:blipFill>
+          <a:blip r:embed="rId5"/>
+          <a:stretch>
+            <a:fillRect/>
+          </a:stretch>
+        </p:blipFill>
+        <p:spPr>
+          <a:xfrm>
+            <a:off x="4270279" y="2339896"/>
+            <a:ext cx="3651438" cy="2984653"/>
+          </a:xfrm>
+          <a:prstGeom prst="rect">
+            <a:avLst/>
+          </a:prstGeom>
+        </p:spPr>
+      </p:pic>
+      <p:pic>
+        <p:nvPicPr>
+          <p:cNvPr id="15" name="Picture 14">
+            <a:extLst>
+              <a:ext uri="{FF2B5EF4-FFF2-40B4-BE49-F238E27FC236}">
+                <a16:creationId xmlns:a16="http://schemas.microsoft.com/office/drawing/2014/main" id="{72A4567E-6192-D465-AE56-5D50F588CDB6}"/>
+              </a:ext>
+            </a:extLst>
+          </p:cNvPr>
+          <p:cNvPicPr>
+            <a:picLocks noChangeAspect="1"/>
+          </p:cNvPicPr>
+          <p:nvPr/>
+        </p:nvPicPr>
+        <p:blipFill>
+          <a:blip r:embed="rId6"/>
+          <a:stretch>
+            <a:fillRect/>
+          </a:stretch>
+        </p:blipFill>
+        <p:spPr>
+          <a:xfrm>
+            <a:off x="8185057" y="2285612"/>
+            <a:ext cx="3594285" cy="3010055"/>
           </a:xfrm>
           <a:prstGeom prst="rect">
             <a:avLst/>
@@ -5860,7 +6026,7 @@
     </p:spTree>
     <p:extLst>
       <p:ext uri="{BB962C8B-B14F-4D97-AF65-F5344CB8AC3E}">
-        <p14:creationId xmlns:p14="http://schemas.microsoft.com/office/powerpoint/2010/main" val="1109016149"/>
+        <p14:creationId xmlns:p14="http://schemas.microsoft.com/office/powerpoint/2010/main" val="3492231397"/>
       </p:ext>
     </p:extLst>
   </p:cSld>
@@ -5901,8 +6067,8 @@
         </p:nvSpPr>
         <p:spPr>
           <a:xfrm>
-            <a:off x="-1" y="98695"/>
-            <a:ext cx="12191999" cy="714234"/>
+            <a:off x="0" y="95532"/>
+            <a:ext cx="12192000" cy="714234"/>
           </a:xfrm>
           <a:prstGeom prst="rect">
             <a:avLst/>
@@ -5924,8 +6090,12 @@
               </a:buClr>
             </a:pPr>
             <a:r>
+              <a:rPr lang="en-US" altLang="zh-CN" sz="3600" b="1" dirty="0" err="1"/>
+              <a:t>Adaboost</a:t>
+            </a:r>
+            <a:r>
               <a:rPr lang="en-US" altLang="zh-CN" sz="3600" b="1" dirty="0"/>
-              <a:t>DT Classifier – False Discoveries</a:t>
+              <a:t> Classifier – Performance on train</a:t>
             </a:r>
           </a:p>
         </p:txBody>
@@ -6013,10 +6183,10 @@
       </p:sp>
       <p:sp>
         <p:nvSpPr>
-          <p:cNvPr id="4" name="TextBox 3">
-            <a:extLst>
-              <a:ext uri="{FF2B5EF4-FFF2-40B4-BE49-F238E27FC236}">
-                <a16:creationId xmlns:a16="http://schemas.microsoft.com/office/drawing/2014/main" id="{9D18040C-32C7-18B1-9503-7077020AE38B}"/>
+          <p:cNvPr id="12" name="TextBox 11">
+            <a:extLst>
+              <a:ext uri="{FF2B5EF4-FFF2-40B4-BE49-F238E27FC236}">
+                <a16:creationId xmlns:a16="http://schemas.microsoft.com/office/drawing/2014/main" id="{65946DDA-9B38-D45D-47C8-45F709A0CAA4}"/>
               </a:ext>
             </a:extLst>
           </p:cNvPr>
@@ -6025,564 +6195,8 @@
         </p:nvSpPr>
         <p:spPr>
           <a:xfrm>
-            <a:off x="1555715" y="5475205"/>
-            <a:ext cx="2336738" cy="403316"/>
-          </a:xfrm>
-          <a:prstGeom prst="rect">
-            <a:avLst/>
-          </a:prstGeom>
-          <a:noFill/>
-        </p:spPr>
-        <p:txBody>
-          <a:bodyPr wrap="square">
-            <a:spAutoFit/>
-          </a:bodyPr>
-          <a:lstStyle/>
-          <a:p>
-            <a:pPr marL="285750" indent="-285750">
-              <a:lnSpc>
-                <a:spcPct val="120000"/>
-              </a:lnSpc>
-              <a:buClr>
-                <a:srgbClr val="D41B2C"/>
-              </a:buClr>
-              <a:buFont typeface="Wingdings" panose="05000000000000000000" pitchFamily="2" charset="2"/>
-              <a:buChar char="n"/>
-            </a:pPr>
-            <a:r>
-              <a:rPr lang="en-US" altLang="zh-CN" dirty="0"/>
-              <a:t>Todo</a:t>
-            </a:r>
-          </a:p>
-        </p:txBody>
-      </p:sp>
-    </p:spTree>
-    <p:extLst>
-      <p:ext uri="{BB962C8B-B14F-4D97-AF65-F5344CB8AC3E}">
-        <p14:creationId xmlns:p14="http://schemas.microsoft.com/office/powerpoint/2010/main" val="1756547846"/>
-      </p:ext>
-    </p:extLst>
-  </p:cSld>
-  <p:clrMapOvr>
-    <a:masterClrMapping/>
-  </p:clrMapOvr>
-</p:sld>
-</file>
-
-<file path=ppt/slides/slide18.xml><?xml version="1.0" encoding="utf-8"?>
-<p:sld xmlns:a="http://schemas.openxmlformats.org/drawingml/2006/main" xmlns:r="http://schemas.openxmlformats.org/officeDocument/2006/relationships" xmlns:p="http://schemas.openxmlformats.org/presentationml/2006/main">
-  <p:cSld>
-    <p:spTree>
-      <p:nvGrpSpPr>
-        <p:cNvPr id="1" name=""/>
-        <p:cNvGrpSpPr/>
-        <p:nvPr/>
-      </p:nvGrpSpPr>
-      <p:grpSpPr>
-        <a:xfrm>
-          <a:off x="0" y="0"/>
-          <a:ext cx="0" cy="0"/>
-          <a:chOff x="0" y="0"/>
-          <a:chExt cx="0" cy="0"/>
-        </a:xfrm>
-      </p:grpSpPr>
-      <p:sp>
-        <p:nvSpPr>
-          <p:cNvPr id="7" name="TextBox 6">
-            <a:extLst>
-              <a:ext uri="{FF2B5EF4-FFF2-40B4-BE49-F238E27FC236}">
-                <a16:creationId xmlns:a16="http://schemas.microsoft.com/office/drawing/2014/main" id="{5D125FF5-A4BE-F7D1-48A3-B299B2BD4C00}"/>
-              </a:ext>
-            </a:extLst>
-          </p:cNvPr>
-          <p:cNvSpPr txBox="1"/>
-          <p:nvPr/>
-        </p:nvSpPr>
-        <p:spPr>
-          <a:xfrm>
-            <a:off x="-1" y="98695"/>
-            <a:ext cx="12191999" cy="714234"/>
-          </a:xfrm>
-          <a:prstGeom prst="rect">
-            <a:avLst/>
-          </a:prstGeom>
-          <a:noFill/>
-        </p:spPr>
-        <p:txBody>
-          <a:bodyPr wrap="square">
-            <a:spAutoFit/>
-          </a:bodyPr>
-          <a:lstStyle/>
-          <a:p>
-            <a:pPr lvl="1">
-              <a:lnSpc>
-                <a:spcPct val="120000"/>
-              </a:lnSpc>
-              <a:buClr>
-                <a:srgbClr val="D41B2C"/>
-              </a:buClr>
-            </a:pPr>
-            <a:r>
-              <a:rPr lang="en-US" altLang="zh-CN" sz="3600" b="1" dirty="0"/>
-              <a:t>DT Classifier – Assess classification thresholds</a:t>
-            </a:r>
-          </a:p>
-        </p:txBody>
-      </p:sp>
-      <p:sp>
-        <p:nvSpPr>
-          <p:cNvPr id="11" name="Slide Number Placeholder 10">
-            <a:extLst>
-              <a:ext uri="{FF2B5EF4-FFF2-40B4-BE49-F238E27FC236}">
-                <a16:creationId xmlns:a16="http://schemas.microsoft.com/office/drawing/2014/main" id="{E4FAC7AA-BDB7-F7C0-F177-96942C945B33}"/>
-              </a:ext>
-            </a:extLst>
-          </p:cNvPr>
-          <p:cNvSpPr>
-            <a:spLocks noGrp="1"/>
-          </p:cNvSpPr>
-          <p:nvPr>
-            <p:ph type="sldNum" sz="quarter" idx="12"/>
-          </p:nvPr>
-        </p:nvSpPr>
-        <p:spPr/>
-        <p:txBody>
-          <a:bodyPr/>
-          <a:lstStyle/>
-          <a:p>
-            <a:fld id="{CD1615FA-664A-4E3E-8664-50FDFADF9207}" type="slidenum">
-              <a:rPr lang="zh-CN" altLang="en-US" smtClean="0"/>
-              <a:t>18</a:t>
-            </a:fld>
-            <a:endParaRPr lang="zh-CN" altLang="en-US"/>
-          </a:p>
-        </p:txBody>
-      </p:sp>
-      <p:sp>
-        <p:nvSpPr>
-          <p:cNvPr id="2" name="Flowchart: Process 1">
-            <a:extLst>
-              <a:ext uri="{FF2B5EF4-FFF2-40B4-BE49-F238E27FC236}">
-                <a16:creationId xmlns:a16="http://schemas.microsoft.com/office/drawing/2014/main" id="{8105CBB4-A62C-646D-028E-C22D78DFD5E9}"/>
-              </a:ext>
-            </a:extLst>
-          </p:cNvPr>
-          <p:cNvSpPr/>
-          <p:nvPr/>
-        </p:nvSpPr>
-        <p:spPr>
-          <a:xfrm flipV="1">
-            <a:off x="0" y="1046870"/>
-            <a:ext cx="12192000" cy="9144"/>
-          </a:xfrm>
-          <a:prstGeom prst="flowChartProcess">
-            <a:avLst/>
-          </a:prstGeom>
-          <a:solidFill>
-            <a:srgbClr val="D41B2C"/>
-          </a:solidFill>
-          <a:ln>
-            <a:noFill/>
-          </a:ln>
-        </p:spPr>
-        <p:style>
-          <a:lnRef idx="2">
-            <a:schemeClr val="accent1">
-              <a:shade val="15000"/>
-            </a:schemeClr>
-          </a:lnRef>
-          <a:fillRef idx="1">
-            <a:schemeClr val="accent1"/>
-          </a:fillRef>
-          <a:effectRef idx="0">
-            <a:schemeClr val="accent1"/>
-          </a:effectRef>
-          <a:fontRef idx="minor">
-            <a:schemeClr val="lt1"/>
-          </a:fontRef>
-        </p:style>
-        <p:txBody>
-          <a:bodyPr rtlCol="0" anchor="ctr"/>
-          <a:lstStyle/>
-          <a:p>
-            <a:pPr algn="ctr"/>
-            <a:endParaRPr lang="zh-CN" altLang="en-US"/>
-          </a:p>
-        </p:txBody>
-      </p:sp>
-      <p:sp>
-        <p:nvSpPr>
-          <p:cNvPr id="4" name="TextBox 3">
-            <a:extLst>
-              <a:ext uri="{FF2B5EF4-FFF2-40B4-BE49-F238E27FC236}">
-                <a16:creationId xmlns:a16="http://schemas.microsoft.com/office/drawing/2014/main" id="{9D18040C-32C7-18B1-9503-7077020AE38B}"/>
-              </a:ext>
-            </a:extLst>
-          </p:cNvPr>
-          <p:cNvSpPr txBox="1"/>
-          <p:nvPr/>
-        </p:nvSpPr>
-        <p:spPr>
-          <a:xfrm>
-            <a:off x="1555714" y="5475205"/>
-            <a:ext cx="9003429" cy="403316"/>
-          </a:xfrm>
-          <a:prstGeom prst="rect">
-            <a:avLst/>
-          </a:prstGeom>
-          <a:noFill/>
-        </p:spPr>
-        <p:txBody>
-          <a:bodyPr wrap="square">
-            <a:spAutoFit/>
-          </a:bodyPr>
-          <a:lstStyle/>
-          <a:p>
-            <a:pPr marL="285750" indent="-285750">
-              <a:lnSpc>
-                <a:spcPct val="120000"/>
-              </a:lnSpc>
-              <a:buClr>
-                <a:srgbClr val="D41B2C"/>
-              </a:buClr>
-              <a:buFont typeface="Wingdings" panose="05000000000000000000" pitchFamily="2" charset="2"/>
-              <a:buChar char="n"/>
-            </a:pPr>
-            <a:r>
-              <a:rPr lang="en-US" altLang="zh-CN" dirty="0" err="1"/>
-              <a:t>best_threshold</a:t>
-            </a:r>
-            <a:r>
-              <a:rPr lang="en-US" altLang="zh-CN" dirty="0"/>
-              <a:t> = 0.86</a:t>
-            </a:r>
-          </a:p>
-        </p:txBody>
-      </p:sp>
-      <p:pic>
-        <p:nvPicPr>
-          <p:cNvPr id="5" name="Picture 4">
-            <a:extLst>
-              <a:ext uri="{FF2B5EF4-FFF2-40B4-BE49-F238E27FC236}">
-                <a16:creationId xmlns:a16="http://schemas.microsoft.com/office/drawing/2014/main" id="{2E7EF3D5-7690-A6E6-F139-66C95704151C}"/>
-              </a:ext>
-            </a:extLst>
-          </p:cNvPr>
-          <p:cNvPicPr>
-            <a:picLocks noChangeAspect="1"/>
-          </p:cNvPicPr>
-          <p:nvPr/>
-        </p:nvPicPr>
-        <p:blipFill>
-          <a:blip r:embed="rId2"/>
-          <a:stretch>
-            <a:fillRect/>
-          </a:stretch>
-        </p:blipFill>
-        <p:spPr>
-          <a:xfrm>
-            <a:off x="368107" y="2447851"/>
-            <a:ext cx="3746693" cy="2876698"/>
-          </a:xfrm>
-          <a:prstGeom prst="rect">
-            <a:avLst/>
-          </a:prstGeom>
-        </p:spPr>
-      </p:pic>
-      <p:pic>
-        <p:nvPicPr>
-          <p:cNvPr id="8" name="Picture 7">
-            <a:extLst>
-              <a:ext uri="{FF2B5EF4-FFF2-40B4-BE49-F238E27FC236}">
-                <a16:creationId xmlns:a16="http://schemas.microsoft.com/office/drawing/2014/main" id="{9A723B34-9EB7-0694-8CE2-15698AAF4DCF}"/>
-              </a:ext>
-            </a:extLst>
-          </p:cNvPr>
-          <p:cNvPicPr>
-            <a:picLocks noChangeAspect="1"/>
-          </p:cNvPicPr>
-          <p:nvPr/>
-        </p:nvPicPr>
-        <p:blipFill>
-          <a:blip r:embed="rId3"/>
-          <a:stretch>
-            <a:fillRect/>
-          </a:stretch>
-        </p:blipFill>
-        <p:spPr>
-          <a:xfrm>
-            <a:off x="541404" y="1277091"/>
-            <a:ext cx="6210619" cy="730288"/>
-          </a:xfrm>
-          <a:prstGeom prst="rect">
-            <a:avLst/>
-          </a:prstGeom>
-        </p:spPr>
-      </p:pic>
-      <p:pic>
-        <p:nvPicPr>
-          <p:cNvPr id="10" name="Picture 9">
-            <a:extLst>
-              <a:ext uri="{FF2B5EF4-FFF2-40B4-BE49-F238E27FC236}">
-                <a16:creationId xmlns:a16="http://schemas.microsoft.com/office/drawing/2014/main" id="{B81CFA06-1497-DCD0-5A02-EE722BD9112D}"/>
-              </a:ext>
-            </a:extLst>
-          </p:cNvPr>
-          <p:cNvPicPr>
-            <a:picLocks noChangeAspect="1"/>
-          </p:cNvPicPr>
-          <p:nvPr/>
-        </p:nvPicPr>
-        <p:blipFill>
-          <a:blip r:embed="rId4"/>
-          <a:stretch>
-            <a:fillRect/>
-          </a:stretch>
-        </p:blipFill>
-        <p:spPr>
-          <a:xfrm>
-            <a:off x="7784140" y="1272483"/>
-            <a:ext cx="2044805" cy="958899"/>
-          </a:xfrm>
-          <a:prstGeom prst="rect">
-            <a:avLst/>
-          </a:prstGeom>
-        </p:spPr>
-      </p:pic>
-      <p:pic>
-        <p:nvPicPr>
-          <p:cNvPr id="13" name="Picture 12">
-            <a:extLst>
-              <a:ext uri="{FF2B5EF4-FFF2-40B4-BE49-F238E27FC236}">
-                <a16:creationId xmlns:a16="http://schemas.microsoft.com/office/drawing/2014/main" id="{81809F26-1627-6CFF-50BD-2C6465D62AF9}"/>
-              </a:ext>
-            </a:extLst>
-          </p:cNvPr>
-          <p:cNvPicPr>
-            <a:picLocks noChangeAspect="1"/>
-          </p:cNvPicPr>
-          <p:nvPr/>
-        </p:nvPicPr>
-        <p:blipFill>
-          <a:blip r:embed="rId5"/>
-          <a:stretch>
-            <a:fillRect/>
-          </a:stretch>
-        </p:blipFill>
-        <p:spPr>
-          <a:xfrm>
-            <a:off x="4270279" y="2339896"/>
-            <a:ext cx="3651438" cy="2984653"/>
-          </a:xfrm>
-          <a:prstGeom prst="rect">
-            <a:avLst/>
-          </a:prstGeom>
-        </p:spPr>
-      </p:pic>
-      <p:pic>
-        <p:nvPicPr>
-          <p:cNvPr id="15" name="Picture 14">
-            <a:extLst>
-              <a:ext uri="{FF2B5EF4-FFF2-40B4-BE49-F238E27FC236}">
-                <a16:creationId xmlns:a16="http://schemas.microsoft.com/office/drawing/2014/main" id="{72A4567E-6192-D465-AE56-5D50F588CDB6}"/>
-              </a:ext>
-            </a:extLst>
-          </p:cNvPr>
-          <p:cNvPicPr>
-            <a:picLocks noChangeAspect="1"/>
-          </p:cNvPicPr>
-          <p:nvPr/>
-        </p:nvPicPr>
-        <p:blipFill>
-          <a:blip r:embed="rId6"/>
-          <a:stretch>
-            <a:fillRect/>
-          </a:stretch>
-        </p:blipFill>
-        <p:spPr>
-          <a:xfrm>
-            <a:off x="8185057" y="2285612"/>
-            <a:ext cx="3594285" cy="3010055"/>
-          </a:xfrm>
-          <a:prstGeom prst="rect">
-            <a:avLst/>
-          </a:prstGeom>
-        </p:spPr>
-      </p:pic>
-    </p:spTree>
-    <p:extLst>
-      <p:ext uri="{BB962C8B-B14F-4D97-AF65-F5344CB8AC3E}">
-        <p14:creationId xmlns:p14="http://schemas.microsoft.com/office/powerpoint/2010/main" val="3492231397"/>
-      </p:ext>
-    </p:extLst>
-  </p:cSld>
-  <p:clrMapOvr>
-    <a:masterClrMapping/>
-  </p:clrMapOvr>
-</p:sld>
-</file>
-
-<file path=ppt/slides/slide19.xml><?xml version="1.0" encoding="utf-8"?>
-<p:sld xmlns:a="http://schemas.openxmlformats.org/drawingml/2006/main" xmlns:r="http://schemas.openxmlformats.org/officeDocument/2006/relationships" xmlns:p="http://schemas.openxmlformats.org/presentationml/2006/main">
-  <p:cSld>
-    <p:spTree>
-      <p:nvGrpSpPr>
-        <p:cNvPr id="1" name=""/>
-        <p:cNvGrpSpPr/>
-        <p:nvPr/>
-      </p:nvGrpSpPr>
-      <p:grpSpPr>
-        <a:xfrm>
-          <a:off x="0" y="0"/>
-          <a:ext cx="0" cy="0"/>
-          <a:chOff x="0" y="0"/>
-          <a:chExt cx="0" cy="0"/>
-        </a:xfrm>
-      </p:grpSpPr>
-      <p:sp>
-        <p:nvSpPr>
-          <p:cNvPr id="7" name="TextBox 6">
-            <a:extLst>
-              <a:ext uri="{FF2B5EF4-FFF2-40B4-BE49-F238E27FC236}">
-                <a16:creationId xmlns:a16="http://schemas.microsoft.com/office/drawing/2014/main" id="{5D125FF5-A4BE-F7D1-48A3-B299B2BD4C00}"/>
-              </a:ext>
-            </a:extLst>
-          </p:cNvPr>
-          <p:cNvSpPr txBox="1"/>
-          <p:nvPr/>
-        </p:nvSpPr>
-        <p:spPr>
-          <a:xfrm>
-            <a:off x="0" y="95532"/>
-            <a:ext cx="12192000" cy="714234"/>
-          </a:xfrm>
-          <a:prstGeom prst="rect">
-            <a:avLst/>
-          </a:prstGeom>
-          <a:noFill/>
-        </p:spPr>
-        <p:txBody>
-          <a:bodyPr wrap="square">
-            <a:spAutoFit/>
-          </a:bodyPr>
-          <a:lstStyle/>
-          <a:p>
-            <a:pPr lvl="1">
-              <a:lnSpc>
-                <a:spcPct val="120000"/>
-              </a:lnSpc>
-              <a:buClr>
-                <a:srgbClr val="D41B2C"/>
-              </a:buClr>
-            </a:pPr>
-            <a:r>
-              <a:rPr lang="en-US" altLang="zh-CN" sz="3600" b="1" dirty="0" err="1"/>
-              <a:t>Adaboost</a:t>
-            </a:r>
-            <a:r>
-              <a:rPr lang="en-US" altLang="zh-CN" sz="3600" b="1" dirty="0"/>
-              <a:t> Classifier – Performance on train</a:t>
-            </a:r>
-          </a:p>
-        </p:txBody>
-      </p:sp>
-      <p:sp>
-        <p:nvSpPr>
-          <p:cNvPr id="11" name="Slide Number Placeholder 10">
-            <a:extLst>
-              <a:ext uri="{FF2B5EF4-FFF2-40B4-BE49-F238E27FC236}">
-                <a16:creationId xmlns:a16="http://schemas.microsoft.com/office/drawing/2014/main" id="{E4FAC7AA-BDB7-F7C0-F177-96942C945B33}"/>
-              </a:ext>
-            </a:extLst>
-          </p:cNvPr>
-          <p:cNvSpPr>
-            <a:spLocks noGrp="1"/>
-          </p:cNvSpPr>
-          <p:nvPr>
-            <p:ph type="sldNum" sz="quarter" idx="12"/>
-          </p:nvPr>
-        </p:nvSpPr>
-        <p:spPr/>
-        <p:txBody>
-          <a:bodyPr/>
-          <a:lstStyle/>
-          <a:p>
-            <a:fld id="{CD1615FA-664A-4E3E-8664-50FDFADF9207}" type="slidenum">
-              <a:rPr lang="zh-CN" altLang="en-US" smtClean="0"/>
-              <a:t>19</a:t>
-            </a:fld>
-            <a:endParaRPr lang="zh-CN" altLang="en-US"/>
-          </a:p>
-        </p:txBody>
-      </p:sp>
-      <p:sp>
-        <p:nvSpPr>
-          <p:cNvPr id="2" name="Flowchart: Process 1">
-            <a:extLst>
-              <a:ext uri="{FF2B5EF4-FFF2-40B4-BE49-F238E27FC236}">
-                <a16:creationId xmlns:a16="http://schemas.microsoft.com/office/drawing/2014/main" id="{8105CBB4-A62C-646D-028E-C22D78DFD5E9}"/>
-              </a:ext>
-            </a:extLst>
-          </p:cNvPr>
-          <p:cNvSpPr/>
-          <p:nvPr/>
-        </p:nvSpPr>
-        <p:spPr>
-          <a:xfrm flipV="1">
-            <a:off x="0" y="1046870"/>
-            <a:ext cx="12192000" cy="9144"/>
-          </a:xfrm>
-          <a:prstGeom prst="flowChartProcess">
-            <a:avLst/>
-          </a:prstGeom>
-          <a:solidFill>
-            <a:srgbClr val="D41B2C"/>
-          </a:solidFill>
-          <a:ln>
-            <a:noFill/>
-          </a:ln>
-        </p:spPr>
-        <p:style>
-          <a:lnRef idx="2">
-            <a:schemeClr val="accent1">
-              <a:shade val="15000"/>
-            </a:schemeClr>
-          </a:lnRef>
-          <a:fillRef idx="1">
-            <a:schemeClr val="accent1"/>
-          </a:fillRef>
-          <a:effectRef idx="0">
-            <a:schemeClr val="accent1"/>
-          </a:effectRef>
-          <a:fontRef idx="minor">
-            <a:schemeClr val="lt1"/>
-          </a:fontRef>
-        </p:style>
-        <p:txBody>
-          <a:bodyPr rtlCol="0" anchor="ctr"/>
-          <a:lstStyle/>
-          <a:p>
-            <a:pPr algn="ctr"/>
-            <a:endParaRPr lang="zh-CN" altLang="en-US"/>
-          </a:p>
-        </p:txBody>
-      </p:sp>
-      <p:sp>
-        <p:nvSpPr>
-          <p:cNvPr id="12" name="TextBox 11">
-            <a:extLst>
-              <a:ext uri="{FF2B5EF4-FFF2-40B4-BE49-F238E27FC236}">
-                <a16:creationId xmlns:a16="http://schemas.microsoft.com/office/drawing/2014/main" id="{65946DDA-9B38-D45D-47C8-45F709A0CAA4}"/>
-              </a:ext>
-            </a:extLst>
-          </p:cNvPr>
-          <p:cNvSpPr txBox="1"/>
-          <p:nvPr/>
-        </p:nvSpPr>
-        <p:spPr>
-          <a:xfrm>
             <a:off x="1446281" y="5531095"/>
-            <a:ext cx="3712057" cy="403316"/>
+            <a:ext cx="9422824" cy="735714"/>
           </a:xfrm>
           <a:prstGeom prst="rect">
             <a:avLst/>
@@ -6621,7 +6235,31 @@
           <a:p>
             <a:r>
               <a:rPr lang="en-US" altLang="zh-CN" dirty="0"/>
-              <a:t>Todo</a:t>
+              <a:t>Compared to the default model, the number of </a:t>
+            </a:r>
+            <a:r>
+              <a:rPr lang="en-US" altLang="zh-CN" b="1" dirty="0"/>
+              <a:t>false positives </a:t>
+            </a:r>
+            <a:r>
+              <a:rPr lang="en-US" altLang="zh-CN" dirty="0"/>
+              <a:t>greatly</a:t>
+            </a:r>
+            <a:r>
+              <a:rPr lang="en-US" altLang="zh-CN" b="1" dirty="0"/>
+              <a:t> </a:t>
+            </a:r>
+            <a:r>
+              <a:rPr lang="en-US" altLang="zh-CN" dirty="0"/>
+              <a:t>decreases although the number of </a:t>
+            </a:r>
+            <a:r>
+              <a:rPr lang="en-US" altLang="zh-CN" b="1" dirty="0"/>
+              <a:t>false negative</a:t>
+            </a:r>
+            <a:r>
+              <a:rPr lang="en-US" altLang="zh-CN" dirty="0"/>
+              <a:t> shows a subtle increase.</a:t>
             </a:r>
           </a:p>
         </p:txBody>
@@ -6750,6 +6388,606 @@
     <p:extLst>
       <p:ext uri="{BB962C8B-B14F-4D97-AF65-F5344CB8AC3E}">
         <p14:creationId xmlns:p14="http://schemas.microsoft.com/office/powerpoint/2010/main" val="3226946332"/>
+      </p:ext>
+    </p:extLst>
+  </p:cSld>
+  <p:clrMapOvr>
+    <a:masterClrMapping/>
+  </p:clrMapOvr>
+</p:sld>
+</file>
+
+<file path=ppt/slides/slide18.xml><?xml version="1.0" encoding="utf-8"?>
+<p:sld xmlns:a="http://schemas.openxmlformats.org/drawingml/2006/main" xmlns:r="http://schemas.openxmlformats.org/officeDocument/2006/relationships" xmlns:p="http://schemas.openxmlformats.org/presentationml/2006/main">
+  <p:cSld>
+    <p:spTree>
+      <p:nvGrpSpPr>
+        <p:cNvPr id="1" name=""/>
+        <p:cNvGrpSpPr/>
+        <p:nvPr/>
+      </p:nvGrpSpPr>
+      <p:grpSpPr>
+        <a:xfrm>
+          <a:off x="0" y="0"/>
+          <a:ext cx="0" cy="0"/>
+          <a:chOff x="0" y="0"/>
+          <a:chExt cx="0" cy="0"/>
+        </a:xfrm>
+      </p:grpSpPr>
+      <p:sp>
+        <p:nvSpPr>
+          <p:cNvPr id="7" name="TextBox 6">
+            <a:extLst>
+              <a:ext uri="{FF2B5EF4-FFF2-40B4-BE49-F238E27FC236}">
+                <a16:creationId xmlns:a16="http://schemas.microsoft.com/office/drawing/2014/main" id="{5D125FF5-A4BE-F7D1-48A3-B299B2BD4C00}"/>
+              </a:ext>
+            </a:extLst>
+          </p:cNvPr>
+          <p:cNvSpPr txBox="1"/>
+          <p:nvPr/>
+        </p:nvSpPr>
+        <p:spPr>
+          <a:xfrm>
+            <a:off x="0" y="95532"/>
+            <a:ext cx="12192000" cy="714234"/>
+          </a:xfrm>
+          <a:prstGeom prst="rect">
+            <a:avLst/>
+          </a:prstGeom>
+          <a:noFill/>
+        </p:spPr>
+        <p:txBody>
+          <a:bodyPr wrap="square">
+            <a:spAutoFit/>
+          </a:bodyPr>
+          <a:lstStyle/>
+          <a:p>
+            <a:pPr lvl="1">
+              <a:lnSpc>
+                <a:spcPct val="120000"/>
+              </a:lnSpc>
+              <a:buClr>
+                <a:srgbClr val="D41B2C"/>
+              </a:buClr>
+            </a:pPr>
+            <a:r>
+              <a:rPr lang="en-US" altLang="zh-CN" sz="3600" b="1" dirty="0" err="1"/>
+              <a:t>Adaboost</a:t>
+            </a:r>
+            <a:r>
+              <a:rPr lang="en-US" altLang="zh-CN" sz="3600" b="1" dirty="0"/>
+              <a:t> Classifier – Performance on validation</a:t>
+            </a:r>
+          </a:p>
+        </p:txBody>
+      </p:sp>
+      <p:sp>
+        <p:nvSpPr>
+          <p:cNvPr id="11" name="Slide Number Placeholder 10">
+            <a:extLst>
+              <a:ext uri="{FF2B5EF4-FFF2-40B4-BE49-F238E27FC236}">
+                <a16:creationId xmlns:a16="http://schemas.microsoft.com/office/drawing/2014/main" id="{E4FAC7AA-BDB7-F7C0-F177-96942C945B33}"/>
+              </a:ext>
+            </a:extLst>
+          </p:cNvPr>
+          <p:cNvSpPr>
+            <a:spLocks noGrp="1"/>
+          </p:cNvSpPr>
+          <p:nvPr>
+            <p:ph type="sldNum" sz="quarter" idx="12"/>
+          </p:nvPr>
+        </p:nvSpPr>
+        <p:spPr/>
+        <p:txBody>
+          <a:bodyPr/>
+          <a:lstStyle/>
+          <a:p>
+            <a:fld id="{CD1615FA-664A-4E3E-8664-50FDFADF9207}" type="slidenum">
+              <a:rPr lang="zh-CN" altLang="en-US" smtClean="0"/>
+              <a:t>18</a:t>
+            </a:fld>
+            <a:endParaRPr lang="zh-CN" altLang="en-US"/>
+          </a:p>
+        </p:txBody>
+      </p:sp>
+      <p:sp>
+        <p:nvSpPr>
+          <p:cNvPr id="2" name="Flowchart: Process 1">
+            <a:extLst>
+              <a:ext uri="{FF2B5EF4-FFF2-40B4-BE49-F238E27FC236}">
+                <a16:creationId xmlns:a16="http://schemas.microsoft.com/office/drawing/2014/main" id="{8105CBB4-A62C-646D-028E-C22D78DFD5E9}"/>
+              </a:ext>
+            </a:extLst>
+          </p:cNvPr>
+          <p:cNvSpPr/>
+          <p:nvPr/>
+        </p:nvSpPr>
+        <p:spPr>
+          <a:xfrm flipV="1">
+            <a:off x="0" y="1046870"/>
+            <a:ext cx="12192000" cy="9144"/>
+          </a:xfrm>
+          <a:prstGeom prst="flowChartProcess">
+            <a:avLst/>
+          </a:prstGeom>
+          <a:solidFill>
+            <a:srgbClr val="D41B2C"/>
+          </a:solidFill>
+          <a:ln>
+            <a:noFill/>
+          </a:ln>
+        </p:spPr>
+        <p:style>
+          <a:lnRef idx="2">
+            <a:schemeClr val="accent1">
+              <a:shade val="15000"/>
+            </a:schemeClr>
+          </a:lnRef>
+          <a:fillRef idx="1">
+            <a:schemeClr val="accent1"/>
+          </a:fillRef>
+          <a:effectRef idx="0">
+            <a:schemeClr val="accent1"/>
+          </a:effectRef>
+          <a:fontRef idx="minor">
+            <a:schemeClr val="lt1"/>
+          </a:fontRef>
+        </p:style>
+        <p:txBody>
+          <a:bodyPr rtlCol="0" anchor="ctr"/>
+          <a:lstStyle/>
+          <a:p>
+            <a:pPr algn="ctr"/>
+            <a:endParaRPr lang="zh-CN" altLang="en-US"/>
+          </a:p>
+        </p:txBody>
+      </p:sp>
+      <p:sp>
+        <p:nvSpPr>
+          <p:cNvPr id="12" name="TextBox 11">
+            <a:extLst>
+              <a:ext uri="{FF2B5EF4-FFF2-40B4-BE49-F238E27FC236}">
+                <a16:creationId xmlns:a16="http://schemas.microsoft.com/office/drawing/2014/main" id="{65946DDA-9B38-D45D-47C8-45F709A0CAA4}"/>
+              </a:ext>
+            </a:extLst>
+          </p:cNvPr>
+          <p:cNvSpPr txBox="1"/>
+          <p:nvPr/>
+        </p:nvSpPr>
+        <p:spPr>
+          <a:xfrm>
+            <a:off x="651353" y="5537196"/>
+            <a:ext cx="10408706" cy="403316"/>
+          </a:xfrm>
+          <a:prstGeom prst="rect">
+            <a:avLst/>
+          </a:prstGeom>
+          <a:noFill/>
+        </p:spPr>
+        <p:txBody>
+          <a:bodyPr wrap="square">
+            <a:spAutoFit/>
+          </a:bodyPr>
+          <a:lstStyle>
+            <a:defPPr>
+              <a:defRPr lang="zh-CN"/>
+            </a:defPPr>
+            <a:lvl1pPr marL="285750" indent="-285750">
+              <a:lnSpc>
+                <a:spcPct val="120000"/>
+              </a:lnSpc>
+              <a:buClr>
+                <a:srgbClr val="D41B2C"/>
+              </a:buClr>
+              <a:buFont typeface="Wingdings" panose="05000000000000000000" pitchFamily="2" charset="2"/>
+              <a:buChar char="n"/>
+            </a:lvl1pPr>
+            <a:lvl2pPr marL="742950" lvl="1" indent="-285750">
+              <a:lnSpc>
+                <a:spcPct val="120000"/>
+              </a:lnSpc>
+              <a:buClr>
+                <a:srgbClr val="D41B2C"/>
+              </a:buClr>
+              <a:buFont typeface="Arial" panose="020B0604020202020204" pitchFamily="34" charset="0"/>
+              <a:buChar char="•"/>
+            </a:lvl2pPr>
+          </a:lstStyle>
+          <a:p>
+            <a:r>
+              <a:rPr lang="en-US" altLang="zh-CN" dirty="0"/>
+              <a:t>The performance on the validation set is similar to the performance on the train set.</a:t>
+            </a:r>
+          </a:p>
+        </p:txBody>
+      </p:sp>
+      <p:pic>
+        <p:nvPicPr>
+          <p:cNvPr id="4" name="Picture 3">
+            <a:extLst>
+              <a:ext uri="{FF2B5EF4-FFF2-40B4-BE49-F238E27FC236}">
+                <a16:creationId xmlns:a16="http://schemas.microsoft.com/office/drawing/2014/main" id="{C2EFCF1D-1FF4-F408-A7E5-55C6E4C32341}"/>
+              </a:ext>
+            </a:extLst>
+          </p:cNvPr>
+          <p:cNvPicPr>
+            <a:picLocks noChangeAspect="1"/>
+          </p:cNvPicPr>
+          <p:nvPr/>
+        </p:nvPicPr>
+        <p:blipFill>
+          <a:blip r:embed="rId2"/>
+          <a:stretch>
+            <a:fillRect/>
+          </a:stretch>
+        </p:blipFill>
+        <p:spPr>
+          <a:xfrm>
+            <a:off x="3079595" y="1293118"/>
+            <a:ext cx="6032810" cy="711237"/>
+          </a:xfrm>
+          <a:prstGeom prst="rect">
+            <a:avLst/>
+          </a:prstGeom>
+        </p:spPr>
+      </p:pic>
+      <p:pic>
+        <p:nvPicPr>
+          <p:cNvPr id="6" name="Picture 5">
+            <a:extLst>
+              <a:ext uri="{FF2B5EF4-FFF2-40B4-BE49-F238E27FC236}">
+                <a16:creationId xmlns:a16="http://schemas.microsoft.com/office/drawing/2014/main" id="{67DB2CEE-8A87-F8B4-EBD3-BA9726E4F63F}"/>
+              </a:ext>
+            </a:extLst>
+          </p:cNvPr>
+          <p:cNvPicPr>
+            <a:picLocks noChangeAspect="1"/>
+          </p:cNvPicPr>
+          <p:nvPr/>
+        </p:nvPicPr>
+        <p:blipFill>
+          <a:blip r:embed="rId3"/>
+          <a:stretch>
+            <a:fillRect/>
+          </a:stretch>
+        </p:blipFill>
+        <p:spPr>
+          <a:xfrm>
+            <a:off x="1118253" y="3245783"/>
+            <a:ext cx="1917799" cy="920797"/>
+          </a:xfrm>
+          <a:prstGeom prst="rect">
+            <a:avLst/>
+          </a:prstGeom>
+        </p:spPr>
+      </p:pic>
+      <p:pic>
+        <p:nvPicPr>
+          <p:cNvPr id="9" name="Picture 8">
+            <a:extLst>
+              <a:ext uri="{FF2B5EF4-FFF2-40B4-BE49-F238E27FC236}">
+                <a16:creationId xmlns:a16="http://schemas.microsoft.com/office/drawing/2014/main" id="{99BEB3D6-838C-B6C5-B1FA-190FD4788FC7}"/>
+              </a:ext>
+            </a:extLst>
+          </p:cNvPr>
+          <p:cNvPicPr>
+            <a:picLocks noChangeAspect="1"/>
+          </p:cNvPicPr>
+          <p:nvPr/>
+        </p:nvPicPr>
+        <p:blipFill>
+          <a:blip r:embed="rId4"/>
+          <a:stretch>
+            <a:fillRect/>
+          </a:stretch>
+        </p:blipFill>
+        <p:spPr>
+          <a:xfrm>
+            <a:off x="3535497" y="2180382"/>
+            <a:ext cx="3575234" cy="2940201"/>
+          </a:xfrm>
+          <a:prstGeom prst="rect">
+            <a:avLst/>
+          </a:prstGeom>
+        </p:spPr>
+      </p:pic>
+      <p:pic>
+        <p:nvPicPr>
+          <p:cNvPr id="13" name="Picture 12">
+            <a:extLst>
+              <a:ext uri="{FF2B5EF4-FFF2-40B4-BE49-F238E27FC236}">
+                <a16:creationId xmlns:a16="http://schemas.microsoft.com/office/drawing/2014/main" id="{D40F53A0-8614-152C-A706-3B3710A8B529}"/>
+              </a:ext>
+            </a:extLst>
+          </p:cNvPr>
+          <p:cNvPicPr>
+            <a:picLocks noChangeAspect="1"/>
+          </p:cNvPicPr>
+          <p:nvPr/>
+        </p:nvPicPr>
+        <p:blipFill>
+          <a:blip r:embed="rId5"/>
+          <a:stretch>
+            <a:fillRect/>
+          </a:stretch>
+        </p:blipFill>
+        <p:spPr>
+          <a:xfrm>
+            <a:off x="7498513" y="2138679"/>
+            <a:ext cx="3575234" cy="2927500"/>
+          </a:xfrm>
+          <a:prstGeom prst="rect">
+            <a:avLst/>
+          </a:prstGeom>
+        </p:spPr>
+      </p:pic>
+    </p:spTree>
+    <p:extLst>
+      <p:ext uri="{BB962C8B-B14F-4D97-AF65-F5344CB8AC3E}">
+        <p14:creationId xmlns:p14="http://schemas.microsoft.com/office/powerpoint/2010/main" val="12548153"/>
+      </p:ext>
+    </p:extLst>
+  </p:cSld>
+  <p:clrMapOvr>
+    <a:masterClrMapping/>
+  </p:clrMapOvr>
+</p:sld>
+</file>
+
+<file path=ppt/slides/slide19.xml><?xml version="1.0" encoding="utf-8"?>
+<p:sld xmlns:a="http://schemas.openxmlformats.org/drawingml/2006/main" xmlns:r="http://schemas.openxmlformats.org/officeDocument/2006/relationships" xmlns:p="http://schemas.openxmlformats.org/presentationml/2006/main">
+  <p:cSld>
+    <p:spTree>
+      <p:nvGrpSpPr>
+        <p:cNvPr id="1" name=""/>
+        <p:cNvGrpSpPr/>
+        <p:nvPr/>
+      </p:nvGrpSpPr>
+      <p:grpSpPr>
+        <a:xfrm>
+          <a:off x="0" y="0"/>
+          <a:ext cx="0" cy="0"/>
+          <a:chOff x="0" y="0"/>
+          <a:chExt cx="0" cy="0"/>
+        </a:xfrm>
+      </p:grpSpPr>
+      <p:sp>
+        <p:nvSpPr>
+          <p:cNvPr id="7" name="TextBox 6">
+            <a:extLst>
+              <a:ext uri="{FF2B5EF4-FFF2-40B4-BE49-F238E27FC236}">
+                <a16:creationId xmlns:a16="http://schemas.microsoft.com/office/drawing/2014/main" id="{5D125FF5-A4BE-F7D1-48A3-B299B2BD4C00}"/>
+              </a:ext>
+            </a:extLst>
+          </p:cNvPr>
+          <p:cNvSpPr txBox="1"/>
+          <p:nvPr/>
+        </p:nvSpPr>
+        <p:spPr>
+          <a:xfrm>
+            <a:off x="0" y="98695"/>
+            <a:ext cx="12192000" cy="714234"/>
+          </a:xfrm>
+          <a:prstGeom prst="rect">
+            <a:avLst/>
+          </a:prstGeom>
+          <a:noFill/>
+        </p:spPr>
+        <p:txBody>
+          <a:bodyPr wrap="square">
+            <a:spAutoFit/>
+          </a:bodyPr>
+          <a:lstStyle/>
+          <a:p>
+            <a:pPr lvl="1">
+              <a:lnSpc>
+                <a:spcPct val="120000"/>
+              </a:lnSpc>
+              <a:buClr>
+                <a:srgbClr val="D41B2C"/>
+              </a:buClr>
+            </a:pPr>
+            <a:r>
+              <a:rPr lang="en-US" altLang="zh-CN" sz="3600" b="1" dirty="0" err="1"/>
+              <a:t>Adaboost</a:t>
+            </a:r>
+            <a:r>
+              <a:rPr lang="en-US" altLang="zh-CN" sz="3600" b="1" dirty="0"/>
+              <a:t> Classifier– Permutation Feature Importance</a:t>
+            </a:r>
+          </a:p>
+        </p:txBody>
+      </p:sp>
+      <p:sp>
+        <p:nvSpPr>
+          <p:cNvPr id="11" name="Slide Number Placeholder 10">
+            <a:extLst>
+              <a:ext uri="{FF2B5EF4-FFF2-40B4-BE49-F238E27FC236}">
+                <a16:creationId xmlns:a16="http://schemas.microsoft.com/office/drawing/2014/main" id="{E4FAC7AA-BDB7-F7C0-F177-96942C945B33}"/>
+              </a:ext>
+            </a:extLst>
+          </p:cNvPr>
+          <p:cNvSpPr>
+            <a:spLocks noGrp="1"/>
+          </p:cNvSpPr>
+          <p:nvPr>
+            <p:ph type="sldNum" sz="quarter" idx="12"/>
+          </p:nvPr>
+        </p:nvSpPr>
+        <p:spPr/>
+        <p:txBody>
+          <a:bodyPr/>
+          <a:lstStyle/>
+          <a:p>
+            <a:fld id="{CD1615FA-664A-4E3E-8664-50FDFADF9207}" type="slidenum">
+              <a:rPr lang="zh-CN" altLang="en-US" smtClean="0"/>
+              <a:t>19</a:t>
+            </a:fld>
+            <a:endParaRPr lang="zh-CN" altLang="en-US"/>
+          </a:p>
+        </p:txBody>
+      </p:sp>
+      <p:sp>
+        <p:nvSpPr>
+          <p:cNvPr id="2" name="Flowchart: Process 1">
+            <a:extLst>
+              <a:ext uri="{FF2B5EF4-FFF2-40B4-BE49-F238E27FC236}">
+                <a16:creationId xmlns:a16="http://schemas.microsoft.com/office/drawing/2014/main" id="{8105CBB4-A62C-646D-028E-C22D78DFD5E9}"/>
+              </a:ext>
+            </a:extLst>
+          </p:cNvPr>
+          <p:cNvSpPr/>
+          <p:nvPr/>
+        </p:nvSpPr>
+        <p:spPr>
+          <a:xfrm flipV="1">
+            <a:off x="0" y="1046870"/>
+            <a:ext cx="12192000" cy="9144"/>
+          </a:xfrm>
+          <a:prstGeom prst="flowChartProcess">
+            <a:avLst/>
+          </a:prstGeom>
+          <a:solidFill>
+            <a:srgbClr val="D41B2C"/>
+          </a:solidFill>
+          <a:ln>
+            <a:noFill/>
+          </a:ln>
+        </p:spPr>
+        <p:style>
+          <a:lnRef idx="2">
+            <a:schemeClr val="accent1">
+              <a:shade val="15000"/>
+            </a:schemeClr>
+          </a:lnRef>
+          <a:fillRef idx="1">
+            <a:schemeClr val="accent1"/>
+          </a:fillRef>
+          <a:effectRef idx="0">
+            <a:schemeClr val="accent1"/>
+          </a:effectRef>
+          <a:fontRef idx="minor">
+            <a:schemeClr val="lt1"/>
+          </a:fontRef>
+        </p:style>
+        <p:txBody>
+          <a:bodyPr rtlCol="0" anchor="ctr"/>
+          <a:lstStyle/>
+          <a:p>
+            <a:pPr algn="ctr"/>
+            <a:endParaRPr lang="zh-CN" altLang="en-US"/>
+          </a:p>
+        </p:txBody>
+      </p:sp>
+      <p:sp>
+        <p:nvSpPr>
+          <p:cNvPr id="3" name="TextBox 2">
+            <a:extLst>
+              <a:ext uri="{FF2B5EF4-FFF2-40B4-BE49-F238E27FC236}">
+                <a16:creationId xmlns:a16="http://schemas.microsoft.com/office/drawing/2014/main" id="{E7FF1965-31E2-20FF-4D21-5C9CD2D10F4D}"/>
+              </a:ext>
+            </a:extLst>
+          </p:cNvPr>
+          <p:cNvSpPr txBox="1"/>
+          <p:nvPr/>
+        </p:nvSpPr>
+        <p:spPr>
+          <a:xfrm>
+            <a:off x="1666565" y="1631852"/>
+            <a:ext cx="5083319" cy="403316"/>
+          </a:xfrm>
+          <a:prstGeom prst="rect">
+            <a:avLst/>
+          </a:prstGeom>
+          <a:noFill/>
+        </p:spPr>
+        <p:txBody>
+          <a:bodyPr wrap="square">
+            <a:spAutoFit/>
+          </a:bodyPr>
+          <a:lstStyle/>
+          <a:p>
+            <a:pPr marL="285750" indent="-285750">
+              <a:lnSpc>
+                <a:spcPct val="120000"/>
+              </a:lnSpc>
+              <a:buClr>
+                <a:srgbClr val="D41B2C"/>
+              </a:buClr>
+              <a:buFont typeface="Wingdings" panose="05000000000000000000" pitchFamily="2" charset="2"/>
+              <a:buChar char="n"/>
+            </a:pPr>
+            <a:r>
+              <a:rPr lang="en-US" altLang="zh-CN" dirty="0"/>
+              <a:t>This is a list of the most significant attributes.</a:t>
+            </a:r>
+          </a:p>
+        </p:txBody>
+      </p:sp>
+      <p:pic>
+        <p:nvPicPr>
+          <p:cNvPr id="8" name="Picture 7">
+            <a:extLst>
+              <a:ext uri="{FF2B5EF4-FFF2-40B4-BE49-F238E27FC236}">
+                <a16:creationId xmlns:a16="http://schemas.microsoft.com/office/drawing/2014/main" id="{918B6D41-41F6-373D-60F5-BAD657CF6218}"/>
+              </a:ext>
+            </a:extLst>
+          </p:cNvPr>
+          <p:cNvPicPr>
+            <a:picLocks noChangeAspect="1"/>
+          </p:cNvPicPr>
+          <p:nvPr/>
+        </p:nvPicPr>
+        <p:blipFill>
+          <a:blip r:embed="rId2"/>
+          <a:stretch>
+            <a:fillRect/>
+          </a:stretch>
+        </p:blipFill>
+        <p:spPr>
+          <a:xfrm>
+            <a:off x="1518928" y="2372613"/>
+            <a:ext cx="3232316" cy="2667137"/>
+          </a:xfrm>
+          <a:prstGeom prst="rect">
+            <a:avLst/>
+          </a:prstGeom>
+        </p:spPr>
+      </p:pic>
+      <p:pic>
+        <p:nvPicPr>
+          <p:cNvPr id="12" name="Picture 11">
+            <a:extLst>
+              <a:ext uri="{FF2B5EF4-FFF2-40B4-BE49-F238E27FC236}">
+                <a16:creationId xmlns:a16="http://schemas.microsoft.com/office/drawing/2014/main" id="{87AD1755-D907-1DF7-0688-CF0C74954822}"/>
+              </a:ext>
+            </a:extLst>
+          </p:cNvPr>
+          <p:cNvPicPr>
+            <a:picLocks noChangeAspect="1"/>
+          </p:cNvPicPr>
+          <p:nvPr/>
+        </p:nvPicPr>
+        <p:blipFill>
+          <a:blip r:embed="rId3"/>
+          <a:stretch>
+            <a:fillRect/>
+          </a:stretch>
+        </p:blipFill>
+        <p:spPr>
+          <a:xfrm>
+            <a:off x="6096000" y="2372613"/>
+            <a:ext cx="3232316" cy="3327571"/>
+          </a:xfrm>
+          <a:prstGeom prst="rect">
+            <a:avLst/>
+          </a:prstGeom>
+        </p:spPr>
+      </p:pic>
+    </p:spTree>
+    <p:extLst>
+      <p:ext uri="{BB962C8B-B14F-4D97-AF65-F5344CB8AC3E}">
+        <p14:creationId xmlns:p14="http://schemas.microsoft.com/office/powerpoint/2010/main" val="512212214"/>
       </p:ext>
     </p:extLst>
   </p:cSld>
@@ -7260,8 +7498,8 @@
         </p:nvSpPr>
         <p:spPr>
           <a:xfrm>
-            <a:off x="0" y="95532"/>
-            <a:ext cx="12192000" cy="714234"/>
+            <a:off x="-1" y="98695"/>
+            <a:ext cx="12191999" cy="714234"/>
           </a:xfrm>
           <a:prstGeom prst="rect">
             <a:avLst/>
@@ -7288,7 +7526,7 @@
             </a:r>
             <a:r>
               <a:rPr lang="en-US" altLang="zh-CN" sz="3600" b="1" dirty="0"/>
-              <a:t> Classifier – Performance on validation</a:t>
+              <a:t> Classifier – Assess classification thresholds</a:t>
             </a:r>
           </a:p>
         </p:txBody>
@@ -7376,6 +7614,363 @@
       </p:sp>
       <p:sp>
         <p:nvSpPr>
+          <p:cNvPr id="4" name="TextBox 3">
+            <a:extLst>
+              <a:ext uri="{FF2B5EF4-FFF2-40B4-BE49-F238E27FC236}">
+                <a16:creationId xmlns:a16="http://schemas.microsoft.com/office/drawing/2014/main" id="{9D18040C-32C7-18B1-9503-7077020AE38B}"/>
+              </a:ext>
+            </a:extLst>
+          </p:cNvPr>
+          <p:cNvSpPr txBox="1"/>
+          <p:nvPr/>
+        </p:nvSpPr>
+        <p:spPr>
+          <a:xfrm>
+            <a:off x="1555714" y="5475205"/>
+            <a:ext cx="9504171" cy="735714"/>
+          </a:xfrm>
+          <a:prstGeom prst="rect">
+            <a:avLst/>
+          </a:prstGeom>
+          <a:noFill/>
+        </p:spPr>
+        <p:txBody>
+          <a:bodyPr wrap="square">
+            <a:spAutoFit/>
+          </a:bodyPr>
+          <a:lstStyle/>
+          <a:p>
+            <a:pPr marL="285750" indent="-285750">
+              <a:lnSpc>
+                <a:spcPct val="120000"/>
+              </a:lnSpc>
+              <a:buClr>
+                <a:srgbClr val="D41B2C"/>
+              </a:buClr>
+              <a:buFont typeface="Wingdings" panose="05000000000000000000" pitchFamily="2" charset="2"/>
+              <a:buChar char="n"/>
+            </a:pPr>
+            <a:r>
+              <a:rPr lang="en-US" altLang="zh-CN" b="1" dirty="0" err="1"/>
+              <a:t>best_threshold</a:t>
+            </a:r>
+            <a:r>
+              <a:rPr lang="en-US" altLang="zh-CN" b="1" dirty="0"/>
+              <a:t> </a:t>
+            </a:r>
+            <a:r>
+              <a:rPr lang="en-US" altLang="zh-CN" dirty="0"/>
+              <a:t>= 0.78. Adjusting threshold improves the performance since many metrics perform better.  </a:t>
+            </a:r>
+          </a:p>
+        </p:txBody>
+      </p:sp>
+      <p:pic>
+        <p:nvPicPr>
+          <p:cNvPr id="5" name="Picture 4">
+            <a:extLst>
+              <a:ext uri="{FF2B5EF4-FFF2-40B4-BE49-F238E27FC236}">
+                <a16:creationId xmlns:a16="http://schemas.microsoft.com/office/drawing/2014/main" id="{CA495C43-8016-3828-39A5-BBDDDC5BDE33}"/>
+              </a:ext>
+            </a:extLst>
+          </p:cNvPr>
+          <p:cNvPicPr>
+            <a:picLocks noChangeAspect="1"/>
+          </p:cNvPicPr>
+          <p:nvPr/>
+        </p:nvPicPr>
+        <p:blipFill>
+          <a:blip r:embed="rId2"/>
+          <a:stretch>
+            <a:fillRect/>
+          </a:stretch>
+        </p:blipFill>
+        <p:spPr>
+          <a:xfrm>
+            <a:off x="841212" y="2553150"/>
+            <a:ext cx="3765744" cy="2889398"/>
+          </a:xfrm>
+          <a:prstGeom prst="rect">
+            <a:avLst/>
+          </a:prstGeom>
+        </p:spPr>
+      </p:pic>
+      <p:pic>
+        <p:nvPicPr>
+          <p:cNvPr id="8" name="Picture 7">
+            <a:extLst>
+              <a:ext uri="{FF2B5EF4-FFF2-40B4-BE49-F238E27FC236}">
+                <a16:creationId xmlns:a16="http://schemas.microsoft.com/office/drawing/2014/main" id="{314DAF61-B4F1-FD36-AFE1-4036C8A002F0}"/>
+              </a:ext>
+            </a:extLst>
+          </p:cNvPr>
+          <p:cNvPicPr>
+            <a:picLocks noChangeAspect="1"/>
+          </p:cNvPicPr>
+          <p:nvPr/>
+        </p:nvPicPr>
+        <p:blipFill>
+          <a:blip r:embed="rId3"/>
+          <a:stretch>
+            <a:fillRect/>
+          </a:stretch>
+        </p:blipFill>
+        <p:spPr>
+          <a:xfrm>
+            <a:off x="3327246" y="1325096"/>
+            <a:ext cx="5994708" cy="692186"/>
+          </a:xfrm>
+          <a:prstGeom prst="rect">
+            <a:avLst/>
+          </a:prstGeom>
+        </p:spPr>
+      </p:pic>
+      <p:pic>
+        <p:nvPicPr>
+          <p:cNvPr id="10" name="Picture 9">
+            <a:extLst>
+              <a:ext uri="{FF2B5EF4-FFF2-40B4-BE49-F238E27FC236}">
+                <a16:creationId xmlns:a16="http://schemas.microsoft.com/office/drawing/2014/main" id="{C648A0D0-5CD5-40C3-61B3-8621E5D4DE5B}"/>
+              </a:ext>
+            </a:extLst>
+          </p:cNvPr>
+          <p:cNvPicPr>
+            <a:picLocks noChangeAspect="1"/>
+          </p:cNvPicPr>
+          <p:nvPr/>
+        </p:nvPicPr>
+        <p:blipFill>
+          <a:blip r:embed="rId4"/>
+          <a:stretch>
+            <a:fillRect/>
+          </a:stretch>
+        </p:blipFill>
+        <p:spPr>
+          <a:xfrm>
+            <a:off x="574589" y="1201534"/>
+            <a:ext cx="1962251" cy="927148"/>
+          </a:xfrm>
+          <a:prstGeom prst="rect">
+            <a:avLst/>
+          </a:prstGeom>
+        </p:spPr>
+      </p:pic>
+      <p:pic>
+        <p:nvPicPr>
+          <p:cNvPr id="13" name="Picture 12">
+            <a:extLst>
+              <a:ext uri="{FF2B5EF4-FFF2-40B4-BE49-F238E27FC236}">
+                <a16:creationId xmlns:a16="http://schemas.microsoft.com/office/drawing/2014/main" id="{3AF4AB0B-3633-D820-26EC-E7CD370C249B}"/>
+              </a:ext>
+            </a:extLst>
+          </p:cNvPr>
+          <p:cNvPicPr>
+            <a:picLocks noChangeAspect="1"/>
+          </p:cNvPicPr>
+          <p:nvPr/>
+        </p:nvPicPr>
+        <p:blipFill>
+          <a:blip r:embed="rId5"/>
+          <a:stretch>
+            <a:fillRect/>
+          </a:stretch>
+        </p:blipFill>
+        <p:spPr>
+          <a:xfrm>
+            <a:off x="4606956" y="2441750"/>
+            <a:ext cx="3562533" cy="2952902"/>
+          </a:xfrm>
+          <a:prstGeom prst="rect">
+            <a:avLst/>
+          </a:prstGeom>
+        </p:spPr>
+      </p:pic>
+      <p:pic>
+        <p:nvPicPr>
+          <p:cNvPr id="15" name="Picture 14">
+            <a:extLst>
+              <a:ext uri="{FF2B5EF4-FFF2-40B4-BE49-F238E27FC236}">
+                <a16:creationId xmlns:a16="http://schemas.microsoft.com/office/drawing/2014/main" id="{D64ACD75-498D-62F8-E7E4-6421C4395D0D}"/>
+              </a:ext>
+            </a:extLst>
+          </p:cNvPr>
+          <p:cNvPicPr>
+            <a:picLocks noChangeAspect="1"/>
+          </p:cNvPicPr>
+          <p:nvPr/>
+        </p:nvPicPr>
+        <p:blipFill>
+          <a:blip r:embed="rId6"/>
+          <a:stretch>
+            <a:fillRect/>
+          </a:stretch>
+        </p:blipFill>
+        <p:spPr>
+          <a:xfrm>
+            <a:off x="8299549" y="2508697"/>
+            <a:ext cx="3568883" cy="2933851"/>
+          </a:xfrm>
+          <a:prstGeom prst="rect">
+            <a:avLst/>
+          </a:prstGeom>
+        </p:spPr>
+      </p:pic>
+    </p:spTree>
+    <p:extLst>
+      <p:ext uri="{BB962C8B-B14F-4D97-AF65-F5344CB8AC3E}">
+        <p14:creationId xmlns:p14="http://schemas.microsoft.com/office/powerpoint/2010/main" val="2960716822"/>
+      </p:ext>
+    </p:extLst>
+  </p:cSld>
+  <p:clrMapOvr>
+    <a:masterClrMapping/>
+  </p:clrMapOvr>
+</p:sld>
+</file>
+
+<file path=ppt/slides/slide21.xml><?xml version="1.0" encoding="utf-8"?>
+<p:sld xmlns:a="http://schemas.openxmlformats.org/drawingml/2006/main" xmlns:r="http://schemas.openxmlformats.org/officeDocument/2006/relationships" xmlns:p="http://schemas.openxmlformats.org/presentationml/2006/main">
+  <p:cSld>
+    <p:spTree>
+      <p:nvGrpSpPr>
+        <p:cNvPr id="1" name=""/>
+        <p:cNvGrpSpPr/>
+        <p:nvPr/>
+      </p:nvGrpSpPr>
+      <p:grpSpPr>
+        <a:xfrm>
+          <a:off x="0" y="0"/>
+          <a:ext cx="0" cy="0"/>
+          <a:chOff x="0" y="0"/>
+          <a:chExt cx="0" cy="0"/>
+        </a:xfrm>
+      </p:grpSpPr>
+      <p:sp>
+        <p:nvSpPr>
+          <p:cNvPr id="7" name="TextBox 6">
+            <a:extLst>
+              <a:ext uri="{FF2B5EF4-FFF2-40B4-BE49-F238E27FC236}">
+                <a16:creationId xmlns:a16="http://schemas.microsoft.com/office/drawing/2014/main" id="{5D125FF5-A4BE-F7D1-48A3-B299B2BD4C00}"/>
+              </a:ext>
+            </a:extLst>
+          </p:cNvPr>
+          <p:cNvSpPr txBox="1"/>
+          <p:nvPr/>
+        </p:nvSpPr>
+        <p:spPr>
+          <a:xfrm>
+            <a:off x="0" y="95532"/>
+            <a:ext cx="12192000" cy="714234"/>
+          </a:xfrm>
+          <a:prstGeom prst="rect">
+            <a:avLst/>
+          </a:prstGeom>
+          <a:noFill/>
+        </p:spPr>
+        <p:txBody>
+          <a:bodyPr wrap="square">
+            <a:spAutoFit/>
+          </a:bodyPr>
+          <a:lstStyle/>
+          <a:p>
+            <a:pPr lvl="1">
+              <a:lnSpc>
+                <a:spcPct val="120000"/>
+              </a:lnSpc>
+              <a:buClr>
+                <a:srgbClr val="D41B2C"/>
+              </a:buClr>
+            </a:pPr>
+            <a:r>
+              <a:rPr lang="en-US" altLang="zh-CN" sz="3600" b="1" dirty="0"/>
+              <a:t>Gradient Boosting Classifier – Performance on train</a:t>
+            </a:r>
+          </a:p>
+        </p:txBody>
+      </p:sp>
+      <p:sp>
+        <p:nvSpPr>
+          <p:cNvPr id="11" name="Slide Number Placeholder 10">
+            <a:extLst>
+              <a:ext uri="{FF2B5EF4-FFF2-40B4-BE49-F238E27FC236}">
+                <a16:creationId xmlns:a16="http://schemas.microsoft.com/office/drawing/2014/main" id="{E4FAC7AA-BDB7-F7C0-F177-96942C945B33}"/>
+              </a:ext>
+            </a:extLst>
+          </p:cNvPr>
+          <p:cNvSpPr>
+            <a:spLocks noGrp="1"/>
+          </p:cNvSpPr>
+          <p:nvPr>
+            <p:ph type="sldNum" sz="quarter" idx="12"/>
+          </p:nvPr>
+        </p:nvSpPr>
+        <p:spPr/>
+        <p:txBody>
+          <a:bodyPr/>
+          <a:lstStyle/>
+          <a:p>
+            <a:fld id="{CD1615FA-664A-4E3E-8664-50FDFADF9207}" type="slidenum">
+              <a:rPr lang="zh-CN" altLang="en-US" smtClean="0"/>
+              <a:t>21</a:t>
+            </a:fld>
+            <a:endParaRPr lang="zh-CN" altLang="en-US"/>
+          </a:p>
+        </p:txBody>
+      </p:sp>
+      <p:sp>
+        <p:nvSpPr>
+          <p:cNvPr id="2" name="Flowchart: Process 1">
+            <a:extLst>
+              <a:ext uri="{FF2B5EF4-FFF2-40B4-BE49-F238E27FC236}">
+                <a16:creationId xmlns:a16="http://schemas.microsoft.com/office/drawing/2014/main" id="{8105CBB4-A62C-646D-028E-C22D78DFD5E9}"/>
+              </a:ext>
+            </a:extLst>
+          </p:cNvPr>
+          <p:cNvSpPr/>
+          <p:nvPr/>
+        </p:nvSpPr>
+        <p:spPr>
+          <a:xfrm flipV="1">
+            <a:off x="0" y="1046870"/>
+            <a:ext cx="12192000" cy="9144"/>
+          </a:xfrm>
+          <a:prstGeom prst="flowChartProcess">
+            <a:avLst/>
+          </a:prstGeom>
+          <a:solidFill>
+            <a:srgbClr val="D41B2C"/>
+          </a:solidFill>
+          <a:ln>
+            <a:noFill/>
+          </a:ln>
+        </p:spPr>
+        <p:style>
+          <a:lnRef idx="2">
+            <a:schemeClr val="accent1">
+              <a:shade val="15000"/>
+            </a:schemeClr>
+          </a:lnRef>
+          <a:fillRef idx="1">
+            <a:schemeClr val="accent1"/>
+          </a:fillRef>
+          <a:effectRef idx="0">
+            <a:schemeClr val="accent1"/>
+          </a:effectRef>
+          <a:fontRef idx="minor">
+            <a:schemeClr val="lt1"/>
+          </a:fontRef>
+        </p:style>
+        <p:txBody>
+          <a:bodyPr rtlCol="0" anchor="ctr"/>
+          <a:lstStyle/>
+          <a:p>
+            <a:pPr algn="ctr"/>
+            <a:endParaRPr lang="zh-CN" altLang="en-US"/>
+          </a:p>
+        </p:txBody>
+      </p:sp>
+      <p:sp>
+        <p:nvSpPr>
           <p:cNvPr id="12" name="TextBox 11">
             <a:extLst>
               <a:ext uri="{FF2B5EF4-FFF2-40B4-BE49-F238E27FC236}">
@@ -7388,8 +7983,8 @@
         </p:nvSpPr>
         <p:spPr>
           <a:xfrm>
-            <a:off x="651353" y="5537196"/>
-            <a:ext cx="10408706" cy="403316"/>
+            <a:off x="1686526" y="5521191"/>
+            <a:ext cx="8818948" cy="403316"/>
           </a:xfrm>
           <a:prstGeom prst="rect">
             <a:avLst/>
@@ -7428,17 +8023,17 @@
           <a:p>
             <a:r>
               <a:rPr lang="en-US" altLang="zh-CN" dirty="0"/>
-              <a:t>Todo</a:t>
+              <a:t>The performances between the default model and the tuned model are similar.</a:t>
             </a:r>
           </a:p>
         </p:txBody>
       </p:sp>
       <p:pic>
         <p:nvPicPr>
-          <p:cNvPr id="4" name="Picture 3">
-            <a:extLst>
-              <a:ext uri="{FF2B5EF4-FFF2-40B4-BE49-F238E27FC236}">
-                <a16:creationId xmlns:a16="http://schemas.microsoft.com/office/drawing/2014/main" id="{C2EFCF1D-1FF4-F408-A7E5-55C6E4C32341}"/>
+          <p:cNvPr id="5" name="Picture 4">
+            <a:extLst>
+              <a:ext uri="{FF2B5EF4-FFF2-40B4-BE49-F238E27FC236}">
+                <a16:creationId xmlns:a16="http://schemas.microsoft.com/office/drawing/2014/main" id="{D2EFEEB8-B50D-57FB-DF0F-8EE1CD99A4F9}"/>
               </a:ext>
             </a:extLst>
           </p:cNvPr>
@@ -7455,8 +8050,8 @@
         </p:blipFill>
         <p:spPr>
           <a:xfrm>
-            <a:off x="3079595" y="1293118"/>
-            <a:ext cx="6032810" cy="711237"/>
+            <a:off x="2751663" y="1358432"/>
+            <a:ext cx="6013759" cy="723937"/>
           </a:xfrm>
           <a:prstGeom prst="rect">
             <a:avLst/>
@@ -7465,10 +8060,10 @@
       </p:pic>
       <p:pic>
         <p:nvPicPr>
-          <p:cNvPr id="6" name="Picture 5">
-            <a:extLst>
-              <a:ext uri="{FF2B5EF4-FFF2-40B4-BE49-F238E27FC236}">
-                <a16:creationId xmlns:a16="http://schemas.microsoft.com/office/drawing/2014/main" id="{67DB2CEE-8A87-F8B4-EBD3-BA9726E4F63F}"/>
+          <p:cNvPr id="10" name="Picture 9">
+            <a:extLst>
+              <a:ext uri="{FF2B5EF4-FFF2-40B4-BE49-F238E27FC236}">
+                <a16:creationId xmlns:a16="http://schemas.microsoft.com/office/drawing/2014/main" id="{483A119E-2C33-EE9D-B0B0-E0A4FAE178F1}"/>
               </a:ext>
             </a:extLst>
           </p:cNvPr>
@@ -7485,8 +8080,8 @@
         </p:blipFill>
         <p:spPr>
           <a:xfrm>
-            <a:off x="1118253" y="3245783"/>
-            <a:ext cx="1917799" cy="920797"/>
+            <a:off x="1686526" y="3239433"/>
+            <a:ext cx="2006703" cy="933498"/>
           </a:xfrm>
           <a:prstGeom prst="rect">
             <a:avLst/>
@@ -7495,10 +8090,10 @@
       </p:pic>
       <p:pic>
         <p:nvPicPr>
-          <p:cNvPr id="9" name="Picture 8">
-            <a:extLst>
-              <a:ext uri="{FF2B5EF4-FFF2-40B4-BE49-F238E27FC236}">
-                <a16:creationId xmlns:a16="http://schemas.microsoft.com/office/drawing/2014/main" id="{99BEB3D6-838C-B6C5-B1FA-190FD4788FC7}"/>
+          <p:cNvPr id="15" name="Picture 14">
+            <a:extLst>
+              <a:ext uri="{FF2B5EF4-FFF2-40B4-BE49-F238E27FC236}">
+                <a16:creationId xmlns:a16="http://schemas.microsoft.com/office/drawing/2014/main" id="{16BF2AE3-2997-5D22-39FC-01F6A0211F72}"/>
               </a:ext>
             </a:extLst>
           </p:cNvPr>
@@ -7515,8 +8110,8 @@
         </p:blipFill>
         <p:spPr>
           <a:xfrm>
-            <a:off x="3535497" y="2180382"/>
-            <a:ext cx="3575234" cy="2940201"/>
+            <a:off x="8020411" y="2066973"/>
+            <a:ext cx="3575234" cy="2952902"/>
           </a:xfrm>
           <a:prstGeom prst="rect">
             <a:avLst/>
@@ -7525,10 +8120,10 @@
       </p:pic>
       <p:pic>
         <p:nvPicPr>
-          <p:cNvPr id="13" name="Picture 12">
-            <a:extLst>
-              <a:ext uri="{FF2B5EF4-FFF2-40B4-BE49-F238E27FC236}">
-                <a16:creationId xmlns:a16="http://schemas.microsoft.com/office/drawing/2014/main" id="{D40F53A0-8614-152C-A706-3B3710A8B529}"/>
+          <p:cNvPr id="17" name="Picture 16">
+            <a:extLst>
+              <a:ext uri="{FF2B5EF4-FFF2-40B4-BE49-F238E27FC236}">
+                <a16:creationId xmlns:a16="http://schemas.microsoft.com/office/drawing/2014/main" id="{7B72DF61-D41D-D38D-7939-769A2770A436}"/>
               </a:ext>
             </a:extLst>
           </p:cNvPr>
@@ -7545,8 +8140,8 @@
         </p:blipFill>
         <p:spPr>
           <a:xfrm>
-            <a:off x="7498513" y="2138679"/>
-            <a:ext cx="3575234" cy="2927500"/>
+            <a:off x="4171590" y="2232906"/>
+            <a:ext cx="3581584" cy="2946551"/>
           </a:xfrm>
           <a:prstGeom prst="rect">
             <a:avLst/>
@@ -7556,270 +8151,7 @@
     </p:spTree>
     <p:extLst>
       <p:ext uri="{BB962C8B-B14F-4D97-AF65-F5344CB8AC3E}">
-        <p14:creationId xmlns:p14="http://schemas.microsoft.com/office/powerpoint/2010/main" val="12548153"/>
-      </p:ext>
-    </p:extLst>
-  </p:cSld>
-  <p:clrMapOvr>
-    <a:masterClrMapping/>
-  </p:clrMapOvr>
-</p:sld>
-</file>
-
-<file path=ppt/slides/slide21.xml><?xml version="1.0" encoding="utf-8"?>
-<p:sld xmlns:a="http://schemas.openxmlformats.org/drawingml/2006/main" xmlns:r="http://schemas.openxmlformats.org/officeDocument/2006/relationships" xmlns:p="http://schemas.openxmlformats.org/presentationml/2006/main">
-  <p:cSld>
-    <p:spTree>
-      <p:nvGrpSpPr>
-        <p:cNvPr id="1" name=""/>
-        <p:cNvGrpSpPr/>
-        <p:nvPr/>
-      </p:nvGrpSpPr>
-      <p:grpSpPr>
-        <a:xfrm>
-          <a:off x="0" y="0"/>
-          <a:ext cx="0" cy="0"/>
-          <a:chOff x="0" y="0"/>
-          <a:chExt cx="0" cy="0"/>
-        </a:xfrm>
-      </p:grpSpPr>
-      <p:sp>
-        <p:nvSpPr>
-          <p:cNvPr id="7" name="TextBox 6">
-            <a:extLst>
-              <a:ext uri="{FF2B5EF4-FFF2-40B4-BE49-F238E27FC236}">
-                <a16:creationId xmlns:a16="http://schemas.microsoft.com/office/drawing/2014/main" id="{5D125FF5-A4BE-F7D1-48A3-B299B2BD4C00}"/>
-              </a:ext>
-            </a:extLst>
-          </p:cNvPr>
-          <p:cNvSpPr txBox="1"/>
-          <p:nvPr/>
-        </p:nvSpPr>
-        <p:spPr>
-          <a:xfrm>
-            <a:off x="0" y="98695"/>
-            <a:ext cx="12192000" cy="714234"/>
-          </a:xfrm>
-          <a:prstGeom prst="rect">
-            <a:avLst/>
-          </a:prstGeom>
-          <a:noFill/>
-        </p:spPr>
-        <p:txBody>
-          <a:bodyPr wrap="square">
-            <a:spAutoFit/>
-          </a:bodyPr>
-          <a:lstStyle/>
-          <a:p>
-            <a:pPr lvl="1">
-              <a:lnSpc>
-                <a:spcPct val="120000"/>
-              </a:lnSpc>
-              <a:buClr>
-                <a:srgbClr val="D41B2C"/>
-              </a:buClr>
-            </a:pPr>
-            <a:r>
-              <a:rPr lang="en-US" altLang="zh-CN" sz="3600" b="1" dirty="0" err="1"/>
-              <a:t>Adaboost</a:t>
-            </a:r>
-            <a:r>
-              <a:rPr lang="en-US" altLang="zh-CN" sz="3600" b="1" dirty="0"/>
-              <a:t> Classifier– Permutation Feature Importance</a:t>
-            </a:r>
-          </a:p>
-        </p:txBody>
-      </p:sp>
-      <p:sp>
-        <p:nvSpPr>
-          <p:cNvPr id="11" name="Slide Number Placeholder 10">
-            <a:extLst>
-              <a:ext uri="{FF2B5EF4-FFF2-40B4-BE49-F238E27FC236}">
-                <a16:creationId xmlns:a16="http://schemas.microsoft.com/office/drawing/2014/main" id="{E4FAC7AA-BDB7-F7C0-F177-96942C945B33}"/>
-              </a:ext>
-            </a:extLst>
-          </p:cNvPr>
-          <p:cNvSpPr>
-            <a:spLocks noGrp="1"/>
-          </p:cNvSpPr>
-          <p:nvPr>
-            <p:ph type="sldNum" sz="quarter" idx="12"/>
-          </p:nvPr>
-        </p:nvSpPr>
-        <p:spPr/>
-        <p:txBody>
-          <a:bodyPr/>
-          <a:lstStyle/>
-          <a:p>
-            <a:fld id="{CD1615FA-664A-4E3E-8664-50FDFADF9207}" type="slidenum">
-              <a:rPr lang="zh-CN" altLang="en-US" smtClean="0"/>
-              <a:t>21</a:t>
-            </a:fld>
-            <a:endParaRPr lang="zh-CN" altLang="en-US"/>
-          </a:p>
-        </p:txBody>
-      </p:sp>
-      <p:sp>
-        <p:nvSpPr>
-          <p:cNvPr id="2" name="Flowchart: Process 1">
-            <a:extLst>
-              <a:ext uri="{FF2B5EF4-FFF2-40B4-BE49-F238E27FC236}">
-                <a16:creationId xmlns:a16="http://schemas.microsoft.com/office/drawing/2014/main" id="{8105CBB4-A62C-646D-028E-C22D78DFD5E9}"/>
-              </a:ext>
-            </a:extLst>
-          </p:cNvPr>
-          <p:cNvSpPr/>
-          <p:nvPr/>
-        </p:nvSpPr>
-        <p:spPr>
-          <a:xfrm flipV="1">
-            <a:off x="0" y="1046870"/>
-            <a:ext cx="12192000" cy="9144"/>
-          </a:xfrm>
-          <a:prstGeom prst="flowChartProcess">
-            <a:avLst/>
-          </a:prstGeom>
-          <a:solidFill>
-            <a:srgbClr val="D41B2C"/>
-          </a:solidFill>
-          <a:ln>
-            <a:noFill/>
-          </a:ln>
-        </p:spPr>
-        <p:style>
-          <a:lnRef idx="2">
-            <a:schemeClr val="accent1">
-              <a:shade val="15000"/>
-            </a:schemeClr>
-          </a:lnRef>
-          <a:fillRef idx="1">
-            <a:schemeClr val="accent1"/>
-          </a:fillRef>
-          <a:effectRef idx="0">
-            <a:schemeClr val="accent1"/>
-          </a:effectRef>
-          <a:fontRef idx="minor">
-            <a:schemeClr val="lt1"/>
-          </a:fontRef>
-        </p:style>
-        <p:txBody>
-          <a:bodyPr rtlCol="0" anchor="ctr"/>
-          <a:lstStyle/>
-          <a:p>
-            <a:pPr algn="ctr"/>
-            <a:endParaRPr lang="zh-CN" altLang="en-US"/>
-          </a:p>
-        </p:txBody>
-      </p:sp>
-      <p:sp>
-        <p:nvSpPr>
-          <p:cNvPr id="3" name="TextBox 2">
-            <a:extLst>
-              <a:ext uri="{FF2B5EF4-FFF2-40B4-BE49-F238E27FC236}">
-                <a16:creationId xmlns:a16="http://schemas.microsoft.com/office/drawing/2014/main" id="{E7FF1965-31E2-20FF-4D21-5C9CD2D10F4D}"/>
-              </a:ext>
-            </a:extLst>
-          </p:cNvPr>
-          <p:cNvSpPr txBox="1"/>
-          <p:nvPr/>
-        </p:nvSpPr>
-        <p:spPr>
-          <a:xfrm>
-            <a:off x="6270481" y="1631852"/>
-            <a:ext cx="5083319" cy="403316"/>
-          </a:xfrm>
-          <a:prstGeom prst="rect">
-            <a:avLst/>
-          </a:prstGeom>
-          <a:noFill/>
-        </p:spPr>
-        <p:txBody>
-          <a:bodyPr wrap="square">
-            <a:spAutoFit/>
-          </a:bodyPr>
-          <a:lstStyle/>
-          <a:p>
-            <a:pPr marL="285750" indent="-285750">
-              <a:lnSpc>
-                <a:spcPct val="120000"/>
-              </a:lnSpc>
-              <a:buClr>
-                <a:srgbClr val="D41B2C"/>
-              </a:buClr>
-              <a:buFont typeface="Wingdings" panose="05000000000000000000" pitchFamily="2" charset="2"/>
-              <a:buChar char="n"/>
-            </a:pPr>
-            <a:r>
-              <a:rPr lang="en-US" altLang="zh-CN" dirty="0"/>
-              <a:t>This is a list of the most significant attributes.</a:t>
-            </a:r>
-          </a:p>
-        </p:txBody>
-      </p:sp>
-      <p:pic>
-        <p:nvPicPr>
-          <p:cNvPr id="8" name="Picture 7">
-            <a:extLst>
-              <a:ext uri="{FF2B5EF4-FFF2-40B4-BE49-F238E27FC236}">
-                <a16:creationId xmlns:a16="http://schemas.microsoft.com/office/drawing/2014/main" id="{918B6D41-41F6-373D-60F5-BAD657CF6218}"/>
-              </a:ext>
-            </a:extLst>
-          </p:cNvPr>
-          <p:cNvPicPr>
-            <a:picLocks noChangeAspect="1"/>
-          </p:cNvPicPr>
-          <p:nvPr/>
-        </p:nvPicPr>
-        <p:blipFill>
-          <a:blip r:embed="rId2"/>
-          <a:stretch>
-            <a:fillRect/>
-          </a:stretch>
-        </p:blipFill>
-        <p:spPr>
-          <a:xfrm>
-            <a:off x="1518928" y="2372613"/>
-            <a:ext cx="3232316" cy="2667137"/>
-          </a:xfrm>
-          <a:prstGeom prst="rect">
-            <a:avLst/>
-          </a:prstGeom>
-        </p:spPr>
-      </p:pic>
-      <p:pic>
-        <p:nvPicPr>
-          <p:cNvPr id="12" name="Picture 11">
-            <a:extLst>
-              <a:ext uri="{FF2B5EF4-FFF2-40B4-BE49-F238E27FC236}">
-                <a16:creationId xmlns:a16="http://schemas.microsoft.com/office/drawing/2014/main" id="{87AD1755-D907-1DF7-0688-CF0C74954822}"/>
-              </a:ext>
-            </a:extLst>
-          </p:cNvPr>
-          <p:cNvPicPr>
-            <a:picLocks noChangeAspect="1"/>
-          </p:cNvPicPr>
-          <p:nvPr/>
-        </p:nvPicPr>
-        <p:blipFill>
-          <a:blip r:embed="rId3"/>
-          <a:stretch>
-            <a:fillRect/>
-          </a:stretch>
-        </p:blipFill>
-        <p:spPr>
-          <a:xfrm>
-            <a:off x="6749884" y="2611006"/>
-            <a:ext cx="3232316" cy="3327571"/>
-          </a:xfrm>
-          <a:prstGeom prst="rect">
-            <a:avLst/>
-          </a:prstGeom>
-        </p:spPr>
-      </p:pic>
-    </p:spTree>
-    <p:extLst>
-      <p:ext uri="{BB962C8B-B14F-4D97-AF65-F5344CB8AC3E}">
-        <p14:creationId xmlns:p14="http://schemas.microsoft.com/office/powerpoint/2010/main" val="512212214"/>
+        <p14:creationId xmlns:p14="http://schemas.microsoft.com/office/powerpoint/2010/main" val="4043895059"/>
       </p:ext>
     </p:extLst>
   </p:cSld>
@@ -7860,8 +8192,8 @@
         </p:nvSpPr>
         <p:spPr>
           <a:xfrm>
-            <a:off x="-1" y="98695"/>
-            <a:ext cx="12191999" cy="714234"/>
+            <a:off x="0" y="95532"/>
+            <a:ext cx="12192000" cy="714234"/>
           </a:xfrm>
           <a:prstGeom prst="rect">
             <a:avLst/>
@@ -7884,11 +8216,11 @@
             </a:pPr>
             <a:r>
               <a:rPr lang="en-US" altLang="zh-CN" sz="3600" b="1" dirty="0" err="1"/>
-              <a:t>Adaboost</a:t>
+              <a:t>GBoosting</a:t>
             </a:r>
             <a:r>
               <a:rPr lang="en-US" altLang="zh-CN" sz="3600" b="1" dirty="0"/>
-              <a:t> Classifier – False Discoveries</a:t>
+              <a:t> Classifier – Performance on validation</a:t>
             </a:r>
           </a:p>
         </p:txBody>
@@ -7976,10 +8308,10 @@
       </p:sp>
       <p:sp>
         <p:nvSpPr>
-          <p:cNvPr id="4" name="TextBox 3">
-            <a:extLst>
-              <a:ext uri="{FF2B5EF4-FFF2-40B4-BE49-F238E27FC236}">
-                <a16:creationId xmlns:a16="http://schemas.microsoft.com/office/drawing/2014/main" id="{9D18040C-32C7-18B1-9503-7077020AE38B}"/>
+          <p:cNvPr id="12" name="TextBox 11">
+            <a:extLst>
+              <a:ext uri="{FF2B5EF4-FFF2-40B4-BE49-F238E27FC236}">
+                <a16:creationId xmlns:a16="http://schemas.microsoft.com/office/drawing/2014/main" id="{65946DDA-9B38-D45D-47C8-45F709A0CAA4}"/>
               </a:ext>
             </a:extLst>
           </p:cNvPr>
@@ -7988,564 +8320,8 @@
         </p:nvSpPr>
         <p:spPr>
           <a:xfrm>
-            <a:off x="1555715" y="5475205"/>
-            <a:ext cx="2336738" cy="403316"/>
-          </a:xfrm>
-          <a:prstGeom prst="rect">
-            <a:avLst/>
-          </a:prstGeom>
-          <a:noFill/>
-        </p:spPr>
-        <p:txBody>
-          <a:bodyPr wrap="square">
-            <a:spAutoFit/>
-          </a:bodyPr>
-          <a:lstStyle/>
-          <a:p>
-            <a:pPr marL="285750" indent="-285750">
-              <a:lnSpc>
-                <a:spcPct val="120000"/>
-              </a:lnSpc>
-              <a:buClr>
-                <a:srgbClr val="D41B2C"/>
-              </a:buClr>
-              <a:buFont typeface="Wingdings" panose="05000000000000000000" pitchFamily="2" charset="2"/>
-              <a:buChar char="n"/>
-            </a:pPr>
-            <a:r>
-              <a:rPr lang="en-US" altLang="zh-CN" dirty="0"/>
-              <a:t>Todo</a:t>
-            </a:r>
-          </a:p>
-        </p:txBody>
-      </p:sp>
-    </p:spTree>
-    <p:extLst>
-      <p:ext uri="{BB962C8B-B14F-4D97-AF65-F5344CB8AC3E}">
-        <p14:creationId xmlns:p14="http://schemas.microsoft.com/office/powerpoint/2010/main" val="1745934245"/>
-      </p:ext>
-    </p:extLst>
-  </p:cSld>
-  <p:clrMapOvr>
-    <a:masterClrMapping/>
-  </p:clrMapOvr>
-</p:sld>
-</file>
-
-<file path=ppt/slides/slide23.xml><?xml version="1.0" encoding="utf-8"?>
-<p:sld xmlns:a="http://schemas.openxmlformats.org/drawingml/2006/main" xmlns:r="http://schemas.openxmlformats.org/officeDocument/2006/relationships" xmlns:p="http://schemas.openxmlformats.org/presentationml/2006/main">
-  <p:cSld>
-    <p:spTree>
-      <p:nvGrpSpPr>
-        <p:cNvPr id="1" name=""/>
-        <p:cNvGrpSpPr/>
-        <p:nvPr/>
-      </p:nvGrpSpPr>
-      <p:grpSpPr>
-        <a:xfrm>
-          <a:off x="0" y="0"/>
-          <a:ext cx="0" cy="0"/>
-          <a:chOff x="0" y="0"/>
-          <a:chExt cx="0" cy="0"/>
-        </a:xfrm>
-      </p:grpSpPr>
-      <p:sp>
-        <p:nvSpPr>
-          <p:cNvPr id="7" name="TextBox 6">
-            <a:extLst>
-              <a:ext uri="{FF2B5EF4-FFF2-40B4-BE49-F238E27FC236}">
-                <a16:creationId xmlns:a16="http://schemas.microsoft.com/office/drawing/2014/main" id="{5D125FF5-A4BE-F7D1-48A3-B299B2BD4C00}"/>
-              </a:ext>
-            </a:extLst>
-          </p:cNvPr>
-          <p:cNvSpPr txBox="1"/>
-          <p:nvPr/>
-        </p:nvSpPr>
-        <p:spPr>
-          <a:xfrm>
-            <a:off x="-1" y="98695"/>
-            <a:ext cx="12191999" cy="714234"/>
-          </a:xfrm>
-          <a:prstGeom prst="rect">
-            <a:avLst/>
-          </a:prstGeom>
-          <a:noFill/>
-        </p:spPr>
-        <p:txBody>
-          <a:bodyPr wrap="square">
-            <a:spAutoFit/>
-          </a:bodyPr>
-          <a:lstStyle/>
-          <a:p>
-            <a:pPr lvl="1">
-              <a:lnSpc>
-                <a:spcPct val="120000"/>
-              </a:lnSpc>
-              <a:buClr>
-                <a:srgbClr val="D41B2C"/>
-              </a:buClr>
-            </a:pPr>
-            <a:r>
-              <a:rPr lang="en-US" altLang="zh-CN" sz="3600" b="1" dirty="0" err="1"/>
-              <a:t>Adaboost</a:t>
-            </a:r>
-            <a:r>
-              <a:rPr lang="en-US" altLang="zh-CN" sz="3600" b="1" dirty="0"/>
-              <a:t> Classifier – Assess classification thresholds</a:t>
-            </a:r>
-          </a:p>
-        </p:txBody>
-      </p:sp>
-      <p:sp>
-        <p:nvSpPr>
-          <p:cNvPr id="11" name="Slide Number Placeholder 10">
-            <a:extLst>
-              <a:ext uri="{FF2B5EF4-FFF2-40B4-BE49-F238E27FC236}">
-                <a16:creationId xmlns:a16="http://schemas.microsoft.com/office/drawing/2014/main" id="{E4FAC7AA-BDB7-F7C0-F177-96942C945B33}"/>
-              </a:ext>
-            </a:extLst>
-          </p:cNvPr>
-          <p:cNvSpPr>
-            <a:spLocks noGrp="1"/>
-          </p:cNvSpPr>
-          <p:nvPr>
-            <p:ph type="sldNum" sz="quarter" idx="12"/>
-          </p:nvPr>
-        </p:nvSpPr>
-        <p:spPr/>
-        <p:txBody>
-          <a:bodyPr/>
-          <a:lstStyle/>
-          <a:p>
-            <a:fld id="{CD1615FA-664A-4E3E-8664-50FDFADF9207}" type="slidenum">
-              <a:rPr lang="zh-CN" altLang="en-US" smtClean="0"/>
-              <a:t>23</a:t>
-            </a:fld>
-            <a:endParaRPr lang="zh-CN" altLang="en-US"/>
-          </a:p>
-        </p:txBody>
-      </p:sp>
-      <p:sp>
-        <p:nvSpPr>
-          <p:cNvPr id="2" name="Flowchart: Process 1">
-            <a:extLst>
-              <a:ext uri="{FF2B5EF4-FFF2-40B4-BE49-F238E27FC236}">
-                <a16:creationId xmlns:a16="http://schemas.microsoft.com/office/drawing/2014/main" id="{8105CBB4-A62C-646D-028E-C22D78DFD5E9}"/>
-              </a:ext>
-            </a:extLst>
-          </p:cNvPr>
-          <p:cNvSpPr/>
-          <p:nvPr/>
-        </p:nvSpPr>
-        <p:spPr>
-          <a:xfrm flipV="1">
-            <a:off x="0" y="1046870"/>
-            <a:ext cx="12192000" cy="9144"/>
-          </a:xfrm>
-          <a:prstGeom prst="flowChartProcess">
-            <a:avLst/>
-          </a:prstGeom>
-          <a:solidFill>
-            <a:srgbClr val="D41B2C"/>
-          </a:solidFill>
-          <a:ln>
-            <a:noFill/>
-          </a:ln>
-        </p:spPr>
-        <p:style>
-          <a:lnRef idx="2">
-            <a:schemeClr val="accent1">
-              <a:shade val="15000"/>
-            </a:schemeClr>
-          </a:lnRef>
-          <a:fillRef idx="1">
-            <a:schemeClr val="accent1"/>
-          </a:fillRef>
-          <a:effectRef idx="0">
-            <a:schemeClr val="accent1"/>
-          </a:effectRef>
-          <a:fontRef idx="minor">
-            <a:schemeClr val="lt1"/>
-          </a:fontRef>
-        </p:style>
-        <p:txBody>
-          <a:bodyPr rtlCol="0" anchor="ctr"/>
-          <a:lstStyle/>
-          <a:p>
-            <a:pPr algn="ctr"/>
-            <a:endParaRPr lang="zh-CN" altLang="en-US"/>
-          </a:p>
-        </p:txBody>
-      </p:sp>
-      <p:sp>
-        <p:nvSpPr>
-          <p:cNvPr id="4" name="TextBox 3">
-            <a:extLst>
-              <a:ext uri="{FF2B5EF4-FFF2-40B4-BE49-F238E27FC236}">
-                <a16:creationId xmlns:a16="http://schemas.microsoft.com/office/drawing/2014/main" id="{9D18040C-32C7-18B1-9503-7077020AE38B}"/>
-              </a:ext>
-            </a:extLst>
-          </p:cNvPr>
-          <p:cNvSpPr txBox="1"/>
-          <p:nvPr/>
-        </p:nvSpPr>
-        <p:spPr>
-          <a:xfrm>
-            <a:off x="1555714" y="5475205"/>
-            <a:ext cx="9504171" cy="403316"/>
-          </a:xfrm>
-          <a:prstGeom prst="rect">
-            <a:avLst/>
-          </a:prstGeom>
-          <a:noFill/>
-        </p:spPr>
-        <p:txBody>
-          <a:bodyPr wrap="square">
-            <a:spAutoFit/>
-          </a:bodyPr>
-          <a:lstStyle/>
-          <a:p>
-            <a:pPr marL="285750" indent="-285750">
-              <a:lnSpc>
-                <a:spcPct val="120000"/>
-              </a:lnSpc>
-              <a:buClr>
-                <a:srgbClr val="D41B2C"/>
-              </a:buClr>
-              <a:buFont typeface="Wingdings" panose="05000000000000000000" pitchFamily="2" charset="2"/>
-              <a:buChar char="n"/>
-            </a:pPr>
-            <a:r>
-              <a:rPr lang="en-US" altLang="zh-CN" dirty="0" err="1"/>
-              <a:t>best_threshold</a:t>
-            </a:r>
-            <a:r>
-              <a:rPr lang="en-US" altLang="zh-CN" dirty="0"/>
-              <a:t> = 0.78</a:t>
-            </a:r>
-          </a:p>
-        </p:txBody>
-      </p:sp>
-      <p:pic>
-        <p:nvPicPr>
-          <p:cNvPr id="5" name="Picture 4">
-            <a:extLst>
-              <a:ext uri="{FF2B5EF4-FFF2-40B4-BE49-F238E27FC236}">
-                <a16:creationId xmlns:a16="http://schemas.microsoft.com/office/drawing/2014/main" id="{CA495C43-8016-3828-39A5-BBDDDC5BDE33}"/>
-              </a:ext>
-            </a:extLst>
-          </p:cNvPr>
-          <p:cNvPicPr>
-            <a:picLocks noChangeAspect="1"/>
-          </p:cNvPicPr>
-          <p:nvPr/>
-        </p:nvPicPr>
-        <p:blipFill>
-          <a:blip r:embed="rId2"/>
-          <a:stretch>
-            <a:fillRect/>
-          </a:stretch>
-        </p:blipFill>
-        <p:spPr>
-          <a:xfrm>
-            <a:off x="841212" y="2553150"/>
-            <a:ext cx="3765744" cy="2889398"/>
-          </a:xfrm>
-          <a:prstGeom prst="rect">
-            <a:avLst/>
-          </a:prstGeom>
-        </p:spPr>
-      </p:pic>
-      <p:pic>
-        <p:nvPicPr>
-          <p:cNvPr id="8" name="Picture 7">
-            <a:extLst>
-              <a:ext uri="{FF2B5EF4-FFF2-40B4-BE49-F238E27FC236}">
-                <a16:creationId xmlns:a16="http://schemas.microsoft.com/office/drawing/2014/main" id="{314DAF61-B4F1-FD36-AFE1-4036C8A002F0}"/>
-              </a:ext>
-            </a:extLst>
-          </p:cNvPr>
-          <p:cNvPicPr>
-            <a:picLocks noChangeAspect="1"/>
-          </p:cNvPicPr>
-          <p:nvPr/>
-        </p:nvPicPr>
-        <p:blipFill>
-          <a:blip r:embed="rId3"/>
-          <a:stretch>
-            <a:fillRect/>
-          </a:stretch>
-        </p:blipFill>
-        <p:spPr>
-          <a:xfrm>
-            <a:off x="3327246" y="1325096"/>
-            <a:ext cx="5994708" cy="692186"/>
-          </a:xfrm>
-          <a:prstGeom prst="rect">
-            <a:avLst/>
-          </a:prstGeom>
-        </p:spPr>
-      </p:pic>
-      <p:pic>
-        <p:nvPicPr>
-          <p:cNvPr id="10" name="Picture 9">
-            <a:extLst>
-              <a:ext uri="{FF2B5EF4-FFF2-40B4-BE49-F238E27FC236}">
-                <a16:creationId xmlns:a16="http://schemas.microsoft.com/office/drawing/2014/main" id="{C648A0D0-5CD5-40C3-61B3-8621E5D4DE5B}"/>
-              </a:ext>
-            </a:extLst>
-          </p:cNvPr>
-          <p:cNvPicPr>
-            <a:picLocks noChangeAspect="1"/>
-          </p:cNvPicPr>
-          <p:nvPr/>
-        </p:nvPicPr>
-        <p:blipFill>
-          <a:blip r:embed="rId4"/>
-          <a:stretch>
-            <a:fillRect/>
-          </a:stretch>
-        </p:blipFill>
-        <p:spPr>
-          <a:xfrm>
-            <a:off x="574589" y="1201534"/>
-            <a:ext cx="1962251" cy="927148"/>
-          </a:xfrm>
-          <a:prstGeom prst="rect">
-            <a:avLst/>
-          </a:prstGeom>
-        </p:spPr>
-      </p:pic>
-      <p:pic>
-        <p:nvPicPr>
-          <p:cNvPr id="13" name="Picture 12">
-            <a:extLst>
-              <a:ext uri="{FF2B5EF4-FFF2-40B4-BE49-F238E27FC236}">
-                <a16:creationId xmlns:a16="http://schemas.microsoft.com/office/drawing/2014/main" id="{3AF4AB0B-3633-D820-26EC-E7CD370C249B}"/>
-              </a:ext>
-            </a:extLst>
-          </p:cNvPr>
-          <p:cNvPicPr>
-            <a:picLocks noChangeAspect="1"/>
-          </p:cNvPicPr>
-          <p:nvPr/>
-        </p:nvPicPr>
-        <p:blipFill>
-          <a:blip r:embed="rId5"/>
-          <a:stretch>
-            <a:fillRect/>
-          </a:stretch>
-        </p:blipFill>
-        <p:spPr>
-          <a:xfrm>
-            <a:off x="4606956" y="2441750"/>
-            <a:ext cx="3562533" cy="2952902"/>
-          </a:xfrm>
-          <a:prstGeom prst="rect">
-            <a:avLst/>
-          </a:prstGeom>
-        </p:spPr>
-      </p:pic>
-      <p:pic>
-        <p:nvPicPr>
-          <p:cNvPr id="15" name="Picture 14">
-            <a:extLst>
-              <a:ext uri="{FF2B5EF4-FFF2-40B4-BE49-F238E27FC236}">
-                <a16:creationId xmlns:a16="http://schemas.microsoft.com/office/drawing/2014/main" id="{D64ACD75-498D-62F8-E7E4-6421C4395D0D}"/>
-              </a:ext>
-            </a:extLst>
-          </p:cNvPr>
-          <p:cNvPicPr>
-            <a:picLocks noChangeAspect="1"/>
-          </p:cNvPicPr>
-          <p:nvPr/>
-        </p:nvPicPr>
-        <p:blipFill>
-          <a:blip r:embed="rId6"/>
-          <a:stretch>
-            <a:fillRect/>
-          </a:stretch>
-        </p:blipFill>
-        <p:spPr>
-          <a:xfrm>
-            <a:off x="8299549" y="2508697"/>
-            <a:ext cx="3568883" cy="2933851"/>
-          </a:xfrm>
-          <a:prstGeom prst="rect">
-            <a:avLst/>
-          </a:prstGeom>
-        </p:spPr>
-      </p:pic>
-    </p:spTree>
-    <p:extLst>
-      <p:ext uri="{BB962C8B-B14F-4D97-AF65-F5344CB8AC3E}">
-        <p14:creationId xmlns:p14="http://schemas.microsoft.com/office/powerpoint/2010/main" val="2960716822"/>
-      </p:ext>
-    </p:extLst>
-  </p:cSld>
-  <p:clrMapOvr>
-    <a:masterClrMapping/>
-  </p:clrMapOvr>
-</p:sld>
-</file>
-
-<file path=ppt/slides/slide24.xml><?xml version="1.0" encoding="utf-8"?>
-<p:sld xmlns:a="http://schemas.openxmlformats.org/drawingml/2006/main" xmlns:r="http://schemas.openxmlformats.org/officeDocument/2006/relationships" xmlns:p="http://schemas.openxmlformats.org/presentationml/2006/main">
-  <p:cSld>
-    <p:spTree>
-      <p:nvGrpSpPr>
-        <p:cNvPr id="1" name=""/>
-        <p:cNvGrpSpPr/>
-        <p:nvPr/>
-      </p:nvGrpSpPr>
-      <p:grpSpPr>
-        <a:xfrm>
-          <a:off x="0" y="0"/>
-          <a:ext cx="0" cy="0"/>
-          <a:chOff x="0" y="0"/>
-          <a:chExt cx="0" cy="0"/>
-        </a:xfrm>
-      </p:grpSpPr>
-      <p:sp>
-        <p:nvSpPr>
-          <p:cNvPr id="7" name="TextBox 6">
-            <a:extLst>
-              <a:ext uri="{FF2B5EF4-FFF2-40B4-BE49-F238E27FC236}">
-                <a16:creationId xmlns:a16="http://schemas.microsoft.com/office/drawing/2014/main" id="{5D125FF5-A4BE-F7D1-48A3-B299B2BD4C00}"/>
-              </a:ext>
-            </a:extLst>
-          </p:cNvPr>
-          <p:cNvSpPr txBox="1"/>
-          <p:nvPr/>
-        </p:nvSpPr>
-        <p:spPr>
-          <a:xfrm>
-            <a:off x="0" y="95532"/>
-            <a:ext cx="12192000" cy="714234"/>
-          </a:xfrm>
-          <a:prstGeom prst="rect">
-            <a:avLst/>
-          </a:prstGeom>
-          <a:noFill/>
-        </p:spPr>
-        <p:txBody>
-          <a:bodyPr wrap="square">
-            <a:spAutoFit/>
-          </a:bodyPr>
-          <a:lstStyle/>
-          <a:p>
-            <a:pPr lvl="1">
-              <a:lnSpc>
-                <a:spcPct val="120000"/>
-              </a:lnSpc>
-              <a:buClr>
-                <a:srgbClr val="D41B2C"/>
-              </a:buClr>
-            </a:pPr>
-            <a:r>
-              <a:rPr lang="en-US" altLang="zh-CN" sz="3600" b="1" dirty="0"/>
-              <a:t>Gradient Boosting Classifier – Performance on train</a:t>
-            </a:r>
-          </a:p>
-        </p:txBody>
-      </p:sp>
-      <p:sp>
-        <p:nvSpPr>
-          <p:cNvPr id="11" name="Slide Number Placeholder 10">
-            <a:extLst>
-              <a:ext uri="{FF2B5EF4-FFF2-40B4-BE49-F238E27FC236}">
-                <a16:creationId xmlns:a16="http://schemas.microsoft.com/office/drawing/2014/main" id="{E4FAC7AA-BDB7-F7C0-F177-96942C945B33}"/>
-              </a:ext>
-            </a:extLst>
-          </p:cNvPr>
-          <p:cNvSpPr>
-            <a:spLocks noGrp="1"/>
-          </p:cNvSpPr>
-          <p:nvPr>
-            <p:ph type="sldNum" sz="quarter" idx="12"/>
-          </p:nvPr>
-        </p:nvSpPr>
-        <p:spPr/>
-        <p:txBody>
-          <a:bodyPr/>
-          <a:lstStyle/>
-          <a:p>
-            <a:fld id="{CD1615FA-664A-4E3E-8664-50FDFADF9207}" type="slidenum">
-              <a:rPr lang="zh-CN" altLang="en-US" smtClean="0"/>
-              <a:t>24</a:t>
-            </a:fld>
-            <a:endParaRPr lang="zh-CN" altLang="en-US"/>
-          </a:p>
-        </p:txBody>
-      </p:sp>
-      <p:sp>
-        <p:nvSpPr>
-          <p:cNvPr id="2" name="Flowchart: Process 1">
-            <a:extLst>
-              <a:ext uri="{FF2B5EF4-FFF2-40B4-BE49-F238E27FC236}">
-                <a16:creationId xmlns:a16="http://schemas.microsoft.com/office/drawing/2014/main" id="{8105CBB4-A62C-646D-028E-C22D78DFD5E9}"/>
-              </a:ext>
-            </a:extLst>
-          </p:cNvPr>
-          <p:cNvSpPr/>
-          <p:nvPr/>
-        </p:nvSpPr>
-        <p:spPr>
-          <a:xfrm flipV="1">
-            <a:off x="0" y="1046870"/>
-            <a:ext cx="12192000" cy="9144"/>
-          </a:xfrm>
-          <a:prstGeom prst="flowChartProcess">
-            <a:avLst/>
-          </a:prstGeom>
-          <a:solidFill>
-            <a:srgbClr val="D41B2C"/>
-          </a:solidFill>
-          <a:ln>
-            <a:noFill/>
-          </a:ln>
-        </p:spPr>
-        <p:style>
-          <a:lnRef idx="2">
-            <a:schemeClr val="accent1">
-              <a:shade val="15000"/>
-            </a:schemeClr>
-          </a:lnRef>
-          <a:fillRef idx="1">
-            <a:schemeClr val="accent1"/>
-          </a:fillRef>
-          <a:effectRef idx="0">
-            <a:schemeClr val="accent1"/>
-          </a:effectRef>
-          <a:fontRef idx="minor">
-            <a:schemeClr val="lt1"/>
-          </a:fontRef>
-        </p:style>
-        <p:txBody>
-          <a:bodyPr rtlCol="0" anchor="ctr"/>
-          <a:lstStyle/>
-          <a:p>
-            <a:pPr algn="ctr"/>
-            <a:endParaRPr lang="zh-CN" altLang="en-US"/>
-          </a:p>
-        </p:txBody>
-      </p:sp>
-      <p:sp>
-        <p:nvSpPr>
-          <p:cNvPr id="12" name="TextBox 11">
-            <a:extLst>
-              <a:ext uri="{FF2B5EF4-FFF2-40B4-BE49-F238E27FC236}">
-                <a16:creationId xmlns:a16="http://schemas.microsoft.com/office/drawing/2014/main" id="{65946DDA-9B38-D45D-47C8-45F709A0CAA4}"/>
-              </a:ext>
-            </a:extLst>
-          </p:cNvPr>
-          <p:cNvSpPr txBox="1"/>
-          <p:nvPr/>
-        </p:nvSpPr>
-        <p:spPr>
-          <a:xfrm>
-            <a:off x="1686526" y="5521191"/>
-            <a:ext cx="8818948" cy="403316"/>
+            <a:off x="651353" y="5537196"/>
+            <a:ext cx="10408706" cy="403316"/>
           </a:xfrm>
           <a:prstGeom prst="rect">
             <a:avLst/>
@@ -8584,17 +8360,17 @@
           <a:p>
             <a:r>
               <a:rPr lang="en-US" altLang="zh-CN" dirty="0"/>
-              <a:t>Todo</a:t>
+              <a:t>The validation set also shows a similar performance.</a:t>
             </a:r>
           </a:p>
         </p:txBody>
       </p:sp>
       <p:pic>
         <p:nvPicPr>
-          <p:cNvPr id="5" name="Picture 4">
-            <a:extLst>
-              <a:ext uri="{FF2B5EF4-FFF2-40B4-BE49-F238E27FC236}">
-                <a16:creationId xmlns:a16="http://schemas.microsoft.com/office/drawing/2014/main" id="{D2EFEEB8-B50D-57FB-DF0F-8EE1CD99A4F9}"/>
+          <p:cNvPr id="6" name="Picture 5">
+            <a:extLst>
+              <a:ext uri="{FF2B5EF4-FFF2-40B4-BE49-F238E27FC236}">
+                <a16:creationId xmlns:a16="http://schemas.microsoft.com/office/drawing/2014/main" id="{00F4FC39-BCE5-FB55-A7C5-FDBFD213E23D}"/>
               </a:ext>
             </a:extLst>
           </p:cNvPr>
@@ -8611,8 +8387,8 @@
         </p:blipFill>
         <p:spPr>
           <a:xfrm>
-            <a:off x="2751663" y="1358432"/>
-            <a:ext cx="6013759" cy="723937"/>
+            <a:off x="3082770" y="1385645"/>
+            <a:ext cx="6026460" cy="603281"/>
           </a:xfrm>
           <a:prstGeom prst="rect">
             <a:avLst/>
@@ -8624,7 +8400,7 @@
           <p:cNvPr id="10" name="Picture 9">
             <a:extLst>
               <a:ext uri="{FF2B5EF4-FFF2-40B4-BE49-F238E27FC236}">
-                <a16:creationId xmlns:a16="http://schemas.microsoft.com/office/drawing/2014/main" id="{483A119E-2C33-EE9D-B0B0-E0A4FAE178F1}"/>
+                <a16:creationId xmlns:a16="http://schemas.microsoft.com/office/drawing/2014/main" id="{D50EE16E-52C7-F24D-0D17-CCA80A8C2172}"/>
               </a:ext>
             </a:extLst>
           </p:cNvPr>
@@ -8641,8 +8417,8 @@
         </p:blipFill>
         <p:spPr>
           <a:xfrm>
-            <a:off x="1686526" y="3239433"/>
-            <a:ext cx="2006703" cy="933498"/>
+            <a:off x="1044413" y="2986834"/>
+            <a:ext cx="2070206" cy="946199"/>
           </a:xfrm>
           <a:prstGeom prst="rect">
             <a:avLst/>
@@ -8654,7 +8430,7 @@
           <p:cNvPr id="15" name="Picture 14">
             <a:extLst>
               <a:ext uri="{FF2B5EF4-FFF2-40B4-BE49-F238E27FC236}">
-                <a16:creationId xmlns:a16="http://schemas.microsoft.com/office/drawing/2014/main" id="{16BF2AE3-2997-5D22-39FC-01F6A0211F72}"/>
+                <a16:creationId xmlns:a16="http://schemas.microsoft.com/office/drawing/2014/main" id="{6D3AB649-38C3-D82D-E1CF-A9580751A5AE}"/>
               </a:ext>
             </a:extLst>
           </p:cNvPr>
@@ -8671,8 +8447,8 @@
         </p:blipFill>
         <p:spPr>
           <a:xfrm>
-            <a:off x="8020411" y="2066973"/>
-            <a:ext cx="3575234" cy="2952902"/>
+            <a:off x="3736431" y="2223381"/>
+            <a:ext cx="3543482" cy="2965602"/>
           </a:xfrm>
           <a:prstGeom prst="rect">
             <a:avLst/>
@@ -8684,7 +8460,7 @@
           <p:cNvPr id="17" name="Picture 16">
             <a:extLst>
               <a:ext uri="{FF2B5EF4-FFF2-40B4-BE49-F238E27FC236}">
-                <a16:creationId xmlns:a16="http://schemas.microsoft.com/office/drawing/2014/main" id="{7B72DF61-D41D-D38D-7939-769A2770A436}"/>
+                <a16:creationId xmlns:a16="http://schemas.microsoft.com/office/drawing/2014/main" id="{99A4BD16-ABFD-1722-5C07-D992EBF2709D}"/>
               </a:ext>
             </a:extLst>
           </p:cNvPr>
@@ -8701,8 +8477,8 @@
         </p:blipFill>
         <p:spPr>
           <a:xfrm>
-            <a:off x="4171590" y="2232906"/>
-            <a:ext cx="3581584" cy="2946551"/>
+            <a:off x="7591404" y="2142240"/>
+            <a:ext cx="3556183" cy="2933851"/>
           </a:xfrm>
           <a:prstGeom prst="rect">
             <a:avLst/>
@@ -8712,7 +8488,605 @@
     </p:spTree>
     <p:extLst>
       <p:ext uri="{BB962C8B-B14F-4D97-AF65-F5344CB8AC3E}">
-        <p14:creationId xmlns:p14="http://schemas.microsoft.com/office/powerpoint/2010/main" val="4043895059"/>
+        <p14:creationId xmlns:p14="http://schemas.microsoft.com/office/powerpoint/2010/main" val="607796373"/>
+      </p:ext>
+    </p:extLst>
+  </p:cSld>
+  <p:clrMapOvr>
+    <a:masterClrMapping/>
+  </p:clrMapOvr>
+</p:sld>
+</file>
+
+<file path=ppt/slides/slide23.xml><?xml version="1.0" encoding="utf-8"?>
+<p:sld xmlns:a="http://schemas.openxmlformats.org/drawingml/2006/main" xmlns:r="http://schemas.openxmlformats.org/officeDocument/2006/relationships" xmlns:p="http://schemas.openxmlformats.org/presentationml/2006/main">
+  <p:cSld>
+    <p:spTree>
+      <p:nvGrpSpPr>
+        <p:cNvPr id="1" name=""/>
+        <p:cNvGrpSpPr/>
+        <p:nvPr/>
+      </p:nvGrpSpPr>
+      <p:grpSpPr>
+        <a:xfrm>
+          <a:off x="0" y="0"/>
+          <a:ext cx="0" cy="0"/>
+          <a:chOff x="0" y="0"/>
+          <a:chExt cx="0" cy="0"/>
+        </a:xfrm>
+      </p:grpSpPr>
+      <p:sp>
+        <p:nvSpPr>
+          <p:cNvPr id="7" name="TextBox 6">
+            <a:extLst>
+              <a:ext uri="{FF2B5EF4-FFF2-40B4-BE49-F238E27FC236}">
+                <a16:creationId xmlns:a16="http://schemas.microsoft.com/office/drawing/2014/main" id="{5D125FF5-A4BE-F7D1-48A3-B299B2BD4C00}"/>
+              </a:ext>
+            </a:extLst>
+          </p:cNvPr>
+          <p:cNvSpPr txBox="1"/>
+          <p:nvPr/>
+        </p:nvSpPr>
+        <p:spPr>
+          <a:xfrm>
+            <a:off x="0" y="98695"/>
+            <a:ext cx="12192000" cy="714234"/>
+          </a:xfrm>
+          <a:prstGeom prst="rect">
+            <a:avLst/>
+          </a:prstGeom>
+          <a:noFill/>
+        </p:spPr>
+        <p:txBody>
+          <a:bodyPr wrap="square">
+            <a:spAutoFit/>
+          </a:bodyPr>
+          <a:lstStyle/>
+          <a:p>
+            <a:pPr lvl="1">
+              <a:lnSpc>
+                <a:spcPct val="120000"/>
+              </a:lnSpc>
+              <a:buClr>
+                <a:srgbClr val="D41B2C"/>
+              </a:buClr>
+            </a:pPr>
+            <a:r>
+              <a:rPr lang="en-US" altLang="zh-CN" sz="3600" b="1" dirty="0" err="1"/>
+              <a:t>GBoosting</a:t>
+            </a:r>
+            <a:r>
+              <a:rPr lang="en-US" altLang="zh-CN" sz="3600" b="1" dirty="0"/>
+              <a:t> Classifier – Permutation Feature Importance</a:t>
+            </a:r>
+          </a:p>
+        </p:txBody>
+      </p:sp>
+      <p:sp>
+        <p:nvSpPr>
+          <p:cNvPr id="11" name="Slide Number Placeholder 10">
+            <a:extLst>
+              <a:ext uri="{FF2B5EF4-FFF2-40B4-BE49-F238E27FC236}">
+                <a16:creationId xmlns:a16="http://schemas.microsoft.com/office/drawing/2014/main" id="{E4FAC7AA-BDB7-F7C0-F177-96942C945B33}"/>
+              </a:ext>
+            </a:extLst>
+          </p:cNvPr>
+          <p:cNvSpPr>
+            <a:spLocks noGrp="1"/>
+          </p:cNvSpPr>
+          <p:nvPr>
+            <p:ph type="sldNum" sz="quarter" idx="12"/>
+          </p:nvPr>
+        </p:nvSpPr>
+        <p:spPr/>
+        <p:txBody>
+          <a:bodyPr/>
+          <a:lstStyle/>
+          <a:p>
+            <a:fld id="{CD1615FA-664A-4E3E-8664-50FDFADF9207}" type="slidenum">
+              <a:rPr lang="zh-CN" altLang="en-US" smtClean="0"/>
+              <a:t>23</a:t>
+            </a:fld>
+            <a:endParaRPr lang="zh-CN" altLang="en-US"/>
+          </a:p>
+        </p:txBody>
+      </p:sp>
+      <p:sp>
+        <p:nvSpPr>
+          <p:cNvPr id="2" name="Flowchart: Process 1">
+            <a:extLst>
+              <a:ext uri="{FF2B5EF4-FFF2-40B4-BE49-F238E27FC236}">
+                <a16:creationId xmlns:a16="http://schemas.microsoft.com/office/drawing/2014/main" id="{8105CBB4-A62C-646D-028E-C22D78DFD5E9}"/>
+              </a:ext>
+            </a:extLst>
+          </p:cNvPr>
+          <p:cNvSpPr/>
+          <p:nvPr/>
+        </p:nvSpPr>
+        <p:spPr>
+          <a:xfrm flipV="1">
+            <a:off x="0" y="1046870"/>
+            <a:ext cx="12192000" cy="9144"/>
+          </a:xfrm>
+          <a:prstGeom prst="flowChartProcess">
+            <a:avLst/>
+          </a:prstGeom>
+          <a:solidFill>
+            <a:srgbClr val="D41B2C"/>
+          </a:solidFill>
+          <a:ln>
+            <a:noFill/>
+          </a:ln>
+        </p:spPr>
+        <p:style>
+          <a:lnRef idx="2">
+            <a:schemeClr val="accent1">
+              <a:shade val="15000"/>
+            </a:schemeClr>
+          </a:lnRef>
+          <a:fillRef idx="1">
+            <a:schemeClr val="accent1"/>
+          </a:fillRef>
+          <a:effectRef idx="0">
+            <a:schemeClr val="accent1"/>
+          </a:effectRef>
+          <a:fontRef idx="minor">
+            <a:schemeClr val="lt1"/>
+          </a:fontRef>
+        </p:style>
+        <p:txBody>
+          <a:bodyPr rtlCol="0" anchor="ctr"/>
+          <a:lstStyle/>
+          <a:p>
+            <a:pPr algn="ctr"/>
+            <a:endParaRPr lang="zh-CN" altLang="en-US"/>
+          </a:p>
+        </p:txBody>
+      </p:sp>
+      <p:sp>
+        <p:nvSpPr>
+          <p:cNvPr id="3" name="TextBox 2">
+            <a:extLst>
+              <a:ext uri="{FF2B5EF4-FFF2-40B4-BE49-F238E27FC236}">
+                <a16:creationId xmlns:a16="http://schemas.microsoft.com/office/drawing/2014/main" id="{8A6A4A29-B78B-572F-F77F-B089D000A440}"/>
+              </a:ext>
+            </a:extLst>
+          </p:cNvPr>
+          <p:cNvSpPr txBox="1"/>
+          <p:nvPr/>
+        </p:nvSpPr>
+        <p:spPr>
+          <a:xfrm>
+            <a:off x="1745615" y="1596031"/>
+            <a:ext cx="5083319" cy="403316"/>
+          </a:xfrm>
+          <a:prstGeom prst="rect">
+            <a:avLst/>
+          </a:prstGeom>
+          <a:noFill/>
+        </p:spPr>
+        <p:txBody>
+          <a:bodyPr wrap="square">
+            <a:spAutoFit/>
+          </a:bodyPr>
+          <a:lstStyle/>
+          <a:p>
+            <a:pPr marL="285750" indent="-285750">
+              <a:lnSpc>
+                <a:spcPct val="120000"/>
+              </a:lnSpc>
+              <a:buClr>
+                <a:srgbClr val="D41B2C"/>
+              </a:buClr>
+              <a:buFont typeface="Wingdings" panose="05000000000000000000" pitchFamily="2" charset="2"/>
+              <a:buChar char="n"/>
+            </a:pPr>
+            <a:r>
+              <a:rPr lang="en-US" altLang="zh-CN" dirty="0"/>
+              <a:t>This is a list of the most significant attributes.</a:t>
+            </a:r>
+          </a:p>
+        </p:txBody>
+      </p:sp>
+      <p:pic>
+        <p:nvPicPr>
+          <p:cNvPr id="8" name="Picture 7">
+            <a:extLst>
+              <a:ext uri="{FF2B5EF4-FFF2-40B4-BE49-F238E27FC236}">
+                <a16:creationId xmlns:a16="http://schemas.microsoft.com/office/drawing/2014/main" id="{D7CE127C-FE1C-EF32-1BA0-BA051904F4F1}"/>
+              </a:ext>
+            </a:extLst>
+          </p:cNvPr>
+          <p:cNvPicPr>
+            <a:picLocks noChangeAspect="1"/>
+          </p:cNvPicPr>
+          <p:nvPr/>
+        </p:nvPicPr>
+        <p:blipFill>
+          <a:blip r:embed="rId2"/>
+          <a:stretch>
+            <a:fillRect/>
+          </a:stretch>
+        </p:blipFill>
+        <p:spPr>
+          <a:xfrm>
+            <a:off x="2226914" y="2242432"/>
+            <a:ext cx="2762392" cy="2927500"/>
+          </a:xfrm>
+          <a:prstGeom prst="rect">
+            <a:avLst/>
+          </a:prstGeom>
+        </p:spPr>
+      </p:pic>
+    </p:spTree>
+    <p:extLst>
+      <p:ext uri="{BB962C8B-B14F-4D97-AF65-F5344CB8AC3E}">
+        <p14:creationId xmlns:p14="http://schemas.microsoft.com/office/powerpoint/2010/main" val="14788536"/>
+      </p:ext>
+    </p:extLst>
+  </p:cSld>
+  <p:clrMapOvr>
+    <a:masterClrMapping/>
+  </p:clrMapOvr>
+</p:sld>
+</file>
+
+<file path=ppt/slides/slide24.xml><?xml version="1.0" encoding="utf-8"?>
+<p:sld xmlns:a="http://schemas.openxmlformats.org/drawingml/2006/main" xmlns:r="http://schemas.openxmlformats.org/officeDocument/2006/relationships" xmlns:p="http://schemas.openxmlformats.org/presentationml/2006/main">
+  <p:cSld>
+    <p:spTree>
+      <p:nvGrpSpPr>
+        <p:cNvPr id="1" name=""/>
+        <p:cNvGrpSpPr/>
+        <p:nvPr/>
+      </p:nvGrpSpPr>
+      <p:grpSpPr>
+        <a:xfrm>
+          <a:off x="0" y="0"/>
+          <a:ext cx="0" cy="0"/>
+          <a:chOff x="0" y="0"/>
+          <a:chExt cx="0" cy="0"/>
+        </a:xfrm>
+      </p:grpSpPr>
+      <p:sp>
+        <p:nvSpPr>
+          <p:cNvPr id="7" name="TextBox 6">
+            <a:extLst>
+              <a:ext uri="{FF2B5EF4-FFF2-40B4-BE49-F238E27FC236}">
+                <a16:creationId xmlns:a16="http://schemas.microsoft.com/office/drawing/2014/main" id="{5D125FF5-A4BE-F7D1-48A3-B299B2BD4C00}"/>
+              </a:ext>
+            </a:extLst>
+          </p:cNvPr>
+          <p:cNvSpPr txBox="1"/>
+          <p:nvPr/>
+        </p:nvSpPr>
+        <p:spPr>
+          <a:xfrm>
+            <a:off x="-1" y="98695"/>
+            <a:ext cx="12191999" cy="714234"/>
+          </a:xfrm>
+          <a:prstGeom prst="rect">
+            <a:avLst/>
+          </a:prstGeom>
+          <a:noFill/>
+        </p:spPr>
+        <p:txBody>
+          <a:bodyPr wrap="square">
+            <a:spAutoFit/>
+          </a:bodyPr>
+          <a:lstStyle/>
+          <a:p>
+            <a:pPr lvl="1">
+              <a:lnSpc>
+                <a:spcPct val="120000"/>
+              </a:lnSpc>
+              <a:buClr>
+                <a:srgbClr val="D41B2C"/>
+              </a:buClr>
+            </a:pPr>
+            <a:r>
+              <a:rPr lang="en-US" altLang="zh-CN" sz="3600" b="1" dirty="0" err="1"/>
+              <a:t>GBoosting</a:t>
+            </a:r>
+            <a:r>
+              <a:rPr lang="en-US" altLang="zh-CN" sz="3600" b="1" dirty="0"/>
+              <a:t> Classifier – Assess classification thresholds</a:t>
+            </a:r>
+          </a:p>
+        </p:txBody>
+      </p:sp>
+      <p:sp>
+        <p:nvSpPr>
+          <p:cNvPr id="11" name="Slide Number Placeholder 10">
+            <a:extLst>
+              <a:ext uri="{FF2B5EF4-FFF2-40B4-BE49-F238E27FC236}">
+                <a16:creationId xmlns:a16="http://schemas.microsoft.com/office/drawing/2014/main" id="{E4FAC7AA-BDB7-F7C0-F177-96942C945B33}"/>
+              </a:ext>
+            </a:extLst>
+          </p:cNvPr>
+          <p:cNvSpPr>
+            <a:spLocks noGrp="1"/>
+          </p:cNvSpPr>
+          <p:nvPr>
+            <p:ph type="sldNum" sz="quarter" idx="12"/>
+          </p:nvPr>
+        </p:nvSpPr>
+        <p:spPr/>
+        <p:txBody>
+          <a:bodyPr/>
+          <a:lstStyle/>
+          <a:p>
+            <a:fld id="{CD1615FA-664A-4E3E-8664-50FDFADF9207}" type="slidenum">
+              <a:rPr lang="zh-CN" altLang="en-US" smtClean="0"/>
+              <a:t>24</a:t>
+            </a:fld>
+            <a:endParaRPr lang="zh-CN" altLang="en-US"/>
+          </a:p>
+        </p:txBody>
+      </p:sp>
+      <p:sp>
+        <p:nvSpPr>
+          <p:cNvPr id="2" name="Flowchart: Process 1">
+            <a:extLst>
+              <a:ext uri="{FF2B5EF4-FFF2-40B4-BE49-F238E27FC236}">
+                <a16:creationId xmlns:a16="http://schemas.microsoft.com/office/drawing/2014/main" id="{8105CBB4-A62C-646D-028E-C22D78DFD5E9}"/>
+              </a:ext>
+            </a:extLst>
+          </p:cNvPr>
+          <p:cNvSpPr/>
+          <p:nvPr/>
+        </p:nvSpPr>
+        <p:spPr>
+          <a:xfrm flipV="1">
+            <a:off x="0" y="1046870"/>
+            <a:ext cx="12192000" cy="9144"/>
+          </a:xfrm>
+          <a:prstGeom prst="flowChartProcess">
+            <a:avLst/>
+          </a:prstGeom>
+          <a:solidFill>
+            <a:srgbClr val="D41B2C"/>
+          </a:solidFill>
+          <a:ln>
+            <a:noFill/>
+          </a:ln>
+        </p:spPr>
+        <p:style>
+          <a:lnRef idx="2">
+            <a:schemeClr val="accent1">
+              <a:shade val="15000"/>
+            </a:schemeClr>
+          </a:lnRef>
+          <a:fillRef idx="1">
+            <a:schemeClr val="accent1"/>
+          </a:fillRef>
+          <a:effectRef idx="0">
+            <a:schemeClr val="accent1"/>
+          </a:effectRef>
+          <a:fontRef idx="minor">
+            <a:schemeClr val="lt1"/>
+          </a:fontRef>
+        </p:style>
+        <p:txBody>
+          <a:bodyPr rtlCol="0" anchor="ctr"/>
+          <a:lstStyle/>
+          <a:p>
+            <a:pPr algn="ctr"/>
+            <a:endParaRPr lang="zh-CN" altLang="en-US"/>
+          </a:p>
+        </p:txBody>
+      </p:sp>
+      <p:sp>
+        <p:nvSpPr>
+          <p:cNvPr id="4" name="TextBox 3">
+            <a:extLst>
+              <a:ext uri="{FF2B5EF4-FFF2-40B4-BE49-F238E27FC236}">
+                <a16:creationId xmlns:a16="http://schemas.microsoft.com/office/drawing/2014/main" id="{9D18040C-32C7-18B1-9503-7077020AE38B}"/>
+              </a:ext>
+            </a:extLst>
+          </p:cNvPr>
+          <p:cNvSpPr txBox="1"/>
+          <p:nvPr/>
+        </p:nvSpPr>
+        <p:spPr>
+          <a:xfrm>
+            <a:off x="803017" y="5700674"/>
+            <a:ext cx="10191553" cy="735714"/>
+          </a:xfrm>
+          <a:prstGeom prst="rect">
+            <a:avLst/>
+          </a:prstGeom>
+          <a:noFill/>
+        </p:spPr>
+        <p:txBody>
+          <a:bodyPr wrap="square">
+            <a:spAutoFit/>
+          </a:bodyPr>
+          <a:lstStyle/>
+          <a:p>
+            <a:pPr marL="285750" indent="-285750">
+              <a:lnSpc>
+                <a:spcPct val="120000"/>
+              </a:lnSpc>
+              <a:buClr>
+                <a:srgbClr val="D41B2C"/>
+              </a:buClr>
+              <a:buFont typeface="Wingdings" panose="05000000000000000000" pitchFamily="2" charset="2"/>
+              <a:buChar char="n"/>
+            </a:pPr>
+            <a:r>
+              <a:rPr lang="en-US" altLang="zh-CN" dirty="0" err="1"/>
+              <a:t>best_threshold</a:t>
+            </a:r>
+            <a:r>
+              <a:rPr lang="en-US" altLang="zh-CN" dirty="0"/>
+              <a:t> = 0.13. Adjusting classification thresholds changes the matrix. The number of false positives increases. The </a:t>
+            </a:r>
+            <a:r>
+              <a:rPr lang="en-US" altLang="zh-CN" b="1" dirty="0"/>
+              <a:t>precision score</a:t>
+            </a:r>
+            <a:r>
+              <a:rPr lang="en-US" altLang="zh-CN" dirty="0"/>
+              <a:t> for class 1 is increased. </a:t>
+            </a:r>
+          </a:p>
+        </p:txBody>
+      </p:sp>
+      <p:pic>
+        <p:nvPicPr>
+          <p:cNvPr id="5" name="Picture 4">
+            <a:extLst>
+              <a:ext uri="{FF2B5EF4-FFF2-40B4-BE49-F238E27FC236}">
+                <a16:creationId xmlns:a16="http://schemas.microsoft.com/office/drawing/2014/main" id="{E8B9F9BC-7C98-244E-BAA3-027FEF74895A}"/>
+              </a:ext>
+            </a:extLst>
+          </p:cNvPr>
+          <p:cNvPicPr>
+            <a:picLocks noChangeAspect="1"/>
+          </p:cNvPicPr>
+          <p:nvPr/>
+        </p:nvPicPr>
+        <p:blipFill>
+          <a:blip r:embed="rId2"/>
+          <a:stretch>
+            <a:fillRect/>
+          </a:stretch>
+        </p:blipFill>
+        <p:spPr>
+          <a:xfrm>
+            <a:off x="536023" y="2669646"/>
+            <a:ext cx="3848298" cy="2933851"/>
+          </a:xfrm>
+          <a:prstGeom prst="rect">
+            <a:avLst/>
+          </a:prstGeom>
+        </p:spPr>
+      </p:pic>
+      <p:pic>
+        <p:nvPicPr>
+          <p:cNvPr id="8" name="Picture 7">
+            <a:extLst>
+              <a:ext uri="{FF2B5EF4-FFF2-40B4-BE49-F238E27FC236}">
+                <a16:creationId xmlns:a16="http://schemas.microsoft.com/office/drawing/2014/main" id="{13C42152-B313-595A-0E0C-658E366CD614}"/>
+              </a:ext>
+            </a:extLst>
+          </p:cNvPr>
+          <p:cNvPicPr>
+            <a:picLocks noChangeAspect="1"/>
+          </p:cNvPicPr>
+          <p:nvPr/>
+        </p:nvPicPr>
+        <p:blipFill>
+          <a:blip r:embed="rId3"/>
+          <a:stretch>
+            <a:fillRect/>
+          </a:stretch>
+        </p:blipFill>
+        <p:spPr>
+          <a:xfrm>
+            <a:off x="896557" y="1428279"/>
+            <a:ext cx="6001058" cy="692186"/>
+          </a:xfrm>
+          <a:prstGeom prst="rect">
+            <a:avLst/>
+          </a:prstGeom>
+        </p:spPr>
+      </p:pic>
+      <p:pic>
+        <p:nvPicPr>
+          <p:cNvPr id="10" name="Picture 9">
+            <a:extLst>
+              <a:ext uri="{FF2B5EF4-FFF2-40B4-BE49-F238E27FC236}">
+                <a16:creationId xmlns:a16="http://schemas.microsoft.com/office/drawing/2014/main" id="{49CB2157-C5CE-B3DC-D35A-530FA2656BF5}"/>
+              </a:ext>
+            </a:extLst>
+          </p:cNvPr>
+          <p:cNvPicPr>
+            <a:picLocks noChangeAspect="1"/>
+          </p:cNvPicPr>
+          <p:nvPr/>
+        </p:nvPicPr>
+        <p:blipFill>
+          <a:blip r:embed="rId4"/>
+          <a:stretch>
+            <a:fillRect/>
+          </a:stretch>
+        </p:blipFill>
+        <p:spPr>
+          <a:xfrm>
+            <a:off x="7924745" y="1162521"/>
+            <a:ext cx="2133710" cy="914447"/>
+          </a:xfrm>
+          <a:prstGeom prst="rect">
+            <a:avLst/>
+          </a:prstGeom>
+        </p:spPr>
+      </p:pic>
+      <p:pic>
+        <p:nvPicPr>
+          <p:cNvPr id="13" name="Picture 12">
+            <a:extLst>
+              <a:ext uri="{FF2B5EF4-FFF2-40B4-BE49-F238E27FC236}">
+                <a16:creationId xmlns:a16="http://schemas.microsoft.com/office/drawing/2014/main" id="{7CBB1006-A040-93A9-3115-52EFF20F894F}"/>
+              </a:ext>
+            </a:extLst>
+          </p:cNvPr>
+          <p:cNvPicPr>
+            <a:picLocks noChangeAspect="1"/>
+          </p:cNvPicPr>
+          <p:nvPr/>
+        </p:nvPicPr>
+        <p:blipFill>
+          <a:blip r:embed="rId5"/>
+          <a:stretch>
+            <a:fillRect/>
+          </a:stretch>
+        </p:blipFill>
+        <p:spPr>
+          <a:xfrm>
+            <a:off x="4462598" y="2449233"/>
+            <a:ext cx="3549832" cy="2946551"/>
+          </a:xfrm>
+          <a:prstGeom prst="rect">
+            <a:avLst/>
+          </a:prstGeom>
+        </p:spPr>
+      </p:pic>
+      <p:pic>
+        <p:nvPicPr>
+          <p:cNvPr id="15" name="Picture 14">
+            <a:extLst>
+              <a:ext uri="{FF2B5EF4-FFF2-40B4-BE49-F238E27FC236}">
+                <a16:creationId xmlns:a16="http://schemas.microsoft.com/office/drawing/2014/main" id="{DFCC3D5D-07C2-2CA0-4385-F6F730FD7093}"/>
+              </a:ext>
+            </a:extLst>
+          </p:cNvPr>
+          <p:cNvPicPr>
+            <a:picLocks noChangeAspect="1"/>
+          </p:cNvPicPr>
+          <p:nvPr/>
+        </p:nvPicPr>
+        <p:blipFill>
+          <a:blip r:embed="rId6"/>
+          <a:stretch>
+            <a:fillRect/>
+          </a:stretch>
+        </p:blipFill>
+        <p:spPr>
+          <a:xfrm>
+            <a:off x="8280363" y="2508113"/>
+            <a:ext cx="3556183" cy="2940201"/>
+          </a:xfrm>
+          <a:prstGeom prst="rect">
+            <a:avLst/>
+          </a:prstGeom>
+        </p:spPr>
+      </p:pic>
+    </p:spTree>
+    <p:extLst>
+      <p:ext uri="{BB962C8B-B14F-4D97-AF65-F5344CB8AC3E}">
+        <p14:creationId xmlns:p14="http://schemas.microsoft.com/office/powerpoint/2010/main" val="4179241708"/>
       </p:ext>
     </p:extLst>
   </p:cSld>
@@ -8776,12 +9150,8 @@
               </a:buClr>
             </a:pPr>
             <a:r>
-              <a:rPr lang="en-US" altLang="zh-CN" sz="3600" b="1" dirty="0" err="1"/>
-              <a:t>GBoosting</a:t>
-            </a:r>
-            <a:r>
               <a:rPr lang="en-US" altLang="zh-CN" sz="3600" b="1" dirty="0"/>
-              <a:t> Classifier – Performance on validation</a:t>
+              <a:t>Classifiers – Comparison</a:t>
             </a:r>
           </a:p>
         </p:txBody>
@@ -8881,8 +9251,8 @@
         </p:nvSpPr>
         <p:spPr>
           <a:xfrm>
-            <a:off x="651353" y="5537196"/>
-            <a:ext cx="10408706" cy="403316"/>
+            <a:off x="6348401" y="4363379"/>
+            <a:ext cx="5324096" cy="403316"/>
           </a:xfrm>
           <a:prstGeom prst="rect">
             <a:avLst/>
@@ -8926,162 +9296,12 @@
           </a:p>
         </p:txBody>
       </p:sp>
-      <p:pic>
-        <p:nvPicPr>
-          <p:cNvPr id="6" name="Picture 5">
-            <a:extLst>
-              <a:ext uri="{FF2B5EF4-FFF2-40B4-BE49-F238E27FC236}">
-                <a16:creationId xmlns:a16="http://schemas.microsoft.com/office/drawing/2014/main" id="{00F4FC39-BCE5-FB55-A7C5-FDBFD213E23D}"/>
-              </a:ext>
-            </a:extLst>
-          </p:cNvPr>
-          <p:cNvPicPr>
-            <a:picLocks noChangeAspect="1"/>
-          </p:cNvPicPr>
-          <p:nvPr/>
-        </p:nvPicPr>
-        <p:blipFill>
-          <a:blip r:embed="rId2"/>
-          <a:stretch>
-            <a:fillRect/>
-          </a:stretch>
-        </p:blipFill>
-        <p:spPr>
-          <a:xfrm>
-            <a:off x="3082770" y="1385645"/>
-            <a:ext cx="6026460" cy="603281"/>
-          </a:xfrm>
-          <a:prstGeom prst="rect">
-            <a:avLst/>
-          </a:prstGeom>
-        </p:spPr>
-      </p:pic>
-      <p:pic>
-        <p:nvPicPr>
-          <p:cNvPr id="10" name="Picture 9">
-            <a:extLst>
-              <a:ext uri="{FF2B5EF4-FFF2-40B4-BE49-F238E27FC236}">
-                <a16:creationId xmlns:a16="http://schemas.microsoft.com/office/drawing/2014/main" id="{D50EE16E-52C7-F24D-0D17-CCA80A8C2172}"/>
-              </a:ext>
-            </a:extLst>
-          </p:cNvPr>
-          <p:cNvPicPr>
-            <a:picLocks noChangeAspect="1"/>
-          </p:cNvPicPr>
-          <p:nvPr/>
-        </p:nvPicPr>
-        <p:blipFill>
-          <a:blip r:embed="rId3"/>
-          <a:stretch>
-            <a:fillRect/>
-          </a:stretch>
-        </p:blipFill>
-        <p:spPr>
-          <a:xfrm>
-            <a:off x="1044413" y="2986834"/>
-            <a:ext cx="2070206" cy="946199"/>
-          </a:xfrm>
-          <a:prstGeom prst="rect">
-            <a:avLst/>
-          </a:prstGeom>
-        </p:spPr>
-      </p:pic>
-      <p:pic>
-        <p:nvPicPr>
-          <p:cNvPr id="15" name="Picture 14">
-            <a:extLst>
-              <a:ext uri="{FF2B5EF4-FFF2-40B4-BE49-F238E27FC236}">
-                <a16:creationId xmlns:a16="http://schemas.microsoft.com/office/drawing/2014/main" id="{6D3AB649-38C3-D82D-E1CF-A9580751A5AE}"/>
-              </a:ext>
-            </a:extLst>
-          </p:cNvPr>
-          <p:cNvPicPr>
-            <a:picLocks noChangeAspect="1"/>
-          </p:cNvPicPr>
-          <p:nvPr/>
-        </p:nvPicPr>
-        <p:blipFill>
-          <a:blip r:embed="rId4"/>
-          <a:stretch>
-            <a:fillRect/>
-          </a:stretch>
-        </p:blipFill>
-        <p:spPr>
-          <a:xfrm>
-            <a:off x="3736431" y="2223381"/>
-            <a:ext cx="3543482" cy="2965602"/>
-          </a:xfrm>
-          <a:prstGeom prst="rect">
-            <a:avLst/>
-          </a:prstGeom>
-        </p:spPr>
-      </p:pic>
-      <p:pic>
-        <p:nvPicPr>
-          <p:cNvPr id="17" name="Picture 16">
-            <a:extLst>
-              <a:ext uri="{FF2B5EF4-FFF2-40B4-BE49-F238E27FC236}">
-                <a16:creationId xmlns:a16="http://schemas.microsoft.com/office/drawing/2014/main" id="{99A4BD16-ABFD-1722-5C07-D992EBF2709D}"/>
-              </a:ext>
-            </a:extLst>
-          </p:cNvPr>
-          <p:cNvPicPr>
-            <a:picLocks noChangeAspect="1"/>
-          </p:cNvPicPr>
-          <p:nvPr/>
-        </p:nvPicPr>
-        <p:blipFill>
-          <a:blip r:embed="rId5"/>
-          <a:stretch>
-            <a:fillRect/>
-          </a:stretch>
-        </p:blipFill>
-        <p:spPr>
-          <a:xfrm>
-            <a:off x="7591404" y="2142240"/>
-            <a:ext cx="3556183" cy="2933851"/>
-          </a:xfrm>
-          <a:prstGeom prst="rect">
-            <a:avLst/>
-          </a:prstGeom>
-        </p:spPr>
-      </p:pic>
-    </p:spTree>
-    <p:extLst>
-      <p:ext uri="{BB962C8B-B14F-4D97-AF65-F5344CB8AC3E}">
-        <p14:creationId xmlns:p14="http://schemas.microsoft.com/office/powerpoint/2010/main" val="607796373"/>
-      </p:ext>
-    </p:extLst>
-  </p:cSld>
-  <p:clrMapOvr>
-    <a:masterClrMapping/>
-  </p:clrMapOvr>
-</p:sld>
-</file>
-
-<file path=ppt/slides/slide26.xml><?xml version="1.0" encoding="utf-8"?>
-<p:sld xmlns:a="http://schemas.openxmlformats.org/drawingml/2006/main" xmlns:r="http://schemas.openxmlformats.org/officeDocument/2006/relationships" xmlns:p="http://schemas.openxmlformats.org/presentationml/2006/main">
-  <p:cSld>
-    <p:spTree>
-      <p:nvGrpSpPr>
-        <p:cNvPr id="1" name=""/>
-        <p:cNvGrpSpPr/>
-        <p:nvPr/>
-      </p:nvGrpSpPr>
-      <p:grpSpPr>
-        <a:xfrm>
-          <a:off x="0" y="0"/>
-          <a:ext cx="0" cy="0"/>
-          <a:chOff x="0" y="0"/>
-          <a:chExt cx="0" cy="0"/>
-        </a:xfrm>
-      </p:grpSpPr>
-      <p:sp>
-        <p:nvSpPr>
-          <p:cNvPr id="7" name="TextBox 6">
-            <a:extLst>
-              <a:ext uri="{FF2B5EF4-FFF2-40B4-BE49-F238E27FC236}">
-                <a16:creationId xmlns:a16="http://schemas.microsoft.com/office/drawing/2014/main" id="{5D125FF5-A4BE-F7D1-48A3-B299B2BD4C00}"/>
+      <p:sp>
+        <p:nvSpPr>
+          <p:cNvPr id="23" name="TextBox 22">
+            <a:extLst>
+              <a:ext uri="{FF2B5EF4-FFF2-40B4-BE49-F238E27FC236}">
+                <a16:creationId xmlns:a16="http://schemas.microsoft.com/office/drawing/2014/main" id="{742B14A2-D146-B892-E3CD-390FF76507ED}"/>
               </a:ext>
             </a:extLst>
           </p:cNvPr>
@@ -9090,925 +9310,8 @@
         </p:nvSpPr>
         <p:spPr>
           <a:xfrm>
-            <a:off x="0" y="98695"/>
-            <a:ext cx="12192000" cy="714234"/>
-          </a:xfrm>
-          <a:prstGeom prst="rect">
-            <a:avLst/>
-          </a:prstGeom>
-          <a:noFill/>
-        </p:spPr>
-        <p:txBody>
-          <a:bodyPr wrap="square">
-            <a:spAutoFit/>
-          </a:bodyPr>
-          <a:lstStyle/>
-          <a:p>
-            <a:pPr lvl="1">
-              <a:lnSpc>
-                <a:spcPct val="120000"/>
-              </a:lnSpc>
-              <a:buClr>
-                <a:srgbClr val="D41B2C"/>
-              </a:buClr>
-            </a:pPr>
-            <a:r>
-              <a:rPr lang="en-US" altLang="zh-CN" sz="3600" b="1" dirty="0" err="1"/>
-              <a:t>GBoosting</a:t>
-            </a:r>
-            <a:r>
-              <a:rPr lang="en-US" altLang="zh-CN" sz="3600" b="1" dirty="0"/>
-              <a:t> Classifier – Permutation Feature Importance</a:t>
-            </a:r>
-          </a:p>
-        </p:txBody>
-      </p:sp>
-      <p:sp>
-        <p:nvSpPr>
-          <p:cNvPr id="11" name="Slide Number Placeholder 10">
-            <a:extLst>
-              <a:ext uri="{FF2B5EF4-FFF2-40B4-BE49-F238E27FC236}">
-                <a16:creationId xmlns:a16="http://schemas.microsoft.com/office/drawing/2014/main" id="{E4FAC7AA-BDB7-F7C0-F177-96942C945B33}"/>
-              </a:ext>
-            </a:extLst>
-          </p:cNvPr>
-          <p:cNvSpPr>
-            <a:spLocks noGrp="1"/>
-          </p:cNvSpPr>
-          <p:nvPr>
-            <p:ph type="sldNum" sz="quarter" idx="12"/>
-          </p:nvPr>
-        </p:nvSpPr>
-        <p:spPr/>
-        <p:txBody>
-          <a:bodyPr/>
-          <a:lstStyle/>
-          <a:p>
-            <a:fld id="{CD1615FA-664A-4E3E-8664-50FDFADF9207}" type="slidenum">
-              <a:rPr lang="zh-CN" altLang="en-US" smtClean="0"/>
-              <a:t>26</a:t>
-            </a:fld>
-            <a:endParaRPr lang="zh-CN" altLang="en-US"/>
-          </a:p>
-        </p:txBody>
-      </p:sp>
-      <p:sp>
-        <p:nvSpPr>
-          <p:cNvPr id="2" name="Flowchart: Process 1">
-            <a:extLst>
-              <a:ext uri="{FF2B5EF4-FFF2-40B4-BE49-F238E27FC236}">
-                <a16:creationId xmlns:a16="http://schemas.microsoft.com/office/drawing/2014/main" id="{8105CBB4-A62C-646D-028E-C22D78DFD5E9}"/>
-              </a:ext>
-            </a:extLst>
-          </p:cNvPr>
-          <p:cNvSpPr/>
-          <p:nvPr/>
-        </p:nvSpPr>
-        <p:spPr>
-          <a:xfrm flipV="1">
-            <a:off x="0" y="1046870"/>
-            <a:ext cx="12192000" cy="9144"/>
-          </a:xfrm>
-          <a:prstGeom prst="flowChartProcess">
-            <a:avLst/>
-          </a:prstGeom>
-          <a:solidFill>
-            <a:srgbClr val="D41B2C"/>
-          </a:solidFill>
-          <a:ln>
-            <a:noFill/>
-          </a:ln>
-        </p:spPr>
-        <p:style>
-          <a:lnRef idx="2">
-            <a:schemeClr val="accent1">
-              <a:shade val="15000"/>
-            </a:schemeClr>
-          </a:lnRef>
-          <a:fillRef idx="1">
-            <a:schemeClr val="accent1"/>
-          </a:fillRef>
-          <a:effectRef idx="0">
-            <a:schemeClr val="accent1"/>
-          </a:effectRef>
-          <a:fontRef idx="minor">
-            <a:schemeClr val="lt1"/>
-          </a:fontRef>
-        </p:style>
-        <p:txBody>
-          <a:bodyPr rtlCol="0" anchor="ctr"/>
-          <a:lstStyle/>
-          <a:p>
-            <a:pPr algn="ctr"/>
-            <a:endParaRPr lang="zh-CN" altLang="en-US"/>
-          </a:p>
-        </p:txBody>
-      </p:sp>
-      <p:sp>
-        <p:nvSpPr>
-          <p:cNvPr id="3" name="TextBox 2">
-            <a:extLst>
-              <a:ext uri="{FF2B5EF4-FFF2-40B4-BE49-F238E27FC236}">
-                <a16:creationId xmlns:a16="http://schemas.microsoft.com/office/drawing/2014/main" id="{8A6A4A29-B78B-572F-F77F-B089D000A440}"/>
-              </a:ext>
-            </a:extLst>
-          </p:cNvPr>
-          <p:cNvSpPr txBox="1"/>
-          <p:nvPr/>
-        </p:nvSpPr>
-        <p:spPr>
-          <a:xfrm>
-            <a:off x="6270481" y="1631852"/>
-            <a:ext cx="5083319" cy="403316"/>
-          </a:xfrm>
-          <a:prstGeom prst="rect">
-            <a:avLst/>
-          </a:prstGeom>
-          <a:noFill/>
-        </p:spPr>
-        <p:txBody>
-          <a:bodyPr wrap="square">
-            <a:spAutoFit/>
-          </a:bodyPr>
-          <a:lstStyle/>
-          <a:p>
-            <a:pPr marL="285750" indent="-285750">
-              <a:lnSpc>
-                <a:spcPct val="120000"/>
-              </a:lnSpc>
-              <a:buClr>
-                <a:srgbClr val="D41B2C"/>
-              </a:buClr>
-              <a:buFont typeface="Wingdings" panose="05000000000000000000" pitchFamily="2" charset="2"/>
-              <a:buChar char="n"/>
-            </a:pPr>
-            <a:r>
-              <a:rPr lang="en-US" altLang="zh-CN" dirty="0"/>
-              <a:t>This is a list of the most significant attributes.</a:t>
-            </a:r>
-          </a:p>
-        </p:txBody>
-      </p:sp>
-      <p:pic>
-        <p:nvPicPr>
-          <p:cNvPr id="8" name="Picture 7">
-            <a:extLst>
-              <a:ext uri="{FF2B5EF4-FFF2-40B4-BE49-F238E27FC236}">
-                <a16:creationId xmlns:a16="http://schemas.microsoft.com/office/drawing/2014/main" id="{D7CE127C-FE1C-EF32-1BA0-BA051904F4F1}"/>
-              </a:ext>
-            </a:extLst>
-          </p:cNvPr>
-          <p:cNvPicPr>
-            <a:picLocks noChangeAspect="1"/>
-          </p:cNvPicPr>
-          <p:nvPr/>
-        </p:nvPicPr>
-        <p:blipFill>
-          <a:blip r:embed="rId2"/>
-          <a:stretch>
-            <a:fillRect/>
-          </a:stretch>
-        </p:blipFill>
-        <p:spPr>
-          <a:xfrm>
-            <a:off x="1133404" y="2242432"/>
-            <a:ext cx="2762392" cy="2927500"/>
-          </a:xfrm>
-          <a:prstGeom prst="rect">
-            <a:avLst/>
-          </a:prstGeom>
-        </p:spPr>
-      </p:pic>
-    </p:spTree>
-    <p:extLst>
-      <p:ext uri="{BB962C8B-B14F-4D97-AF65-F5344CB8AC3E}">
-        <p14:creationId xmlns:p14="http://schemas.microsoft.com/office/powerpoint/2010/main" val="14788536"/>
-      </p:ext>
-    </p:extLst>
-  </p:cSld>
-  <p:clrMapOvr>
-    <a:masterClrMapping/>
-  </p:clrMapOvr>
-</p:sld>
-</file>
-
-<file path=ppt/slides/slide27.xml><?xml version="1.0" encoding="utf-8"?>
-<p:sld xmlns:a="http://schemas.openxmlformats.org/drawingml/2006/main" xmlns:r="http://schemas.openxmlformats.org/officeDocument/2006/relationships" xmlns:p="http://schemas.openxmlformats.org/presentationml/2006/main">
-  <p:cSld>
-    <p:spTree>
-      <p:nvGrpSpPr>
-        <p:cNvPr id="1" name=""/>
-        <p:cNvGrpSpPr/>
-        <p:nvPr/>
-      </p:nvGrpSpPr>
-      <p:grpSpPr>
-        <a:xfrm>
-          <a:off x="0" y="0"/>
-          <a:ext cx="0" cy="0"/>
-          <a:chOff x="0" y="0"/>
-          <a:chExt cx="0" cy="0"/>
-        </a:xfrm>
-      </p:grpSpPr>
-      <p:sp>
-        <p:nvSpPr>
-          <p:cNvPr id="7" name="TextBox 6">
-            <a:extLst>
-              <a:ext uri="{FF2B5EF4-FFF2-40B4-BE49-F238E27FC236}">
-                <a16:creationId xmlns:a16="http://schemas.microsoft.com/office/drawing/2014/main" id="{5D125FF5-A4BE-F7D1-48A3-B299B2BD4C00}"/>
-              </a:ext>
-            </a:extLst>
-          </p:cNvPr>
-          <p:cNvSpPr txBox="1"/>
-          <p:nvPr/>
-        </p:nvSpPr>
-        <p:spPr>
-          <a:xfrm>
-            <a:off x="-1" y="98695"/>
-            <a:ext cx="12191999" cy="714234"/>
-          </a:xfrm>
-          <a:prstGeom prst="rect">
-            <a:avLst/>
-          </a:prstGeom>
-          <a:noFill/>
-        </p:spPr>
-        <p:txBody>
-          <a:bodyPr wrap="square">
-            <a:spAutoFit/>
-          </a:bodyPr>
-          <a:lstStyle/>
-          <a:p>
-            <a:pPr lvl="1">
-              <a:lnSpc>
-                <a:spcPct val="120000"/>
-              </a:lnSpc>
-              <a:buClr>
-                <a:srgbClr val="D41B2C"/>
-              </a:buClr>
-            </a:pPr>
-            <a:r>
-              <a:rPr lang="en-US" altLang="zh-CN" sz="3600" b="1" dirty="0" err="1"/>
-              <a:t>GBoosting</a:t>
-            </a:r>
-            <a:r>
-              <a:rPr lang="en-US" altLang="zh-CN" sz="3600" b="1" dirty="0"/>
-              <a:t> Classifier – False Discoveries</a:t>
-            </a:r>
-          </a:p>
-        </p:txBody>
-      </p:sp>
-      <p:sp>
-        <p:nvSpPr>
-          <p:cNvPr id="11" name="Slide Number Placeholder 10">
-            <a:extLst>
-              <a:ext uri="{FF2B5EF4-FFF2-40B4-BE49-F238E27FC236}">
-                <a16:creationId xmlns:a16="http://schemas.microsoft.com/office/drawing/2014/main" id="{E4FAC7AA-BDB7-F7C0-F177-96942C945B33}"/>
-              </a:ext>
-            </a:extLst>
-          </p:cNvPr>
-          <p:cNvSpPr>
-            <a:spLocks noGrp="1"/>
-          </p:cNvSpPr>
-          <p:nvPr>
-            <p:ph type="sldNum" sz="quarter" idx="12"/>
-          </p:nvPr>
-        </p:nvSpPr>
-        <p:spPr/>
-        <p:txBody>
-          <a:bodyPr/>
-          <a:lstStyle/>
-          <a:p>
-            <a:fld id="{CD1615FA-664A-4E3E-8664-50FDFADF9207}" type="slidenum">
-              <a:rPr lang="zh-CN" altLang="en-US" smtClean="0"/>
-              <a:t>27</a:t>
-            </a:fld>
-            <a:endParaRPr lang="zh-CN" altLang="en-US"/>
-          </a:p>
-        </p:txBody>
-      </p:sp>
-      <p:sp>
-        <p:nvSpPr>
-          <p:cNvPr id="2" name="Flowchart: Process 1">
-            <a:extLst>
-              <a:ext uri="{FF2B5EF4-FFF2-40B4-BE49-F238E27FC236}">
-                <a16:creationId xmlns:a16="http://schemas.microsoft.com/office/drawing/2014/main" id="{8105CBB4-A62C-646D-028E-C22D78DFD5E9}"/>
-              </a:ext>
-            </a:extLst>
-          </p:cNvPr>
-          <p:cNvSpPr/>
-          <p:nvPr/>
-        </p:nvSpPr>
-        <p:spPr>
-          <a:xfrm flipV="1">
-            <a:off x="0" y="1046870"/>
-            <a:ext cx="12192000" cy="9144"/>
-          </a:xfrm>
-          <a:prstGeom prst="flowChartProcess">
-            <a:avLst/>
-          </a:prstGeom>
-          <a:solidFill>
-            <a:srgbClr val="D41B2C"/>
-          </a:solidFill>
-          <a:ln>
-            <a:noFill/>
-          </a:ln>
-        </p:spPr>
-        <p:style>
-          <a:lnRef idx="2">
-            <a:schemeClr val="accent1">
-              <a:shade val="15000"/>
-            </a:schemeClr>
-          </a:lnRef>
-          <a:fillRef idx="1">
-            <a:schemeClr val="accent1"/>
-          </a:fillRef>
-          <a:effectRef idx="0">
-            <a:schemeClr val="accent1"/>
-          </a:effectRef>
-          <a:fontRef idx="minor">
-            <a:schemeClr val="lt1"/>
-          </a:fontRef>
-        </p:style>
-        <p:txBody>
-          <a:bodyPr rtlCol="0" anchor="ctr"/>
-          <a:lstStyle/>
-          <a:p>
-            <a:pPr algn="ctr"/>
-            <a:endParaRPr lang="zh-CN" altLang="en-US"/>
-          </a:p>
-        </p:txBody>
-      </p:sp>
-      <p:sp>
-        <p:nvSpPr>
-          <p:cNvPr id="4" name="TextBox 3">
-            <a:extLst>
-              <a:ext uri="{FF2B5EF4-FFF2-40B4-BE49-F238E27FC236}">
-                <a16:creationId xmlns:a16="http://schemas.microsoft.com/office/drawing/2014/main" id="{9D18040C-32C7-18B1-9503-7077020AE38B}"/>
-              </a:ext>
-            </a:extLst>
-          </p:cNvPr>
-          <p:cNvSpPr txBox="1"/>
-          <p:nvPr/>
-        </p:nvSpPr>
-        <p:spPr>
-          <a:xfrm>
-            <a:off x="803018" y="5700674"/>
-            <a:ext cx="2336738" cy="403316"/>
-          </a:xfrm>
-          <a:prstGeom prst="rect">
-            <a:avLst/>
-          </a:prstGeom>
-          <a:noFill/>
-        </p:spPr>
-        <p:txBody>
-          <a:bodyPr wrap="square">
-            <a:spAutoFit/>
-          </a:bodyPr>
-          <a:lstStyle/>
-          <a:p>
-            <a:pPr marL="285750" indent="-285750">
-              <a:lnSpc>
-                <a:spcPct val="120000"/>
-              </a:lnSpc>
-              <a:buClr>
-                <a:srgbClr val="D41B2C"/>
-              </a:buClr>
-              <a:buFont typeface="Wingdings" panose="05000000000000000000" pitchFamily="2" charset="2"/>
-              <a:buChar char="n"/>
-            </a:pPr>
-            <a:r>
-              <a:rPr lang="en-US" altLang="zh-CN" dirty="0"/>
-              <a:t>Todo</a:t>
-            </a:r>
-          </a:p>
-        </p:txBody>
-      </p:sp>
-    </p:spTree>
-    <p:extLst>
-      <p:ext uri="{BB962C8B-B14F-4D97-AF65-F5344CB8AC3E}">
-        <p14:creationId xmlns:p14="http://schemas.microsoft.com/office/powerpoint/2010/main" val="2332869801"/>
-      </p:ext>
-    </p:extLst>
-  </p:cSld>
-  <p:clrMapOvr>
-    <a:masterClrMapping/>
-  </p:clrMapOvr>
-</p:sld>
-</file>
-
-<file path=ppt/slides/slide28.xml><?xml version="1.0" encoding="utf-8"?>
-<p:sld xmlns:a="http://schemas.openxmlformats.org/drawingml/2006/main" xmlns:r="http://schemas.openxmlformats.org/officeDocument/2006/relationships" xmlns:p="http://schemas.openxmlformats.org/presentationml/2006/main">
-  <p:cSld>
-    <p:spTree>
-      <p:nvGrpSpPr>
-        <p:cNvPr id="1" name=""/>
-        <p:cNvGrpSpPr/>
-        <p:nvPr/>
-      </p:nvGrpSpPr>
-      <p:grpSpPr>
-        <a:xfrm>
-          <a:off x="0" y="0"/>
-          <a:ext cx="0" cy="0"/>
-          <a:chOff x="0" y="0"/>
-          <a:chExt cx="0" cy="0"/>
-        </a:xfrm>
-      </p:grpSpPr>
-      <p:sp>
-        <p:nvSpPr>
-          <p:cNvPr id="7" name="TextBox 6">
-            <a:extLst>
-              <a:ext uri="{FF2B5EF4-FFF2-40B4-BE49-F238E27FC236}">
-                <a16:creationId xmlns:a16="http://schemas.microsoft.com/office/drawing/2014/main" id="{5D125FF5-A4BE-F7D1-48A3-B299B2BD4C00}"/>
-              </a:ext>
-            </a:extLst>
-          </p:cNvPr>
-          <p:cNvSpPr txBox="1"/>
-          <p:nvPr/>
-        </p:nvSpPr>
-        <p:spPr>
-          <a:xfrm>
-            <a:off x="-1" y="98695"/>
-            <a:ext cx="12191999" cy="714234"/>
-          </a:xfrm>
-          <a:prstGeom prst="rect">
-            <a:avLst/>
-          </a:prstGeom>
-          <a:noFill/>
-        </p:spPr>
-        <p:txBody>
-          <a:bodyPr wrap="square">
-            <a:spAutoFit/>
-          </a:bodyPr>
-          <a:lstStyle/>
-          <a:p>
-            <a:pPr lvl="1">
-              <a:lnSpc>
-                <a:spcPct val="120000"/>
-              </a:lnSpc>
-              <a:buClr>
-                <a:srgbClr val="D41B2C"/>
-              </a:buClr>
-            </a:pPr>
-            <a:r>
-              <a:rPr lang="en-US" altLang="zh-CN" sz="3600" b="1" dirty="0" err="1"/>
-              <a:t>GBoosting</a:t>
-            </a:r>
-            <a:r>
-              <a:rPr lang="en-US" altLang="zh-CN" sz="3600" b="1" dirty="0"/>
-              <a:t> Classifier – Assess classification thresholds</a:t>
-            </a:r>
-          </a:p>
-        </p:txBody>
-      </p:sp>
-      <p:sp>
-        <p:nvSpPr>
-          <p:cNvPr id="11" name="Slide Number Placeholder 10">
-            <a:extLst>
-              <a:ext uri="{FF2B5EF4-FFF2-40B4-BE49-F238E27FC236}">
-                <a16:creationId xmlns:a16="http://schemas.microsoft.com/office/drawing/2014/main" id="{E4FAC7AA-BDB7-F7C0-F177-96942C945B33}"/>
-              </a:ext>
-            </a:extLst>
-          </p:cNvPr>
-          <p:cNvSpPr>
-            <a:spLocks noGrp="1"/>
-          </p:cNvSpPr>
-          <p:nvPr>
-            <p:ph type="sldNum" sz="quarter" idx="12"/>
-          </p:nvPr>
-        </p:nvSpPr>
-        <p:spPr/>
-        <p:txBody>
-          <a:bodyPr/>
-          <a:lstStyle/>
-          <a:p>
-            <a:fld id="{CD1615FA-664A-4E3E-8664-50FDFADF9207}" type="slidenum">
-              <a:rPr lang="zh-CN" altLang="en-US" smtClean="0"/>
-              <a:t>28</a:t>
-            </a:fld>
-            <a:endParaRPr lang="zh-CN" altLang="en-US"/>
-          </a:p>
-        </p:txBody>
-      </p:sp>
-      <p:sp>
-        <p:nvSpPr>
-          <p:cNvPr id="2" name="Flowchart: Process 1">
-            <a:extLst>
-              <a:ext uri="{FF2B5EF4-FFF2-40B4-BE49-F238E27FC236}">
-                <a16:creationId xmlns:a16="http://schemas.microsoft.com/office/drawing/2014/main" id="{8105CBB4-A62C-646D-028E-C22D78DFD5E9}"/>
-              </a:ext>
-            </a:extLst>
-          </p:cNvPr>
-          <p:cNvSpPr/>
-          <p:nvPr/>
-        </p:nvSpPr>
-        <p:spPr>
-          <a:xfrm flipV="1">
-            <a:off x="0" y="1046870"/>
-            <a:ext cx="12192000" cy="9144"/>
-          </a:xfrm>
-          <a:prstGeom prst="flowChartProcess">
-            <a:avLst/>
-          </a:prstGeom>
-          <a:solidFill>
-            <a:srgbClr val="D41B2C"/>
-          </a:solidFill>
-          <a:ln>
-            <a:noFill/>
-          </a:ln>
-        </p:spPr>
-        <p:style>
-          <a:lnRef idx="2">
-            <a:schemeClr val="accent1">
-              <a:shade val="15000"/>
-            </a:schemeClr>
-          </a:lnRef>
-          <a:fillRef idx="1">
-            <a:schemeClr val="accent1"/>
-          </a:fillRef>
-          <a:effectRef idx="0">
-            <a:schemeClr val="accent1"/>
-          </a:effectRef>
-          <a:fontRef idx="minor">
-            <a:schemeClr val="lt1"/>
-          </a:fontRef>
-        </p:style>
-        <p:txBody>
-          <a:bodyPr rtlCol="0" anchor="ctr"/>
-          <a:lstStyle/>
-          <a:p>
-            <a:pPr algn="ctr"/>
-            <a:endParaRPr lang="zh-CN" altLang="en-US"/>
-          </a:p>
-        </p:txBody>
-      </p:sp>
-      <p:sp>
-        <p:nvSpPr>
-          <p:cNvPr id="4" name="TextBox 3">
-            <a:extLst>
-              <a:ext uri="{FF2B5EF4-FFF2-40B4-BE49-F238E27FC236}">
-                <a16:creationId xmlns:a16="http://schemas.microsoft.com/office/drawing/2014/main" id="{9D18040C-32C7-18B1-9503-7077020AE38B}"/>
-              </a:ext>
-            </a:extLst>
-          </p:cNvPr>
-          <p:cNvSpPr txBox="1"/>
-          <p:nvPr/>
-        </p:nvSpPr>
-        <p:spPr>
-          <a:xfrm>
-            <a:off x="803017" y="5700674"/>
-            <a:ext cx="10191553" cy="403316"/>
-          </a:xfrm>
-          <a:prstGeom prst="rect">
-            <a:avLst/>
-          </a:prstGeom>
-          <a:noFill/>
-        </p:spPr>
-        <p:txBody>
-          <a:bodyPr wrap="square">
-            <a:spAutoFit/>
-          </a:bodyPr>
-          <a:lstStyle/>
-          <a:p>
-            <a:pPr marL="285750" indent="-285750">
-              <a:lnSpc>
-                <a:spcPct val="120000"/>
-              </a:lnSpc>
-              <a:buClr>
-                <a:srgbClr val="D41B2C"/>
-              </a:buClr>
-              <a:buFont typeface="Wingdings" panose="05000000000000000000" pitchFamily="2" charset="2"/>
-              <a:buChar char="n"/>
-            </a:pPr>
-            <a:r>
-              <a:rPr lang="en-US" altLang="zh-CN" dirty="0" err="1"/>
-              <a:t>best_threshold</a:t>
-            </a:r>
-            <a:r>
-              <a:rPr lang="en-US" altLang="zh-CN" dirty="0"/>
-              <a:t> = 0.13</a:t>
-            </a:r>
-          </a:p>
-        </p:txBody>
-      </p:sp>
-      <p:pic>
-        <p:nvPicPr>
-          <p:cNvPr id="5" name="Picture 4">
-            <a:extLst>
-              <a:ext uri="{FF2B5EF4-FFF2-40B4-BE49-F238E27FC236}">
-                <a16:creationId xmlns:a16="http://schemas.microsoft.com/office/drawing/2014/main" id="{E8B9F9BC-7C98-244E-BAA3-027FEF74895A}"/>
-              </a:ext>
-            </a:extLst>
-          </p:cNvPr>
-          <p:cNvPicPr>
-            <a:picLocks noChangeAspect="1"/>
-          </p:cNvPicPr>
-          <p:nvPr/>
-        </p:nvPicPr>
-        <p:blipFill>
-          <a:blip r:embed="rId2"/>
-          <a:stretch>
-            <a:fillRect/>
-          </a:stretch>
-        </p:blipFill>
-        <p:spPr>
-          <a:xfrm>
-            <a:off x="536023" y="2669646"/>
-            <a:ext cx="3848298" cy="2933851"/>
-          </a:xfrm>
-          <a:prstGeom prst="rect">
-            <a:avLst/>
-          </a:prstGeom>
-        </p:spPr>
-      </p:pic>
-      <p:pic>
-        <p:nvPicPr>
-          <p:cNvPr id="8" name="Picture 7">
-            <a:extLst>
-              <a:ext uri="{FF2B5EF4-FFF2-40B4-BE49-F238E27FC236}">
-                <a16:creationId xmlns:a16="http://schemas.microsoft.com/office/drawing/2014/main" id="{13C42152-B313-595A-0E0C-658E366CD614}"/>
-              </a:ext>
-            </a:extLst>
-          </p:cNvPr>
-          <p:cNvPicPr>
-            <a:picLocks noChangeAspect="1"/>
-          </p:cNvPicPr>
-          <p:nvPr/>
-        </p:nvPicPr>
-        <p:blipFill>
-          <a:blip r:embed="rId3"/>
-          <a:stretch>
-            <a:fillRect/>
-          </a:stretch>
-        </p:blipFill>
-        <p:spPr>
-          <a:xfrm>
-            <a:off x="896557" y="1428279"/>
-            <a:ext cx="6001058" cy="692186"/>
-          </a:xfrm>
-          <a:prstGeom prst="rect">
-            <a:avLst/>
-          </a:prstGeom>
-        </p:spPr>
-      </p:pic>
-      <p:pic>
-        <p:nvPicPr>
-          <p:cNvPr id="10" name="Picture 9">
-            <a:extLst>
-              <a:ext uri="{FF2B5EF4-FFF2-40B4-BE49-F238E27FC236}">
-                <a16:creationId xmlns:a16="http://schemas.microsoft.com/office/drawing/2014/main" id="{49CB2157-C5CE-B3DC-D35A-530FA2656BF5}"/>
-              </a:ext>
-            </a:extLst>
-          </p:cNvPr>
-          <p:cNvPicPr>
-            <a:picLocks noChangeAspect="1"/>
-          </p:cNvPicPr>
-          <p:nvPr/>
-        </p:nvPicPr>
-        <p:blipFill>
-          <a:blip r:embed="rId4"/>
-          <a:stretch>
-            <a:fillRect/>
-          </a:stretch>
-        </p:blipFill>
-        <p:spPr>
-          <a:xfrm>
-            <a:off x="7924745" y="1162521"/>
-            <a:ext cx="2133710" cy="914447"/>
-          </a:xfrm>
-          <a:prstGeom prst="rect">
-            <a:avLst/>
-          </a:prstGeom>
-        </p:spPr>
-      </p:pic>
-      <p:pic>
-        <p:nvPicPr>
-          <p:cNvPr id="13" name="Picture 12">
-            <a:extLst>
-              <a:ext uri="{FF2B5EF4-FFF2-40B4-BE49-F238E27FC236}">
-                <a16:creationId xmlns:a16="http://schemas.microsoft.com/office/drawing/2014/main" id="{7CBB1006-A040-93A9-3115-52EFF20F894F}"/>
-              </a:ext>
-            </a:extLst>
-          </p:cNvPr>
-          <p:cNvPicPr>
-            <a:picLocks noChangeAspect="1"/>
-          </p:cNvPicPr>
-          <p:nvPr/>
-        </p:nvPicPr>
-        <p:blipFill>
-          <a:blip r:embed="rId5"/>
-          <a:stretch>
-            <a:fillRect/>
-          </a:stretch>
-        </p:blipFill>
-        <p:spPr>
-          <a:xfrm>
-            <a:off x="4462598" y="2449233"/>
-            <a:ext cx="3549832" cy="2946551"/>
-          </a:xfrm>
-          <a:prstGeom prst="rect">
-            <a:avLst/>
-          </a:prstGeom>
-        </p:spPr>
-      </p:pic>
-      <p:pic>
-        <p:nvPicPr>
-          <p:cNvPr id="15" name="Picture 14">
-            <a:extLst>
-              <a:ext uri="{FF2B5EF4-FFF2-40B4-BE49-F238E27FC236}">
-                <a16:creationId xmlns:a16="http://schemas.microsoft.com/office/drawing/2014/main" id="{DFCC3D5D-07C2-2CA0-4385-F6F730FD7093}"/>
-              </a:ext>
-            </a:extLst>
-          </p:cNvPr>
-          <p:cNvPicPr>
-            <a:picLocks noChangeAspect="1"/>
-          </p:cNvPicPr>
-          <p:nvPr/>
-        </p:nvPicPr>
-        <p:blipFill>
-          <a:blip r:embed="rId6"/>
-          <a:stretch>
-            <a:fillRect/>
-          </a:stretch>
-        </p:blipFill>
-        <p:spPr>
-          <a:xfrm>
-            <a:off x="8280363" y="2508113"/>
-            <a:ext cx="3556183" cy="2940201"/>
-          </a:xfrm>
-          <a:prstGeom prst="rect">
-            <a:avLst/>
-          </a:prstGeom>
-        </p:spPr>
-      </p:pic>
-    </p:spTree>
-    <p:extLst>
-      <p:ext uri="{BB962C8B-B14F-4D97-AF65-F5344CB8AC3E}">
-        <p14:creationId xmlns:p14="http://schemas.microsoft.com/office/powerpoint/2010/main" val="4179241708"/>
-      </p:ext>
-    </p:extLst>
-  </p:cSld>
-  <p:clrMapOvr>
-    <a:masterClrMapping/>
-  </p:clrMapOvr>
-</p:sld>
-</file>
-
-<file path=ppt/slides/slide29.xml><?xml version="1.0" encoding="utf-8"?>
-<p:sld xmlns:a="http://schemas.openxmlformats.org/drawingml/2006/main" xmlns:r="http://schemas.openxmlformats.org/officeDocument/2006/relationships" xmlns:p="http://schemas.openxmlformats.org/presentationml/2006/main">
-  <p:cSld>
-    <p:spTree>
-      <p:nvGrpSpPr>
-        <p:cNvPr id="1" name=""/>
-        <p:cNvGrpSpPr/>
-        <p:nvPr/>
-      </p:nvGrpSpPr>
-      <p:grpSpPr>
-        <a:xfrm>
-          <a:off x="0" y="0"/>
-          <a:ext cx="0" cy="0"/>
-          <a:chOff x="0" y="0"/>
-          <a:chExt cx="0" cy="0"/>
-        </a:xfrm>
-      </p:grpSpPr>
-      <p:sp>
-        <p:nvSpPr>
-          <p:cNvPr id="7" name="TextBox 6">
-            <a:extLst>
-              <a:ext uri="{FF2B5EF4-FFF2-40B4-BE49-F238E27FC236}">
-                <a16:creationId xmlns:a16="http://schemas.microsoft.com/office/drawing/2014/main" id="{5D125FF5-A4BE-F7D1-48A3-B299B2BD4C00}"/>
-              </a:ext>
-            </a:extLst>
-          </p:cNvPr>
-          <p:cNvSpPr txBox="1"/>
-          <p:nvPr/>
-        </p:nvSpPr>
-        <p:spPr>
-          <a:xfrm>
-            <a:off x="0" y="95532"/>
-            <a:ext cx="12192000" cy="714234"/>
-          </a:xfrm>
-          <a:prstGeom prst="rect">
-            <a:avLst/>
-          </a:prstGeom>
-          <a:noFill/>
-        </p:spPr>
-        <p:txBody>
-          <a:bodyPr wrap="square">
-            <a:spAutoFit/>
-          </a:bodyPr>
-          <a:lstStyle/>
-          <a:p>
-            <a:pPr lvl="1">
-              <a:lnSpc>
-                <a:spcPct val="120000"/>
-              </a:lnSpc>
-              <a:buClr>
-                <a:srgbClr val="D41B2C"/>
-              </a:buClr>
-            </a:pPr>
-            <a:r>
-              <a:rPr lang="en-US" altLang="zh-CN" sz="3600" b="1" dirty="0"/>
-              <a:t>Classifiers – Comparison</a:t>
-            </a:r>
-          </a:p>
-        </p:txBody>
-      </p:sp>
-      <p:sp>
-        <p:nvSpPr>
-          <p:cNvPr id="11" name="Slide Number Placeholder 10">
-            <a:extLst>
-              <a:ext uri="{FF2B5EF4-FFF2-40B4-BE49-F238E27FC236}">
-                <a16:creationId xmlns:a16="http://schemas.microsoft.com/office/drawing/2014/main" id="{E4FAC7AA-BDB7-F7C0-F177-96942C945B33}"/>
-              </a:ext>
-            </a:extLst>
-          </p:cNvPr>
-          <p:cNvSpPr>
-            <a:spLocks noGrp="1"/>
-          </p:cNvSpPr>
-          <p:nvPr>
-            <p:ph type="sldNum" sz="quarter" idx="12"/>
-          </p:nvPr>
-        </p:nvSpPr>
-        <p:spPr/>
-        <p:txBody>
-          <a:bodyPr/>
-          <a:lstStyle/>
-          <a:p>
-            <a:fld id="{CD1615FA-664A-4E3E-8664-50FDFADF9207}" type="slidenum">
-              <a:rPr lang="zh-CN" altLang="en-US" smtClean="0"/>
-              <a:t>29</a:t>
-            </a:fld>
-            <a:endParaRPr lang="zh-CN" altLang="en-US"/>
-          </a:p>
-        </p:txBody>
-      </p:sp>
-      <p:sp>
-        <p:nvSpPr>
-          <p:cNvPr id="2" name="Flowchart: Process 1">
-            <a:extLst>
-              <a:ext uri="{FF2B5EF4-FFF2-40B4-BE49-F238E27FC236}">
-                <a16:creationId xmlns:a16="http://schemas.microsoft.com/office/drawing/2014/main" id="{8105CBB4-A62C-646D-028E-C22D78DFD5E9}"/>
-              </a:ext>
-            </a:extLst>
-          </p:cNvPr>
-          <p:cNvSpPr/>
-          <p:nvPr/>
-        </p:nvSpPr>
-        <p:spPr>
-          <a:xfrm flipV="1">
-            <a:off x="0" y="1046870"/>
-            <a:ext cx="12192000" cy="9144"/>
-          </a:xfrm>
-          <a:prstGeom prst="flowChartProcess">
-            <a:avLst/>
-          </a:prstGeom>
-          <a:solidFill>
-            <a:srgbClr val="D41B2C"/>
-          </a:solidFill>
-          <a:ln>
-            <a:noFill/>
-          </a:ln>
-        </p:spPr>
-        <p:style>
-          <a:lnRef idx="2">
-            <a:schemeClr val="accent1">
-              <a:shade val="15000"/>
-            </a:schemeClr>
-          </a:lnRef>
-          <a:fillRef idx="1">
-            <a:schemeClr val="accent1"/>
-          </a:fillRef>
-          <a:effectRef idx="0">
-            <a:schemeClr val="accent1"/>
-          </a:effectRef>
-          <a:fontRef idx="minor">
-            <a:schemeClr val="lt1"/>
-          </a:fontRef>
-        </p:style>
-        <p:txBody>
-          <a:bodyPr rtlCol="0" anchor="ctr"/>
-          <a:lstStyle/>
-          <a:p>
-            <a:pPr algn="ctr"/>
-            <a:endParaRPr lang="zh-CN" altLang="en-US"/>
-          </a:p>
-        </p:txBody>
-      </p:sp>
-      <p:sp>
-        <p:nvSpPr>
-          <p:cNvPr id="12" name="TextBox 11">
-            <a:extLst>
-              <a:ext uri="{FF2B5EF4-FFF2-40B4-BE49-F238E27FC236}">
-                <a16:creationId xmlns:a16="http://schemas.microsoft.com/office/drawing/2014/main" id="{65946DDA-9B38-D45D-47C8-45F709A0CAA4}"/>
-              </a:ext>
-            </a:extLst>
-          </p:cNvPr>
-          <p:cNvSpPr txBox="1"/>
-          <p:nvPr/>
-        </p:nvSpPr>
-        <p:spPr>
-          <a:xfrm>
-            <a:off x="6348401" y="4363379"/>
-            <a:ext cx="5324096" cy="403316"/>
+            <a:off x="324781" y="1423335"/>
+            <a:ext cx="2777648" cy="403316"/>
           </a:xfrm>
           <a:prstGeom prst="rect">
             <a:avLst/>
@@ -10047,17 +9350,17 @@
           <a:p>
             <a:r>
               <a:rPr lang="en-US" altLang="zh-CN" dirty="0"/>
-              <a:t>Todo</a:t>
-            </a:r>
-          </a:p>
-        </p:txBody>
-      </p:sp>
-      <p:sp>
-        <p:nvSpPr>
-          <p:cNvPr id="23" name="TextBox 22">
-            <a:extLst>
-              <a:ext uri="{FF2B5EF4-FFF2-40B4-BE49-F238E27FC236}">
-                <a16:creationId xmlns:a16="http://schemas.microsoft.com/office/drawing/2014/main" id="{742B14A2-D146-B892-E3CD-390FF76507ED}"/>
+              <a:t>SGD Classifier</a:t>
+            </a:r>
+          </a:p>
+        </p:txBody>
+      </p:sp>
+      <p:sp>
+        <p:nvSpPr>
+          <p:cNvPr id="24" name="TextBox 23">
+            <a:extLst>
+              <a:ext uri="{FF2B5EF4-FFF2-40B4-BE49-F238E27FC236}">
+                <a16:creationId xmlns:a16="http://schemas.microsoft.com/office/drawing/2014/main" id="{23333321-08C6-0C39-EE07-104815F2E955}"/>
               </a:ext>
             </a:extLst>
           </p:cNvPr>
@@ -10066,8 +9369,8 @@
         </p:nvSpPr>
         <p:spPr>
           <a:xfrm>
-            <a:off x="324781" y="1423335"/>
-            <a:ext cx="2777648" cy="403316"/>
+            <a:off x="324781" y="2916095"/>
+            <a:ext cx="2984476" cy="403316"/>
           </a:xfrm>
           <a:prstGeom prst="rect">
             <a:avLst/>
@@ -10106,17 +9409,17 @@
           <a:p>
             <a:r>
               <a:rPr lang="en-US" altLang="zh-CN" dirty="0"/>
-              <a:t>SGD Classifier</a:t>
-            </a:r>
-          </a:p>
-        </p:txBody>
-      </p:sp>
-      <p:sp>
-        <p:nvSpPr>
-          <p:cNvPr id="24" name="TextBox 23">
-            <a:extLst>
-              <a:ext uri="{FF2B5EF4-FFF2-40B4-BE49-F238E27FC236}">
-                <a16:creationId xmlns:a16="http://schemas.microsoft.com/office/drawing/2014/main" id="{23333321-08C6-0C39-EE07-104815F2E955}"/>
+              <a:t>Random Forest Classifier</a:t>
+            </a:r>
+          </a:p>
+        </p:txBody>
+      </p:sp>
+      <p:sp>
+        <p:nvSpPr>
+          <p:cNvPr id="26" name="TextBox 25">
+            <a:extLst>
+              <a:ext uri="{FF2B5EF4-FFF2-40B4-BE49-F238E27FC236}">
+                <a16:creationId xmlns:a16="http://schemas.microsoft.com/office/drawing/2014/main" id="{33607EDA-84F7-106D-9688-89C234F27E41}"/>
               </a:ext>
             </a:extLst>
           </p:cNvPr>
@@ -10125,7 +9428,7 @@
         </p:nvSpPr>
         <p:spPr>
           <a:xfrm>
-            <a:off x="324781" y="2916095"/>
+            <a:off x="324781" y="4363379"/>
             <a:ext cx="2984476" cy="403316"/>
           </a:xfrm>
           <a:prstGeom prst="rect">
@@ -10164,18 +9467,23 @@
           </a:lstStyle>
           <a:p>
             <a:r>
-              <a:rPr lang="en-US" altLang="zh-CN" dirty="0"/>
-              <a:t>Random Forest Classifier</a:t>
-            </a:r>
-          </a:p>
-        </p:txBody>
-      </p:sp>
-      <p:sp>
-        <p:nvSpPr>
-          <p:cNvPr id="26" name="TextBox 25">
-            <a:extLst>
-              <a:ext uri="{FF2B5EF4-FFF2-40B4-BE49-F238E27FC236}">
-                <a16:creationId xmlns:a16="http://schemas.microsoft.com/office/drawing/2014/main" id="{33607EDA-84F7-106D-9688-89C234F27E41}"/>
+              <a:rPr lang="en-US" altLang="zh-CN" sz="1800" dirty="0" err="1"/>
+              <a:t>Adaboost</a:t>
+            </a:r>
+            <a:r>
+              <a:rPr lang="en-US" altLang="zh-CN" sz="1800" dirty="0"/>
+              <a:t> Classifier</a:t>
+            </a:r>
+            <a:endParaRPr lang="en-US" altLang="zh-CN" dirty="0"/>
+          </a:p>
+        </p:txBody>
+      </p:sp>
+      <p:sp>
+        <p:nvSpPr>
+          <p:cNvPr id="28" name="TextBox 27">
+            <a:extLst>
+              <a:ext uri="{FF2B5EF4-FFF2-40B4-BE49-F238E27FC236}">
+                <a16:creationId xmlns:a16="http://schemas.microsoft.com/office/drawing/2014/main" id="{4CF2EDB5-93B3-8323-C686-A110B6B3A541}"/>
               </a:ext>
             </a:extLst>
           </p:cNvPr>
@@ -10184,7 +9492,7 @@
         </p:nvSpPr>
         <p:spPr>
           <a:xfrm>
-            <a:off x="324781" y="4363379"/>
+            <a:off x="6801781" y="1447049"/>
             <a:ext cx="2984476" cy="403316"/>
           </a:xfrm>
           <a:prstGeom prst="rect">
@@ -10223,12 +9531,8 @@
           </a:lstStyle>
           <a:p>
             <a:r>
-              <a:rPr lang="en-US" altLang="zh-CN" sz="1800" dirty="0" err="1"/>
-              <a:t>Adaboost</a:t>
-            </a:r>
-            <a:r>
               <a:rPr lang="en-US" altLang="zh-CN" sz="1800" dirty="0"/>
-              <a:t> Classifier</a:t>
+              <a:t>Decision Tree Classifier</a:t>
             </a:r>
             <a:endParaRPr lang="en-US" altLang="zh-CN" dirty="0"/>
           </a:p>
@@ -10236,10 +9540,10 @@
       </p:sp>
       <p:sp>
         <p:nvSpPr>
-          <p:cNvPr id="28" name="TextBox 27">
-            <a:extLst>
-              <a:ext uri="{FF2B5EF4-FFF2-40B4-BE49-F238E27FC236}">
-                <a16:creationId xmlns:a16="http://schemas.microsoft.com/office/drawing/2014/main" id="{4CF2EDB5-93B3-8323-C686-A110B6B3A541}"/>
+          <p:cNvPr id="30" name="TextBox 29">
+            <a:extLst>
+              <a:ext uri="{FF2B5EF4-FFF2-40B4-BE49-F238E27FC236}">
+                <a16:creationId xmlns:a16="http://schemas.microsoft.com/office/drawing/2014/main" id="{8E241936-670C-DE1B-F8D6-3B39A5244B2F}"/>
               </a:ext>
             </a:extLst>
           </p:cNvPr>
@@ -10248,8 +9552,8 @@
         </p:nvSpPr>
         <p:spPr>
           <a:xfrm>
-            <a:off x="6801781" y="1447049"/>
-            <a:ext cx="2984476" cy="403316"/>
+            <a:off x="6801780" y="2857678"/>
+            <a:ext cx="4018619" cy="403316"/>
           </a:xfrm>
           <a:prstGeom prst="rect">
             <a:avLst/>
@@ -10288,18 +9592,198 @@
           <a:p>
             <a:r>
               <a:rPr lang="en-US" altLang="zh-CN" sz="1800" dirty="0"/>
-              <a:t>Decision Tree Classifier</a:t>
+              <a:t>Gradient Boosting Classifier</a:t>
             </a:r>
             <a:endParaRPr lang="en-US" altLang="zh-CN" dirty="0"/>
           </a:p>
         </p:txBody>
       </p:sp>
-      <p:sp>
-        <p:nvSpPr>
-          <p:cNvPr id="30" name="TextBox 29">
-            <a:extLst>
-              <a:ext uri="{FF2B5EF4-FFF2-40B4-BE49-F238E27FC236}">
-                <a16:creationId xmlns:a16="http://schemas.microsoft.com/office/drawing/2014/main" id="{8E241936-670C-DE1B-F8D6-3B39A5244B2F}"/>
+      <p:pic>
+        <p:nvPicPr>
+          <p:cNvPr id="4" name="Picture 3">
+            <a:extLst>
+              <a:ext uri="{FF2B5EF4-FFF2-40B4-BE49-F238E27FC236}">
+                <a16:creationId xmlns:a16="http://schemas.microsoft.com/office/drawing/2014/main" id="{71ADB42F-8292-DBE7-465B-73DD9A5B7731}"/>
+              </a:ext>
+            </a:extLst>
+          </p:cNvPr>
+          <p:cNvPicPr>
+            <a:picLocks noChangeAspect="1"/>
+          </p:cNvPicPr>
+          <p:nvPr/>
+        </p:nvPicPr>
+        <p:blipFill>
+          <a:blip r:embed="rId2"/>
+          <a:stretch>
+            <a:fillRect/>
+          </a:stretch>
+        </p:blipFill>
+        <p:spPr>
+          <a:xfrm>
+            <a:off x="324781" y="1990362"/>
+            <a:ext cx="5315223" cy="679485"/>
+          </a:xfrm>
+          <a:prstGeom prst="rect">
+            <a:avLst/>
+          </a:prstGeom>
+        </p:spPr>
+      </p:pic>
+      <p:pic>
+        <p:nvPicPr>
+          <p:cNvPr id="6" name="Picture 5">
+            <a:extLst>
+              <a:ext uri="{FF2B5EF4-FFF2-40B4-BE49-F238E27FC236}">
+                <a16:creationId xmlns:a16="http://schemas.microsoft.com/office/drawing/2014/main" id="{F9FDA6C3-B93E-D27F-C302-62F60BF98D96}"/>
+              </a:ext>
+            </a:extLst>
+          </p:cNvPr>
+          <p:cNvPicPr>
+            <a:picLocks noChangeAspect="1"/>
+          </p:cNvPicPr>
+          <p:nvPr/>
+        </p:nvPicPr>
+        <p:blipFill>
+          <a:blip r:embed="rId3"/>
+          <a:stretch>
+            <a:fillRect/>
+          </a:stretch>
+        </p:blipFill>
+        <p:spPr>
+          <a:xfrm>
+            <a:off x="324781" y="3565659"/>
+            <a:ext cx="5296172" cy="673135"/>
+          </a:xfrm>
+          <a:prstGeom prst="rect">
+            <a:avLst/>
+          </a:prstGeom>
+        </p:spPr>
+      </p:pic>
+      <p:pic>
+        <p:nvPicPr>
+          <p:cNvPr id="9" name="Picture 8">
+            <a:extLst>
+              <a:ext uri="{FF2B5EF4-FFF2-40B4-BE49-F238E27FC236}">
+                <a16:creationId xmlns:a16="http://schemas.microsoft.com/office/drawing/2014/main" id="{B9655069-EC63-D26C-B41C-093C222BA4E9}"/>
+              </a:ext>
+            </a:extLst>
+          </p:cNvPr>
+          <p:cNvPicPr>
+            <a:picLocks noChangeAspect="1"/>
+          </p:cNvPicPr>
+          <p:nvPr/>
+        </p:nvPicPr>
+        <p:blipFill>
+          <a:blip r:embed="rId4"/>
+          <a:stretch>
+            <a:fillRect/>
+          </a:stretch>
+        </p:blipFill>
+        <p:spPr>
+          <a:xfrm>
+            <a:off x="6551998" y="1961724"/>
+            <a:ext cx="5346975" cy="679485"/>
+          </a:xfrm>
+          <a:prstGeom prst="rect">
+            <a:avLst/>
+          </a:prstGeom>
+        </p:spPr>
+      </p:pic>
+      <p:pic>
+        <p:nvPicPr>
+          <p:cNvPr id="13" name="Picture 12">
+            <a:extLst>
+              <a:ext uri="{FF2B5EF4-FFF2-40B4-BE49-F238E27FC236}">
+                <a16:creationId xmlns:a16="http://schemas.microsoft.com/office/drawing/2014/main" id="{4D4E4558-007A-CCED-4AE5-A75586A26EF0}"/>
+              </a:ext>
+            </a:extLst>
+          </p:cNvPr>
+          <p:cNvPicPr>
+            <a:picLocks noChangeAspect="1"/>
+          </p:cNvPicPr>
+          <p:nvPr/>
+        </p:nvPicPr>
+        <p:blipFill>
+          <a:blip r:embed="rId5"/>
+          <a:stretch>
+            <a:fillRect/>
+          </a:stretch>
+        </p:blipFill>
+        <p:spPr>
+          <a:xfrm>
+            <a:off x="369233" y="5031350"/>
+            <a:ext cx="5270771" cy="654084"/>
+          </a:xfrm>
+          <a:prstGeom prst="rect">
+            <a:avLst/>
+          </a:prstGeom>
+        </p:spPr>
+      </p:pic>
+      <p:pic>
+        <p:nvPicPr>
+          <p:cNvPr id="15" name="Picture 14">
+            <a:extLst>
+              <a:ext uri="{FF2B5EF4-FFF2-40B4-BE49-F238E27FC236}">
+                <a16:creationId xmlns:a16="http://schemas.microsoft.com/office/drawing/2014/main" id="{9FB9125F-B2B9-4A77-841C-4CEA4B3376EC}"/>
+              </a:ext>
+            </a:extLst>
+          </p:cNvPr>
+          <p:cNvPicPr>
+            <a:picLocks noChangeAspect="1"/>
+          </p:cNvPicPr>
+          <p:nvPr/>
+        </p:nvPicPr>
+        <p:blipFill>
+          <a:blip r:embed="rId6"/>
+          <a:stretch>
+            <a:fillRect/>
+          </a:stretch>
+        </p:blipFill>
+        <p:spPr>
+          <a:xfrm>
+            <a:off x="6628200" y="3444830"/>
+            <a:ext cx="5239019" cy="673135"/>
+          </a:xfrm>
+          <a:prstGeom prst="rect">
+            <a:avLst/>
+          </a:prstGeom>
+        </p:spPr>
+      </p:pic>
+    </p:spTree>
+    <p:extLst>
+      <p:ext uri="{BB962C8B-B14F-4D97-AF65-F5344CB8AC3E}">
+        <p14:creationId xmlns:p14="http://schemas.microsoft.com/office/powerpoint/2010/main" val="1070114728"/>
+      </p:ext>
+    </p:extLst>
+  </p:cSld>
+  <p:clrMapOvr>
+    <a:masterClrMapping/>
+  </p:clrMapOvr>
+</p:sld>
+</file>
+
+<file path=ppt/slides/slide26.xml><?xml version="1.0" encoding="utf-8"?>
+<p:sld xmlns:a="http://schemas.openxmlformats.org/drawingml/2006/main" xmlns:r="http://schemas.openxmlformats.org/officeDocument/2006/relationships" xmlns:p="http://schemas.openxmlformats.org/presentationml/2006/main">
+  <p:cSld>
+    <p:spTree>
+      <p:nvGrpSpPr>
+        <p:cNvPr id="1" name=""/>
+        <p:cNvGrpSpPr/>
+        <p:nvPr/>
+      </p:nvGrpSpPr>
+      <p:grpSpPr>
+        <a:xfrm>
+          <a:off x="0" y="0"/>
+          <a:ext cx="0" cy="0"/>
+          <a:chOff x="0" y="0"/>
+          <a:chExt cx="0" cy="0"/>
+        </a:xfrm>
+      </p:grpSpPr>
+      <p:sp>
+        <p:nvSpPr>
+          <p:cNvPr id="7" name="TextBox 6">
+            <a:extLst>
+              <a:ext uri="{FF2B5EF4-FFF2-40B4-BE49-F238E27FC236}">
+                <a16:creationId xmlns:a16="http://schemas.microsoft.com/office/drawing/2014/main" id="{5D125FF5-A4BE-F7D1-48A3-B299B2BD4C00}"/>
               </a:ext>
             </a:extLst>
           </p:cNvPr>
@@ -10308,8 +9792,132 @@
         </p:nvSpPr>
         <p:spPr>
           <a:xfrm>
-            <a:off x="6801780" y="2857678"/>
-            <a:ext cx="4018619" cy="403316"/>
+            <a:off x="0" y="95532"/>
+            <a:ext cx="12192000" cy="714234"/>
+          </a:xfrm>
+          <a:prstGeom prst="rect">
+            <a:avLst/>
+          </a:prstGeom>
+          <a:noFill/>
+        </p:spPr>
+        <p:txBody>
+          <a:bodyPr wrap="square">
+            <a:spAutoFit/>
+          </a:bodyPr>
+          <a:lstStyle/>
+          <a:p>
+            <a:pPr lvl="1">
+              <a:lnSpc>
+                <a:spcPct val="120000"/>
+              </a:lnSpc>
+              <a:buClr>
+                <a:srgbClr val="D41B2C"/>
+              </a:buClr>
+            </a:pPr>
+            <a:r>
+              <a:rPr lang="en-US" altLang="zh-CN" sz="3600" b="1" dirty="0"/>
+              <a:t>Best model on test set</a:t>
+            </a:r>
+          </a:p>
+        </p:txBody>
+      </p:sp>
+      <p:sp>
+        <p:nvSpPr>
+          <p:cNvPr id="11" name="Slide Number Placeholder 10">
+            <a:extLst>
+              <a:ext uri="{FF2B5EF4-FFF2-40B4-BE49-F238E27FC236}">
+                <a16:creationId xmlns:a16="http://schemas.microsoft.com/office/drawing/2014/main" id="{E4FAC7AA-BDB7-F7C0-F177-96942C945B33}"/>
+              </a:ext>
+            </a:extLst>
+          </p:cNvPr>
+          <p:cNvSpPr>
+            <a:spLocks noGrp="1"/>
+          </p:cNvSpPr>
+          <p:nvPr>
+            <p:ph type="sldNum" sz="quarter" idx="12"/>
+          </p:nvPr>
+        </p:nvSpPr>
+        <p:spPr/>
+        <p:txBody>
+          <a:bodyPr/>
+          <a:lstStyle/>
+          <a:p>
+            <a:fld id="{CD1615FA-664A-4E3E-8664-50FDFADF9207}" type="slidenum">
+              <a:rPr lang="zh-CN" altLang="en-US" smtClean="0"/>
+              <a:t>26</a:t>
+            </a:fld>
+            <a:endParaRPr lang="zh-CN" altLang="en-US"/>
+          </a:p>
+        </p:txBody>
+      </p:sp>
+      <p:sp>
+        <p:nvSpPr>
+          <p:cNvPr id="2" name="Flowchart: Process 1">
+            <a:extLst>
+              <a:ext uri="{FF2B5EF4-FFF2-40B4-BE49-F238E27FC236}">
+                <a16:creationId xmlns:a16="http://schemas.microsoft.com/office/drawing/2014/main" id="{8105CBB4-A62C-646D-028E-C22D78DFD5E9}"/>
+              </a:ext>
+            </a:extLst>
+          </p:cNvPr>
+          <p:cNvSpPr/>
+          <p:nvPr/>
+        </p:nvSpPr>
+        <p:spPr>
+          <a:xfrm flipV="1">
+            <a:off x="0" y="1046870"/>
+            <a:ext cx="12192000" cy="9144"/>
+          </a:xfrm>
+          <a:prstGeom prst="flowChartProcess">
+            <a:avLst/>
+          </a:prstGeom>
+          <a:solidFill>
+            <a:srgbClr val="D41B2C"/>
+          </a:solidFill>
+          <a:ln>
+            <a:noFill/>
+          </a:ln>
+        </p:spPr>
+        <p:style>
+          <a:lnRef idx="2">
+            <a:schemeClr val="accent1">
+              <a:shade val="15000"/>
+            </a:schemeClr>
+          </a:lnRef>
+          <a:fillRef idx="1">
+            <a:schemeClr val="accent1"/>
+          </a:fillRef>
+          <a:effectRef idx="0">
+            <a:schemeClr val="accent1"/>
+          </a:effectRef>
+          <a:fontRef idx="minor">
+            <a:schemeClr val="lt1"/>
+          </a:fontRef>
+        </p:style>
+        <p:txBody>
+          <a:bodyPr rtlCol="0" anchor="ctr"/>
+          <a:lstStyle/>
+          <a:p>
+            <a:pPr algn="ctr"/>
+            <a:endParaRPr lang="zh-CN" altLang="en-US"/>
+          </a:p>
+        </p:txBody>
+      </p:sp>
+      <p:sp>
+        <p:nvSpPr>
+          <p:cNvPr id="12" name="TextBox 11">
+            <a:extLst>
+              <a:ext uri="{FF2B5EF4-FFF2-40B4-BE49-F238E27FC236}">
+                <a16:creationId xmlns:a16="http://schemas.microsoft.com/office/drawing/2014/main" id="{65946DDA-9B38-D45D-47C8-45F709A0CAA4}"/>
+              </a:ext>
+            </a:extLst>
+          </p:cNvPr>
+          <p:cNvSpPr txBox="1"/>
+          <p:nvPr/>
+        </p:nvSpPr>
+        <p:spPr>
+          <a:xfrm>
+            <a:off x="6348401" y="4363379"/>
+            <a:ext cx="5324096" cy="403316"/>
           </a:xfrm>
           <a:prstGeom prst="rect">
             <a:avLst/>
@@ -10347,167 +9955,16 @@
           </a:lstStyle>
           <a:p>
             <a:r>
-              <a:rPr lang="en-US" altLang="zh-CN" sz="1800" dirty="0"/>
-              <a:t>Gradient Boosting Classifier</a:t>
-            </a:r>
-            <a:endParaRPr lang="en-US" altLang="zh-CN" dirty="0"/>
-          </a:p>
-        </p:txBody>
-      </p:sp>
-      <p:pic>
-        <p:nvPicPr>
-          <p:cNvPr id="4" name="Picture 3">
-            <a:extLst>
-              <a:ext uri="{FF2B5EF4-FFF2-40B4-BE49-F238E27FC236}">
-                <a16:creationId xmlns:a16="http://schemas.microsoft.com/office/drawing/2014/main" id="{71ADB42F-8292-DBE7-465B-73DD9A5B7731}"/>
-              </a:ext>
-            </a:extLst>
-          </p:cNvPr>
-          <p:cNvPicPr>
-            <a:picLocks noChangeAspect="1"/>
-          </p:cNvPicPr>
-          <p:nvPr/>
-        </p:nvPicPr>
-        <p:blipFill>
-          <a:blip r:embed="rId2"/>
-          <a:stretch>
-            <a:fillRect/>
-          </a:stretch>
-        </p:blipFill>
-        <p:spPr>
-          <a:xfrm>
-            <a:off x="324781" y="1990362"/>
-            <a:ext cx="5315223" cy="679485"/>
-          </a:xfrm>
-          <a:prstGeom prst="rect">
-            <a:avLst/>
-          </a:prstGeom>
-        </p:spPr>
-      </p:pic>
-      <p:pic>
-        <p:nvPicPr>
-          <p:cNvPr id="6" name="Picture 5">
-            <a:extLst>
-              <a:ext uri="{FF2B5EF4-FFF2-40B4-BE49-F238E27FC236}">
-                <a16:creationId xmlns:a16="http://schemas.microsoft.com/office/drawing/2014/main" id="{F9FDA6C3-B93E-D27F-C302-62F60BF98D96}"/>
-              </a:ext>
-            </a:extLst>
-          </p:cNvPr>
-          <p:cNvPicPr>
-            <a:picLocks noChangeAspect="1"/>
-          </p:cNvPicPr>
-          <p:nvPr/>
-        </p:nvPicPr>
-        <p:blipFill>
-          <a:blip r:embed="rId3"/>
-          <a:stretch>
-            <a:fillRect/>
-          </a:stretch>
-        </p:blipFill>
-        <p:spPr>
-          <a:xfrm>
-            <a:off x="324781" y="3565659"/>
-            <a:ext cx="5296172" cy="673135"/>
-          </a:xfrm>
-          <a:prstGeom prst="rect">
-            <a:avLst/>
-          </a:prstGeom>
-        </p:spPr>
-      </p:pic>
-      <p:pic>
-        <p:nvPicPr>
-          <p:cNvPr id="9" name="Picture 8">
-            <a:extLst>
-              <a:ext uri="{FF2B5EF4-FFF2-40B4-BE49-F238E27FC236}">
-                <a16:creationId xmlns:a16="http://schemas.microsoft.com/office/drawing/2014/main" id="{B9655069-EC63-D26C-B41C-093C222BA4E9}"/>
-              </a:ext>
-            </a:extLst>
-          </p:cNvPr>
-          <p:cNvPicPr>
-            <a:picLocks noChangeAspect="1"/>
-          </p:cNvPicPr>
-          <p:nvPr/>
-        </p:nvPicPr>
-        <p:blipFill>
-          <a:blip r:embed="rId4"/>
-          <a:stretch>
-            <a:fillRect/>
-          </a:stretch>
-        </p:blipFill>
-        <p:spPr>
-          <a:xfrm>
-            <a:off x="6551998" y="1961724"/>
-            <a:ext cx="5346975" cy="679485"/>
-          </a:xfrm>
-          <a:prstGeom prst="rect">
-            <a:avLst/>
-          </a:prstGeom>
-        </p:spPr>
-      </p:pic>
-      <p:pic>
-        <p:nvPicPr>
-          <p:cNvPr id="13" name="Picture 12">
-            <a:extLst>
-              <a:ext uri="{FF2B5EF4-FFF2-40B4-BE49-F238E27FC236}">
-                <a16:creationId xmlns:a16="http://schemas.microsoft.com/office/drawing/2014/main" id="{4D4E4558-007A-CCED-4AE5-A75586A26EF0}"/>
-              </a:ext>
-            </a:extLst>
-          </p:cNvPr>
-          <p:cNvPicPr>
-            <a:picLocks noChangeAspect="1"/>
-          </p:cNvPicPr>
-          <p:nvPr/>
-        </p:nvPicPr>
-        <p:blipFill>
-          <a:blip r:embed="rId5"/>
-          <a:stretch>
-            <a:fillRect/>
-          </a:stretch>
-        </p:blipFill>
-        <p:spPr>
-          <a:xfrm>
-            <a:off x="369233" y="5031350"/>
-            <a:ext cx="5270771" cy="654084"/>
-          </a:xfrm>
-          <a:prstGeom prst="rect">
-            <a:avLst/>
-          </a:prstGeom>
-        </p:spPr>
-      </p:pic>
-      <p:pic>
-        <p:nvPicPr>
-          <p:cNvPr id="15" name="Picture 14">
-            <a:extLst>
-              <a:ext uri="{FF2B5EF4-FFF2-40B4-BE49-F238E27FC236}">
-                <a16:creationId xmlns:a16="http://schemas.microsoft.com/office/drawing/2014/main" id="{9FB9125F-B2B9-4A77-841C-4CEA4B3376EC}"/>
-              </a:ext>
-            </a:extLst>
-          </p:cNvPr>
-          <p:cNvPicPr>
-            <a:picLocks noChangeAspect="1"/>
-          </p:cNvPicPr>
-          <p:nvPr/>
-        </p:nvPicPr>
-        <p:blipFill>
-          <a:blip r:embed="rId6"/>
-          <a:stretch>
-            <a:fillRect/>
-          </a:stretch>
-        </p:blipFill>
-        <p:spPr>
-          <a:xfrm>
-            <a:off x="6628200" y="3444830"/>
-            <a:ext cx="5239019" cy="673135"/>
-          </a:xfrm>
-          <a:prstGeom prst="rect">
-            <a:avLst/>
-          </a:prstGeom>
-        </p:spPr>
-      </p:pic>
+              <a:rPr lang="en-US" altLang="zh-CN" dirty="0"/>
+              <a:t>Todo</a:t>
+            </a:r>
+          </a:p>
+        </p:txBody>
+      </p:sp>
     </p:spTree>
     <p:extLst>
       <p:ext uri="{BB962C8B-B14F-4D97-AF65-F5344CB8AC3E}">
-        <p14:creationId xmlns:p14="http://schemas.microsoft.com/office/powerpoint/2010/main" val="1070114728"/>
+        <p14:creationId xmlns:p14="http://schemas.microsoft.com/office/powerpoint/2010/main" val="3767392265"/>
       </p:ext>
     </p:extLst>
   </p:cSld>
@@ -10517,7 +9974,7 @@
 </p:sld>
 </file>
 
-<file path=ppt/slides/slide3.xml><?xml version="1.0" encoding="utf-8"?>
+<file path=ppt/slides/slide27.xml><?xml version="1.0" encoding="utf-8"?>
 <p:sld xmlns:a="http://schemas.openxmlformats.org/drawingml/2006/main" xmlns:r="http://schemas.openxmlformats.org/officeDocument/2006/relationships" xmlns:p="http://schemas.openxmlformats.org/presentationml/2006/main">
   <p:cSld>
     <p:spTree>
@@ -10548,8 +10005,8 @@
         </p:nvSpPr>
         <p:spPr>
           <a:xfrm>
-            <a:off x="0" y="98695"/>
-            <a:ext cx="12192000" cy="714234"/>
+            <a:off x="781878" y="95532"/>
+            <a:ext cx="11410122" cy="820674"/>
           </a:xfrm>
           <a:prstGeom prst="rect">
             <a:avLst/>
@@ -10562,17 +10019,23 @@
           </a:bodyPr>
           <a:lstStyle/>
           <a:p>
-            <a:pPr lvl="1">
+            <a:pPr>
               <a:lnSpc>
-                <a:spcPct val="120000"/>
+                <a:spcPct val="150000"/>
               </a:lnSpc>
-              <a:buClr>
-                <a:srgbClr val="D41B2C"/>
-              </a:buClr>
             </a:pPr>
             <a:r>
-              <a:rPr lang="en-US" altLang="zh-CN" sz="3600" b="1" dirty="0"/>
-              <a:t>Best Estimator Hyperparameters</a:t>
+              <a:rPr lang="en-US" altLang="zh-CN" sz="3600" dirty="0">
+                <a:solidFill>
+                  <a:schemeClr val="bg2">
+                    <a:lumMod val="25000"/>
+                  </a:schemeClr>
+                </a:solidFill>
+                <a:latin typeface="Arial" panose="020B0604020202020204" pitchFamily="34" charset="0"/>
+                <a:ea typeface="微软雅黑" panose="020B0503020204020204" pitchFamily="34" charset="-122"/>
+                <a:cs typeface="Arial" panose="020B0604020202020204" pitchFamily="34" charset="0"/>
+              </a:rPr>
+              <a:t>Discussions</a:t>
             </a:r>
           </a:p>
         </p:txBody>
@@ -10600,7 +10063,7 @@
           <a:p>
             <a:fld id="{CD1615FA-664A-4E3E-8664-50FDFADF9207}" type="slidenum">
               <a:rPr lang="zh-CN" altLang="en-US" smtClean="0"/>
-              <a:t>3</a:t>
+              <a:t>27</a:t>
             </a:fld>
             <a:endParaRPr lang="zh-CN" altLang="en-US"/>
           </a:p>
@@ -10660,10 +10123,10 @@
       </p:sp>
       <p:sp>
         <p:nvSpPr>
-          <p:cNvPr id="4" name="TextBox 3">
-            <a:extLst>
-              <a:ext uri="{FF2B5EF4-FFF2-40B4-BE49-F238E27FC236}">
-                <a16:creationId xmlns:a16="http://schemas.microsoft.com/office/drawing/2014/main" id="{9D18040C-32C7-18B1-9503-7077020AE38B}"/>
+          <p:cNvPr id="3" name="TextBox 2">
+            <a:extLst>
+              <a:ext uri="{FF2B5EF4-FFF2-40B4-BE49-F238E27FC236}">
+                <a16:creationId xmlns:a16="http://schemas.microsoft.com/office/drawing/2014/main" id="{AABB78DE-C76A-CC73-923F-075FFB8EC3F0}"/>
               </a:ext>
             </a:extLst>
           </p:cNvPr>
@@ -10672,465 +10135,8 @@
         </p:nvSpPr>
         <p:spPr>
           <a:xfrm>
-            <a:off x="781877" y="1314897"/>
-            <a:ext cx="2200810" cy="403316"/>
-          </a:xfrm>
-          <a:prstGeom prst="rect">
-            <a:avLst/>
-          </a:prstGeom>
-          <a:noFill/>
-        </p:spPr>
-        <p:txBody>
-          <a:bodyPr wrap="square">
-            <a:spAutoFit/>
-          </a:bodyPr>
-          <a:lstStyle/>
-          <a:p>
-            <a:pPr marL="285750" indent="-285750">
-              <a:lnSpc>
-                <a:spcPct val="120000"/>
-              </a:lnSpc>
-              <a:buClr>
-                <a:srgbClr val="D41B2C"/>
-              </a:buClr>
-              <a:buFont typeface="Wingdings" panose="05000000000000000000" pitchFamily="2" charset="2"/>
-              <a:buChar char="n"/>
-            </a:pPr>
-            <a:r>
-              <a:rPr lang="en-US" altLang="zh-CN" dirty="0"/>
-              <a:t>SGD Classifier</a:t>
-            </a:r>
-          </a:p>
-        </p:txBody>
-      </p:sp>
-      <p:sp>
-        <p:nvSpPr>
-          <p:cNvPr id="12" name="TextBox 11">
-            <a:extLst>
-              <a:ext uri="{FF2B5EF4-FFF2-40B4-BE49-F238E27FC236}">
-                <a16:creationId xmlns:a16="http://schemas.microsoft.com/office/drawing/2014/main" id="{9581FB40-1A81-2DD5-47E7-DE62FC671078}"/>
-              </a:ext>
-            </a:extLst>
-          </p:cNvPr>
-          <p:cNvSpPr txBox="1"/>
-          <p:nvPr/>
-        </p:nvSpPr>
-        <p:spPr>
-          <a:xfrm>
-            <a:off x="781875" y="2504948"/>
-            <a:ext cx="2734211" cy="403316"/>
-          </a:xfrm>
-          <a:prstGeom prst="rect">
-            <a:avLst/>
-          </a:prstGeom>
-          <a:noFill/>
-        </p:spPr>
-        <p:txBody>
-          <a:bodyPr wrap="square">
-            <a:spAutoFit/>
-          </a:bodyPr>
-          <a:lstStyle/>
-          <a:p>
-            <a:pPr marL="285750" indent="-285750">
-              <a:lnSpc>
-                <a:spcPct val="120000"/>
-              </a:lnSpc>
-              <a:buClr>
-                <a:srgbClr val="D41B2C"/>
-              </a:buClr>
-              <a:buFont typeface="Wingdings" panose="05000000000000000000" pitchFamily="2" charset="2"/>
-              <a:buChar char="n"/>
-            </a:pPr>
-            <a:r>
-              <a:rPr lang="en-US" altLang="zh-CN" dirty="0"/>
-              <a:t>Ada Boost Classifier</a:t>
-            </a:r>
-          </a:p>
-        </p:txBody>
-      </p:sp>
-      <p:sp>
-        <p:nvSpPr>
-          <p:cNvPr id="15" name="TextBox 14">
-            <a:extLst>
-              <a:ext uri="{FF2B5EF4-FFF2-40B4-BE49-F238E27FC236}">
-                <a16:creationId xmlns:a16="http://schemas.microsoft.com/office/drawing/2014/main" id="{2828F9F5-FEDA-C88D-CDCC-B1517A9DE1DB}"/>
-              </a:ext>
-            </a:extLst>
-          </p:cNvPr>
-          <p:cNvSpPr txBox="1"/>
-          <p:nvPr/>
-        </p:nvSpPr>
-        <p:spPr>
-          <a:xfrm>
-            <a:off x="781876" y="3746557"/>
-            <a:ext cx="3202295" cy="403316"/>
-          </a:xfrm>
-          <a:prstGeom prst="rect">
-            <a:avLst/>
-          </a:prstGeom>
-          <a:noFill/>
-        </p:spPr>
-        <p:txBody>
-          <a:bodyPr wrap="square">
-            <a:spAutoFit/>
-          </a:bodyPr>
-          <a:lstStyle/>
-          <a:p>
-            <a:pPr marL="285750" indent="-285750">
-              <a:lnSpc>
-                <a:spcPct val="120000"/>
-              </a:lnSpc>
-              <a:buClr>
-                <a:srgbClr val="D41B2C"/>
-              </a:buClr>
-              <a:buFont typeface="Wingdings" panose="05000000000000000000" pitchFamily="2" charset="2"/>
-              <a:buChar char="n"/>
-            </a:pPr>
-            <a:r>
-              <a:rPr lang="en-US" altLang="zh-CN" dirty="0"/>
-              <a:t>Decision Tree Classifier</a:t>
-            </a:r>
-          </a:p>
-        </p:txBody>
-      </p:sp>
-      <p:sp>
-        <p:nvSpPr>
-          <p:cNvPr id="16" name="TextBox 15">
-            <a:extLst>
-              <a:ext uri="{FF2B5EF4-FFF2-40B4-BE49-F238E27FC236}">
-                <a16:creationId xmlns:a16="http://schemas.microsoft.com/office/drawing/2014/main" id="{97394631-B02E-5D74-9BD0-4E65252B3F59}"/>
-              </a:ext>
-            </a:extLst>
-          </p:cNvPr>
-          <p:cNvSpPr txBox="1"/>
-          <p:nvPr/>
-        </p:nvSpPr>
-        <p:spPr>
-          <a:xfrm>
-            <a:off x="781875" y="4779220"/>
-            <a:ext cx="4007839" cy="403316"/>
-          </a:xfrm>
-          <a:prstGeom prst="rect">
-            <a:avLst/>
-          </a:prstGeom>
-          <a:noFill/>
-        </p:spPr>
-        <p:txBody>
-          <a:bodyPr wrap="square">
-            <a:spAutoFit/>
-          </a:bodyPr>
-          <a:lstStyle/>
-          <a:p>
-            <a:pPr marL="285750" indent="-285750">
-              <a:lnSpc>
-                <a:spcPct val="120000"/>
-              </a:lnSpc>
-              <a:buClr>
-                <a:srgbClr val="D41B2C"/>
-              </a:buClr>
-              <a:buFont typeface="Wingdings" panose="05000000000000000000" pitchFamily="2" charset="2"/>
-              <a:buChar char="n"/>
-            </a:pPr>
-            <a:r>
-              <a:rPr lang="en-US" altLang="zh-CN" dirty="0"/>
-              <a:t>Gradient Boosting Classifier</a:t>
-            </a:r>
-          </a:p>
-        </p:txBody>
-      </p:sp>
-      <p:sp>
-        <p:nvSpPr>
-          <p:cNvPr id="17" name="TextBox 16">
-            <a:extLst>
-              <a:ext uri="{FF2B5EF4-FFF2-40B4-BE49-F238E27FC236}">
-                <a16:creationId xmlns:a16="http://schemas.microsoft.com/office/drawing/2014/main" id="{C086C5FC-9521-4974-CE85-5943642ACE93}"/>
-              </a:ext>
-            </a:extLst>
-          </p:cNvPr>
-          <p:cNvSpPr txBox="1"/>
-          <p:nvPr/>
-        </p:nvSpPr>
-        <p:spPr>
-          <a:xfrm>
-            <a:off x="781876" y="5628806"/>
-            <a:ext cx="3517982" cy="403316"/>
-          </a:xfrm>
-          <a:prstGeom prst="rect">
-            <a:avLst/>
-          </a:prstGeom>
-          <a:noFill/>
-        </p:spPr>
-        <p:txBody>
-          <a:bodyPr wrap="square">
-            <a:spAutoFit/>
-          </a:bodyPr>
-          <a:lstStyle/>
-          <a:p>
-            <a:pPr marL="285750" indent="-285750">
-              <a:lnSpc>
-                <a:spcPct val="120000"/>
-              </a:lnSpc>
-              <a:buClr>
-                <a:srgbClr val="D41B2C"/>
-              </a:buClr>
-              <a:buFont typeface="Wingdings" panose="05000000000000000000" pitchFamily="2" charset="2"/>
-              <a:buChar char="n"/>
-            </a:pPr>
-            <a:r>
-              <a:rPr lang="en-US" altLang="zh-CN" dirty="0"/>
-              <a:t>Random forest classifier</a:t>
-            </a:r>
-          </a:p>
-        </p:txBody>
-      </p:sp>
-      <p:sp>
-        <p:nvSpPr>
-          <p:cNvPr id="25" name="TextBox 24">
-            <a:extLst>
-              <a:ext uri="{FF2B5EF4-FFF2-40B4-BE49-F238E27FC236}">
-                <a16:creationId xmlns:a16="http://schemas.microsoft.com/office/drawing/2014/main" id="{4A5E4532-7AA3-E81C-2F6D-13C55FCCA180}"/>
-              </a:ext>
-            </a:extLst>
-          </p:cNvPr>
-          <p:cNvSpPr txBox="1"/>
-          <p:nvPr/>
-        </p:nvSpPr>
-        <p:spPr>
-          <a:xfrm>
-            <a:off x="7991535" y="5182536"/>
-            <a:ext cx="2955872" cy="403316"/>
-          </a:xfrm>
-          <a:prstGeom prst="rect">
-            <a:avLst/>
-          </a:prstGeom>
-          <a:noFill/>
-          <a:ln>
-            <a:solidFill>
-              <a:schemeClr val="tx1"/>
-            </a:solidFill>
-          </a:ln>
-        </p:spPr>
-        <p:txBody>
-          <a:bodyPr wrap="square">
-            <a:spAutoFit/>
-          </a:bodyPr>
-          <a:lstStyle/>
-          <a:p>
-            <a:pPr>
-              <a:lnSpc>
-                <a:spcPct val="120000"/>
-              </a:lnSpc>
-              <a:buClr>
-                <a:srgbClr val="D41B2C"/>
-              </a:buClr>
-            </a:pPr>
-            <a:r>
-              <a:rPr lang="en-US" altLang="zh-CN" dirty="0"/>
-              <a:t>Note: </a:t>
-            </a:r>
-          </a:p>
-        </p:txBody>
-      </p:sp>
-      <p:pic>
-        <p:nvPicPr>
-          <p:cNvPr id="5" name="Picture 4">
-            <a:extLst>
-              <a:ext uri="{FF2B5EF4-FFF2-40B4-BE49-F238E27FC236}">
-                <a16:creationId xmlns:a16="http://schemas.microsoft.com/office/drawing/2014/main" id="{EFFAF6AA-D9AD-AB43-5503-18C52E82E9FB}"/>
-              </a:ext>
-            </a:extLst>
-          </p:cNvPr>
-          <p:cNvPicPr>
-            <a:picLocks noChangeAspect="1"/>
-          </p:cNvPicPr>
-          <p:nvPr/>
-        </p:nvPicPr>
-        <p:blipFill>
-          <a:blip r:embed="rId2"/>
-          <a:stretch>
-            <a:fillRect/>
-          </a:stretch>
-        </p:blipFill>
-        <p:spPr>
-          <a:xfrm>
-            <a:off x="926355" y="1745982"/>
-            <a:ext cx="9055845" cy="665595"/>
-          </a:xfrm>
-          <a:prstGeom prst="rect">
-            <a:avLst/>
-          </a:prstGeom>
-        </p:spPr>
-      </p:pic>
-    </p:spTree>
-    <p:extLst>
-      <p:ext uri="{BB962C8B-B14F-4D97-AF65-F5344CB8AC3E}">
-        <p14:creationId xmlns:p14="http://schemas.microsoft.com/office/powerpoint/2010/main" val="3598018591"/>
-      </p:ext>
-    </p:extLst>
-  </p:cSld>
-  <p:clrMapOvr>
-    <a:masterClrMapping/>
-  </p:clrMapOvr>
-</p:sld>
-</file>
-
-<file path=ppt/slides/slide30.xml><?xml version="1.0" encoding="utf-8"?>
-<p:sld xmlns:a="http://schemas.openxmlformats.org/drawingml/2006/main" xmlns:r="http://schemas.openxmlformats.org/officeDocument/2006/relationships" xmlns:p="http://schemas.openxmlformats.org/presentationml/2006/main">
-  <p:cSld>
-    <p:spTree>
-      <p:nvGrpSpPr>
-        <p:cNvPr id="1" name=""/>
-        <p:cNvGrpSpPr/>
-        <p:nvPr/>
-      </p:nvGrpSpPr>
-      <p:grpSpPr>
-        <a:xfrm>
-          <a:off x="0" y="0"/>
-          <a:ext cx="0" cy="0"/>
-          <a:chOff x="0" y="0"/>
-          <a:chExt cx="0" cy="0"/>
-        </a:xfrm>
-      </p:grpSpPr>
-      <p:sp>
-        <p:nvSpPr>
-          <p:cNvPr id="7" name="TextBox 6">
-            <a:extLst>
-              <a:ext uri="{FF2B5EF4-FFF2-40B4-BE49-F238E27FC236}">
-                <a16:creationId xmlns:a16="http://schemas.microsoft.com/office/drawing/2014/main" id="{5D125FF5-A4BE-F7D1-48A3-B299B2BD4C00}"/>
-              </a:ext>
-            </a:extLst>
-          </p:cNvPr>
-          <p:cNvSpPr txBox="1"/>
-          <p:nvPr/>
-        </p:nvSpPr>
-        <p:spPr>
-          <a:xfrm>
-            <a:off x="0" y="95532"/>
-            <a:ext cx="12192000" cy="714234"/>
-          </a:xfrm>
-          <a:prstGeom prst="rect">
-            <a:avLst/>
-          </a:prstGeom>
-          <a:noFill/>
-        </p:spPr>
-        <p:txBody>
-          <a:bodyPr wrap="square">
-            <a:spAutoFit/>
-          </a:bodyPr>
-          <a:lstStyle/>
-          <a:p>
-            <a:pPr lvl="1">
-              <a:lnSpc>
-                <a:spcPct val="120000"/>
-              </a:lnSpc>
-              <a:buClr>
-                <a:srgbClr val="D41B2C"/>
-              </a:buClr>
-            </a:pPr>
-            <a:r>
-              <a:rPr lang="en-US" altLang="zh-CN" sz="3600" b="1" dirty="0"/>
-              <a:t>Best model on test set</a:t>
-            </a:r>
-          </a:p>
-        </p:txBody>
-      </p:sp>
-      <p:sp>
-        <p:nvSpPr>
-          <p:cNvPr id="11" name="Slide Number Placeholder 10">
-            <a:extLst>
-              <a:ext uri="{FF2B5EF4-FFF2-40B4-BE49-F238E27FC236}">
-                <a16:creationId xmlns:a16="http://schemas.microsoft.com/office/drawing/2014/main" id="{E4FAC7AA-BDB7-F7C0-F177-96942C945B33}"/>
-              </a:ext>
-            </a:extLst>
-          </p:cNvPr>
-          <p:cNvSpPr>
-            <a:spLocks noGrp="1"/>
-          </p:cNvSpPr>
-          <p:nvPr>
-            <p:ph type="sldNum" sz="quarter" idx="12"/>
-          </p:nvPr>
-        </p:nvSpPr>
-        <p:spPr/>
-        <p:txBody>
-          <a:bodyPr/>
-          <a:lstStyle/>
-          <a:p>
-            <a:fld id="{CD1615FA-664A-4E3E-8664-50FDFADF9207}" type="slidenum">
-              <a:rPr lang="zh-CN" altLang="en-US" smtClean="0"/>
-              <a:t>30</a:t>
-            </a:fld>
-            <a:endParaRPr lang="zh-CN" altLang="en-US"/>
-          </a:p>
-        </p:txBody>
-      </p:sp>
-      <p:sp>
-        <p:nvSpPr>
-          <p:cNvPr id="2" name="Flowchart: Process 1">
-            <a:extLst>
-              <a:ext uri="{FF2B5EF4-FFF2-40B4-BE49-F238E27FC236}">
-                <a16:creationId xmlns:a16="http://schemas.microsoft.com/office/drawing/2014/main" id="{8105CBB4-A62C-646D-028E-C22D78DFD5E9}"/>
-              </a:ext>
-            </a:extLst>
-          </p:cNvPr>
-          <p:cNvSpPr/>
-          <p:nvPr/>
-        </p:nvSpPr>
-        <p:spPr>
-          <a:xfrm flipV="1">
-            <a:off x="0" y="1046870"/>
-            <a:ext cx="12192000" cy="9144"/>
-          </a:xfrm>
-          <a:prstGeom prst="flowChartProcess">
-            <a:avLst/>
-          </a:prstGeom>
-          <a:solidFill>
-            <a:srgbClr val="D41B2C"/>
-          </a:solidFill>
-          <a:ln>
-            <a:noFill/>
-          </a:ln>
-        </p:spPr>
-        <p:style>
-          <a:lnRef idx="2">
-            <a:schemeClr val="accent1">
-              <a:shade val="15000"/>
-            </a:schemeClr>
-          </a:lnRef>
-          <a:fillRef idx="1">
-            <a:schemeClr val="accent1"/>
-          </a:fillRef>
-          <a:effectRef idx="0">
-            <a:schemeClr val="accent1"/>
-          </a:effectRef>
-          <a:fontRef idx="minor">
-            <a:schemeClr val="lt1"/>
-          </a:fontRef>
-        </p:style>
-        <p:txBody>
-          <a:bodyPr rtlCol="0" anchor="ctr"/>
-          <a:lstStyle/>
-          <a:p>
-            <a:pPr algn="ctr"/>
-            <a:endParaRPr lang="zh-CN" altLang="en-US"/>
-          </a:p>
-        </p:txBody>
-      </p:sp>
-      <p:sp>
-        <p:nvSpPr>
-          <p:cNvPr id="12" name="TextBox 11">
-            <a:extLst>
-              <a:ext uri="{FF2B5EF4-FFF2-40B4-BE49-F238E27FC236}">
-                <a16:creationId xmlns:a16="http://schemas.microsoft.com/office/drawing/2014/main" id="{65946DDA-9B38-D45D-47C8-45F709A0CAA4}"/>
-              </a:ext>
-            </a:extLst>
-          </p:cNvPr>
-          <p:cNvSpPr txBox="1"/>
-          <p:nvPr/>
-        </p:nvSpPr>
-        <p:spPr>
-          <a:xfrm>
-            <a:off x="6348401" y="4363379"/>
-            <a:ext cx="5324096" cy="403316"/>
+            <a:off x="1105914" y="1783465"/>
+            <a:ext cx="9980171" cy="403316"/>
           </a:xfrm>
           <a:prstGeom prst="rect">
             <a:avLst/>
@@ -11169,7 +10175,7 @@
           <a:p>
             <a:r>
               <a:rPr lang="en-US" altLang="zh-CN" dirty="0"/>
-              <a:t>Todo</a:t>
+              <a:t>Estimate the generalization error</a:t>
             </a:r>
           </a:p>
         </p:txBody>
@@ -11177,7 +10183,7 @@
     </p:spTree>
     <p:extLst>
       <p:ext uri="{BB962C8B-B14F-4D97-AF65-F5344CB8AC3E}">
-        <p14:creationId xmlns:p14="http://schemas.microsoft.com/office/powerpoint/2010/main" val="3767392265"/>
+        <p14:creationId xmlns:p14="http://schemas.microsoft.com/office/powerpoint/2010/main" val="1459056116"/>
       </p:ext>
     </p:extLst>
   </p:cSld>
@@ -11187,7 +10193,7 @@
 </p:sld>
 </file>
 
-<file path=ppt/slides/slide31.xml><?xml version="1.0" encoding="utf-8"?>
+<file path=ppt/slides/slide3.xml><?xml version="1.0" encoding="utf-8"?>
 <p:sld xmlns:a="http://schemas.openxmlformats.org/drawingml/2006/main" xmlns:r="http://schemas.openxmlformats.org/officeDocument/2006/relationships" xmlns:p="http://schemas.openxmlformats.org/presentationml/2006/main">
   <p:cSld>
     <p:spTree>
@@ -11218,8 +10224,8 @@
         </p:nvSpPr>
         <p:spPr>
           <a:xfrm>
-            <a:off x="781878" y="95532"/>
-            <a:ext cx="11410122" cy="820674"/>
+            <a:off x="0" y="98695"/>
+            <a:ext cx="12192000" cy="714234"/>
           </a:xfrm>
           <a:prstGeom prst="rect">
             <a:avLst/>
@@ -11232,23 +10238,17 @@
           </a:bodyPr>
           <a:lstStyle/>
           <a:p>
-            <a:pPr>
+            <a:pPr lvl="1">
               <a:lnSpc>
-                <a:spcPct val="150000"/>
+                <a:spcPct val="120000"/>
               </a:lnSpc>
+              <a:buClr>
+                <a:srgbClr val="D41B2C"/>
+              </a:buClr>
             </a:pPr>
             <a:r>
-              <a:rPr lang="en-US" altLang="zh-CN" sz="3600" dirty="0">
-                <a:solidFill>
-                  <a:schemeClr val="bg2">
-                    <a:lumMod val="25000"/>
-                  </a:schemeClr>
-                </a:solidFill>
-                <a:latin typeface="Arial" panose="020B0604020202020204" pitchFamily="34" charset="0"/>
-                <a:ea typeface="微软雅黑" panose="020B0503020204020204" pitchFamily="34" charset="-122"/>
-                <a:cs typeface="Arial" panose="020B0604020202020204" pitchFamily="34" charset="0"/>
-              </a:rPr>
-              <a:t>Discussions</a:t>
+              <a:rPr lang="en-US" altLang="zh-CN" sz="3600" b="1" dirty="0"/>
+              <a:t>Best Estimator Hyperparameters</a:t>
             </a:r>
           </a:p>
         </p:txBody>
@@ -11276,7 +10276,7 @@
           <a:p>
             <a:fld id="{CD1615FA-664A-4E3E-8664-50FDFADF9207}" type="slidenum">
               <a:rPr lang="zh-CN" altLang="en-US" smtClean="0"/>
-              <a:t>31</a:t>
+              <a:t>3</a:t>
             </a:fld>
             <a:endParaRPr lang="zh-CN" altLang="en-US"/>
           </a:p>
@@ -11336,10 +10336,10 @@
       </p:sp>
       <p:sp>
         <p:nvSpPr>
-          <p:cNvPr id="3" name="TextBox 2">
-            <a:extLst>
-              <a:ext uri="{FF2B5EF4-FFF2-40B4-BE49-F238E27FC236}">
-                <a16:creationId xmlns:a16="http://schemas.microsoft.com/office/drawing/2014/main" id="{AABB78DE-C76A-CC73-923F-075FFB8EC3F0}"/>
+          <p:cNvPr id="4" name="TextBox 3">
+            <a:extLst>
+              <a:ext uri="{FF2B5EF4-FFF2-40B4-BE49-F238E27FC236}">
+                <a16:creationId xmlns:a16="http://schemas.microsoft.com/office/drawing/2014/main" id="{9D18040C-32C7-18B1-9503-7077020AE38B}"/>
               </a:ext>
             </a:extLst>
           </p:cNvPr>
@@ -11348,8 +10348,8 @@
         </p:nvSpPr>
         <p:spPr>
           <a:xfrm>
-            <a:off x="1105914" y="1783465"/>
-            <a:ext cx="9980171" cy="403316"/>
+            <a:off x="781875" y="1213971"/>
+            <a:ext cx="2200810" cy="403316"/>
           </a:xfrm>
           <a:prstGeom prst="rect">
             <a:avLst/>
@@ -11360,11 +10360,9 @@
           <a:bodyPr wrap="square">
             <a:spAutoFit/>
           </a:bodyPr>
-          <a:lstStyle>
-            <a:defPPr>
-              <a:defRPr lang="zh-CN"/>
-            </a:defPPr>
-            <a:lvl1pPr marL="285750" indent="-285750">
+          <a:lstStyle/>
+          <a:p>
+            <a:pPr marL="285750" indent="-285750">
               <a:lnSpc>
                 <a:spcPct val="120000"/>
               </a:lnSpc>
@@ -11373,30 +10371,348 @@
               </a:buClr>
               <a:buFont typeface="Wingdings" panose="05000000000000000000" pitchFamily="2" charset="2"/>
               <a:buChar char="n"/>
-            </a:lvl1pPr>
-            <a:lvl2pPr marL="742950" lvl="1" indent="-285750">
+            </a:pPr>
+            <a:r>
+              <a:rPr lang="en-US" altLang="zh-CN" dirty="0"/>
+              <a:t>SGD Classifier</a:t>
+            </a:r>
+          </a:p>
+        </p:txBody>
+      </p:sp>
+      <p:sp>
+        <p:nvSpPr>
+          <p:cNvPr id="12" name="TextBox 11">
+            <a:extLst>
+              <a:ext uri="{FF2B5EF4-FFF2-40B4-BE49-F238E27FC236}">
+                <a16:creationId xmlns:a16="http://schemas.microsoft.com/office/drawing/2014/main" id="{9581FB40-1A81-2DD5-47E7-DE62FC671078}"/>
+              </a:ext>
+            </a:extLst>
+          </p:cNvPr>
+          <p:cNvSpPr txBox="1"/>
+          <p:nvPr/>
+        </p:nvSpPr>
+        <p:spPr>
+          <a:xfrm>
+            <a:off x="781875" y="2355393"/>
+            <a:ext cx="2734211" cy="403316"/>
+          </a:xfrm>
+          <a:prstGeom prst="rect">
+            <a:avLst/>
+          </a:prstGeom>
+          <a:noFill/>
+        </p:spPr>
+        <p:txBody>
+          <a:bodyPr wrap="square">
+            <a:spAutoFit/>
+          </a:bodyPr>
+          <a:lstStyle/>
+          <a:p>
+            <a:pPr marL="285750" indent="-285750">
               <a:lnSpc>
                 <a:spcPct val="120000"/>
               </a:lnSpc>
               <a:buClr>
                 <a:srgbClr val="D41B2C"/>
               </a:buClr>
-              <a:buFont typeface="Arial" panose="020B0604020202020204" pitchFamily="34" charset="0"/>
-              <a:buChar char="•"/>
-            </a:lvl2pPr>
-          </a:lstStyle>
-          <a:p>
+              <a:buFont typeface="Wingdings" panose="05000000000000000000" pitchFamily="2" charset="2"/>
+              <a:buChar char="n"/>
+            </a:pPr>
             <a:r>
               <a:rPr lang="en-US" altLang="zh-CN" dirty="0"/>
-              <a:t>Estimate the generalization error</a:t>
-            </a:r>
-          </a:p>
-        </p:txBody>
-      </p:sp>
+              <a:t>Ada Boost Classifier</a:t>
+            </a:r>
+          </a:p>
+        </p:txBody>
+      </p:sp>
+      <p:sp>
+        <p:nvSpPr>
+          <p:cNvPr id="15" name="TextBox 14">
+            <a:extLst>
+              <a:ext uri="{FF2B5EF4-FFF2-40B4-BE49-F238E27FC236}">
+                <a16:creationId xmlns:a16="http://schemas.microsoft.com/office/drawing/2014/main" id="{2828F9F5-FEDA-C88D-CDCC-B1517A9DE1DB}"/>
+              </a:ext>
+            </a:extLst>
+          </p:cNvPr>
+          <p:cNvSpPr txBox="1"/>
+          <p:nvPr/>
+        </p:nvSpPr>
+        <p:spPr>
+          <a:xfrm>
+            <a:off x="781875" y="3569369"/>
+            <a:ext cx="3202295" cy="403316"/>
+          </a:xfrm>
+          <a:prstGeom prst="rect">
+            <a:avLst/>
+          </a:prstGeom>
+          <a:noFill/>
+        </p:spPr>
+        <p:txBody>
+          <a:bodyPr wrap="square">
+            <a:spAutoFit/>
+          </a:bodyPr>
+          <a:lstStyle/>
+          <a:p>
+            <a:pPr marL="285750" indent="-285750">
+              <a:lnSpc>
+                <a:spcPct val="120000"/>
+              </a:lnSpc>
+              <a:buClr>
+                <a:srgbClr val="D41B2C"/>
+              </a:buClr>
+              <a:buFont typeface="Wingdings" panose="05000000000000000000" pitchFamily="2" charset="2"/>
+              <a:buChar char="n"/>
+            </a:pPr>
+            <a:r>
+              <a:rPr lang="en-US" altLang="zh-CN" dirty="0"/>
+              <a:t>Decision Tree Classifier</a:t>
+            </a:r>
+          </a:p>
+        </p:txBody>
+      </p:sp>
+      <p:sp>
+        <p:nvSpPr>
+          <p:cNvPr id="16" name="TextBox 15">
+            <a:extLst>
+              <a:ext uri="{FF2B5EF4-FFF2-40B4-BE49-F238E27FC236}">
+                <a16:creationId xmlns:a16="http://schemas.microsoft.com/office/drawing/2014/main" id="{97394631-B02E-5D74-9BD0-4E65252B3F59}"/>
+              </a:ext>
+            </a:extLst>
+          </p:cNvPr>
+          <p:cNvSpPr txBox="1"/>
+          <p:nvPr/>
+        </p:nvSpPr>
+        <p:spPr>
+          <a:xfrm>
+            <a:off x="781875" y="4657008"/>
+            <a:ext cx="4007839" cy="403316"/>
+          </a:xfrm>
+          <a:prstGeom prst="rect">
+            <a:avLst/>
+          </a:prstGeom>
+          <a:noFill/>
+        </p:spPr>
+        <p:txBody>
+          <a:bodyPr wrap="square">
+            <a:spAutoFit/>
+          </a:bodyPr>
+          <a:lstStyle/>
+          <a:p>
+            <a:pPr marL="285750" indent="-285750">
+              <a:lnSpc>
+                <a:spcPct val="120000"/>
+              </a:lnSpc>
+              <a:buClr>
+                <a:srgbClr val="D41B2C"/>
+              </a:buClr>
+              <a:buFont typeface="Wingdings" panose="05000000000000000000" pitchFamily="2" charset="2"/>
+              <a:buChar char="n"/>
+            </a:pPr>
+            <a:r>
+              <a:rPr lang="en-US" altLang="zh-CN" dirty="0"/>
+              <a:t>Gradient Boosting Classifier</a:t>
+            </a:r>
+          </a:p>
+        </p:txBody>
+      </p:sp>
+      <p:sp>
+        <p:nvSpPr>
+          <p:cNvPr id="17" name="TextBox 16">
+            <a:extLst>
+              <a:ext uri="{FF2B5EF4-FFF2-40B4-BE49-F238E27FC236}">
+                <a16:creationId xmlns:a16="http://schemas.microsoft.com/office/drawing/2014/main" id="{C086C5FC-9521-4974-CE85-5943642ACE93}"/>
+              </a:ext>
+            </a:extLst>
+          </p:cNvPr>
+          <p:cNvSpPr txBox="1"/>
+          <p:nvPr/>
+        </p:nvSpPr>
+        <p:spPr>
+          <a:xfrm>
+            <a:off x="781876" y="5628806"/>
+            <a:ext cx="3517982" cy="403316"/>
+          </a:xfrm>
+          <a:prstGeom prst="rect">
+            <a:avLst/>
+          </a:prstGeom>
+          <a:noFill/>
+        </p:spPr>
+        <p:txBody>
+          <a:bodyPr wrap="square">
+            <a:spAutoFit/>
+          </a:bodyPr>
+          <a:lstStyle/>
+          <a:p>
+            <a:pPr marL="285750" indent="-285750">
+              <a:lnSpc>
+                <a:spcPct val="120000"/>
+              </a:lnSpc>
+              <a:buClr>
+                <a:srgbClr val="D41B2C"/>
+              </a:buClr>
+              <a:buFont typeface="Wingdings" panose="05000000000000000000" pitchFamily="2" charset="2"/>
+              <a:buChar char="n"/>
+            </a:pPr>
+            <a:r>
+              <a:rPr lang="en-US" altLang="zh-CN" dirty="0"/>
+              <a:t>Random forest classifier</a:t>
+            </a:r>
+          </a:p>
+        </p:txBody>
+      </p:sp>
+      <p:pic>
+        <p:nvPicPr>
+          <p:cNvPr id="5" name="Picture 4">
+            <a:extLst>
+              <a:ext uri="{FF2B5EF4-FFF2-40B4-BE49-F238E27FC236}">
+                <a16:creationId xmlns:a16="http://schemas.microsoft.com/office/drawing/2014/main" id="{EFFAF6AA-D9AD-AB43-5503-18C52E82E9FB}"/>
+              </a:ext>
+            </a:extLst>
+          </p:cNvPr>
+          <p:cNvPicPr>
+            <a:picLocks noChangeAspect="1"/>
+          </p:cNvPicPr>
+          <p:nvPr/>
+        </p:nvPicPr>
+        <p:blipFill>
+          <a:blip r:embed="rId2"/>
+          <a:stretch>
+            <a:fillRect/>
+          </a:stretch>
+        </p:blipFill>
+        <p:spPr>
+          <a:xfrm>
+            <a:off x="926355" y="1596140"/>
+            <a:ext cx="9055845" cy="665595"/>
+          </a:xfrm>
+          <a:prstGeom prst="rect">
+            <a:avLst/>
+          </a:prstGeom>
+        </p:spPr>
+      </p:pic>
+      <p:pic>
+        <p:nvPicPr>
+          <p:cNvPr id="9" name="Picture 8">
+            <a:extLst>
+              <a:ext uri="{FF2B5EF4-FFF2-40B4-BE49-F238E27FC236}">
+                <a16:creationId xmlns:a16="http://schemas.microsoft.com/office/drawing/2014/main" id="{9AE72E87-9B3C-A92E-8057-EF61A2E5EDE8}"/>
+              </a:ext>
+            </a:extLst>
+          </p:cNvPr>
+          <p:cNvPicPr>
+            <a:picLocks noChangeAspect="1"/>
+          </p:cNvPicPr>
+          <p:nvPr/>
+        </p:nvPicPr>
+        <p:blipFill>
+          <a:blip r:embed="rId3"/>
+          <a:stretch>
+            <a:fillRect/>
+          </a:stretch>
+        </p:blipFill>
+        <p:spPr>
+          <a:xfrm>
+            <a:off x="926355" y="2792649"/>
+            <a:ext cx="8822576" cy="649122"/>
+          </a:xfrm>
+          <a:prstGeom prst="rect">
+            <a:avLst/>
+          </a:prstGeom>
+        </p:spPr>
+      </p:pic>
+      <p:pic>
+        <p:nvPicPr>
+          <p:cNvPr id="13" name="Picture 12">
+            <a:extLst>
+              <a:ext uri="{FF2B5EF4-FFF2-40B4-BE49-F238E27FC236}">
+                <a16:creationId xmlns:a16="http://schemas.microsoft.com/office/drawing/2014/main" id="{FFCC65B4-AC31-F408-C6CD-3A721160373B}"/>
+              </a:ext>
+            </a:extLst>
+          </p:cNvPr>
+          <p:cNvPicPr>
+            <a:picLocks noChangeAspect="1"/>
+          </p:cNvPicPr>
+          <p:nvPr/>
+        </p:nvPicPr>
+        <p:blipFill>
+          <a:blip r:embed="rId4"/>
+          <a:stretch>
+            <a:fillRect/>
+          </a:stretch>
+        </p:blipFill>
+        <p:spPr>
+          <a:xfrm>
+            <a:off x="926355" y="3955040"/>
+            <a:ext cx="8015890" cy="629347"/>
+          </a:xfrm>
+          <a:prstGeom prst="rect">
+            <a:avLst/>
+          </a:prstGeom>
+        </p:spPr>
+      </p:pic>
+      <p:pic>
+        <p:nvPicPr>
+          <p:cNvPr id="24" name="Picture 23">
+            <a:extLst>
+              <a:ext uri="{FF2B5EF4-FFF2-40B4-BE49-F238E27FC236}">
+                <a16:creationId xmlns:a16="http://schemas.microsoft.com/office/drawing/2014/main" id="{C8AAC7D7-2E1F-4F1B-3054-F9BFC1A26E51}"/>
+              </a:ext>
+            </a:extLst>
+          </p:cNvPr>
+          <p:cNvPicPr>
+            <a:picLocks noChangeAspect="1"/>
+          </p:cNvPicPr>
+          <p:nvPr/>
+        </p:nvPicPr>
+        <p:blipFill>
+          <a:blip r:embed="rId5"/>
+          <a:stretch>
+            <a:fillRect/>
+          </a:stretch>
+        </p:blipFill>
+        <p:spPr>
+          <a:xfrm>
+            <a:off x="926354" y="5026898"/>
+            <a:ext cx="7865477" cy="601908"/>
+          </a:xfrm>
+          <a:prstGeom prst="rect">
+            <a:avLst/>
+          </a:prstGeom>
+        </p:spPr>
+      </p:pic>
+      <p:pic>
+        <p:nvPicPr>
+          <p:cNvPr id="27" name="Picture 26">
+            <a:extLst>
+              <a:ext uri="{FF2B5EF4-FFF2-40B4-BE49-F238E27FC236}">
+                <a16:creationId xmlns:a16="http://schemas.microsoft.com/office/drawing/2014/main" id="{B6726C26-A451-7F15-F9A1-C2484D35B1E3}"/>
+              </a:ext>
+            </a:extLst>
+          </p:cNvPr>
+          <p:cNvPicPr>
+            <a:picLocks noChangeAspect="1"/>
+          </p:cNvPicPr>
+          <p:nvPr/>
+        </p:nvPicPr>
+        <p:blipFill>
+          <a:blip r:embed="rId6"/>
+          <a:stretch>
+            <a:fillRect/>
+          </a:stretch>
+        </p:blipFill>
+        <p:spPr>
+          <a:xfrm>
+            <a:off x="855228" y="5951483"/>
+            <a:ext cx="8616411" cy="649121"/>
+          </a:xfrm>
+          <a:prstGeom prst="rect">
+            <a:avLst/>
+          </a:prstGeom>
+        </p:spPr>
+      </p:pic>
     </p:spTree>
     <p:extLst>
       <p:ext uri="{BB962C8B-B14F-4D97-AF65-F5344CB8AC3E}">
-        <p14:creationId xmlns:p14="http://schemas.microsoft.com/office/powerpoint/2010/main" val="1459056116"/>
+        <p14:creationId xmlns:p14="http://schemas.microsoft.com/office/powerpoint/2010/main" val="3598018591"/>
       </p:ext>
     </p:extLst>
   </p:cSld>
@@ -12228,7 +11544,7 @@
         </p:nvSpPr>
         <p:spPr>
           <a:xfrm>
-            <a:off x="6270481" y="1631852"/>
+            <a:off x="1236568" y="1542053"/>
             <a:ext cx="5083319" cy="403316"/>
           </a:xfrm>
           <a:prstGeom prst="rect">
@@ -12281,8 +11597,8 @@
         </p:blipFill>
         <p:spPr>
           <a:xfrm>
-            <a:off x="1607828" y="2188454"/>
-            <a:ext cx="3206915" cy="3035456"/>
+            <a:off x="1636109" y="2188453"/>
+            <a:ext cx="3906852" cy="3697971"/>
           </a:xfrm>
           <a:prstGeom prst="rect">
             <a:avLst/>
@@ -12742,7 +12058,15 @@
             </a:pPr>
             <a:r>
               <a:rPr lang="en-US" altLang="zh-CN" dirty="0"/>
-              <a:t>Best threshold is 0.53.</a:t>
+              <a:t>Best threshold is 0.53. After adjusting the classification threshold, the </a:t>
+            </a:r>
+            <a:r>
+              <a:rPr lang="en-US" altLang="zh-CN" b="1" dirty="0"/>
+              <a:t>false positives</a:t>
+            </a:r>
+            <a:r>
+              <a:rPr lang="en-US" altLang="zh-CN" dirty="0"/>
+              <a:t> is much lower. </a:t>
             </a:r>
           </a:p>
         </p:txBody>
@@ -13066,7 +12390,7 @@
         <p:spPr>
           <a:xfrm>
             <a:off x="1264936" y="5495559"/>
-            <a:ext cx="9607656" cy="403316"/>
+            <a:ext cx="9607656" cy="735714"/>
           </a:xfrm>
           <a:prstGeom prst="rect">
             <a:avLst/>
@@ -13091,7 +12415,23 @@
             </a:pPr>
             <a:r>
               <a:rPr lang="en-US" altLang="zh-CN" dirty="0"/>
-              <a:t>Todo</a:t>
+              <a:t>Compared with the default model, </a:t>
+            </a:r>
+            <a:r>
+              <a:rPr lang="en-US" altLang="zh-CN" b="1" dirty="0"/>
+              <a:t>false positives </a:t>
+            </a:r>
+            <a:r>
+              <a:rPr lang="en-US" altLang="zh-CN" dirty="0"/>
+              <a:t>increase, and the </a:t>
+            </a:r>
+            <a:r>
+              <a:rPr lang="en-US" altLang="zh-CN" b="1" dirty="0"/>
+              <a:t>precision score</a:t>
+            </a:r>
+            <a:r>
+              <a:rPr lang="en-US" altLang="zh-CN" dirty="0"/>
+              <a:t> is much lower. </a:t>
             </a:r>
             <a:endParaRPr lang="en-US" altLang="zh-CN" b="1" dirty="0"/>
           </a:p>

--- a/submissions/phase3/stepvi.pptx
+++ b/submissions/phase3/stepvi.pptx
@@ -11,27 +11,24 @@
     <p:sldId id="283" r:id="rId5"/>
     <p:sldId id="284" r:id="rId6"/>
     <p:sldId id="285" r:id="rId7"/>
-    <p:sldId id="286" r:id="rId8"/>
-    <p:sldId id="304" r:id="rId9"/>
-    <p:sldId id="282" r:id="rId10"/>
-    <p:sldId id="264" r:id="rId11"/>
-    <p:sldId id="287" r:id="rId12"/>
-    <p:sldId id="305" r:id="rId13"/>
-    <p:sldId id="290" r:id="rId14"/>
-    <p:sldId id="291" r:id="rId15"/>
-    <p:sldId id="298" r:id="rId16"/>
-    <p:sldId id="294" r:id="rId17"/>
-    <p:sldId id="281" r:id="rId18"/>
-    <p:sldId id="292" r:id="rId19"/>
-    <p:sldId id="303" r:id="rId20"/>
-    <p:sldId id="307" r:id="rId21"/>
-    <p:sldId id="296" r:id="rId22"/>
-    <p:sldId id="297" r:id="rId23"/>
-    <p:sldId id="293" r:id="rId24"/>
-    <p:sldId id="309" r:id="rId25"/>
-    <p:sldId id="295" r:id="rId26"/>
-    <p:sldId id="308" r:id="rId27"/>
-    <p:sldId id="279" r:id="rId28"/>
+    <p:sldId id="304" r:id="rId8"/>
+    <p:sldId id="282" r:id="rId9"/>
+    <p:sldId id="264" r:id="rId10"/>
+    <p:sldId id="287" r:id="rId11"/>
+    <p:sldId id="305" r:id="rId12"/>
+    <p:sldId id="290" r:id="rId13"/>
+    <p:sldId id="291" r:id="rId14"/>
+    <p:sldId id="298" r:id="rId15"/>
+    <p:sldId id="294" r:id="rId16"/>
+    <p:sldId id="281" r:id="rId17"/>
+    <p:sldId id="292" r:id="rId18"/>
+    <p:sldId id="303" r:id="rId19"/>
+    <p:sldId id="307" r:id="rId20"/>
+    <p:sldId id="296" r:id="rId21"/>
+    <p:sldId id="297" r:id="rId22"/>
+    <p:sldId id="293" r:id="rId23"/>
+    <p:sldId id="309" r:id="rId24"/>
+    <p:sldId id="295" r:id="rId25"/>
   </p:sldIdLst>
   <p:sldSz cx="12192000" cy="6858000"/>
   <p:notesSz cx="6858000" cy="9144000"/>
@@ -3851,7 +3848,7 @@
         </p:nvSpPr>
         <p:spPr>
           <a:xfrm>
-            <a:off x="0" y="95532"/>
+            <a:off x="0" y="98695"/>
             <a:ext cx="12192000" cy="714234"/>
           </a:xfrm>
           <a:prstGeom prst="rect">
@@ -3875,7 +3872,7 @@
             </a:pPr>
             <a:r>
               <a:rPr lang="en-US" altLang="zh-CN" sz="3600" b="1" dirty="0"/>
-              <a:t>Random forest classifier – Performance on validation</a:t>
+              <a:t>RF classifier – Permutation Feature Importance</a:t>
             </a:r>
           </a:p>
         </p:txBody>
@@ -3963,6 +3960,1893 @@
       </p:sp>
       <p:sp>
         <p:nvSpPr>
+          <p:cNvPr id="3" name="TextBox 2">
+            <a:extLst>
+              <a:ext uri="{FF2B5EF4-FFF2-40B4-BE49-F238E27FC236}">
+                <a16:creationId xmlns:a16="http://schemas.microsoft.com/office/drawing/2014/main" id="{C979F83D-DA62-1AAB-3AB3-7631CE43ADB6}"/>
+              </a:ext>
+            </a:extLst>
+          </p:cNvPr>
+          <p:cNvSpPr txBox="1"/>
+          <p:nvPr/>
+        </p:nvSpPr>
+        <p:spPr>
+          <a:xfrm>
+            <a:off x="6881225" y="1729823"/>
+            <a:ext cx="5083319" cy="403316"/>
+          </a:xfrm>
+          <a:prstGeom prst="rect">
+            <a:avLst/>
+          </a:prstGeom>
+          <a:noFill/>
+        </p:spPr>
+        <p:txBody>
+          <a:bodyPr wrap="square">
+            <a:spAutoFit/>
+          </a:bodyPr>
+          <a:lstStyle/>
+          <a:p>
+            <a:pPr marL="285750" indent="-285750">
+              <a:lnSpc>
+                <a:spcPct val="120000"/>
+              </a:lnSpc>
+              <a:buClr>
+                <a:srgbClr val="D41B2C"/>
+              </a:buClr>
+              <a:buFont typeface="Wingdings" panose="05000000000000000000" pitchFamily="2" charset="2"/>
+              <a:buChar char="n"/>
+            </a:pPr>
+            <a:r>
+              <a:rPr lang="en-US" altLang="zh-CN" dirty="0"/>
+              <a:t>This is a list of the most significant attributes.</a:t>
+            </a:r>
+          </a:p>
+        </p:txBody>
+      </p:sp>
+      <p:pic>
+        <p:nvPicPr>
+          <p:cNvPr id="8" name="Picture 7">
+            <a:extLst>
+              <a:ext uri="{FF2B5EF4-FFF2-40B4-BE49-F238E27FC236}">
+                <a16:creationId xmlns:a16="http://schemas.microsoft.com/office/drawing/2014/main" id="{826728DA-576D-B655-92B8-4657D4C13A97}"/>
+              </a:ext>
+            </a:extLst>
+          </p:cNvPr>
+          <p:cNvPicPr>
+            <a:picLocks noChangeAspect="1"/>
+          </p:cNvPicPr>
+          <p:nvPr/>
+        </p:nvPicPr>
+        <p:blipFill>
+          <a:blip r:embed="rId2"/>
+          <a:stretch>
+            <a:fillRect/>
+          </a:stretch>
+        </p:blipFill>
+        <p:spPr>
+          <a:xfrm>
+            <a:off x="7446567" y="2541112"/>
+            <a:ext cx="3302170" cy="2838596"/>
+          </a:xfrm>
+          <a:prstGeom prst="rect">
+            <a:avLst/>
+          </a:prstGeom>
+        </p:spPr>
+      </p:pic>
+      <p:pic>
+        <p:nvPicPr>
+          <p:cNvPr id="12" name="Picture 11">
+            <a:extLst>
+              <a:ext uri="{FF2B5EF4-FFF2-40B4-BE49-F238E27FC236}">
+                <a16:creationId xmlns:a16="http://schemas.microsoft.com/office/drawing/2014/main" id="{35B971DE-8196-3C9B-49F6-264E18913FEE}"/>
+              </a:ext>
+            </a:extLst>
+          </p:cNvPr>
+          <p:cNvPicPr>
+            <a:picLocks noChangeAspect="1"/>
+          </p:cNvPicPr>
+          <p:nvPr/>
+        </p:nvPicPr>
+        <p:blipFill>
+          <a:blip r:embed="rId3"/>
+          <a:stretch>
+            <a:fillRect/>
+          </a:stretch>
+        </p:blipFill>
+        <p:spPr>
+          <a:xfrm>
+            <a:off x="1365169" y="1931481"/>
+            <a:ext cx="3257717" cy="3448227"/>
+          </a:xfrm>
+          <a:prstGeom prst="rect">
+            <a:avLst/>
+          </a:prstGeom>
+        </p:spPr>
+      </p:pic>
+    </p:spTree>
+    <p:extLst>
+      <p:ext uri="{BB962C8B-B14F-4D97-AF65-F5344CB8AC3E}">
+        <p14:creationId xmlns:p14="http://schemas.microsoft.com/office/powerpoint/2010/main" val="936837740"/>
+      </p:ext>
+    </p:extLst>
+  </p:cSld>
+  <p:clrMapOvr>
+    <a:masterClrMapping/>
+  </p:clrMapOvr>
+</p:sld>
+</file>
+
+<file path=ppt/slides/slide11.xml><?xml version="1.0" encoding="utf-8"?>
+<p:sld xmlns:a="http://schemas.openxmlformats.org/drawingml/2006/main" xmlns:r="http://schemas.openxmlformats.org/officeDocument/2006/relationships" xmlns:p="http://schemas.openxmlformats.org/presentationml/2006/main">
+  <p:cSld>
+    <p:spTree>
+      <p:nvGrpSpPr>
+        <p:cNvPr id="1" name=""/>
+        <p:cNvGrpSpPr/>
+        <p:nvPr/>
+      </p:nvGrpSpPr>
+      <p:grpSpPr>
+        <a:xfrm>
+          <a:off x="0" y="0"/>
+          <a:ext cx="0" cy="0"/>
+          <a:chOff x="0" y="0"/>
+          <a:chExt cx="0" cy="0"/>
+        </a:xfrm>
+      </p:grpSpPr>
+      <p:sp>
+        <p:nvSpPr>
+          <p:cNvPr id="7" name="TextBox 6">
+            <a:extLst>
+              <a:ext uri="{FF2B5EF4-FFF2-40B4-BE49-F238E27FC236}">
+                <a16:creationId xmlns:a16="http://schemas.microsoft.com/office/drawing/2014/main" id="{5D125FF5-A4BE-F7D1-48A3-B299B2BD4C00}"/>
+              </a:ext>
+            </a:extLst>
+          </p:cNvPr>
+          <p:cNvSpPr txBox="1"/>
+          <p:nvPr/>
+        </p:nvSpPr>
+        <p:spPr>
+          <a:xfrm>
+            <a:off x="-1" y="98695"/>
+            <a:ext cx="12191999" cy="714234"/>
+          </a:xfrm>
+          <a:prstGeom prst="rect">
+            <a:avLst/>
+          </a:prstGeom>
+          <a:noFill/>
+        </p:spPr>
+        <p:txBody>
+          <a:bodyPr wrap="square">
+            <a:spAutoFit/>
+          </a:bodyPr>
+          <a:lstStyle/>
+          <a:p>
+            <a:pPr lvl="1">
+              <a:lnSpc>
+                <a:spcPct val="120000"/>
+              </a:lnSpc>
+              <a:buClr>
+                <a:srgbClr val="D41B2C"/>
+              </a:buClr>
+            </a:pPr>
+            <a:r>
+              <a:rPr lang="en-US" altLang="zh-CN" sz="3600" b="1" dirty="0"/>
+              <a:t>RF classifier – Assess classification thresholds</a:t>
+            </a:r>
+          </a:p>
+        </p:txBody>
+      </p:sp>
+      <p:sp>
+        <p:nvSpPr>
+          <p:cNvPr id="11" name="Slide Number Placeholder 10">
+            <a:extLst>
+              <a:ext uri="{FF2B5EF4-FFF2-40B4-BE49-F238E27FC236}">
+                <a16:creationId xmlns:a16="http://schemas.microsoft.com/office/drawing/2014/main" id="{E4FAC7AA-BDB7-F7C0-F177-96942C945B33}"/>
+              </a:ext>
+            </a:extLst>
+          </p:cNvPr>
+          <p:cNvSpPr>
+            <a:spLocks noGrp="1"/>
+          </p:cNvSpPr>
+          <p:nvPr>
+            <p:ph type="sldNum" sz="quarter" idx="12"/>
+          </p:nvPr>
+        </p:nvSpPr>
+        <p:spPr/>
+        <p:txBody>
+          <a:bodyPr/>
+          <a:lstStyle/>
+          <a:p>
+            <a:fld id="{CD1615FA-664A-4E3E-8664-50FDFADF9207}" type="slidenum">
+              <a:rPr lang="zh-CN" altLang="en-US" smtClean="0"/>
+              <a:t>11</a:t>
+            </a:fld>
+            <a:endParaRPr lang="zh-CN" altLang="en-US"/>
+          </a:p>
+        </p:txBody>
+      </p:sp>
+      <p:sp>
+        <p:nvSpPr>
+          <p:cNvPr id="2" name="Flowchart: Process 1">
+            <a:extLst>
+              <a:ext uri="{FF2B5EF4-FFF2-40B4-BE49-F238E27FC236}">
+                <a16:creationId xmlns:a16="http://schemas.microsoft.com/office/drawing/2014/main" id="{8105CBB4-A62C-646D-028E-C22D78DFD5E9}"/>
+              </a:ext>
+            </a:extLst>
+          </p:cNvPr>
+          <p:cNvSpPr/>
+          <p:nvPr/>
+        </p:nvSpPr>
+        <p:spPr>
+          <a:xfrm flipV="1">
+            <a:off x="0" y="1046870"/>
+            <a:ext cx="12192000" cy="9144"/>
+          </a:xfrm>
+          <a:prstGeom prst="flowChartProcess">
+            <a:avLst/>
+          </a:prstGeom>
+          <a:solidFill>
+            <a:srgbClr val="D41B2C"/>
+          </a:solidFill>
+          <a:ln>
+            <a:noFill/>
+          </a:ln>
+        </p:spPr>
+        <p:style>
+          <a:lnRef idx="2">
+            <a:schemeClr val="accent1">
+              <a:shade val="15000"/>
+            </a:schemeClr>
+          </a:lnRef>
+          <a:fillRef idx="1">
+            <a:schemeClr val="accent1"/>
+          </a:fillRef>
+          <a:effectRef idx="0">
+            <a:schemeClr val="accent1"/>
+          </a:effectRef>
+          <a:fontRef idx="minor">
+            <a:schemeClr val="lt1"/>
+          </a:fontRef>
+        </p:style>
+        <p:txBody>
+          <a:bodyPr rtlCol="0" anchor="ctr"/>
+          <a:lstStyle/>
+          <a:p>
+            <a:pPr algn="ctr"/>
+            <a:endParaRPr lang="zh-CN" altLang="en-US"/>
+          </a:p>
+        </p:txBody>
+      </p:sp>
+      <p:sp>
+        <p:nvSpPr>
+          <p:cNvPr id="4" name="TextBox 3">
+            <a:extLst>
+              <a:ext uri="{FF2B5EF4-FFF2-40B4-BE49-F238E27FC236}">
+                <a16:creationId xmlns:a16="http://schemas.microsoft.com/office/drawing/2014/main" id="{9D18040C-32C7-18B1-9503-7077020AE38B}"/>
+              </a:ext>
+            </a:extLst>
+          </p:cNvPr>
+          <p:cNvSpPr txBox="1"/>
+          <p:nvPr/>
+        </p:nvSpPr>
+        <p:spPr>
+          <a:xfrm>
+            <a:off x="1668449" y="5455745"/>
+            <a:ext cx="9483460" cy="403316"/>
+          </a:xfrm>
+          <a:prstGeom prst="rect">
+            <a:avLst/>
+          </a:prstGeom>
+          <a:noFill/>
+        </p:spPr>
+        <p:txBody>
+          <a:bodyPr wrap="square">
+            <a:spAutoFit/>
+          </a:bodyPr>
+          <a:lstStyle/>
+          <a:p>
+            <a:pPr marL="285750" indent="-285750">
+              <a:lnSpc>
+                <a:spcPct val="120000"/>
+              </a:lnSpc>
+              <a:buClr>
+                <a:srgbClr val="D41B2C"/>
+              </a:buClr>
+              <a:buFont typeface="Wingdings" panose="05000000000000000000" pitchFamily="2" charset="2"/>
+              <a:buChar char="n"/>
+            </a:pPr>
+            <a:r>
+              <a:rPr lang="en-US" altLang="zh-CN" b="1" dirty="0" err="1"/>
+              <a:t>best_threshold</a:t>
+            </a:r>
+            <a:r>
+              <a:rPr lang="en-US" altLang="zh-CN" b="1" dirty="0"/>
+              <a:t> </a:t>
+            </a:r>
+            <a:r>
+              <a:rPr lang="en-US" altLang="zh-CN" dirty="0"/>
+              <a:t>= 0.84. After using the best threshold, the </a:t>
+            </a:r>
+            <a:r>
+              <a:rPr lang="en-US" altLang="zh-CN" b="1" dirty="0"/>
+              <a:t>rate of Type I error</a:t>
+            </a:r>
+            <a:r>
+              <a:rPr lang="en-US" altLang="zh-CN" dirty="0"/>
+              <a:t> decreases.</a:t>
+            </a:r>
+          </a:p>
+        </p:txBody>
+      </p:sp>
+      <p:pic>
+        <p:nvPicPr>
+          <p:cNvPr id="5" name="Picture 4">
+            <a:extLst>
+              <a:ext uri="{FF2B5EF4-FFF2-40B4-BE49-F238E27FC236}">
+                <a16:creationId xmlns:a16="http://schemas.microsoft.com/office/drawing/2014/main" id="{05665948-7165-CB8B-9053-762F992505F0}"/>
+              </a:ext>
+            </a:extLst>
+          </p:cNvPr>
+          <p:cNvPicPr>
+            <a:picLocks noChangeAspect="1"/>
+          </p:cNvPicPr>
+          <p:nvPr/>
+        </p:nvPicPr>
+        <p:blipFill>
+          <a:blip r:embed="rId2"/>
+          <a:stretch>
+            <a:fillRect/>
+          </a:stretch>
+        </p:blipFill>
+        <p:spPr>
+          <a:xfrm>
+            <a:off x="388161" y="2335962"/>
+            <a:ext cx="3708591" cy="2876698"/>
+          </a:xfrm>
+          <a:prstGeom prst="rect">
+            <a:avLst/>
+          </a:prstGeom>
+        </p:spPr>
+      </p:pic>
+      <p:pic>
+        <p:nvPicPr>
+          <p:cNvPr id="8" name="Picture 7">
+            <a:extLst>
+              <a:ext uri="{FF2B5EF4-FFF2-40B4-BE49-F238E27FC236}">
+                <a16:creationId xmlns:a16="http://schemas.microsoft.com/office/drawing/2014/main" id="{7D2EC86E-DF89-B7BA-45FE-63747BC7B217}"/>
+              </a:ext>
+            </a:extLst>
+          </p:cNvPr>
+          <p:cNvPicPr>
+            <a:picLocks noChangeAspect="1"/>
+          </p:cNvPicPr>
+          <p:nvPr/>
+        </p:nvPicPr>
+        <p:blipFill>
+          <a:blip r:embed="rId3"/>
+          <a:stretch>
+            <a:fillRect/>
+          </a:stretch>
+        </p:blipFill>
+        <p:spPr>
+          <a:xfrm>
+            <a:off x="703330" y="1289955"/>
+            <a:ext cx="6191568" cy="711237"/>
+          </a:xfrm>
+          <a:prstGeom prst="rect">
+            <a:avLst/>
+          </a:prstGeom>
+        </p:spPr>
+      </p:pic>
+      <p:pic>
+        <p:nvPicPr>
+          <p:cNvPr id="10" name="Picture 9">
+            <a:extLst>
+              <a:ext uri="{FF2B5EF4-FFF2-40B4-BE49-F238E27FC236}">
+                <a16:creationId xmlns:a16="http://schemas.microsoft.com/office/drawing/2014/main" id="{12CF32B8-DE02-F668-7756-F20B79F4BE1C}"/>
+              </a:ext>
+            </a:extLst>
+          </p:cNvPr>
+          <p:cNvPicPr>
+            <a:picLocks noChangeAspect="1"/>
+          </p:cNvPicPr>
+          <p:nvPr/>
+        </p:nvPicPr>
+        <p:blipFill>
+          <a:blip r:embed="rId4"/>
+          <a:stretch>
+            <a:fillRect/>
+          </a:stretch>
+        </p:blipFill>
+        <p:spPr>
+          <a:xfrm>
+            <a:off x="8521648" y="1232414"/>
+            <a:ext cx="2006703" cy="927148"/>
+          </a:xfrm>
+          <a:prstGeom prst="rect">
+            <a:avLst/>
+          </a:prstGeom>
+        </p:spPr>
+      </p:pic>
+      <p:pic>
+        <p:nvPicPr>
+          <p:cNvPr id="13" name="Picture 12">
+            <a:extLst>
+              <a:ext uri="{FF2B5EF4-FFF2-40B4-BE49-F238E27FC236}">
+                <a16:creationId xmlns:a16="http://schemas.microsoft.com/office/drawing/2014/main" id="{1AD5CA1F-FD01-709E-39E0-D8556F7ACACC}"/>
+              </a:ext>
+            </a:extLst>
+          </p:cNvPr>
+          <p:cNvPicPr>
+            <a:picLocks noChangeAspect="1"/>
+          </p:cNvPicPr>
+          <p:nvPr/>
+        </p:nvPicPr>
+        <p:blipFill>
+          <a:blip r:embed="rId5"/>
+          <a:stretch>
+            <a:fillRect/>
+          </a:stretch>
+        </p:blipFill>
+        <p:spPr>
+          <a:xfrm>
+            <a:off x="4360207" y="2303305"/>
+            <a:ext cx="3657788" cy="2971953"/>
+          </a:xfrm>
+          <a:prstGeom prst="rect">
+            <a:avLst/>
+          </a:prstGeom>
+        </p:spPr>
+      </p:pic>
+      <p:pic>
+        <p:nvPicPr>
+          <p:cNvPr id="15" name="Picture 14">
+            <a:extLst>
+              <a:ext uri="{FF2B5EF4-FFF2-40B4-BE49-F238E27FC236}">
+                <a16:creationId xmlns:a16="http://schemas.microsoft.com/office/drawing/2014/main" id="{93B29C9C-7DB5-055B-28CA-988ED12F740F}"/>
+              </a:ext>
+            </a:extLst>
+          </p:cNvPr>
+          <p:cNvPicPr>
+            <a:picLocks noChangeAspect="1"/>
+          </p:cNvPicPr>
+          <p:nvPr/>
+        </p:nvPicPr>
+        <p:blipFill>
+          <a:blip r:embed="rId6"/>
+          <a:stretch>
+            <a:fillRect/>
+          </a:stretch>
+        </p:blipFill>
+        <p:spPr>
+          <a:xfrm>
+            <a:off x="8215905" y="2239317"/>
+            <a:ext cx="3587934" cy="2978303"/>
+          </a:xfrm>
+          <a:prstGeom prst="rect">
+            <a:avLst/>
+          </a:prstGeom>
+        </p:spPr>
+      </p:pic>
+    </p:spTree>
+    <p:extLst>
+      <p:ext uri="{BB962C8B-B14F-4D97-AF65-F5344CB8AC3E}">
+        <p14:creationId xmlns:p14="http://schemas.microsoft.com/office/powerpoint/2010/main" val="3562020861"/>
+      </p:ext>
+    </p:extLst>
+  </p:cSld>
+  <p:clrMapOvr>
+    <a:masterClrMapping/>
+  </p:clrMapOvr>
+</p:sld>
+</file>
+
+<file path=ppt/slides/slide12.xml><?xml version="1.0" encoding="utf-8"?>
+<p:sld xmlns:a="http://schemas.openxmlformats.org/drawingml/2006/main" xmlns:r="http://schemas.openxmlformats.org/officeDocument/2006/relationships" xmlns:p="http://schemas.openxmlformats.org/presentationml/2006/main">
+  <p:cSld>
+    <p:spTree>
+      <p:nvGrpSpPr>
+        <p:cNvPr id="1" name=""/>
+        <p:cNvGrpSpPr/>
+        <p:nvPr/>
+      </p:nvGrpSpPr>
+      <p:grpSpPr>
+        <a:xfrm>
+          <a:off x="0" y="0"/>
+          <a:ext cx="0" cy="0"/>
+          <a:chOff x="0" y="0"/>
+          <a:chExt cx="0" cy="0"/>
+        </a:xfrm>
+      </p:grpSpPr>
+      <p:sp>
+        <p:nvSpPr>
+          <p:cNvPr id="7" name="TextBox 6">
+            <a:extLst>
+              <a:ext uri="{FF2B5EF4-FFF2-40B4-BE49-F238E27FC236}">
+                <a16:creationId xmlns:a16="http://schemas.microsoft.com/office/drawing/2014/main" id="{5D125FF5-A4BE-F7D1-48A3-B299B2BD4C00}"/>
+              </a:ext>
+            </a:extLst>
+          </p:cNvPr>
+          <p:cNvSpPr txBox="1"/>
+          <p:nvPr/>
+        </p:nvSpPr>
+        <p:spPr>
+          <a:xfrm>
+            <a:off x="-1" y="98695"/>
+            <a:ext cx="12191999" cy="714234"/>
+          </a:xfrm>
+          <a:prstGeom prst="rect">
+            <a:avLst/>
+          </a:prstGeom>
+          <a:noFill/>
+        </p:spPr>
+        <p:txBody>
+          <a:bodyPr wrap="square">
+            <a:spAutoFit/>
+          </a:bodyPr>
+          <a:lstStyle/>
+          <a:p>
+            <a:pPr lvl="1">
+              <a:lnSpc>
+                <a:spcPct val="120000"/>
+              </a:lnSpc>
+              <a:buClr>
+                <a:srgbClr val="D41B2C"/>
+              </a:buClr>
+            </a:pPr>
+            <a:r>
+              <a:rPr lang="en-US" altLang="zh-CN" sz="3600" b="1" dirty="0"/>
+              <a:t>Decision Tree Classifier – Performance on train</a:t>
+            </a:r>
+          </a:p>
+        </p:txBody>
+      </p:sp>
+      <p:sp>
+        <p:nvSpPr>
+          <p:cNvPr id="11" name="Slide Number Placeholder 10">
+            <a:extLst>
+              <a:ext uri="{FF2B5EF4-FFF2-40B4-BE49-F238E27FC236}">
+                <a16:creationId xmlns:a16="http://schemas.microsoft.com/office/drawing/2014/main" id="{E4FAC7AA-BDB7-F7C0-F177-96942C945B33}"/>
+              </a:ext>
+            </a:extLst>
+          </p:cNvPr>
+          <p:cNvSpPr>
+            <a:spLocks noGrp="1"/>
+          </p:cNvSpPr>
+          <p:nvPr>
+            <p:ph type="sldNum" sz="quarter" idx="12"/>
+          </p:nvPr>
+        </p:nvSpPr>
+        <p:spPr>
+          <a:xfrm>
+            <a:off x="8610600" y="6299856"/>
+            <a:ext cx="2743200" cy="365125"/>
+          </a:xfrm>
+        </p:spPr>
+        <p:txBody>
+          <a:bodyPr/>
+          <a:lstStyle/>
+          <a:p>
+            <a:fld id="{CD1615FA-664A-4E3E-8664-50FDFADF9207}" type="slidenum">
+              <a:rPr lang="zh-CN" altLang="en-US" smtClean="0"/>
+              <a:t>12</a:t>
+            </a:fld>
+            <a:endParaRPr lang="zh-CN" altLang="en-US" dirty="0"/>
+          </a:p>
+        </p:txBody>
+      </p:sp>
+      <p:sp>
+        <p:nvSpPr>
+          <p:cNvPr id="2" name="Flowchart: Process 1">
+            <a:extLst>
+              <a:ext uri="{FF2B5EF4-FFF2-40B4-BE49-F238E27FC236}">
+                <a16:creationId xmlns:a16="http://schemas.microsoft.com/office/drawing/2014/main" id="{8105CBB4-A62C-646D-028E-C22D78DFD5E9}"/>
+              </a:ext>
+            </a:extLst>
+          </p:cNvPr>
+          <p:cNvSpPr/>
+          <p:nvPr/>
+        </p:nvSpPr>
+        <p:spPr>
+          <a:xfrm flipV="1">
+            <a:off x="0" y="1046870"/>
+            <a:ext cx="12192000" cy="9144"/>
+          </a:xfrm>
+          <a:prstGeom prst="flowChartProcess">
+            <a:avLst/>
+          </a:prstGeom>
+          <a:solidFill>
+            <a:srgbClr val="D41B2C"/>
+          </a:solidFill>
+          <a:ln>
+            <a:noFill/>
+          </a:ln>
+        </p:spPr>
+        <p:style>
+          <a:lnRef idx="2">
+            <a:schemeClr val="accent1">
+              <a:shade val="15000"/>
+            </a:schemeClr>
+          </a:lnRef>
+          <a:fillRef idx="1">
+            <a:schemeClr val="accent1"/>
+          </a:fillRef>
+          <a:effectRef idx="0">
+            <a:schemeClr val="accent1"/>
+          </a:effectRef>
+          <a:fontRef idx="minor">
+            <a:schemeClr val="lt1"/>
+          </a:fontRef>
+        </p:style>
+        <p:txBody>
+          <a:bodyPr rtlCol="0" anchor="ctr"/>
+          <a:lstStyle/>
+          <a:p>
+            <a:pPr algn="ctr"/>
+            <a:endParaRPr lang="zh-CN" altLang="en-US"/>
+          </a:p>
+        </p:txBody>
+      </p:sp>
+      <p:sp>
+        <p:nvSpPr>
+          <p:cNvPr id="16" name="TextBox 15">
+            <a:extLst>
+              <a:ext uri="{FF2B5EF4-FFF2-40B4-BE49-F238E27FC236}">
+                <a16:creationId xmlns:a16="http://schemas.microsoft.com/office/drawing/2014/main" id="{AF9174C3-8E94-70DD-E297-46F1F1BF9F01}"/>
+              </a:ext>
+            </a:extLst>
+          </p:cNvPr>
+          <p:cNvSpPr txBox="1"/>
+          <p:nvPr/>
+        </p:nvSpPr>
+        <p:spPr>
+          <a:xfrm>
+            <a:off x="1152395" y="5333611"/>
+            <a:ext cx="9241066" cy="403317"/>
+          </a:xfrm>
+          <a:prstGeom prst="rect">
+            <a:avLst/>
+          </a:prstGeom>
+          <a:noFill/>
+        </p:spPr>
+        <p:txBody>
+          <a:bodyPr wrap="square">
+            <a:spAutoFit/>
+          </a:bodyPr>
+          <a:lstStyle/>
+          <a:p>
+            <a:pPr marL="285750" indent="-285750">
+              <a:lnSpc>
+                <a:spcPct val="120000"/>
+              </a:lnSpc>
+              <a:buClr>
+                <a:srgbClr val="D41B2C"/>
+              </a:buClr>
+              <a:buFont typeface="Wingdings" panose="05000000000000000000" pitchFamily="2" charset="2"/>
+              <a:buChar char="n"/>
+            </a:pPr>
+            <a:r>
+              <a:rPr lang="en-US" altLang="zh-CN" dirty="0"/>
+              <a:t>Todo</a:t>
+            </a:r>
+          </a:p>
+        </p:txBody>
+      </p:sp>
+      <p:pic>
+        <p:nvPicPr>
+          <p:cNvPr id="4" name="Picture 3">
+            <a:extLst>
+              <a:ext uri="{FF2B5EF4-FFF2-40B4-BE49-F238E27FC236}">
+                <a16:creationId xmlns:a16="http://schemas.microsoft.com/office/drawing/2014/main" id="{0B9119EB-5758-61B1-27A4-A6741AF3BF9F}"/>
+              </a:ext>
+            </a:extLst>
+          </p:cNvPr>
+          <p:cNvPicPr>
+            <a:picLocks noChangeAspect="1"/>
+          </p:cNvPicPr>
+          <p:nvPr/>
+        </p:nvPicPr>
+        <p:blipFill>
+          <a:blip r:embed="rId2"/>
+          <a:stretch>
+            <a:fillRect/>
+          </a:stretch>
+        </p:blipFill>
+        <p:spPr>
+          <a:xfrm>
+            <a:off x="3006564" y="1375857"/>
+            <a:ext cx="6178868" cy="711237"/>
+          </a:xfrm>
+          <a:prstGeom prst="rect">
+            <a:avLst/>
+          </a:prstGeom>
+        </p:spPr>
+      </p:pic>
+      <p:pic>
+        <p:nvPicPr>
+          <p:cNvPr id="6" name="Picture 5">
+            <a:extLst>
+              <a:ext uri="{FF2B5EF4-FFF2-40B4-BE49-F238E27FC236}">
+                <a16:creationId xmlns:a16="http://schemas.microsoft.com/office/drawing/2014/main" id="{EA2CE7DA-3695-90EF-42CA-E024CD4BE599}"/>
+              </a:ext>
+            </a:extLst>
+          </p:cNvPr>
+          <p:cNvPicPr>
+            <a:picLocks noChangeAspect="1"/>
+          </p:cNvPicPr>
+          <p:nvPr/>
+        </p:nvPicPr>
+        <p:blipFill>
+          <a:blip r:embed="rId3"/>
+          <a:stretch>
+            <a:fillRect/>
+          </a:stretch>
+        </p:blipFill>
+        <p:spPr>
+          <a:xfrm>
+            <a:off x="1338892" y="3144999"/>
+            <a:ext cx="1981302" cy="914447"/>
+          </a:xfrm>
+          <a:prstGeom prst="rect">
+            <a:avLst/>
+          </a:prstGeom>
+        </p:spPr>
+      </p:pic>
+      <p:pic>
+        <p:nvPicPr>
+          <p:cNvPr id="10" name="Picture 9">
+            <a:extLst>
+              <a:ext uri="{FF2B5EF4-FFF2-40B4-BE49-F238E27FC236}">
+                <a16:creationId xmlns:a16="http://schemas.microsoft.com/office/drawing/2014/main" id="{73F437E8-61B5-DD28-E84E-F5125C2E8647}"/>
+              </a:ext>
+            </a:extLst>
+          </p:cNvPr>
+          <p:cNvPicPr>
+            <a:picLocks noChangeAspect="1"/>
+          </p:cNvPicPr>
+          <p:nvPr/>
+        </p:nvPicPr>
+        <p:blipFill>
+          <a:blip r:embed="rId4"/>
+          <a:stretch>
+            <a:fillRect/>
+          </a:stretch>
+        </p:blipFill>
+        <p:spPr>
+          <a:xfrm>
+            <a:off x="3690614" y="2307458"/>
+            <a:ext cx="3765744" cy="2971953"/>
+          </a:xfrm>
+          <a:prstGeom prst="rect">
+            <a:avLst/>
+          </a:prstGeom>
+        </p:spPr>
+      </p:pic>
+      <p:pic>
+        <p:nvPicPr>
+          <p:cNvPr id="13" name="Picture 12">
+            <a:extLst>
+              <a:ext uri="{FF2B5EF4-FFF2-40B4-BE49-F238E27FC236}">
+                <a16:creationId xmlns:a16="http://schemas.microsoft.com/office/drawing/2014/main" id="{ED67C577-FFDB-4BEA-3643-6C5D8A9B2F2F}"/>
+              </a:ext>
+            </a:extLst>
+          </p:cNvPr>
+          <p:cNvPicPr>
+            <a:picLocks noChangeAspect="1"/>
+          </p:cNvPicPr>
+          <p:nvPr/>
+        </p:nvPicPr>
+        <p:blipFill>
+          <a:blip r:embed="rId5"/>
+          <a:stretch>
+            <a:fillRect/>
+          </a:stretch>
+        </p:blipFill>
+        <p:spPr>
+          <a:xfrm>
+            <a:off x="7662543" y="2406937"/>
+            <a:ext cx="3594285" cy="2978303"/>
+          </a:xfrm>
+          <a:prstGeom prst="rect">
+            <a:avLst/>
+          </a:prstGeom>
+        </p:spPr>
+      </p:pic>
+    </p:spTree>
+    <p:extLst>
+      <p:ext uri="{BB962C8B-B14F-4D97-AF65-F5344CB8AC3E}">
+        <p14:creationId xmlns:p14="http://schemas.microsoft.com/office/powerpoint/2010/main" val="3954684719"/>
+      </p:ext>
+    </p:extLst>
+  </p:cSld>
+  <p:clrMapOvr>
+    <a:masterClrMapping/>
+  </p:clrMapOvr>
+</p:sld>
+</file>
+
+<file path=ppt/slides/slide13.xml><?xml version="1.0" encoding="utf-8"?>
+<p:sld xmlns:a="http://schemas.openxmlformats.org/drawingml/2006/main" xmlns:r="http://schemas.openxmlformats.org/officeDocument/2006/relationships" xmlns:p="http://schemas.openxmlformats.org/presentationml/2006/main">
+  <p:cSld>
+    <p:spTree>
+      <p:nvGrpSpPr>
+        <p:cNvPr id="1" name=""/>
+        <p:cNvGrpSpPr/>
+        <p:nvPr/>
+      </p:nvGrpSpPr>
+      <p:grpSpPr>
+        <a:xfrm>
+          <a:off x="0" y="0"/>
+          <a:ext cx="0" cy="0"/>
+          <a:chOff x="0" y="0"/>
+          <a:chExt cx="0" cy="0"/>
+        </a:xfrm>
+      </p:grpSpPr>
+      <p:sp>
+        <p:nvSpPr>
+          <p:cNvPr id="7" name="TextBox 6">
+            <a:extLst>
+              <a:ext uri="{FF2B5EF4-FFF2-40B4-BE49-F238E27FC236}">
+                <a16:creationId xmlns:a16="http://schemas.microsoft.com/office/drawing/2014/main" id="{5D125FF5-A4BE-F7D1-48A3-B299B2BD4C00}"/>
+              </a:ext>
+            </a:extLst>
+          </p:cNvPr>
+          <p:cNvSpPr txBox="1"/>
+          <p:nvPr/>
+        </p:nvSpPr>
+        <p:spPr>
+          <a:xfrm>
+            <a:off x="-1" y="98695"/>
+            <a:ext cx="12191999" cy="714234"/>
+          </a:xfrm>
+          <a:prstGeom prst="rect">
+            <a:avLst/>
+          </a:prstGeom>
+          <a:noFill/>
+        </p:spPr>
+        <p:txBody>
+          <a:bodyPr wrap="square">
+            <a:spAutoFit/>
+          </a:bodyPr>
+          <a:lstStyle/>
+          <a:p>
+            <a:pPr lvl="1">
+              <a:lnSpc>
+                <a:spcPct val="120000"/>
+              </a:lnSpc>
+              <a:buClr>
+                <a:srgbClr val="D41B2C"/>
+              </a:buClr>
+            </a:pPr>
+            <a:r>
+              <a:rPr lang="en-US" altLang="zh-CN" sz="3600" b="1" dirty="0"/>
+              <a:t>Decision Tree Classifier – Performance on validation</a:t>
+            </a:r>
+          </a:p>
+        </p:txBody>
+      </p:sp>
+      <p:sp>
+        <p:nvSpPr>
+          <p:cNvPr id="11" name="Slide Number Placeholder 10">
+            <a:extLst>
+              <a:ext uri="{FF2B5EF4-FFF2-40B4-BE49-F238E27FC236}">
+                <a16:creationId xmlns:a16="http://schemas.microsoft.com/office/drawing/2014/main" id="{E4FAC7AA-BDB7-F7C0-F177-96942C945B33}"/>
+              </a:ext>
+            </a:extLst>
+          </p:cNvPr>
+          <p:cNvSpPr>
+            <a:spLocks noGrp="1"/>
+          </p:cNvSpPr>
+          <p:nvPr>
+            <p:ph type="sldNum" sz="quarter" idx="12"/>
+          </p:nvPr>
+        </p:nvSpPr>
+        <p:spPr/>
+        <p:txBody>
+          <a:bodyPr/>
+          <a:lstStyle/>
+          <a:p>
+            <a:fld id="{CD1615FA-664A-4E3E-8664-50FDFADF9207}" type="slidenum">
+              <a:rPr lang="zh-CN" altLang="en-US" smtClean="0"/>
+              <a:t>13</a:t>
+            </a:fld>
+            <a:endParaRPr lang="zh-CN" altLang="en-US"/>
+          </a:p>
+        </p:txBody>
+      </p:sp>
+      <p:sp>
+        <p:nvSpPr>
+          <p:cNvPr id="2" name="Flowchart: Process 1">
+            <a:extLst>
+              <a:ext uri="{FF2B5EF4-FFF2-40B4-BE49-F238E27FC236}">
+                <a16:creationId xmlns:a16="http://schemas.microsoft.com/office/drawing/2014/main" id="{8105CBB4-A62C-646D-028E-C22D78DFD5E9}"/>
+              </a:ext>
+            </a:extLst>
+          </p:cNvPr>
+          <p:cNvSpPr/>
+          <p:nvPr/>
+        </p:nvSpPr>
+        <p:spPr>
+          <a:xfrm flipV="1">
+            <a:off x="0" y="1046870"/>
+            <a:ext cx="12192000" cy="9144"/>
+          </a:xfrm>
+          <a:prstGeom prst="flowChartProcess">
+            <a:avLst/>
+          </a:prstGeom>
+          <a:solidFill>
+            <a:srgbClr val="D41B2C"/>
+          </a:solidFill>
+          <a:ln>
+            <a:noFill/>
+          </a:ln>
+        </p:spPr>
+        <p:style>
+          <a:lnRef idx="2">
+            <a:schemeClr val="accent1">
+              <a:shade val="15000"/>
+            </a:schemeClr>
+          </a:lnRef>
+          <a:fillRef idx="1">
+            <a:schemeClr val="accent1"/>
+          </a:fillRef>
+          <a:effectRef idx="0">
+            <a:schemeClr val="accent1"/>
+          </a:effectRef>
+          <a:fontRef idx="minor">
+            <a:schemeClr val="lt1"/>
+          </a:fontRef>
+        </p:style>
+        <p:txBody>
+          <a:bodyPr rtlCol="0" anchor="ctr"/>
+          <a:lstStyle/>
+          <a:p>
+            <a:pPr algn="ctr"/>
+            <a:endParaRPr lang="zh-CN" altLang="en-US"/>
+          </a:p>
+        </p:txBody>
+      </p:sp>
+      <p:sp>
+        <p:nvSpPr>
+          <p:cNvPr id="4" name="TextBox 3">
+            <a:extLst>
+              <a:ext uri="{FF2B5EF4-FFF2-40B4-BE49-F238E27FC236}">
+                <a16:creationId xmlns:a16="http://schemas.microsoft.com/office/drawing/2014/main" id="{9D18040C-32C7-18B1-9503-7077020AE38B}"/>
+              </a:ext>
+            </a:extLst>
+          </p:cNvPr>
+          <p:cNvSpPr txBox="1"/>
+          <p:nvPr/>
+        </p:nvSpPr>
+        <p:spPr>
+          <a:xfrm>
+            <a:off x="1064713" y="5407814"/>
+            <a:ext cx="9666951" cy="403316"/>
+          </a:xfrm>
+          <a:prstGeom prst="rect">
+            <a:avLst/>
+          </a:prstGeom>
+          <a:noFill/>
+        </p:spPr>
+        <p:txBody>
+          <a:bodyPr wrap="square">
+            <a:spAutoFit/>
+          </a:bodyPr>
+          <a:lstStyle/>
+          <a:p>
+            <a:pPr marL="285750" indent="-285750">
+              <a:lnSpc>
+                <a:spcPct val="120000"/>
+              </a:lnSpc>
+              <a:buClr>
+                <a:srgbClr val="D41B2C"/>
+              </a:buClr>
+              <a:buFont typeface="Wingdings" panose="05000000000000000000" pitchFamily="2" charset="2"/>
+              <a:buChar char="n"/>
+            </a:pPr>
+            <a:r>
+              <a:rPr lang="en-US" altLang="zh-CN" dirty="0"/>
+              <a:t>The performances on the train set and validation set are similar.</a:t>
+            </a:r>
+          </a:p>
+        </p:txBody>
+      </p:sp>
+      <p:pic>
+        <p:nvPicPr>
+          <p:cNvPr id="5" name="Picture 4">
+            <a:extLst>
+              <a:ext uri="{FF2B5EF4-FFF2-40B4-BE49-F238E27FC236}">
+                <a16:creationId xmlns:a16="http://schemas.microsoft.com/office/drawing/2014/main" id="{CF8DFBF6-8DCA-F47E-C624-122678ACBE5C}"/>
+              </a:ext>
+            </a:extLst>
+          </p:cNvPr>
+          <p:cNvPicPr>
+            <a:picLocks noChangeAspect="1"/>
+          </p:cNvPicPr>
+          <p:nvPr/>
+        </p:nvPicPr>
+        <p:blipFill>
+          <a:blip r:embed="rId2"/>
+          <a:stretch>
+            <a:fillRect/>
+          </a:stretch>
+        </p:blipFill>
+        <p:spPr>
+          <a:xfrm>
+            <a:off x="2805579" y="1358149"/>
+            <a:ext cx="6185218" cy="749339"/>
+          </a:xfrm>
+          <a:prstGeom prst="rect">
+            <a:avLst/>
+          </a:prstGeom>
+        </p:spPr>
+      </p:pic>
+      <p:pic>
+        <p:nvPicPr>
+          <p:cNvPr id="8" name="Picture 7">
+            <a:extLst>
+              <a:ext uri="{FF2B5EF4-FFF2-40B4-BE49-F238E27FC236}">
+                <a16:creationId xmlns:a16="http://schemas.microsoft.com/office/drawing/2014/main" id="{18736D05-5A7C-49A3-892A-78E764379280}"/>
+              </a:ext>
+            </a:extLst>
+          </p:cNvPr>
+          <p:cNvPicPr>
+            <a:picLocks noChangeAspect="1"/>
+          </p:cNvPicPr>
+          <p:nvPr/>
+        </p:nvPicPr>
+        <p:blipFill>
+          <a:blip r:embed="rId3"/>
+          <a:stretch>
+            <a:fillRect/>
+          </a:stretch>
+        </p:blipFill>
+        <p:spPr>
+          <a:xfrm>
+            <a:off x="1150660" y="3154356"/>
+            <a:ext cx="1987652" cy="958899"/>
+          </a:xfrm>
+          <a:prstGeom prst="rect">
+            <a:avLst/>
+          </a:prstGeom>
+        </p:spPr>
+      </p:pic>
+      <p:pic>
+        <p:nvPicPr>
+          <p:cNvPr id="10" name="Picture 9">
+            <a:extLst>
+              <a:ext uri="{FF2B5EF4-FFF2-40B4-BE49-F238E27FC236}">
+                <a16:creationId xmlns:a16="http://schemas.microsoft.com/office/drawing/2014/main" id="{A46FA345-3F98-165E-7FB4-7B74C2233685}"/>
+              </a:ext>
+            </a:extLst>
+          </p:cNvPr>
+          <p:cNvPicPr>
+            <a:picLocks noChangeAspect="1"/>
+          </p:cNvPicPr>
+          <p:nvPr/>
+        </p:nvPicPr>
+        <p:blipFill>
+          <a:blip r:embed="rId4"/>
+          <a:stretch>
+            <a:fillRect/>
+          </a:stretch>
+        </p:blipFill>
+        <p:spPr>
+          <a:xfrm>
+            <a:off x="3646620" y="2350573"/>
+            <a:ext cx="3657788" cy="2978303"/>
+          </a:xfrm>
+          <a:prstGeom prst="rect">
+            <a:avLst/>
+          </a:prstGeom>
+        </p:spPr>
+      </p:pic>
+      <p:pic>
+        <p:nvPicPr>
+          <p:cNvPr id="13" name="Picture 12">
+            <a:extLst>
+              <a:ext uri="{FF2B5EF4-FFF2-40B4-BE49-F238E27FC236}">
+                <a16:creationId xmlns:a16="http://schemas.microsoft.com/office/drawing/2014/main" id="{7E9406FD-BC3F-82E4-7EAE-9CA847CFBEB6}"/>
+              </a:ext>
+            </a:extLst>
+          </p:cNvPr>
+          <p:cNvPicPr>
+            <a:picLocks noChangeAspect="1"/>
+          </p:cNvPicPr>
+          <p:nvPr/>
+        </p:nvPicPr>
+        <p:blipFill>
+          <a:blip r:embed="rId5"/>
+          <a:stretch>
+            <a:fillRect/>
+          </a:stretch>
+        </p:blipFill>
+        <p:spPr>
+          <a:xfrm>
+            <a:off x="7696012" y="2350573"/>
+            <a:ext cx="3657788" cy="2946551"/>
+          </a:xfrm>
+          <a:prstGeom prst="rect">
+            <a:avLst/>
+          </a:prstGeom>
+        </p:spPr>
+      </p:pic>
+    </p:spTree>
+    <p:extLst>
+      <p:ext uri="{BB962C8B-B14F-4D97-AF65-F5344CB8AC3E}">
+        <p14:creationId xmlns:p14="http://schemas.microsoft.com/office/powerpoint/2010/main" val="350333477"/>
+      </p:ext>
+    </p:extLst>
+  </p:cSld>
+  <p:clrMapOvr>
+    <a:masterClrMapping/>
+  </p:clrMapOvr>
+</p:sld>
+</file>
+
+<file path=ppt/slides/slide14.xml><?xml version="1.0" encoding="utf-8"?>
+<p:sld xmlns:a="http://schemas.openxmlformats.org/drawingml/2006/main" xmlns:r="http://schemas.openxmlformats.org/officeDocument/2006/relationships" xmlns:p="http://schemas.openxmlformats.org/presentationml/2006/main">
+  <p:cSld>
+    <p:spTree>
+      <p:nvGrpSpPr>
+        <p:cNvPr id="1" name=""/>
+        <p:cNvGrpSpPr/>
+        <p:nvPr/>
+      </p:nvGrpSpPr>
+      <p:grpSpPr>
+        <a:xfrm>
+          <a:off x="0" y="0"/>
+          <a:ext cx="0" cy="0"/>
+          <a:chOff x="0" y="0"/>
+          <a:chExt cx="0" cy="0"/>
+        </a:xfrm>
+      </p:grpSpPr>
+      <p:sp>
+        <p:nvSpPr>
+          <p:cNvPr id="7" name="TextBox 6">
+            <a:extLst>
+              <a:ext uri="{FF2B5EF4-FFF2-40B4-BE49-F238E27FC236}">
+                <a16:creationId xmlns:a16="http://schemas.microsoft.com/office/drawing/2014/main" id="{5D125FF5-A4BE-F7D1-48A3-B299B2BD4C00}"/>
+              </a:ext>
+            </a:extLst>
+          </p:cNvPr>
+          <p:cNvSpPr txBox="1"/>
+          <p:nvPr/>
+        </p:nvSpPr>
+        <p:spPr>
+          <a:xfrm>
+            <a:off x="0" y="98695"/>
+            <a:ext cx="12192000" cy="714234"/>
+          </a:xfrm>
+          <a:prstGeom prst="rect">
+            <a:avLst/>
+          </a:prstGeom>
+          <a:noFill/>
+        </p:spPr>
+        <p:txBody>
+          <a:bodyPr wrap="square">
+            <a:spAutoFit/>
+          </a:bodyPr>
+          <a:lstStyle/>
+          <a:p>
+            <a:pPr lvl="1">
+              <a:lnSpc>
+                <a:spcPct val="120000"/>
+              </a:lnSpc>
+              <a:buClr>
+                <a:srgbClr val="D41B2C"/>
+              </a:buClr>
+            </a:pPr>
+            <a:r>
+              <a:rPr lang="en-US" altLang="zh-CN" sz="3600" b="1" dirty="0"/>
+              <a:t>DT Classifier– Permutation Feature Importance</a:t>
+            </a:r>
+          </a:p>
+        </p:txBody>
+      </p:sp>
+      <p:sp>
+        <p:nvSpPr>
+          <p:cNvPr id="11" name="Slide Number Placeholder 10">
+            <a:extLst>
+              <a:ext uri="{FF2B5EF4-FFF2-40B4-BE49-F238E27FC236}">
+                <a16:creationId xmlns:a16="http://schemas.microsoft.com/office/drawing/2014/main" id="{E4FAC7AA-BDB7-F7C0-F177-96942C945B33}"/>
+              </a:ext>
+            </a:extLst>
+          </p:cNvPr>
+          <p:cNvSpPr>
+            <a:spLocks noGrp="1"/>
+          </p:cNvSpPr>
+          <p:nvPr>
+            <p:ph type="sldNum" sz="quarter" idx="12"/>
+          </p:nvPr>
+        </p:nvSpPr>
+        <p:spPr/>
+        <p:txBody>
+          <a:bodyPr/>
+          <a:lstStyle/>
+          <a:p>
+            <a:fld id="{CD1615FA-664A-4E3E-8664-50FDFADF9207}" type="slidenum">
+              <a:rPr lang="zh-CN" altLang="en-US" smtClean="0"/>
+              <a:t>14</a:t>
+            </a:fld>
+            <a:endParaRPr lang="zh-CN" altLang="en-US"/>
+          </a:p>
+        </p:txBody>
+      </p:sp>
+      <p:sp>
+        <p:nvSpPr>
+          <p:cNvPr id="2" name="Flowchart: Process 1">
+            <a:extLst>
+              <a:ext uri="{FF2B5EF4-FFF2-40B4-BE49-F238E27FC236}">
+                <a16:creationId xmlns:a16="http://schemas.microsoft.com/office/drawing/2014/main" id="{8105CBB4-A62C-646D-028E-C22D78DFD5E9}"/>
+              </a:ext>
+            </a:extLst>
+          </p:cNvPr>
+          <p:cNvSpPr/>
+          <p:nvPr/>
+        </p:nvSpPr>
+        <p:spPr>
+          <a:xfrm flipV="1">
+            <a:off x="0" y="1046870"/>
+            <a:ext cx="12192000" cy="9144"/>
+          </a:xfrm>
+          <a:prstGeom prst="flowChartProcess">
+            <a:avLst/>
+          </a:prstGeom>
+          <a:solidFill>
+            <a:srgbClr val="D41B2C"/>
+          </a:solidFill>
+          <a:ln>
+            <a:noFill/>
+          </a:ln>
+        </p:spPr>
+        <p:style>
+          <a:lnRef idx="2">
+            <a:schemeClr val="accent1">
+              <a:shade val="15000"/>
+            </a:schemeClr>
+          </a:lnRef>
+          <a:fillRef idx="1">
+            <a:schemeClr val="accent1"/>
+          </a:fillRef>
+          <a:effectRef idx="0">
+            <a:schemeClr val="accent1"/>
+          </a:effectRef>
+          <a:fontRef idx="minor">
+            <a:schemeClr val="lt1"/>
+          </a:fontRef>
+        </p:style>
+        <p:txBody>
+          <a:bodyPr rtlCol="0" anchor="ctr"/>
+          <a:lstStyle/>
+          <a:p>
+            <a:pPr algn="ctr"/>
+            <a:endParaRPr lang="zh-CN" altLang="en-US"/>
+          </a:p>
+        </p:txBody>
+      </p:sp>
+      <p:sp>
+        <p:nvSpPr>
+          <p:cNvPr id="3" name="TextBox 2">
+            <a:extLst>
+              <a:ext uri="{FF2B5EF4-FFF2-40B4-BE49-F238E27FC236}">
+                <a16:creationId xmlns:a16="http://schemas.microsoft.com/office/drawing/2014/main" id="{8A498E7B-01A7-2741-5514-5380B811BA01}"/>
+              </a:ext>
+            </a:extLst>
+          </p:cNvPr>
+          <p:cNvSpPr txBox="1"/>
+          <p:nvPr/>
+        </p:nvSpPr>
+        <p:spPr>
+          <a:xfrm>
+            <a:off x="868137" y="1383446"/>
+            <a:ext cx="5083319" cy="403316"/>
+          </a:xfrm>
+          <a:prstGeom prst="rect">
+            <a:avLst/>
+          </a:prstGeom>
+          <a:noFill/>
+        </p:spPr>
+        <p:txBody>
+          <a:bodyPr wrap="square">
+            <a:spAutoFit/>
+          </a:bodyPr>
+          <a:lstStyle/>
+          <a:p>
+            <a:pPr marL="285750" indent="-285750">
+              <a:lnSpc>
+                <a:spcPct val="120000"/>
+              </a:lnSpc>
+              <a:buClr>
+                <a:srgbClr val="D41B2C"/>
+              </a:buClr>
+              <a:buFont typeface="Wingdings" panose="05000000000000000000" pitchFamily="2" charset="2"/>
+              <a:buChar char="n"/>
+            </a:pPr>
+            <a:r>
+              <a:rPr lang="en-US" altLang="zh-CN" dirty="0"/>
+              <a:t>This is a list of the most significant attributes.</a:t>
+            </a:r>
+          </a:p>
+        </p:txBody>
+      </p:sp>
+      <p:pic>
+        <p:nvPicPr>
+          <p:cNvPr id="6" name="Picture 5">
+            <a:extLst>
+              <a:ext uri="{FF2B5EF4-FFF2-40B4-BE49-F238E27FC236}">
+                <a16:creationId xmlns:a16="http://schemas.microsoft.com/office/drawing/2014/main" id="{3981A781-DB84-3EC5-055C-DBC01435E95C}"/>
+              </a:ext>
+            </a:extLst>
+          </p:cNvPr>
+          <p:cNvPicPr>
+            <a:picLocks noChangeAspect="1"/>
+          </p:cNvPicPr>
+          <p:nvPr/>
+        </p:nvPicPr>
+        <p:blipFill>
+          <a:blip r:embed="rId2"/>
+          <a:stretch>
+            <a:fillRect/>
+          </a:stretch>
+        </p:blipFill>
+        <p:spPr>
+          <a:xfrm>
+            <a:off x="1557132" y="2114194"/>
+            <a:ext cx="2984653" cy="2800494"/>
+          </a:xfrm>
+          <a:prstGeom prst="rect">
+            <a:avLst/>
+          </a:prstGeom>
+        </p:spPr>
+      </p:pic>
+      <p:pic>
+        <p:nvPicPr>
+          <p:cNvPr id="9" name="Picture 8">
+            <a:extLst>
+              <a:ext uri="{FF2B5EF4-FFF2-40B4-BE49-F238E27FC236}">
+                <a16:creationId xmlns:a16="http://schemas.microsoft.com/office/drawing/2014/main" id="{4ACE656E-70A1-A487-FC8E-4272E08F816A}"/>
+              </a:ext>
+            </a:extLst>
+          </p:cNvPr>
+          <p:cNvPicPr>
+            <a:picLocks noChangeAspect="1"/>
+          </p:cNvPicPr>
+          <p:nvPr/>
+        </p:nvPicPr>
+        <p:blipFill>
+          <a:blip r:embed="rId3"/>
+          <a:stretch>
+            <a:fillRect/>
+          </a:stretch>
+        </p:blipFill>
+        <p:spPr>
+          <a:xfrm>
+            <a:off x="6096000" y="2260251"/>
+            <a:ext cx="2971953" cy="2508379"/>
+          </a:xfrm>
+          <a:prstGeom prst="rect">
+            <a:avLst/>
+          </a:prstGeom>
+        </p:spPr>
+      </p:pic>
+    </p:spTree>
+    <p:extLst>
+      <p:ext uri="{BB962C8B-B14F-4D97-AF65-F5344CB8AC3E}">
+        <p14:creationId xmlns:p14="http://schemas.microsoft.com/office/powerpoint/2010/main" val="1109016149"/>
+      </p:ext>
+    </p:extLst>
+  </p:cSld>
+  <p:clrMapOvr>
+    <a:masterClrMapping/>
+  </p:clrMapOvr>
+</p:sld>
+</file>
+
+<file path=ppt/slides/slide15.xml><?xml version="1.0" encoding="utf-8"?>
+<p:sld xmlns:a="http://schemas.openxmlformats.org/drawingml/2006/main" xmlns:r="http://schemas.openxmlformats.org/officeDocument/2006/relationships" xmlns:p="http://schemas.openxmlformats.org/presentationml/2006/main">
+  <p:cSld>
+    <p:spTree>
+      <p:nvGrpSpPr>
+        <p:cNvPr id="1" name=""/>
+        <p:cNvGrpSpPr/>
+        <p:nvPr/>
+      </p:nvGrpSpPr>
+      <p:grpSpPr>
+        <a:xfrm>
+          <a:off x="0" y="0"/>
+          <a:ext cx="0" cy="0"/>
+          <a:chOff x="0" y="0"/>
+          <a:chExt cx="0" cy="0"/>
+        </a:xfrm>
+      </p:grpSpPr>
+      <p:sp>
+        <p:nvSpPr>
+          <p:cNvPr id="7" name="TextBox 6">
+            <a:extLst>
+              <a:ext uri="{FF2B5EF4-FFF2-40B4-BE49-F238E27FC236}">
+                <a16:creationId xmlns:a16="http://schemas.microsoft.com/office/drawing/2014/main" id="{5D125FF5-A4BE-F7D1-48A3-B299B2BD4C00}"/>
+              </a:ext>
+            </a:extLst>
+          </p:cNvPr>
+          <p:cNvSpPr txBox="1"/>
+          <p:nvPr/>
+        </p:nvSpPr>
+        <p:spPr>
+          <a:xfrm>
+            <a:off x="-1" y="98695"/>
+            <a:ext cx="12191999" cy="714234"/>
+          </a:xfrm>
+          <a:prstGeom prst="rect">
+            <a:avLst/>
+          </a:prstGeom>
+          <a:noFill/>
+        </p:spPr>
+        <p:txBody>
+          <a:bodyPr wrap="square">
+            <a:spAutoFit/>
+          </a:bodyPr>
+          <a:lstStyle/>
+          <a:p>
+            <a:pPr lvl="1">
+              <a:lnSpc>
+                <a:spcPct val="120000"/>
+              </a:lnSpc>
+              <a:buClr>
+                <a:srgbClr val="D41B2C"/>
+              </a:buClr>
+            </a:pPr>
+            <a:r>
+              <a:rPr lang="en-US" altLang="zh-CN" sz="3600" b="1" dirty="0"/>
+              <a:t>DT Classifier – Assess classification thresholds</a:t>
+            </a:r>
+          </a:p>
+        </p:txBody>
+      </p:sp>
+      <p:sp>
+        <p:nvSpPr>
+          <p:cNvPr id="11" name="Slide Number Placeholder 10">
+            <a:extLst>
+              <a:ext uri="{FF2B5EF4-FFF2-40B4-BE49-F238E27FC236}">
+                <a16:creationId xmlns:a16="http://schemas.microsoft.com/office/drawing/2014/main" id="{E4FAC7AA-BDB7-F7C0-F177-96942C945B33}"/>
+              </a:ext>
+            </a:extLst>
+          </p:cNvPr>
+          <p:cNvSpPr>
+            <a:spLocks noGrp="1"/>
+          </p:cNvSpPr>
+          <p:nvPr>
+            <p:ph type="sldNum" sz="quarter" idx="12"/>
+          </p:nvPr>
+        </p:nvSpPr>
+        <p:spPr/>
+        <p:txBody>
+          <a:bodyPr/>
+          <a:lstStyle/>
+          <a:p>
+            <a:fld id="{CD1615FA-664A-4E3E-8664-50FDFADF9207}" type="slidenum">
+              <a:rPr lang="zh-CN" altLang="en-US" smtClean="0"/>
+              <a:t>15</a:t>
+            </a:fld>
+            <a:endParaRPr lang="zh-CN" altLang="en-US"/>
+          </a:p>
+        </p:txBody>
+      </p:sp>
+      <p:sp>
+        <p:nvSpPr>
+          <p:cNvPr id="2" name="Flowchart: Process 1">
+            <a:extLst>
+              <a:ext uri="{FF2B5EF4-FFF2-40B4-BE49-F238E27FC236}">
+                <a16:creationId xmlns:a16="http://schemas.microsoft.com/office/drawing/2014/main" id="{8105CBB4-A62C-646D-028E-C22D78DFD5E9}"/>
+              </a:ext>
+            </a:extLst>
+          </p:cNvPr>
+          <p:cNvSpPr/>
+          <p:nvPr/>
+        </p:nvSpPr>
+        <p:spPr>
+          <a:xfrm flipV="1">
+            <a:off x="0" y="1046870"/>
+            <a:ext cx="12192000" cy="9144"/>
+          </a:xfrm>
+          <a:prstGeom prst="flowChartProcess">
+            <a:avLst/>
+          </a:prstGeom>
+          <a:solidFill>
+            <a:srgbClr val="D41B2C"/>
+          </a:solidFill>
+          <a:ln>
+            <a:noFill/>
+          </a:ln>
+        </p:spPr>
+        <p:style>
+          <a:lnRef idx="2">
+            <a:schemeClr val="accent1">
+              <a:shade val="15000"/>
+            </a:schemeClr>
+          </a:lnRef>
+          <a:fillRef idx="1">
+            <a:schemeClr val="accent1"/>
+          </a:fillRef>
+          <a:effectRef idx="0">
+            <a:schemeClr val="accent1"/>
+          </a:effectRef>
+          <a:fontRef idx="minor">
+            <a:schemeClr val="lt1"/>
+          </a:fontRef>
+        </p:style>
+        <p:txBody>
+          <a:bodyPr rtlCol="0" anchor="ctr"/>
+          <a:lstStyle/>
+          <a:p>
+            <a:pPr algn="ctr"/>
+            <a:endParaRPr lang="zh-CN" altLang="en-US"/>
+          </a:p>
+        </p:txBody>
+      </p:sp>
+      <p:sp>
+        <p:nvSpPr>
+          <p:cNvPr id="4" name="TextBox 3">
+            <a:extLst>
+              <a:ext uri="{FF2B5EF4-FFF2-40B4-BE49-F238E27FC236}">
+                <a16:creationId xmlns:a16="http://schemas.microsoft.com/office/drawing/2014/main" id="{9D18040C-32C7-18B1-9503-7077020AE38B}"/>
+              </a:ext>
+            </a:extLst>
+          </p:cNvPr>
+          <p:cNvSpPr txBox="1"/>
+          <p:nvPr/>
+        </p:nvSpPr>
+        <p:spPr>
+          <a:xfrm>
+            <a:off x="1555714" y="5475205"/>
+            <a:ext cx="9003429" cy="735714"/>
+          </a:xfrm>
+          <a:prstGeom prst="rect">
+            <a:avLst/>
+          </a:prstGeom>
+          <a:noFill/>
+        </p:spPr>
+        <p:txBody>
+          <a:bodyPr wrap="square">
+            <a:spAutoFit/>
+          </a:bodyPr>
+          <a:lstStyle/>
+          <a:p>
+            <a:pPr marL="285750" indent="-285750">
+              <a:lnSpc>
+                <a:spcPct val="120000"/>
+              </a:lnSpc>
+              <a:buClr>
+                <a:srgbClr val="D41B2C"/>
+              </a:buClr>
+              <a:buFont typeface="Wingdings" panose="05000000000000000000" pitchFamily="2" charset="2"/>
+              <a:buChar char="n"/>
+            </a:pPr>
+            <a:r>
+              <a:rPr lang="en-US" altLang="zh-CN" b="1" dirty="0" err="1"/>
+              <a:t>best_threshold</a:t>
+            </a:r>
+            <a:r>
+              <a:rPr lang="en-US" altLang="zh-CN" b="1" dirty="0"/>
+              <a:t> </a:t>
+            </a:r>
+            <a:r>
+              <a:rPr lang="en-US" altLang="zh-CN" dirty="0"/>
+              <a:t>= 0.86. The adjustment of threshold is useful since the performance metrics are better.</a:t>
+            </a:r>
+          </a:p>
+        </p:txBody>
+      </p:sp>
+      <p:pic>
+        <p:nvPicPr>
+          <p:cNvPr id="5" name="Picture 4">
+            <a:extLst>
+              <a:ext uri="{FF2B5EF4-FFF2-40B4-BE49-F238E27FC236}">
+                <a16:creationId xmlns:a16="http://schemas.microsoft.com/office/drawing/2014/main" id="{2E7EF3D5-7690-A6E6-F139-66C95704151C}"/>
+              </a:ext>
+            </a:extLst>
+          </p:cNvPr>
+          <p:cNvPicPr>
+            <a:picLocks noChangeAspect="1"/>
+          </p:cNvPicPr>
+          <p:nvPr/>
+        </p:nvPicPr>
+        <p:blipFill>
+          <a:blip r:embed="rId2"/>
+          <a:stretch>
+            <a:fillRect/>
+          </a:stretch>
+        </p:blipFill>
+        <p:spPr>
+          <a:xfrm>
+            <a:off x="368107" y="2447851"/>
+            <a:ext cx="3746693" cy="2876698"/>
+          </a:xfrm>
+          <a:prstGeom prst="rect">
+            <a:avLst/>
+          </a:prstGeom>
+        </p:spPr>
+      </p:pic>
+      <p:pic>
+        <p:nvPicPr>
+          <p:cNvPr id="8" name="Picture 7">
+            <a:extLst>
+              <a:ext uri="{FF2B5EF4-FFF2-40B4-BE49-F238E27FC236}">
+                <a16:creationId xmlns:a16="http://schemas.microsoft.com/office/drawing/2014/main" id="{9A723B34-9EB7-0694-8CE2-15698AAF4DCF}"/>
+              </a:ext>
+            </a:extLst>
+          </p:cNvPr>
+          <p:cNvPicPr>
+            <a:picLocks noChangeAspect="1"/>
+          </p:cNvPicPr>
+          <p:nvPr/>
+        </p:nvPicPr>
+        <p:blipFill>
+          <a:blip r:embed="rId3"/>
+          <a:stretch>
+            <a:fillRect/>
+          </a:stretch>
+        </p:blipFill>
+        <p:spPr>
+          <a:xfrm>
+            <a:off x="541404" y="1277091"/>
+            <a:ext cx="6210619" cy="730288"/>
+          </a:xfrm>
+          <a:prstGeom prst="rect">
+            <a:avLst/>
+          </a:prstGeom>
+        </p:spPr>
+      </p:pic>
+      <p:pic>
+        <p:nvPicPr>
+          <p:cNvPr id="10" name="Picture 9">
+            <a:extLst>
+              <a:ext uri="{FF2B5EF4-FFF2-40B4-BE49-F238E27FC236}">
+                <a16:creationId xmlns:a16="http://schemas.microsoft.com/office/drawing/2014/main" id="{B81CFA06-1497-DCD0-5A02-EE722BD9112D}"/>
+              </a:ext>
+            </a:extLst>
+          </p:cNvPr>
+          <p:cNvPicPr>
+            <a:picLocks noChangeAspect="1"/>
+          </p:cNvPicPr>
+          <p:nvPr/>
+        </p:nvPicPr>
+        <p:blipFill>
+          <a:blip r:embed="rId4"/>
+          <a:stretch>
+            <a:fillRect/>
+          </a:stretch>
+        </p:blipFill>
+        <p:spPr>
+          <a:xfrm>
+            <a:off x="7784140" y="1272483"/>
+            <a:ext cx="2044805" cy="958899"/>
+          </a:xfrm>
+          <a:prstGeom prst="rect">
+            <a:avLst/>
+          </a:prstGeom>
+        </p:spPr>
+      </p:pic>
+      <p:pic>
+        <p:nvPicPr>
+          <p:cNvPr id="13" name="Picture 12">
+            <a:extLst>
+              <a:ext uri="{FF2B5EF4-FFF2-40B4-BE49-F238E27FC236}">
+                <a16:creationId xmlns:a16="http://schemas.microsoft.com/office/drawing/2014/main" id="{81809F26-1627-6CFF-50BD-2C6465D62AF9}"/>
+              </a:ext>
+            </a:extLst>
+          </p:cNvPr>
+          <p:cNvPicPr>
+            <a:picLocks noChangeAspect="1"/>
+          </p:cNvPicPr>
+          <p:nvPr/>
+        </p:nvPicPr>
+        <p:blipFill>
+          <a:blip r:embed="rId5"/>
+          <a:stretch>
+            <a:fillRect/>
+          </a:stretch>
+        </p:blipFill>
+        <p:spPr>
+          <a:xfrm>
+            <a:off x="4270279" y="2339896"/>
+            <a:ext cx="3651438" cy="2984653"/>
+          </a:xfrm>
+          <a:prstGeom prst="rect">
+            <a:avLst/>
+          </a:prstGeom>
+        </p:spPr>
+      </p:pic>
+      <p:pic>
+        <p:nvPicPr>
+          <p:cNvPr id="15" name="Picture 14">
+            <a:extLst>
+              <a:ext uri="{FF2B5EF4-FFF2-40B4-BE49-F238E27FC236}">
+                <a16:creationId xmlns:a16="http://schemas.microsoft.com/office/drawing/2014/main" id="{72A4567E-6192-D465-AE56-5D50F588CDB6}"/>
+              </a:ext>
+            </a:extLst>
+          </p:cNvPr>
+          <p:cNvPicPr>
+            <a:picLocks noChangeAspect="1"/>
+          </p:cNvPicPr>
+          <p:nvPr/>
+        </p:nvPicPr>
+        <p:blipFill>
+          <a:blip r:embed="rId6"/>
+          <a:stretch>
+            <a:fillRect/>
+          </a:stretch>
+        </p:blipFill>
+        <p:spPr>
+          <a:xfrm>
+            <a:off x="8185057" y="2285612"/>
+            <a:ext cx="3594285" cy="3010055"/>
+          </a:xfrm>
+          <a:prstGeom prst="rect">
+            <a:avLst/>
+          </a:prstGeom>
+        </p:spPr>
+      </p:pic>
+    </p:spTree>
+    <p:extLst>
+      <p:ext uri="{BB962C8B-B14F-4D97-AF65-F5344CB8AC3E}">
+        <p14:creationId xmlns:p14="http://schemas.microsoft.com/office/powerpoint/2010/main" val="3492231397"/>
+      </p:ext>
+    </p:extLst>
+  </p:cSld>
+  <p:clrMapOvr>
+    <a:masterClrMapping/>
+  </p:clrMapOvr>
+</p:sld>
+</file>
+
+<file path=ppt/slides/slide16.xml><?xml version="1.0" encoding="utf-8"?>
+<p:sld xmlns:a="http://schemas.openxmlformats.org/drawingml/2006/main" xmlns:r="http://schemas.openxmlformats.org/officeDocument/2006/relationships" xmlns:p="http://schemas.openxmlformats.org/presentationml/2006/main">
+  <p:cSld>
+    <p:spTree>
+      <p:nvGrpSpPr>
+        <p:cNvPr id="1" name=""/>
+        <p:cNvGrpSpPr/>
+        <p:nvPr/>
+      </p:nvGrpSpPr>
+      <p:grpSpPr>
+        <a:xfrm>
+          <a:off x="0" y="0"/>
+          <a:ext cx="0" cy="0"/>
+          <a:chOff x="0" y="0"/>
+          <a:chExt cx="0" cy="0"/>
+        </a:xfrm>
+      </p:grpSpPr>
+      <p:sp>
+        <p:nvSpPr>
+          <p:cNvPr id="7" name="TextBox 6">
+            <a:extLst>
+              <a:ext uri="{FF2B5EF4-FFF2-40B4-BE49-F238E27FC236}">
+                <a16:creationId xmlns:a16="http://schemas.microsoft.com/office/drawing/2014/main" id="{5D125FF5-A4BE-F7D1-48A3-B299B2BD4C00}"/>
+              </a:ext>
+            </a:extLst>
+          </p:cNvPr>
+          <p:cNvSpPr txBox="1"/>
+          <p:nvPr/>
+        </p:nvSpPr>
+        <p:spPr>
+          <a:xfrm>
+            <a:off x="0" y="95532"/>
+            <a:ext cx="12192000" cy="714234"/>
+          </a:xfrm>
+          <a:prstGeom prst="rect">
+            <a:avLst/>
+          </a:prstGeom>
+          <a:noFill/>
+        </p:spPr>
+        <p:txBody>
+          <a:bodyPr wrap="square">
+            <a:spAutoFit/>
+          </a:bodyPr>
+          <a:lstStyle/>
+          <a:p>
+            <a:pPr lvl="1">
+              <a:lnSpc>
+                <a:spcPct val="120000"/>
+              </a:lnSpc>
+              <a:buClr>
+                <a:srgbClr val="D41B2C"/>
+              </a:buClr>
+            </a:pPr>
+            <a:r>
+              <a:rPr lang="en-US" altLang="zh-CN" sz="3600" b="1" dirty="0" err="1"/>
+              <a:t>Adaboost</a:t>
+            </a:r>
+            <a:r>
+              <a:rPr lang="en-US" altLang="zh-CN" sz="3600" b="1" dirty="0"/>
+              <a:t> Classifier – Performance on train</a:t>
+            </a:r>
+          </a:p>
+        </p:txBody>
+      </p:sp>
+      <p:sp>
+        <p:nvSpPr>
+          <p:cNvPr id="11" name="Slide Number Placeholder 10">
+            <a:extLst>
+              <a:ext uri="{FF2B5EF4-FFF2-40B4-BE49-F238E27FC236}">
+                <a16:creationId xmlns:a16="http://schemas.microsoft.com/office/drawing/2014/main" id="{E4FAC7AA-BDB7-F7C0-F177-96942C945B33}"/>
+              </a:ext>
+            </a:extLst>
+          </p:cNvPr>
+          <p:cNvSpPr>
+            <a:spLocks noGrp="1"/>
+          </p:cNvSpPr>
+          <p:nvPr>
+            <p:ph type="sldNum" sz="quarter" idx="12"/>
+          </p:nvPr>
+        </p:nvSpPr>
+        <p:spPr/>
+        <p:txBody>
+          <a:bodyPr/>
+          <a:lstStyle/>
+          <a:p>
+            <a:fld id="{CD1615FA-664A-4E3E-8664-50FDFADF9207}" type="slidenum">
+              <a:rPr lang="zh-CN" altLang="en-US" smtClean="0"/>
+              <a:t>16</a:t>
+            </a:fld>
+            <a:endParaRPr lang="zh-CN" altLang="en-US"/>
+          </a:p>
+        </p:txBody>
+      </p:sp>
+      <p:sp>
+        <p:nvSpPr>
+          <p:cNvPr id="2" name="Flowchart: Process 1">
+            <a:extLst>
+              <a:ext uri="{FF2B5EF4-FFF2-40B4-BE49-F238E27FC236}">
+                <a16:creationId xmlns:a16="http://schemas.microsoft.com/office/drawing/2014/main" id="{8105CBB4-A62C-646D-028E-C22D78DFD5E9}"/>
+              </a:ext>
+            </a:extLst>
+          </p:cNvPr>
+          <p:cNvSpPr/>
+          <p:nvPr/>
+        </p:nvSpPr>
+        <p:spPr>
+          <a:xfrm flipV="1">
+            <a:off x="0" y="1046870"/>
+            <a:ext cx="12192000" cy="9144"/>
+          </a:xfrm>
+          <a:prstGeom prst="flowChartProcess">
+            <a:avLst/>
+          </a:prstGeom>
+          <a:solidFill>
+            <a:srgbClr val="D41B2C"/>
+          </a:solidFill>
+          <a:ln>
+            <a:noFill/>
+          </a:ln>
+        </p:spPr>
+        <p:style>
+          <a:lnRef idx="2">
+            <a:schemeClr val="accent1">
+              <a:shade val="15000"/>
+            </a:schemeClr>
+          </a:lnRef>
+          <a:fillRef idx="1">
+            <a:schemeClr val="accent1"/>
+          </a:fillRef>
+          <a:effectRef idx="0">
+            <a:schemeClr val="accent1"/>
+          </a:effectRef>
+          <a:fontRef idx="minor">
+            <a:schemeClr val="lt1"/>
+          </a:fontRef>
+        </p:style>
+        <p:txBody>
+          <a:bodyPr rtlCol="0" anchor="ctr"/>
+          <a:lstStyle/>
+          <a:p>
+            <a:pPr algn="ctr"/>
+            <a:endParaRPr lang="zh-CN" altLang="en-US"/>
+          </a:p>
+        </p:txBody>
+      </p:sp>
+      <p:sp>
+        <p:nvSpPr>
           <p:cNvPr id="12" name="TextBox 11">
             <a:extLst>
               <a:ext uri="{FF2B5EF4-FFF2-40B4-BE49-F238E27FC236}">
@@ -3975,8 +5859,8 @@
         </p:nvSpPr>
         <p:spPr>
           <a:xfrm>
-            <a:off x="1495986" y="5531507"/>
-            <a:ext cx="9194010" cy="403316"/>
+            <a:off x="1446281" y="5531095"/>
+            <a:ext cx="9422824" cy="735714"/>
           </a:xfrm>
           <a:prstGeom prst="rect">
             <a:avLst/>
@@ -4015,7 +5899,31 @@
           <a:p>
             <a:r>
               <a:rPr lang="en-US" altLang="zh-CN" dirty="0"/>
-              <a:t>The performance on the validation slightly decreases. </a:t>
+              <a:t>Compared to the default model, the number of </a:t>
+            </a:r>
+            <a:r>
+              <a:rPr lang="en-US" altLang="zh-CN" b="1" dirty="0"/>
+              <a:t>false positives </a:t>
+            </a:r>
+            <a:r>
+              <a:rPr lang="en-US" altLang="zh-CN" dirty="0"/>
+              <a:t>greatly</a:t>
+            </a:r>
+            <a:r>
+              <a:rPr lang="en-US" altLang="zh-CN" b="1" dirty="0"/>
+              <a:t> </a:t>
+            </a:r>
+            <a:r>
+              <a:rPr lang="en-US" altLang="zh-CN" dirty="0"/>
+              <a:t>decreases although the number of </a:t>
+            </a:r>
+            <a:r>
+              <a:rPr lang="en-US" altLang="zh-CN" b="1" dirty="0"/>
+              <a:t>false negative</a:t>
+            </a:r>
+            <a:r>
+              <a:rPr lang="en-US" altLang="zh-CN" dirty="0"/>
+              <a:t> shows a subtle increase.</a:t>
             </a:r>
           </a:p>
         </p:txBody>
@@ -4025,7 +5933,7 @@
           <p:cNvPr id="4" name="Picture 3">
             <a:extLst>
               <a:ext uri="{FF2B5EF4-FFF2-40B4-BE49-F238E27FC236}">
-                <a16:creationId xmlns:a16="http://schemas.microsoft.com/office/drawing/2014/main" id="{A933BC9F-850F-3CAF-CEC4-5D99AFF4DD4F}"/>
+                <a16:creationId xmlns:a16="http://schemas.microsoft.com/office/drawing/2014/main" id="{C64C52C4-1500-9A77-F748-70E913639AE9}"/>
               </a:ext>
             </a:extLst>
           </p:cNvPr>
@@ -4042,8 +5950,8 @@
         </p:blipFill>
         <p:spPr>
           <a:xfrm>
-            <a:off x="2987515" y="1438406"/>
-            <a:ext cx="6216970" cy="730288"/>
+            <a:off x="2997040" y="1420113"/>
+            <a:ext cx="6197919" cy="730288"/>
           </a:xfrm>
           <a:prstGeom prst="rect">
             <a:avLst/>
@@ -4055,7 +5963,7 @@
           <p:cNvPr id="6" name="Picture 5">
             <a:extLst>
               <a:ext uri="{FF2B5EF4-FFF2-40B4-BE49-F238E27FC236}">
-                <a16:creationId xmlns:a16="http://schemas.microsoft.com/office/drawing/2014/main" id="{42F9F3D2-3CF3-0FE9-462A-FCA109B2FDA4}"/>
+                <a16:creationId xmlns:a16="http://schemas.microsoft.com/office/drawing/2014/main" id="{A1E0F0DA-FCE7-8A42-F43C-412EFE73EDC1}"/>
               </a:ext>
             </a:extLst>
           </p:cNvPr>
@@ -4072,8 +5980,8 @@
         </p:blipFill>
         <p:spPr>
           <a:xfrm>
-            <a:off x="1057016" y="3230362"/>
-            <a:ext cx="1930499" cy="908097"/>
+            <a:off x="1669543" y="3244261"/>
+            <a:ext cx="2038455" cy="946199"/>
           </a:xfrm>
           <a:prstGeom prst="rect">
             <a:avLst/>
@@ -4082,10 +5990,10 @@
       </p:pic>
       <p:pic>
         <p:nvPicPr>
-          <p:cNvPr id="13" name="Picture 12">
-            <a:extLst>
-              <a:ext uri="{FF2B5EF4-FFF2-40B4-BE49-F238E27FC236}">
-                <a16:creationId xmlns:a16="http://schemas.microsoft.com/office/drawing/2014/main" id="{8C2B8A1E-D86B-DF37-494D-8F4F20A56357}"/>
+          <p:cNvPr id="9" name="Picture 8">
+            <a:extLst>
+              <a:ext uri="{FF2B5EF4-FFF2-40B4-BE49-F238E27FC236}">
+                <a16:creationId xmlns:a16="http://schemas.microsoft.com/office/drawing/2014/main" id="{E56C87E7-9235-7DDE-0F91-B8CC92767C37}"/>
               </a:ext>
             </a:extLst>
           </p:cNvPr>
@@ -4102,8 +6010,8 @@
         </p:blipFill>
         <p:spPr>
           <a:xfrm>
-            <a:off x="7362890" y="2345073"/>
-            <a:ext cx="3683189" cy="3010055"/>
+            <a:off x="4048031" y="2351948"/>
+            <a:ext cx="3638737" cy="2927500"/>
           </a:xfrm>
           <a:prstGeom prst="rect">
             <a:avLst/>
@@ -4112,10 +6020,10 @@
       </p:pic>
       <p:pic>
         <p:nvPicPr>
-          <p:cNvPr id="15" name="Picture 14">
-            <a:extLst>
-              <a:ext uri="{FF2B5EF4-FFF2-40B4-BE49-F238E27FC236}">
-                <a16:creationId xmlns:a16="http://schemas.microsoft.com/office/drawing/2014/main" id="{B1E3B897-D211-B785-034E-03FD348A2B92}"/>
+          <p:cNvPr id="13" name="Picture 12">
+            <a:extLst>
+              <a:ext uri="{FF2B5EF4-FFF2-40B4-BE49-F238E27FC236}">
+                <a16:creationId xmlns:a16="http://schemas.microsoft.com/office/drawing/2014/main" id="{1CB27D7B-5040-80CB-2F65-78A739C065CF}"/>
               </a:ext>
             </a:extLst>
           </p:cNvPr>
@@ -4132,8 +6040,8 @@
         </p:blipFill>
         <p:spPr>
           <a:xfrm>
-            <a:off x="3264553" y="2202814"/>
-            <a:ext cx="3816546" cy="3206915"/>
+            <a:off x="8026801" y="2236081"/>
+            <a:ext cx="3600635" cy="2940201"/>
           </a:xfrm>
           <a:prstGeom prst="rect">
             <a:avLst/>
@@ -4143,1890 +6051,7 @@
     </p:spTree>
     <p:extLst>
       <p:ext uri="{BB962C8B-B14F-4D97-AF65-F5344CB8AC3E}">
-        <p14:creationId xmlns:p14="http://schemas.microsoft.com/office/powerpoint/2010/main" val="2604750404"/>
-      </p:ext>
-    </p:extLst>
-  </p:cSld>
-  <p:clrMapOvr>
-    <a:masterClrMapping/>
-  </p:clrMapOvr>
-</p:sld>
-</file>
-
-<file path=ppt/slides/slide11.xml><?xml version="1.0" encoding="utf-8"?>
-<p:sld xmlns:a="http://schemas.openxmlformats.org/drawingml/2006/main" xmlns:r="http://schemas.openxmlformats.org/officeDocument/2006/relationships" xmlns:p="http://schemas.openxmlformats.org/presentationml/2006/main">
-  <p:cSld>
-    <p:spTree>
-      <p:nvGrpSpPr>
-        <p:cNvPr id="1" name=""/>
-        <p:cNvGrpSpPr/>
-        <p:nvPr/>
-      </p:nvGrpSpPr>
-      <p:grpSpPr>
-        <a:xfrm>
-          <a:off x="0" y="0"/>
-          <a:ext cx="0" cy="0"/>
-          <a:chOff x="0" y="0"/>
-          <a:chExt cx="0" cy="0"/>
-        </a:xfrm>
-      </p:grpSpPr>
-      <p:sp>
-        <p:nvSpPr>
-          <p:cNvPr id="7" name="TextBox 6">
-            <a:extLst>
-              <a:ext uri="{FF2B5EF4-FFF2-40B4-BE49-F238E27FC236}">
-                <a16:creationId xmlns:a16="http://schemas.microsoft.com/office/drawing/2014/main" id="{5D125FF5-A4BE-F7D1-48A3-B299B2BD4C00}"/>
-              </a:ext>
-            </a:extLst>
-          </p:cNvPr>
-          <p:cNvSpPr txBox="1"/>
-          <p:nvPr/>
-        </p:nvSpPr>
-        <p:spPr>
-          <a:xfrm>
-            <a:off x="0" y="98695"/>
-            <a:ext cx="12192000" cy="714234"/>
-          </a:xfrm>
-          <a:prstGeom prst="rect">
-            <a:avLst/>
-          </a:prstGeom>
-          <a:noFill/>
-        </p:spPr>
-        <p:txBody>
-          <a:bodyPr wrap="square">
-            <a:spAutoFit/>
-          </a:bodyPr>
-          <a:lstStyle/>
-          <a:p>
-            <a:pPr lvl="1">
-              <a:lnSpc>
-                <a:spcPct val="120000"/>
-              </a:lnSpc>
-              <a:buClr>
-                <a:srgbClr val="D41B2C"/>
-              </a:buClr>
-            </a:pPr>
-            <a:r>
-              <a:rPr lang="en-US" altLang="zh-CN" sz="3600" b="1" dirty="0"/>
-              <a:t>RF classifier – Permutation Feature Importance</a:t>
-            </a:r>
-          </a:p>
-        </p:txBody>
-      </p:sp>
-      <p:sp>
-        <p:nvSpPr>
-          <p:cNvPr id="11" name="Slide Number Placeholder 10">
-            <a:extLst>
-              <a:ext uri="{FF2B5EF4-FFF2-40B4-BE49-F238E27FC236}">
-                <a16:creationId xmlns:a16="http://schemas.microsoft.com/office/drawing/2014/main" id="{E4FAC7AA-BDB7-F7C0-F177-96942C945B33}"/>
-              </a:ext>
-            </a:extLst>
-          </p:cNvPr>
-          <p:cNvSpPr>
-            <a:spLocks noGrp="1"/>
-          </p:cNvSpPr>
-          <p:nvPr>
-            <p:ph type="sldNum" sz="quarter" idx="12"/>
-          </p:nvPr>
-        </p:nvSpPr>
-        <p:spPr/>
-        <p:txBody>
-          <a:bodyPr/>
-          <a:lstStyle/>
-          <a:p>
-            <a:fld id="{CD1615FA-664A-4E3E-8664-50FDFADF9207}" type="slidenum">
-              <a:rPr lang="zh-CN" altLang="en-US" smtClean="0"/>
-              <a:t>11</a:t>
-            </a:fld>
-            <a:endParaRPr lang="zh-CN" altLang="en-US"/>
-          </a:p>
-        </p:txBody>
-      </p:sp>
-      <p:sp>
-        <p:nvSpPr>
-          <p:cNvPr id="2" name="Flowchart: Process 1">
-            <a:extLst>
-              <a:ext uri="{FF2B5EF4-FFF2-40B4-BE49-F238E27FC236}">
-                <a16:creationId xmlns:a16="http://schemas.microsoft.com/office/drawing/2014/main" id="{8105CBB4-A62C-646D-028E-C22D78DFD5E9}"/>
-              </a:ext>
-            </a:extLst>
-          </p:cNvPr>
-          <p:cNvSpPr/>
-          <p:nvPr/>
-        </p:nvSpPr>
-        <p:spPr>
-          <a:xfrm flipV="1">
-            <a:off x="0" y="1046870"/>
-            <a:ext cx="12192000" cy="9144"/>
-          </a:xfrm>
-          <a:prstGeom prst="flowChartProcess">
-            <a:avLst/>
-          </a:prstGeom>
-          <a:solidFill>
-            <a:srgbClr val="D41B2C"/>
-          </a:solidFill>
-          <a:ln>
-            <a:noFill/>
-          </a:ln>
-        </p:spPr>
-        <p:style>
-          <a:lnRef idx="2">
-            <a:schemeClr val="accent1">
-              <a:shade val="15000"/>
-            </a:schemeClr>
-          </a:lnRef>
-          <a:fillRef idx="1">
-            <a:schemeClr val="accent1"/>
-          </a:fillRef>
-          <a:effectRef idx="0">
-            <a:schemeClr val="accent1"/>
-          </a:effectRef>
-          <a:fontRef idx="minor">
-            <a:schemeClr val="lt1"/>
-          </a:fontRef>
-        </p:style>
-        <p:txBody>
-          <a:bodyPr rtlCol="0" anchor="ctr"/>
-          <a:lstStyle/>
-          <a:p>
-            <a:pPr algn="ctr"/>
-            <a:endParaRPr lang="zh-CN" altLang="en-US"/>
-          </a:p>
-        </p:txBody>
-      </p:sp>
-      <p:sp>
-        <p:nvSpPr>
-          <p:cNvPr id="3" name="TextBox 2">
-            <a:extLst>
-              <a:ext uri="{FF2B5EF4-FFF2-40B4-BE49-F238E27FC236}">
-                <a16:creationId xmlns:a16="http://schemas.microsoft.com/office/drawing/2014/main" id="{C979F83D-DA62-1AAB-3AB3-7631CE43ADB6}"/>
-              </a:ext>
-            </a:extLst>
-          </p:cNvPr>
-          <p:cNvSpPr txBox="1"/>
-          <p:nvPr/>
-        </p:nvSpPr>
-        <p:spPr>
-          <a:xfrm>
-            <a:off x="6881225" y="1729823"/>
-            <a:ext cx="5083319" cy="403316"/>
-          </a:xfrm>
-          <a:prstGeom prst="rect">
-            <a:avLst/>
-          </a:prstGeom>
-          <a:noFill/>
-        </p:spPr>
-        <p:txBody>
-          <a:bodyPr wrap="square">
-            <a:spAutoFit/>
-          </a:bodyPr>
-          <a:lstStyle/>
-          <a:p>
-            <a:pPr marL="285750" indent="-285750">
-              <a:lnSpc>
-                <a:spcPct val="120000"/>
-              </a:lnSpc>
-              <a:buClr>
-                <a:srgbClr val="D41B2C"/>
-              </a:buClr>
-              <a:buFont typeface="Wingdings" panose="05000000000000000000" pitchFamily="2" charset="2"/>
-              <a:buChar char="n"/>
-            </a:pPr>
-            <a:r>
-              <a:rPr lang="en-US" altLang="zh-CN" dirty="0"/>
-              <a:t>This is a list of the most significant attributes.</a:t>
-            </a:r>
-          </a:p>
-        </p:txBody>
-      </p:sp>
-      <p:pic>
-        <p:nvPicPr>
-          <p:cNvPr id="8" name="Picture 7">
-            <a:extLst>
-              <a:ext uri="{FF2B5EF4-FFF2-40B4-BE49-F238E27FC236}">
-                <a16:creationId xmlns:a16="http://schemas.microsoft.com/office/drawing/2014/main" id="{826728DA-576D-B655-92B8-4657D4C13A97}"/>
-              </a:ext>
-            </a:extLst>
-          </p:cNvPr>
-          <p:cNvPicPr>
-            <a:picLocks noChangeAspect="1"/>
-          </p:cNvPicPr>
-          <p:nvPr/>
-        </p:nvPicPr>
-        <p:blipFill>
-          <a:blip r:embed="rId2"/>
-          <a:stretch>
-            <a:fillRect/>
-          </a:stretch>
-        </p:blipFill>
-        <p:spPr>
-          <a:xfrm>
-            <a:off x="7446567" y="2541112"/>
-            <a:ext cx="3302170" cy="2838596"/>
-          </a:xfrm>
-          <a:prstGeom prst="rect">
-            <a:avLst/>
-          </a:prstGeom>
-        </p:spPr>
-      </p:pic>
-      <p:pic>
-        <p:nvPicPr>
-          <p:cNvPr id="12" name="Picture 11">
-            <a:extLst>
-              <a:ext uri="{FF2B5EF4-FFF2-40B4-BE49-F238E27FC236}">
-                <a16:creationId xmlns:a16="http://schemas.microsoft.com/office/drawing/2014/main" id="{35B971DE-8196-3C9B-49F6-264E18913FEE}"/>
-              </a:ext>
-            </a:extLst>
-          </p:cNvPr>
-          <p:cNvPicPr>
-            <a:picLocks noChangeAspect="1"/>
-          </p:cNvPicPr>
-          <p:nvPr/>
-        </p:nvPicPr>
-        <p:blipFill>
-          <a:blip r:embed="rId3"/>
-          <a:stretch>
-            <a:fillRect/>
-          </a:stretch>
-        </p:blipFill>
-        <p:spPr>
-          <a:xfrm>
-            <a:off x="1365169" y="1931481"/>
-            <a:ext cx="3257717" cy="3448227"/>
-          </a:xfrm>
-          <a:prstGeom prst="rect">
-            <a:avLst/>
-          </a:prstGeom>
-        </p:spPr>
-      </p:pic>
-    </p:spTree>
-    <p:extLst>
-      <p:ext uri="{BB962C8B-B14F-4D97-AF65-F5344CB8AC3E}">
-        <p14:creationId xmlns:p14="http://schemas.microsoft.com/office/powerpoint/2010/main" val="936837740"/>
-      </p:ext>
-    </p:extLst>
-  </p:cSld>
-  <p:clrMapOvr>
-    <a:masterClrMapping/>
-  </p:clrMapOvr>
-</p:sld>
-</file>
-
-<file path=ppt/slides/slide12.xml><?xml version="1.0" encoding="utf-8"?>
-<p:sld xmlns:a="http://schemas.openxmlformats.org/drawingml/2006/main" xmlns:r="http://schemas.openxmlformats.org/officeDocument/2006/relationships" xmlns:p="http://schemas.openxmlformats.org/presentationml/2006/main">
-  <p:cSld>
-    <p:spTree>
-      <p:nvGrpSpPr>
-        <p:cNvPr id="1" name=""/>
-        <p:cNvGrpSpPr/>
-        <p:nvPr/>
-      </p:nvGrpSpPr>
-      <p:grpSpPr>
-        <a:xfrm>
-          <a:off x="0" y="0"/>
-          <a:ext cx="0" cy="0"/>
-          <a:chOff x="0" y="0"/>
-          <a:chExt cx="0" cy="0"/>
-        </a:xfrm>
-      </p:grpSpPr>
-      <p:sp>
-        <p:nvSpPr>
-          <p:cNvPr id="7" name="TextBox 6">
-            <a:extLst>
-              <a:ext uri="{FF2B5EF4-FFF2-40B4-BE49-F238E27FC236}">
-                <a16:creationId xmlns:a16="http://schemas.microsoft.com/office/drawing/2014/main" id="{5D125FF5-A4BE-F7D1-48A3-B299B2BD4C00}"/>
-              </a:ext>
-            </a:extLst>
-          </p:cNvPr>
-          <p:cNvSpPr txBox="1"/>
-          <p:nvPr/>
-        </p:nvSpPr>
-        <p:spPr>
-          <a:xfrm>
-            <a:off x="-1" y="98695"/>
-            <a:ext cx="12191999" cy="714234"/>
-          </a:xfrm>
-          <a:prstGeom prst="rect">
-            <a:avLst/>
-          </a:prstGeom>
-          <a:noFill/>
-        </p:spPr>
-        <p:txBody>
-          <a:bodyPr wrap="square">
-            <a:spAutoFit/>
-          </a:bodyPr>
-          <a:lstStyle/>
-          <a:p>
-            <a:pPr lvl="1">
-              <a:lnSpc>
-                <a:spcPct val="120000"/>
-              </a:lnSpc>
-              <a:buClr>
-                <a:srgbClr val="D41B2C"/>
-              </a:buClr>
-            </a:pPr>
-            <a:r>
-              <a:rPr lang="en-US" altLang="zh-CN" sz="3600" b="1" dirty="0"/>
-              <a:t>RF classifier – Assess classification thresholds</a:t>
-            </a:r>
-          </a:p>
-        </p:txBody>
-      </p:sp>
-      <p:sp>
-        <p:nvSpPr>
-          <p:cNvPr id="11" name="Slide Number Placeholder 10">
-            <a:extLst>
-              <a:ext uri="{FF2B5EF4-FFF2-40B4-BE49-F238E27FC236}">
-                <a16:creationId xmlns:a16="http://schemas.microsoft.com/office/drawing/2014/main" id="{E4FAC7AA-BDB7-F7C0-F177-96942C945B33}"/>
-              </a:ext>
-            </a:extLst>
-          </p:cNvPr>
-          <p:cNvSpPr>
-            <a:spLocks noGrp="1"/>
-          </p:cNvSpPr>
-          <p:nvPr>
-            <p:ph type="sldNum" sz="quarter" idx="12"/>
-          </p:nvPr>
-        </p:nvSpPr>
-        <p:spPr/>
-        <p:txBody>
-          <a:bodyPr/>
-          <a:lstStyle/>
-          <a:p>
-            <a:fld id="{CD1615FA-664A-4E3E-8664-50FDFADF9207}" type="slidenum">
-              <a:rPr lang="zh-CN" altLang="en-US" smtClean="0"/>
-              <a:t>12</a:t>
-            </a:fld>
-            <a:endParaRPr lang="zh-CN" altLang="en-US"/>
-          </a:p>
-        </p:txBody>
-      </p:sp>
-      <p:sp>
-        <p:nvSpPr>
-          <p:cNvPr id="2" name="Flowchart: Process 1">
-            <a:extLst>
-              <a:ext uri="{FF2B5EF4-FFF2-40B4-BE49-F238E27FC236}">
-                <a16:creationId xmlns:a16="http://schemas.microsoft.com/office/drawing/2014/main" id="{8105CBB4-A62C-646D-028E-C22D78DFD5E9}"/>
-              </a:ext>
-            </a:extLst>
-          </p:cNvPr>
-          <p:cNvSpPr/>
-          <p:nvPr/>
-        </p:nvSpPr>
-        <p:spPr>
-          <a:xfrm flipV="1">
-            <a:off x="0" y="1046870"/>
-            <a:ext cx="12192000" cy="9144"/>
-          </a:xfrm>
-          <a:prstGeom prst="flowChartProcess">
-            <a:avLst/>
-          </a:prstGeom>
-          <a:solidFill>
-            <a:srgbClr val="D41B2C"/>
-          </a:solidFill>
-          <a:ln>
-            <a:noFill/>
-          </a:ln>
-        </p:spPr>
-        <p:style>
-          <a:lnRef idx="2">
-            <a:schemeClr val="accent1">
-              <a:shade val="15000"/>
-            </a:schemeClr>
-          </a:lnRef>
-          <a:fillRef idx="1">
-            <a:schemeClr val="accent1"/>
-          </a:fillRef>
-          <a:effectRef idx="0">
-            <a:schemeClr val="accent1"/>
-          </a:effectRef>
-          <a:fontRef idx="minor">
-            <a:schemeClr val="lt1"/>
-          </a:fontRef>
-        </p:style>
-        <p:txBody>
-          <a:bodyPr rtlCol="0" anchor="ctr"/>
-          <a:lstStyle/>
-          <a:p>
-            <a:pPr algn="ctr"/>
-            <a:endParaRPr lang="zh-CN" altLang="en-US"/>
-          </a:p>
-        </p:txBody>
-      </p:sp>
-      <p:sp>
-        <p:nvSpPr>
-          <p:cNvPr id="4" name="TextBox 3">
-            <a:extLst>
-              <a:ext uri="{FF2B5EF4-FFF2-40B4-BE49-F238E27FC236}">
-                <a16:creationId xmlns:a16="http://schemas.microsoft.com/office/drawing/2014/main" id="{9D18040C-32C7-18B1-9503-7077020AE38B}"/>
-              </a:ext>
-            </a:extLst>
-          </p:cNvPr>
-          <p:cNvSpPr txBox="1"/>
-          <p:nvPr/>
-        </p:nvSpPr>
-        <p:spPr>
-          <a:xfrm>
-            <a:off x="1668449" y="5455745"/>
-            <a:ext cx="9483460" cy="403316"/>
-          </a:xfrm>
-          <a:prstGeom prst="rect">
-            <a:avLst/>
-          </a:prstGeom>
-          <a:noFill/>
-        </p:spPr>
-        <p:txBody>
-          <a:bodyPr wrap="square">
-            <a:spAutoFit/>
-          </a:bodyPr>
-          <a:lstStyle/>
-          <a:p>
-            <a:pPr marL="285750" indent="-285750">
-              <a:lnSpc>
-                <a:spcPct val="120000"/>
-              </a:lnSpc>
-              <a:buClr>
-                <a:srgbClr val="D41B2C"/>
-              </a:buClr>
-              <a:buFont typeface="Wingdings" panose="05000000000000000000" pitchFamily="2" charset="2"/>
-              <a:buChar char="n"/>
-            </a:pPr>
-            <a:r>
-              <a:rPr lang="en-US" altLang="zh-CN" b="1" dirty="0" err="1"/>
-              <a:t>best_threshold</a:t>
-            </a:r>
-            <a:r>
-              <a:rPr lang="en-US" altLang="zh-CN" b="1" dirty="0"/>
-              <a:t> </a:t>
-            </a:r>
-            <a:r>
-              <a:rPr lang="en-US" altLang="zh-CN" dirty="0"/>
-              <a:t>= 0.84. After using the best threshold, the </a:t>
-            </a:r>
-            <a:r>
-              <a:rPr lang="en-US" altLang="zh-CN" b="1" dirty="0"/>
-              <a:t>rate of Type I error</a:t>
-            </a:r>
-            <a:r>
-              <a:rPr lang="en-US" altLang="zh-CN" dirty="0"/>
-              <a:t> decreases.</a:t>
-            </a:r>
-          </a:p>
-        </p:txBody>
-      </p:sp>
-      <p:pic>
-        <p:nvPicPr>
-          <p:cNvPr id="5" name="Picture 4">
-            <a:extLst>
-              <a:ext uri="{FF2B5EF4-FFF2-40B4-BE49-F238E27FC236}">
-                <a16:creationId xmlns:a16="http://schemas.microsoft.com/office/drawing/2014/main" id="{05665948-7165-CB8B-9053-762F992505F0}"/>
-              </a:ext>
-            </a:extLst>
-          </p:cNvPr>
-          <p:cNvPicPr>
-            <a:picLocks noChangeAspect="1"/>
-          </p:cNvPicPr>
-          <p:nvPr/>
-        </p:nvPicPr>
-        <p:blipFill>
-          <a:blip r:embed="rId2"/>
-          <a:stretch>
-            <a:fillRect/>
-          </a:stretch>
-        </p:blipFill>
-        <p:spPr>
-          <a:xfrm>
-            <a:off x="388161" y="2335962"/>
-            <a:ext cx="3708591" cy="2876698"/>
-          </a:xfrm>
-          <a:prstGeom prst="rect">
-            <a:avLst/>
-          </a:prstGeom>
-        </p:spPr>
-      </p:pic>
-      <p:pic>
-        <p:nvPicPr>
-          <p:cNvPr id="8" name="Picture 7">
-            <a:extLst>
-              <a:ext uri="{FF2B5EF4-FFF2-40B4-BE49-F238E27FC236}">
-                <a16:creationId xmlns:a16="http://schemas.microsoft.com/office/drawing/2014/main" id="{7D2EC86E-DF89-B7BA-45FE-63747BC7B217}"/>
-              </a:ext>
-            </a:extLst>
-          </p:cNvPr>
-          <p:cNvPicPr>
-            <a:picLocks noChangeAspect="1"/>
-          </p:cNvPicPr>
-          <p:nvPr/>
-        </p:nvPicPr>
-        <p:blipFill>
-          <a:blip r:embed="rId3"/>
-          <a:stretch>
-            <a:fillRect/>
-          </a:stretch>
-        </p:blipFill>
-        <p:spPr>
-          <a:xfrm>
-            <a:off x="703330" y="1289955"/>
-            <a:ext cx="6191568" cy="711237"/>
-          </a:xfrm>
-          <a:prstGeom prst="rect">
-            <a:avLst/>
-          </a:prstGeom>
-        </p:spPr>
-      </p:pic>
-      <p:pic>
-        <p:nvPicPr>
-          <p:cNvPr id="10" name="Picture 9">
-            <a:extLst>
-              <a:ext uri="{FF2B5EF4-FFF2-40B4-BE49-F238E27FC236}">
-                <a16:creationId xmlns:a16="http://schemas.microsoft.com/office/drawing/2014/main" id="{12CF32B8-DE02-F668-7756-F20B79F4BE1C}"/>
-              </a:ext>
-            </a:extLst>
-          </p:cNvPr>
-          <p:cNvPicPr>
-            <a:picLocks noChangeAspect="1"/>
-          </p:cNvPicPr>
-          <p:nvPr/>
-        </p:nvPicPr>
-        <p:blipFill>
-          <a:blip r:embed="rId4"/>
-          <a:stretch>
-            <a:fillRect/>
-          </a:stretch>
-        </p:blipFill>
-        <p:spPr>
-          <a:xfrm>
-            <a:off x="8521648" y="1232414"/>
-            <a:ext cx="2006703" cy="927148"/>
-          </a:xfrm>
-          <a:prstGeom prst="rect">
-            <a:avLst/>
-          </a:prstGeom>
-        </p:spPr>
-      </p:pic>
-      <p:pic>
-        <p:nvPicPr>
-          <p:cNvPr id="13" name="Picture 12">
-            <a:extLst>
-              <a:ext uri="{FF2B5EF4-FFF2-40B4-BE49-F238E27FC236}">
-                <a16:creationId xmlns:a16="http://schemas.microsoft.com/office/drawing/2014/main" id="{1AD5CA1F-FD01-709E-39E0-D8556F7ACACC}"/>
-              </a:ext>
-            </a:extLst>
-          </p:cNvPr>
-          <p:cNvPicPr>
-            <a:picLocks noChangeAspect="1"/>
-          </p:cNvPicPr>
-          <p:nvPr/>
-        </p:nvPicPr>
-        <p:blipFill>
-          <a:blip r:embed="rId5"/>
-          <a:stretch>
-            <a:fillRect/>
-          </a:stretch>
-        </p:blipFill>
-        <p:spPr>
-          <a:xfrm>
-            <a:off x="4360207" y="2303305"/>
-            <a:ext cx="3657788" cy="2971953"/>
-          </a:xfrm>
-          <a:prstGeom prst="rect">
-            <a:avLst/>
-          </a:prstGeom>
-        </p:spPr>
-      </p:pic>
-      <p:pic>
-        <p:nvPicPr>
-          <p:cNvPr id="15" name="Picture 14">
-            <a:extLst>
-              <a:ext uri="{FF2B5EF4-FFF2-40B4-BE49-F238E27FC236}">
-                <a16:creationId xmlns:a16="http://schemas.microsoft.com/office/drawing/2014/main" id="{93B29C9C-7DB5-055B-28CA-988ED12F740F}"/>
-              </a:ext>
-            </a:extLst>
-          </p:cNvPr>
-          <p:cNvPicPr>
-            <a:picLocks noChangeAspect="1"/>
-          </p:cNvPicPr>
-          <p:nvPr/>
-        </p:nvPicPr>
-        <p:blipFill>
-          <a:blip r:embed="rId6"/>
-          <a:stretch>
-            <a:fillRect/>
-          </a:stretch>
-        </p:blipFill>
-        <p:spPr>
-          <a:xfrm>
-            <a:off x="8215905" y="2239317"/>
-            <a:ext cx="3587934" cy="2978303"/>
-          </a:xfrm>
-          <a:prstGeom prst="rect">
-            <a:avLst/>
-          </a:prstGeom>
-        </p:spPr>
-      </p:pic>
-    </p:spTree>
-    <p:extLst>
-      <p:ext uri="{BB962C8B-B14F-4D97-AF65-F5344CB8AC3E}">
-        <p14:creationId xmlns:p14="http://schemas.microsoft.com/office/powerpoint/2010/main" val="3562020861"/>
-      </p:ext>
-    </p:extLst>
-  </p:cSld>
-  <p:clrMapOvr>
-    <a:masterClrMapping/>
-  </p:clrMapOvr>
-</p:sld>
-</file>
-
-<file path=ppt/slides/slide13.xml><?xml version="1.0" encoding="utf-8"?>
-<p:sld xmlns:a="http://schemas.openxmlformats.org/drawingml/2006/main" xmlns:r="http://schemas.openxmlformats.org/officeDocument/2006/relationships" xmlns:p="http://schemas.openxmlformats.org/presentationml/2006/main">
-  <p:cSld>
-    <p:spTree>
-      <p:nvGrpSpPr>
-        <p:cNvPr id="1" name=""/>
-        <p:cNvGrpSpPr/>
-        <p:nvPr/>
-      </p:nvGrpSpPr>
-      <p:grpSpPr>
-        <a:xfrm>
-          <a:off x="0" y="0"/>
-          <a:ext cx="0" cy="0"/>
-          <a:chOff x="0" y="0"/>
-          <a:chExt cx="0" cy="0"/>
-        </a:xfrm>
-      </p:grpSpPr>
-      <p:sp>
-        <p:nvSpPr>
-          <p:cNvPr id="7" name="TextBox 6">
-            <a:extLst>
-              <a:ext uri="{FF2B5EF4-FFF2-40B4-BE49-F238E27FC236}">
-                <a16:creationId xmlns:a16="http://schemas.microsoft.com/office/drawing/2014/main" id="{5D125FF5-A4BE-F7D1-48A3-B299B2BD4C00}"/>
-              </a:ext>
-            </a:extLst>
-          </p:cNvPr>
-          <p:cNvSpPr txBox="1"/>
-          <p:nvPr/>
-        </p:nvSpPr>
-        <p:spPr>
-          <a:xfrm>
-            <a:off x="-1" y="98695"/>
-            <a:ext cx="12191999" cy="714234"/>
-          </a:xfrm>
-          <a:prstGeom prst="rect">
-            <a:avLst/>
-          </a:prstGeom>
-          <a:noFill/>
-        </p:spPr>
-        <p:txBody>
-          <a:bodyPr wrap="square">
-            <a:spAutoFit/>
-          </a:bodyPr>
-          <a:lstStyle/>
-          <a:p>
-            <a:pPr lvl="1">
-              <a:lnSpc>
-                <a:spcPct val="120000"/>
-              </a:lnSpc>
-              <a:buClr>
-                <a:srgbClr val="D41B2C"/>
-              </a:buClr>
-            </a:pPr>
-            <a:r>
-              <a:rPr lang="en-US" altLang="zh-CN" sz="3600" b="1" dirty="0"/>
-              <a:t>Decision Tree Classifier – Performance on train</a:t>
-            </a:r>
-          </a:p>
-        </p:txBody>
-      </p:sp>
-      <p:sp>
-        <p:nvSpPr>
-          <p:cNvPr id="11" name="Slide Number Placeholder 10">
-            <a:extLst>
-              <a:ext uri="{FF2B5EF4-FFF2-40B4-BE49-F238E27FC236}">
-                <a16:creationId xmlns:a16="http://schemas.microsoft.com/office/drawing/2014/main" id="{E4FAC7AA-BDB7-F7C0-F177-96942C945B33}"/>
-              </a:ext>
-            </a:extLst>
-          </p:cNvPr>
-          <p:cNvSpPr>
-            <a:spLocks noGrp="1"/>
-          </p:cNvSpPr>
-          <p:nvPr>
-            <p:ph type="sldNum" sz="quarter" idx="12"/>
-          </p:nvPr>
-        </p:nvSpPr>
-        <p:spPr>
-          <a:xfrm>
-            <a:off x="8610600" y="6299856"/>
-            <a:ext cx="2743200" cy="365125"/>
-          </a:xfrm>
-        </p:spPr>
-        <p:txBody>
-          <a:bodyPr/>
-          <a:lstStyle/>
-          <a:p>
-            <a:fld id="{CD1615FA-664A-4E3E-8664-50FDFADF9207}" type="slidenum">
-              <a:rPr lang="zh-CN" altLang="en-US" smtClean="0"/>
-              <a:t>13</a:t>
-            </a:fld>
-            <a:endParaRPr lang="zh-CN" altLang="en-US" dirty="0"/>
-          </a:p>
-        </p:txBody>
-      </p:sp>
-      <p:sp>
-        <p:nvSpPr>
-          <p:cNvPr id="2" name="Flowchart: Process 1">
-            <a:extLst>
-              <a:ext uri="{FF2B5EF4-FFF2-40B4-BE49-F238E27FC236}">
-                <a16:creationId xmlns:a16="http://schemas.microsoft.com/office/drawing/2014/main" id="{8105CBB4-A62C-646D-028E-C22D78DFD5E9}"/>
-              </a:ext>
-            </a:extLst>
-          </p:cNvPr>
-          <p:cNvSpPr/>
-          <p:nvPr/>
-        </p:nvSpPr>
-        <p:spPr>
-          <a:xfrm flipV="1">
-            <a:off x="0" y="1046870"/>
-            <a:ext cx="12192000" cy="9144"/>
-          </a:xfrm>
-          <a:prstGeom prst="flowChartProcess">
-            <a:avLst/>
-          </a:prstGeom>
-          <a:solidFill>
-            <a:srgbClr val="D41B2C"/>
-          </a:solidFill>
-          <a:ln>
-            <a:noFill/>
-          </a:ln>
-        </p:spPr>
-        <p:style>
-          <a:lnRef idx="2">
-            <a:schemeClr val="accent1">
-              <a:shade val="15000"/>
-            </a:schemeClr>
-          </a:lnRef>
-          <a:fillRef idx="1">
-            <a:schemeClr val="accent1"/>
-          </a:fillRef>
-          <a:effectRef idx="0">
-            <a:schemeClr val="accent1"/>
-          </a:effectRef>
-          <a:fontRef idx="minor">
-            <a:schemeClr val="lt1"/>
-          </a:fontRef>
-        </p:style>
-        <p:txBody>
-          <a:bodyPr rtlCol="0" anchor="ctr"/>
-          <a:lstStyle/>
-          <a:p>
-            <a:pPr algn="ctr"/>
-            <a:endParaRPr lang="zh-CN" altLang="en-US"/>
-          </a:p>
-        </p:txBody>
-      </p:sp>
-      <p:sp>
-        <p:nvSpPr>
-          <p:cNvPr id="16" name="TextBox 15">
-            <a:extLst>
-              <a:ext uri="{FF2B5EF4-FFF2-40B4-BE49-F238E27FC236}">
-                <a16:creationId xmlns:a16="http://schemas.microsoft.com/office/drawing/2014/main" id="{AF9174C3-8E94-70DD-E297-46F1F1BF9F01}"/>
-              </a:ext>
-            </a:extLst>
-          </p:cNvPr>
-          <p:cNvSpPr txBox="1"/>
-          <p:nvPr/>
-        </p:nvSpPr>
-        <p:spPr>
-          <a:xfrm>
-            <a:off x="1152395" y="5333611"/>
-            <a:ext cx="9241066" cy="403317"/>
-          </a:xfrm>
-          <a:prstGeom prst="rect">
-            <a:avLst/>
-          </a:prstGeom>
-          <a:noFill/>
-        </p:spPr>
-        <p:txBody>
-          <a:bodyPr wrap="square">
-            <a:spAutoFit/>
-          </a:bodyPr>
-          <a:lstStyle/>
-          <a:p>
-            <a:pPr marL="285750" indent="-285750">
-              <a:lnSpc>
-                <a:spcPct val="120000"/>
-              </a:lnSpc>
-              <a:buClr>
-                <a:srgbClr val="D41B2C"/>
-              </a:buClr>
-              <a:buFont typeface="Wingdings" panose="05000000000000000000" pitchFamily="2" charset="2"/>
-              <a:buChar char="n"/>
-            </a:pPr>
-            <a:r>
-              <a:rPr lang="en-US" altLang="zh-CN" dirty="0"/>
-              <a:t>Todo</a:t>
-            </a:r>
-          </a:p>
-        </p:txBody>
-      </p:sp>
-      <p:pic>
-        <p:nvPicPr>
-          <p:cNvPr id="4" name="Picture 3">
-            <a:extLst>
-              <a:ext uri="{FF2B5EF4-FFF2-40B4-BE49-F238E27FC236}">
-                <a16:creationId xmlns:a16="http://schemas.microsoft.com/office/drawing/2014/main" id="{0B9119EB-5758-61B1-27A4-A6741AF3BF9F}"/>
-              </a:ext>
-            </a:extLst>
-          </p:cNvPr>
-          <p:cNvPicPr>
-            <a:picLocks noChangeAspect="1"/>
-          </p:cNvPicPr>
-          <p:nvPr/>
-        </p:nvPicPr>
-        <p:blipFill>
-          <a:blip r:embed="rId2"/>
-          <a:stretch>
-            <a:fillRect/>
-          </a:stretch>
-        </p:blipFill>
-        <p:spPr>
-          <a:xfrm>
-            <a:off x="3006564" y="1375857"/>
-            <a:ext cx="6178868" cy="711237"/>
-          </a:xfrm>
-          <a:prstGeom prst="rect">
-            <a:avLst/>
-          </a:prstGeom>
-        </p:spPr>
-      </p:pic>
-      <p:pic>
-        <p:nvPicPr>
-          <p:cNvPr id="6" name="Picture 5">
-            <a:extLst>
-              <a:ext uri="{FF2B5EF4-FFF2-40B4-BE49-F238E27FC236}">
-                <a16:creationId xmlns:a16="http://schemas.microsoft.com/office/drawing/2014/main" id="{EA2CE7DA-3695-90EF-42CA-E024CD4BE599}"/>
-              </a:ext>
-            </a:extLst>
-          </p:cNvPr>
-          <p:cNvPicPr>
-            <a:picLocks noChangeAspect="1"/>
-          </p:cNvPicPr>
-          <p:nvPr/>
-        </p:nvPicPr>
-        <p:blipFill>
-          <a:blip r:embed="rId3"/>
-          <a:stretch>
-            <a:fillRect/>
-          </a:stretch>
-        </p:blipFill>
-        <p:spPr>
-          <a:xfrm>
-            <a:off x="1338892" y="3144999"/>
-            <a:ext cx="1981302" cy="914447"/>
-          </a:xfrm>
-          <a:prstGeom prst="rect">
-            <a:avLst/>
-          </a:prstGeom>
-        </p:spPr>
-      </p:pic>
-      <p:pic>
-        <p:nvPicPr>
-          <p:cNvPr id="10" name="Picture 9">
-            <a:extLst>
-              <a:ext uri="{FF2B5EF4-FFF2-40B4-BE49-F238E27FC236}">
-                <a16:creationId xmlns:a16="http://schemas.microsoft.com/office/drawing/2014/main" id="{73F437E8-61B5-DD28-E84E-F5125C2E8647}"/>
-              </a:ext>
-            </a:extLst>
-          </p:cNvPr>
-          <p:cNvPicPr>
-            <a:picLocks noChangeAspect="1"/>
-          </p:cNvPicPr>
-          <p:nvPr/>
-        </p:nvPicPr>
-        <p:blipFill>
-          <a:blip r:embed="rId4"/>
-          <a:stretch>
-            <a:fillRect/>
-          </a:stretch>
-        </p:blipFill>
-        <p:spPr>
-          <a:xfrm>
-            <a:off x="3690614" y="2307458"/>
-            <a:ext cx="3765744" cy="2971953"/>
-          </a:xfrm>
-          <a:prstGeom prst="rect">
-            <a:avLst/>
-          </a:prstGeom>
-        </p:spPr>
-      </p:pic>
-      <p:pic>
-        <p:nvPicPr>
-          <p:cNvPr id="13" name="Picture 12">
-            <a:extLst>
-              <a:ext uri="{FF2B5EF4-FFF2-40B4-BE49-F238E27FC236}">
-                <a16:creationId xmlns:a16="http://schemas.microsoft.com/office/drawing/2014/main" id="{ED67C577-FFDB-4BEA-3643-6C5D8A9B2F2F}"/>
-              </a:ext>
-            </a:extLst>
-          </p:cNvPr>
-          <p:cNvPicPr>
-            <a:picLocks noChangeAspect="1"/>
-          </p:cNvPicPr>
-          <p:nvPr/>
-        </p:nvPicPr>
-        <p:blipFill>
-          <a:blip r:embed="rId5"/>
-          <a:stretch>
-            <a:fillRect/>
-          </a:stretch>
-        </p:blipFill>
-        <p:spPr>
-          <a:xfrm>
-            <a:off x="7662543" y="2406937"/>
-            <a:ext cx="3594285" cy="2978303"/>
-          </a:xfrm>
-          <a:prstGeom prst="rect">
-            <a:avLst/>
-          </a:prstGeom>
-        </p:spPr>
-      </p:pic>
-    </p:spTree>
-    <p:extLst>
-      <p:ext uri="{BB962C8B-B14F-4D97-AF65-F5344CB8AC3E}">
-        <p14:creationId xmlns:p14="http://schemas.microsoft.com/office/powerpoint/2010/main" val="3954684719"/>
-      </p:ext>
-    </p:extLst>
-  </p:cSld>
-  <p:clrMapOvr>
-    <a:masterClrMapping/>
-  </p:clrMapOvr>
-</p:sld>
-</file>
-
-<file path=ppt/slides/slide14.xml><?xml version="1.0" encoding="utf-8"?>
-<p:sld xmlns:a="http://schemas.openxmlformats.org/drawingml/2006/main" xmlns:r="http://schemas.openxmlformats.org/officeDocument/2006/relationships" xmlns:p="http://schemas.openxmlformats.org/presentationml/2006/main">
-  <p:cSld>
-    <p:spTree>
-      <p:nvGrpSpPr>
-        <p:cNvPr id="1" name=""/>
-        <p:cNvGrpSpPr/>
-        <p:nvPr/>
-      </p:nvGrpSpPr>
-      <p:grpSpPr>
-        <a:xfrm>
-          <a:off x="0" y="0"/>
-          <a:ext cx="0" cy="0"/>
-          <a:chOff x="0" y="0"/>
-          <a:chExt cx="0" cy="0"/>
-        </a:xfrm>
-      </p:grpSpPr>
-      <p:sp>
-        <p:nvSpPr>
-          <p:cNvPr id="7" name="TextBox 6">
-            <a:extLst>
-              <a:ext uri="{FF2B5EF4-FFF2-40B4-BE49-F238E27FC236}">
-                <a16:creationId xmlns:a16="http://schemas.microsoft.com/office/drawing/2014/main" id="{5D125FF5-A4BE-F7D1-48A3-B299B2BD4C00}"/>
-              </a:ext>
-            </a:extLst>
-          </p:cNvPr>
-          <p:cNvSpPr txBox="1"/>
-          <p:nvPr/>
-        </p:nvSpPr>
-        <p:spPr>
-          <a:xfrm>
-            <a:off x="-1" y="98695"/>
-            <a:ext cx="12191999" cy="714234"/>
-          </a:xfrm>
-          <a:prstGeom prst="rect">
-            <a:avLst/>
-          </a:prstGeom>
-          <a:noFill/>
-        </p:spPr>
-        <p:txBody>
-          <a:bodyPr wrap="square">
-            <a:spAutoFit/>
-          </a:bodyPr>
-          <a:lstStyle/>
-          <a:p>
-            <a:pPr lvl="1">
-              <a:lnSpc>
-                <a:spcPct val="120000"/>
-              </a:lnSpc>
-              <a:buClr>
-                <a:srgbClr val="D41B2C"/>
-              </a:buClr>
-            </a:pPr>
-            <a:r>
-              <a:rPr lang="en-US" altLang="zh-CN" sz="3600" b="1" dirty="0"/>
-              <a:t>Decision Tree Classifier – Performance on validation</a:t>
-            </a:r>
-          </a:p>
-        </p:txBody>
-      </p:sp>
-      <p:sp>
-        <p:nvSpPr>
-          <p:cNvPr id="11" name="Slide Number Placeholder 10">
-            <a:extLst>
-              <a:ext uri="{FF2B5EF4-FFF2-40B4-BE49-F238E27FC236}">
-                <a16:creationId xmlns:a16="http://schemas.microsoft.com/office/drawing/2014/main" id="{E4FAC7AA-BDB7-F7C0-F177-96942C945B33}"/>
-              </a:ext>
-            </a:extLst>
-          </p:cNvPr>
-          <p:cNvSpPr>
-            <a:spLocks noGrp="1"/>
-          </p:cNvSpPr>
-          <p:nvPr>
-            <p:ph type="sldNum" sz="quarter" idx="12"/>
-          </p:nvPr>
-        </p:nvSpPr>
-        <p:spPr/>
-        <p:txBody>
-          <a:bodyPr/>
-          <a:lstStyle/>
-          <a:p>
-            <a:fld id="{CD1615FA-664A-4E3E-8664-50FDFADF9207}" type="slidenum">
-              <a:rPr lang="zh-CN" altLang="en-US" smtClean="0"/>
-              <a:t>14</a:t>
-            </a:fld>
-            <a:endParaRPr lang="zh-CN" altLang="en-US"/>
-          </a:p>
-        </p:txBody>
-      </p:sp>
-      <p:sp>
-        <p:nvSpPr>
-          <p:cNvPr id="2" name="Flowchart: Process 1">
-            <a:extLst>
-              <a:ext uri="{FF2B5EF4-FFF2-40B4-BE49-F238E27FC236}">
-                <a16:creationId xmlns:a16="http://schemas.microsoft.com/office/drawing/2014/main" id="{8105CBB4-A62C-646D-028E-C22D78DFD5E9}"/>
-              </a:ext>
-            </a:extLst>
-          </p:cNvPr>
-          <p:cNvSpPr/>
-          <p:nvPr/>
-        </p:nvSpPr>
-        <p:spPr>
-          <a:xfrm flipV="1">
-            <a:off x="0" y="1046870"/>
-            <a:ext cx="12192000" cy="9144"/>
-          </a:xfrm>
-          <a:prstGeom prst="flowChartProcess">
-            <a:avLst/>
-          </a:prstGeom>
-          <a:solidFill>
-            <a:srgbClr val="D41B2C"/>
-          </a:solidFill>
-          <a:ln>
-            <a:noFill/>
-          </a:ln>
-        </p:spPr>
-        <p:style>
-          <a:lnRef idx="2">
-            <a:schemeClr val="accent1">
-              <a:shade val="15000"/>
-            </a:schemeClr>
-          </a:lnRef>
-          <a:fillRef idx="1">
-            <a:schemeClr val="accent1"/>
-          </a:fillRef>
-          <a:effectRef idx="0">
-            <a:schemeClr val="accent1"/>
-          </a:effectRef>
-          <a:fontRef idx="minor">
-            <a:schemeClr val="lt1"/>
-          </a:fontRef>
-        </p:style>
-        <p:txBody>
-          <a:bodyPr rtlCol="0" anchor="ctr"/>
-          <a:lstStyle/>
-          <a:p>
-            <a:pPr algn="ctr"/>
-            <a:endParaRPr lang="zh-CN" altLang="en-US"/>
-          </a:p>
-        </p:txBody>
-      </p:sp>
-      <p:sp>
-        <p:nvSpPr>
-          <p:cNvPr id="4" name="TextBox 3">
-            <a:extLst>
-              <a:ext uri="{FF2B5EF4-FFF2-40B4-BE49-F238E27FC236}">
-                <a16:creationId xmlns:a16="http://schemas.microsoft.com/office/drawing/2014/main" id="{9D18040C-32C7-18B1-9503-7077020AE38B}"/>
-              </a:ext>
-            </a:extLst>
-          </p:cNvPr>
-          <p:cNvSpPr txBox="1"/>
-          <p:nvPr/>
-        </p:nvSpPr>
-        <p:spPr>
-          <a:xfrm>
-            <a:off x="1064713" y="5407814"/>
-            <a:ext cx="9666951" cy="403316"/>
-          </a:xfrm>
-          <a:prstGeom prst="rect">
-            <a:avLst/>
-          </a:prstGeom>
-          <a:noFill/>
-        </p:spPr>
-        <p:txBody>
-          <a:bodyPr wrap="square">
-            <a:spAutoFit/>
-          </a:bodyPr>
-          <a:lstStyle/>
-          <a:p>
-            <a:pPr marL="285750" indent="-285750">
-              <a:lnSpc>
-                <a:spcPct val="120000"/>
-              </a:lnSpc>
-              <a:buClr>
-                <a:srgbClr val="D41B2C"/>
-              </a:buClr>
-              <a:buFont typeface="Wingdings" panose="05000000000000000000" pitchFamily="2" charset="2"/>
-              <a:buChar char="n"/>
-            </a:pPr>
-            <a:r>
-              <a:rPr lang="en-US" altLang="zh-CN" dirty="0"/>
-              <a:t>The performances on the train set and validation set are similar.</a:t>
-            </a:r>
-          </a:p>
-        </p:txBody>
-      </p:sp>
-      <p:pic>
-        <p:nvPicPr>
-          <p:cNvPr id="5" name="Picture 4">
-            <a:extLst>
-              <a:ext uri="{FF2B5EF4-FFF2-40B4-BE49-F238E27FC236}">
-                <a16:creationId xmlns:a16="http://schemas.microsoft.com/office/drawing/2014/main" id="{CF8DFBF6-8DCA-F47E-C624-122678ACBE5C}"/>
-              </a:ext>
-            </a:extLst>
-          </p:cNvPr>
-          <p:cNvPicPr>
-            <a:picLocks noChangeAspect="1"/>
-          </p:cNvPicPr>
-          <p:nvPr/>
-        </p:nvPicPr>
-        <p:blipFill>
-          <a:blip r:embed="rId2"/>
-          <a:stretch>
-            <a:fillRect/>
-          </a:stretch>
-        </p:blipFill>
-        <p:spPr>
-          <a:xfrm>
-            <a:off x="2805579" y="1358149"/>
-            <a:ext cx="6185218" cy="749339"/>
-          </a:xfrm>
-          <a:prstGeom prst="rect">
-            <a:avLst/>
-          </a:prstGeom>
-        </p:spPr>
-      </p:pic>
-      <p:pic>
-        <p:nvPicPr>
-          <p:cNvPr id="8" name="Picture 7">
-            <a:extLst>
-              <a:ext uri="{FF2B5EF4-FFF2-40B4-BE49-F238E27FC236}">
-                <a16:creationId xmlns:a16="http://schemas.microsoft.com/office/drawing/2014/main" id="{18736D05-5A7C-49A3-892A-78E764379280}"/>
-              </a:ext>
-            </a:extLst>
-          </p:cNvPr>
-          <p:cNvPicPr>
-            <a:picLocks noChangeAspect="1"/>
-          </p:cNvPicPr>
-          <p:nvPr/>
-        </p:nvPicPr>
-        <p:blipFill>
-          <a:blip r:embed="rId3"/>
-          <a:stretch>
-            <a:fillRect/>
-          </a:stretch>
-        </p:blipFill>
-        <p:spPr>
-          <a:xfrm>
-            <a:off x="1150660" y="3154356"/>
-            <a:ext cx="1987652" cy="958899"/>
-          </a:xfrm>
-          <a:prstGeom prst="rect">
-            <a:avLst/>
-          </a:prstGeom>
-        </p:spPr>
-      </p:pic>
-      <p:pic>
-        <p:nvPicPr>
-          <p:cNvPr id="10" name="Picture 9">
-            <a:extLst>
-              <a:ext uri="{FF2B5EF4-FFF2-40B4-BE49-F238E27FC236}">
-                <a16:creationId xmlns:a16="http://schemas.microsoft.com/office/drawing/2014/main" id="{A46FA345-3F98-165E-7FB4-7B74C2233685}"/>
-              </a:ext>
-            </a:extLst>
-          </p:cNvPr>
-          <p:cNvPicPr>
-            <a:picLocks noChangeAspect="1"/>
-          </p:cNvPicPr>
-          <p:nvPr/>
-        </p:nvPicPr>
-        <p:blipFill>
-          <a:blip r:embed="rId4"/>
-          <a:stretch>
-            <a:fillRect/>
-          </a:stretch>
-        </p:blipFill>
-        <p:spPr>
-          <a:xfrm>
-            <a:off x="3646620" y="2350573"/>
-            <a:ext cx="3657788" cy="2978303"/>
-          </a:xfrm>
-          <a:prstGeom prst="rect">
-            <a:avLst/>
-          </a:prstGeom>
-        </p:spPr>
-      </p:pic>
-      <p:pic>
-        <p:nvPicPr>
-          <p:cNvPr id="13" name="Picture 12">
-            <a:extLst>
-              <a:ext uri="{FF2B5EF4-FFF2-40B4-BE49-F238E27FC236}">
-                <a16:creationId xmlns:a16="http://schemas.microsoft.com/office/drawing/2014/main" id="{7E9406FD-BC3F-82E4-7EAE-9CA847CFBEB6}"/>
-              </a:ext>
-            </a:extLst>
-          </p:cNvPr>
-          <p:cNvPicPr>
-            <a:picLocks noChangeAspect="1"/>
-          </p:cNvPicPr>
-          <p:nvPr/>
-        </p:nvPicPr>
-        <p:blipFill>
-          <a:blip r:embed="rId5"/>
-          <a:stretch>
-            <a:fillRect/>
-          </a:stretch>
-        </p:blipFill>
-        <p:spPr>
-          <a:xfrm>
-            <a:off x="7696012" y="2350573"/>
-            <a:ext cx="3657788" cy="2946551"/>
-          </a:xfrm>
-          <a:prstGeom prst="rect">
-            <a:avLst/>
-          </a:prstGeom>
-        </p:spPr>
-      </p:pic>
-    </p:spTree>
-    <p:extLst>
-      <p:ext uri="{BB962C8B-B14F-4D97-AF65-F5344CB8AC3E}">
-        <p14:creationId xmlns:p14="http://schemas.microsoft.com/office/powerpoint/2010/main" val="350333477"/>
-      </p:ext>
-    </p:extLst>
-  </p:cSld>
-  <p:clrMapOvr>
-    <a:masterClrMapping/>
-  </p:clrMapOvr>
-</p:sld>
-</file>
-
-<file path=ppt/slides/slide15.xml><?xml version="1.0" encoding="utf-8"?>
-<p:sld xmlns:a="http://schemas.openxmlformats.org/drawingml/2006/main" xmlns:r="http://schemas.openxmlformats.org/officeDocument/2006/relationships" xmlns:p="http://schemas.openxmlformats.org/presentationml/2006/main">
-  <p:cSld>
-    <p:spTree>
-      <p:nvGrpSpPr>
-        <p:cNvPr id="1" name=""/>
-        <p:cNvGrpSpPr/>
-        <p:nvPr/>
-      </p:nvGrpSpPr>
-      <p:grpSpPr>
-        <a:xfrm>
-          <a:off x="0" y="0"/>
-          <a:ext cx="0" cy="0"/>
-          <a:chOff x="0" y="0"/>
-          <a:chExt cx="0" cy="0"/>
-        </a:xfrm>
-      </p:grpSpPr>
-      <p:sp>
-        <p:nvSpPr>
-          <p:cNvPr id="7" name="TextBox 6">
-            <a:extLst>
-              <a:ext uri="{FF2B5EF4-FFF2-40B4-BE49-F238E27FC236}">
-                <a16:creationId xmlns:a16="http://schemas.microsoft.com/office/drawing/2014/main" id="{5D125FF5-A4BE-F7D1-48A3-B299B2BD4C00}"/>
-              </a:ext>
-            </a:extLst>
-          </p:cNvPr>
-          <p:cNvSpPr txBox="1"/>
-          <p:nvPr/>
-        </p:nvSpPr>
-        <p:spPr>
-          <a:xfrm>
-            <a:off x="0" y="98695"/>
-            <a:ext cx="12192000" cy="714234"/>
-          </a:xfrm>
-          <a:prstGeom prst="rect">
-            <a:avLst/>
-          </a:prstGeom>
-          <a:noFill/>
-        </p:spPr>
-        <p:txBody>
-          <a:bodyPr wrap="square">
-            <a:spAutoFit/>
-          </a:bodyPr>
-          <a:lstStyle/>
-          <a:p>
-            <a:pPr lvl="1">
-              <a:lnSpc>
-                <a:spcPct val="120000"/>
-              </a:lnSpc>
-              <a:buClr>
-                <a:srgbClr val="D41B2C"/>
-              </a:buClr>
-            </a:pPr>
-            <a:r>
-              <a:rPr lang="en-US" altLang="zh-CN" sz="3600" b="1" dirty="0"/>
-              <a:t>DT Classifier– Permutation Feature Importance</a:t>
-            </a:r>
-          </a:p>
-        </p:txBody>
-      </p:sp>
-      <p:sp>
-        <p:nvSpPr>
-          <p:cNvPr id="11" name="Slide Number Placeholder 10">
-            <a:extLst>
-              <a:ext uri="{FF2B5EF4-FFF2-40B4-BE49-F238E27FC236}">
-                <a16:creationId xmlns:a16="http://schemas.microsoft.com/office/drawing/2014/main" id="{E4FAC7AA-BDB7-F7C0-F177-96942C945B33}"/>
-              </a:ext>
-            </a:extLst>
-          </p:cNvPr>
-          <p:cNvSpPr>
-            <a:spLocks noGrp="1"/>
-          </p:cNvSpPr>
-          <p:nvPr>
-            <p:ph type="sldNum" sz="quarter" idx="12"/>
-          </p:nvPr>
-        </p:nvSpPr>
-        <p:spPr/>
-        <p:txBody>
-          <a:bodyPr/>
-          <a:lstStyle/>
-          <a:p>
-            <a:fld id="{CD1615FA-664A-4E3E-8664-50FDFADF9207}" type="slidenum">
-              <a:rPr lang="zh-CN" altLang="en-US" smtClean="0"/>
-              <a:t>15</a:t>
-            </a:fld>
-            <a:endParaRPr lang="zh-CN" altLang="en-US"/>
-          </a:p>
-        </p:txBody>
-      </p:sp>
-      <p:sp>
-        <p:nvSpPr>
-          <p:cNvPr id="2" name="Flowchart: Process 1">
-            <a:extLst>
-              <a:ext uri="{FF2B5EF4-FFF2-40B4-BE49-F238E27FC236}">
-                <a16:creationId xmlns:a16="http://schemas.microsoft.com/office/drawing/2014/main" id="{8105CBB4-A62C-646D-028E-C22D78DFD5E9}"/>
-              </a:ext>
-            </a:extLst>
-          </p:cNvPr>
-          <p:cNvSpPr/>
-          <p:nvPr/>
-        </p:nvSpPr>
-        <p:spPr>
-          <a:xfrm flipV="1">
-            <a:off x="0" y="1046870"/>
-            <a:ext cx="12192000" cy="9144"/>
-          </a:xfrm>
-          <a:prstGeom prst="flowChartProcess">
-            <a:avLst/>
-          </a:prstGeom>
-          <a:solidFill>
-            <a:srgbClr val="D41B2C"/>
-          </a:solidFill>
-          <a:ln>
-            <a:noFill/>
-          </a:ln>
-        </p:spPr>
-        <p:style>
-          <a:lnRef idx="2">
-            <a:schemeClr val="accent1">
-              <a:shade val="15000"/>
-            </a:schemeClr>
-          </a:lnRef>
-          <a:fillRef idx="1">
-            <a:schemeClr val="accent1"/>
-          </a:fillRef>
-          <a:effectRef idx="0">
-            <a:schemeClr val="accent1"/>
-          </a:effectRef>
-          <a:fontRef idx="minor">
-            <a:schemeClr val="lt1"/>
-          </a:fontRef>
-        </p:style>
-        <p:txBody>
-          <a:bodyPr rtlCol="0" anchor="ctr"/>
-          <a:lstStyle/>
-          <a:p>
-            <a:pPr algn="ctr"/>
-            <a:endParaRPr lang="zh-CN" altLang="en-US"/>
-          </a:p>
-        </p:txBody>
-      </p:sp>
-      <p:sp>
-        <p:nvSpPr>
-          <p:cNvPr id="3" name="TextBox 2">
-            <a:extLst>
-              <a:ext uri="{FF2B5EF4-FFF2-40B4-BE49-F238E27FC236}">
-                <a16:creationId xmlns:a16="http://schemas.microsoft.com/office/drawing/2014/main" id="{8A498E7B-01A7-2741-5514-5380B811BA01}"/>
-              </a:ext>
-            </a:extLst>
-          </p:cNvPr>
-          <p:cNvSpPr txBox="1"/>
-          <p:nvPr/>
-        </p:nvSpPr>
-        <p:spPr>
-          <a:xfrm>
-            <a:off x="868137" y="1383446"/>
-            <a:ext cx="5083319" cy="403316"/>
-          </a:xfrm>
-          <a:prstGeom prst="rect">
-            <a:avLst/>
-          </a:prstGeom>
-          <a:noFill/>
-        </p:spPr>
-        <p:txBody>
-          <a:bodyPr wrap="square">
-            <a:spAutoFit/>
-          </a:bodyPr>
-          <a:lstStyle/>
-          <a:p>
-            <a:pPr marL="285750" indent="-285750">
-              <a:lnSpc>
-                <a:spcPct val="120000"/>
-              </a:lnSpc>
-              <a:buClr>
-                <a:srgbClr val="D41B2C"/>
-              </a:buClr>
-              <a:buFont typeface="Wingdings" panose="05000000000000000000" pitchFamily="2" charset="2"/>
-              <a:buChar char="n"/>
-            </a:pPr>
-            <a:r>
-              <a:rPr lang="en-US" altLang="zh-CN" dirty="0"/>
-              <a:t>This is a list of the most significant attributes.</a:t>
-            </a:r>
-          </a:p>
-        </p:txBody>
-      </p:sp>
-      <p:pic>
-        <p:nvPicPr>
-          <p:cNvPr id="6" name="Picture 5">
-            <a:extLst>
-              <a:ext uri="{FF2B5EF4-FFF2-40B4-BE49-F238E27FC236}">
-                <a16:creationId xmlns:a16="http://schemas.microsoft.com/office/drawing/2014/main" id="{3981A781-DB84-3EC5-055C-DBC01435E95C}"/>
-              </a:ext>
-            </a:extLst>
-          </p:cNvPr>
-          <p:cNvPicPr>
-            <a:picLocks noChangeAspect="1"/>
-          </p:cNvPicPr>
-          <p:nvPr/>
-        </p:nvPicPr>
-        <p:blipFill>
-          <a:blip r:embed="rId2"/>
-          <a:stretch>
-            <a:fillRect/>
-          </a:stretch>
-        </p:blipFill>
-        <p:spPr>
-          <a:xfrm>
-            <a:off x="1557132" y="2114194"/>
-            <a:ext cx="2984653" cy="2800494"/>
-          </a:xfrm>
-          <a:prstGeom prst="rect">
-            <a:avLst/>
-          </a:prstGeom>
-        </p:spPr>
-      </p:pic>
-      <p:pic>
-        <p:nvPicPr>
-          <p:cNvPr id="9" name="Picture 8">
-            <a:extLst>
-              <a:ext uri="{FF2B5EF4-FFF2-40B4-BE49-F238E27FC236}">
-                <a16:creationId xmlns:a16="http://schemas.microsoft.com/office/drawing/2014/main" id="{4ACE656E-70A1-A487-FC8E-4272E08F816A}"/>
-              </a:ext>
-            </a:extLst>
-          </p:cNvPr>
-          <p:cNvPicPr>
-            <a:picLocks noChangeAspect="1"/>
-          </p:cNvPicPr>
-          <p:nvPr/>
-        </p:nvPicPr>
-        <p:blipFill>
-          <a:blip r:embed="rId3"/>
-          <a:stretch>
-            <a:fillRect/>
-          </a:stretch>
-        </p:blipFill>
-        <p:spPr>
-          <a:xfrm>
-            <a:off x="6096000" y="2260251"/>
-            <a:ext cx="2971953" cy="2508379"/>
-          </a:xfrm>
-          <a:prstGeom prst="rect">
-            <a:avLst/>
-          </a:prstGeom>
-        </p:spPr>
-      </p:pic>
-    </p:spTree>
-    <p:extLst>
-      <p:ext uri="{BB962C8B-B14F-4D97-AF65-F5344CB8AC3E}">
-        <p14:creationId xmlns:p14="http://schemas.microsoft.com/office/powerpoint/2010/main" val="1109016149"/>
-      </p:ext>
-    </p:extLst>
-  </p:cSld>
-  <p:clrMapOvr>
-    <a:masterClrMapping/>
-  </p:clrMapOvr>
-</p:sld>
-</file>
-
-<file path=ppt/slides/slide16.xml><?xml version="1.0" encoding="utf-8"?>
-<p:sld xmlns:a="http://schemas.openxmlformats.org/drawingml/2006/main" xmlns:r="http://schemas.openxmlformats.org/officeDocument/2006/relationships" xmlns:p="http://schemas.openxmlformats.org/presentationml/2006/main">
-  <p:cSld>
-    <p:spTree>
-      <p:nvGrpSpPr>
-        <p:cNvPr id="1" name=""/>
-        <p:cNvGrpSpPr/>
-        <p:nvPr/>
-      </p:nvGrpSpPr>
-      <p:grpSpPr>
-        <a:xfrm>
-          <a:off x="0" y="0"/>
-          <a:ext cx="0" cy="0"/>
-          <a:chOff x="0" y="0"/>
-          <a:chExt cx="0" cy="0"/>
-        </a:xfrm>
-      </p:grpSpPr>
-      <p:sp>
-        <p:nvSpPr>
-          <p:cNvPr id="7" name="TextBox 6">
-            <a:extLst>
-              <a:ext uri="{FF2B5EF4-FFF2-40B4-BE49-F238E27FC236}">
-                <a16:creationId xmlns:a16="http://schemas.microsoft.com/office/drawing/2014/main" id="{5D125FF5-A4BE-F7D1-48A3-B299B2BD4C00}"/>
-              </a:ext>
-            </a:extLst>
-          </p:cNvPr>
-          <p:cNvSpPr txBox="1"/>
-          <p:nvPr/>
-        </p:nvSpPr>
-        <p:spPr>
-          <a:xfrm>
-            <a:off x="-1" y="98695"/>
-            <a:ext cx="12191999" cy="714234"/>
-          </a:xfrm>
-          <a:prstGeom prst="rect">
-            <a:avLst/>
-          </a:prstGeom>
-          <a:noFill/>
-        </p:spPr>
-        <p:txBody>
-          <a:bodyPr wrap="square">
-            <a:spAutoFit/>
-          </a:bodyPr>
-          <a:lstStyle/>
-          <a:p>
-            <a:pPr lvl="1">
-              <a:lnSpc>
-                <a:spcPct val="120000"/>
-              </a:lnSpc>
-              <a:buClr>
-                <a:srgbClr val="D41B2C"/>
-              </a:buClr>
-            </a:pPr>
-            <a:r>
-              <a:rPr lang="en-US" altLang="zh-CN" sz="3600" b="1" dirty="0"/>
-              <a:t>DT Classifier – Assess classification thresholds</a:t>
-            </a:r>
-          </a:p>
-        </p:txBody>
-      </p:sp>
-      <p:sp>
-        <p:nvSpPr>
-          <p:cNvPr id="11" name="Slide Number Placeholder 10">
-            <a:extLst>
-              <a:ext uri="{FF2B5EF4-FFF2-40B4-BE49-F238E27FC236}">
-                <a16:creationId xmlns:a16="http://schemas.microsoft.com/office/drawing/2014/main" id="{E4FAC7AA-BDB7-F7C0-F177-96942C945B33}"/>
-              </a:ext>
-            </a:extLst>
-          </p:cNvPr>
-          <p:cNvSpPr>
-            <a:spLocks noGrp="1"/>
-          </p:cNvSpPr>
-          <p:nvPr>
-            <p:ph type="sldNum" sz="quarter" idx="12"/>
-          </p:nvPr>
-        </p:nvSpPr>
-        <p:spPr/>
-        <p:txBody>
-          <a:bodyPr/>
-          <a:lstStyle/>
-          <a:p>
-            <a:fld id="{CD1615FA-664A-4E3E-8664-50FDFADF9207}" type="slidenum">
-              <a:rPr lang="zh-CN" altLang="en-US" smtClean="0"/>
-              <a:t>16</a:t>
-            </a:fld>
-            <a:endParaRPr lang="zh-CN" altLang="en-US"/>
-          </a:p>
-        </p:txBody>
-      </p:sp>
-      <p:sp>
-        <p:nvSpPr>
-          <p:cNvPr id="2" name="Flowchart: Process 1">
-            <a:extLst>
-              <a:ext uri="{FF2B5EF4-FFF2-40B4-BE49-F238E27FC236}">
-                <a16:creationId xmlns:a16="http://schemas.microsoft.com/office/drawing/2014/main" id="{8105CBB4-A62C-646D-028E-C22D78DFD5E9}"/>
-              </a:ext>
-            </a:extLst>
-          </p:cNvPr>
-          <p:cNvSpPr/>
-          <p:nvPr/>
-        </p:nvSpPr>
-        <p:spPr>
-          <a:xfrm flipV="1">
-            <a:off x="0" y="1046870"/>
-            <a:ext cx="12192000" cy="9144"/>
-          </a:xfrm>
-          <a:prstGeom prst="flowChartProcess">
-            <a:avLst/>
-          </a:prstGeom>
-          <a:solidFill>
-            <a:srgbClr val="D41B2C"/>
-          </a:solidFill>
-          <a:ln>
-            <a:noFill/>
-          </a:ln>
-        </p:spPr>
-        <p:style>
-          <a:lnRef idx="2">
-            <a:schemeClr val="accent1">
-              <a:shade val="15000"/>
-            </a:schemeClr>
-          </a:lnRef>
-          <a:fillRef idx="1">
-            <a:schemeClr val="accent1"/>
-          </a:fillRef>
-          <a:effectRef idx="0">
-            <a:schemeClr val="accent1"/>
-          </a:effectRef>
-          <a:fontRef idx="minor">
-            <a:schemeClr val="lt1"/>
-          </a:fontRef>
-        </p:style>
-        <p:txBody>
-          <a:bodyPr rtlCol="0" anchor="ctr"/>
-          <a:lstStyle/>
-          <a:p>
-            <a:pPr algn="ctr"/>
-            <a:endParaRPr lang="zh-CN" altLang="en-US"/>
-          </a:p>
-        </p:txBody>
-      </p:sp>
-      <p:sp>
-        <p:nvSpPr>
-          <p:cNvPr id="4" name="TextBox 3">
-            <a:extLst>
-              <a:ext uri="{FF2B5EF4-FFF2-40B4-BE49-F238E27FC236}">
-                <a16:creationId xmlns:a16="http://schemas.microsoft.com/office/drawing/2014/main" id="{9D18040C-32C7-18B1-9503-7077020AE38B}"/>
-              </a:ext>
-            </a:extLst>
-          </p:cNvPr>
-          <p:cNvSpPr txBox="1"/>
-          <p:nvPr/>
-        </p:nvSpPr>
-        <p:spPr>
-          <a:xfrm>
-            <a:off x="1555714" y="5475205"/>
-            <a:ext cx="9003429" cy="735714"/>
-          </a:xfrm>
-          <a:prstGeom prst="rect">
-            <a:avLst/>
-          </a:prstGeom>
-          <a:noFill/>
-        </p:spPr>
-        <p:txBody>
-          <a:bodyPr wrap="square">
-            <a:spAutoFit/>
-          </a:bodyPr>
-          <a:lstStyle/>
-          <a:p>
-            <a:pPr marL="285750" indent="-285750">
-              <a:lnSpc>
-                <a:spcPct val="120000"/>
-              </a:lnSpc>
-              <a:buClr>
-                <a:srgbClr val="D41B2C"/>
-              </a:buClr>
-              <a:buFont typeface="Wingdings" panose="05000000000000000000" pitchFamily="2" charset="2"/>
-              <a:buChar char="n"/>
-            </a:pPr>
-            <a:r>
-              <a:rPr lang="en-US" altLang="zh-CN" b="1" dirty="0" err="1"/>
-              <a:t>best_threshold</a:t>
-            </a:r>
-            <a:r>
-              <a:rPr lang="en-US" altLang="zh-CN" b="1" dirty="0"/>
-              <a:t> </a:t>
-            </a:r>
-            <a:r>
-              <a:rPr lang="en-US" altLang="zh-CN" dirty="0"/>
-              <a:t>= 0.86. The adjustment of threshold is useful since the performance metrics are better.</a:t>
-            </a:r>
-          </a:p>
-        </p:txBody>
-      </p:sp>
-      <p:pic>
-        <p:nvPicPr>
-          <p:cNvPr id="5" name="Picture 4">
-            <a:extLst>
-              <a:ext uri="{FF2B5EF4-FFF2-40B4-BE49-F238E27FC236}">
-                <a16:creationId xmlns:a16="http://schemas.microsoft.com/office/drawing/2014/main" id="{2E7EF3D5-7690-A6E6-F139-66C95704151C}"/>
-              </a:ext>
-            </a:extLst>
-          </p:cNvPr>
-          <p:cNvPicPr>
-            <a:picLocks noChangeAspect="1"/>
-          </p:cNvPicPr>
-          <p:nvPr/>
-        </p:nvPicPr>
-        <p:blipFill>
-          <a:blip r:embed="rId2"/>
-          <a:stretch>
-            <a:fillRect/>
-          </a:stretch>
-        </p:blipFill>
-        <p:spPr>
-          <a:xfrm>
-            <a:off x="368107" y="2447851"/>
-            <a:ext cx="3746693" cy="2876698"/>
-          </a:xfrm>
-          <a:prstGeom prst="rect">
-            <a:avLst/>
-          </a:prstGeom>
-        </p:spPr>
-      </p:pic>
-      <p:pic>
-        <p:nvPicPr>
-          <p:cNvPr id="8" name="Picture 7">
-            <a:extLst>
-              <a:ext uri="{FF2B5EF4-FFF2-40B4-BE49-F238E27FC236}">
-                <a16:creationId xmlns:a16="http://schemas.microsoft.com/office/drawing/2014/main" id="{9A723B34-9EB7-0694-8CE2-15698AAF4DCF}"/>
-              </a:ext>
-            </a:extLst>
-          </p:cNvPr>
-          <p:cNvPicPr>
-            <a:picLocks noChangeAspect="1"/>
-          </p:cNvPicPr>
-          <p:nvPr/>
-        </p:nvPicPr>
-        <p:blipFill>
-          <a:blip r:embed="rId3"/>
-          <a:stretch>
-            <a:fillRect/>
-          </a:stretch>
-        </p:blipFill>
-        <p:spPr>
-          <a:xfrm>
-            <a:off x="541404" y="1277091"/>
-            <a:ext cx="6210619" cy="730288"/>
-          </a:xfrm>
-          <a:prstGeom prst="rect">
-            <a:avLst/>
-          </a:prstGeom>
-        </p:spPr>
-      </p:pic>
-      <p:pic>
-        <p:nvPicPr>
-          <p:cNvPr id="10" name="Picture 9">
-            <a:extLst>
-              <a:ext uri="{FF2B5EF4-FFF2-40B4-BE49-F238E27FC236}">
-                <a16:creationId xmlns:a16="http://schemas.microsoft.com/office/drawing/2014/main" id="{B81CFA06-1497-DCD0-5A02-EE722BD9112D}"/>
-              </a:ext>
-            </a:extLst>
-          </p:cNvPr>
-          <p:cNvPicPr>
-            <a:picLocks noChangeAspect="1"/>
-          </p:cNvPicPr>
-          <p:nvPr/>
-        </p:nvPicPr>
-        <p:blipFill>
-          <a:blip r:embed="rId4"/>
-          <a:stretch>
-            <a:fillRect/>
-          </a:stretch>
-        </p:blipFill>
-        <p:spPr>
-          <a:xfrm>
-            <a:off x="7784140" y="1272483"/>
-            <a:ext cx="2044805" cy="958899"/>
-          </a:xfrm>
-          <a:prstGeom prst="rect">
-            <a:avLst/>
-          </a:prstGeom>
-        </p:spPr>
-      </p:pic>
-      <p:pic>
-        <p:nvPicPr>
-          <p:cNvPr id="13" name="Picture 12">
-            <a:extLst>
-              <a:ext uri="{FF2B5EF4-FFF2-40B4-BE49-F238E27FC236}">
-                <a16:creationId xmlns:a16="http://schemas.microsoft.com/office/drawing/2014/main" id="{81809F26-1627-6CFF-50BD-2C6465D62AF9}"/>
-              </a:ext>
-            </a:extLst>
-          </p:cNvPr>
-          <p:cNvPicPr>
-            <a:picLocks noChangeAspect="1"/>
-          </p:cNvPicPr>
-          <p:nvPr/>
-        </p:nvPicPr>
-        <p:blipFill>
-          <a:blip r:embed="rId5"/>
-          <a:stretch>
-            <a:fillRect/>
-          </a:stretch>
-        </p:blipFill>
-        <p:spPr>
-          <a:xfrm>
-            <a:off x="4270279" y="2339896"/>
-            <a:ext cx="3651438" cy="2984653"/>
-          </a:xfrm>
-          <a:prstGeom prst="rect">
-            <a:avLst/>
-          </a:prstGeom>
-        </p:spPr>
-      </p:pic>
-      <p:pic>
-        <p:nvPicPr>
-          <p:cNvPr id="15" name="Picture 14">
-            <a:extLst>
-              <a:ext uri="{FF2B5EF4-FFF2-40B4-BE49-F238E27FC236}">
-                <a16:creationId xmlns:a16="http://schemas.microsoft.com/office/drawing/2014/main" id="{72A4567E-6192-D465-AE56-5D50F588CDB6}"/>
-              </a:ext>
-            </a:extLst>
-          </p:cNvPr>
-          <p:cNvPicPr>
-            <a:picLocks noChangeAspect="1"/>
-          </p:cNvPicPr>
-          <p:nvPr/>
-        </p:nvPicPr>
-        <p:blipFill>
-          <a:blip r:embed="rId6"/>
-          <a:stretch>
-            <a:fillRect/>
-          </a:stretch>
-        </p:blipFill>
-        <p:spPr>
-          <a:xfrm>
-            <a:off x="8185057" y="2285612"/>
-            <a:ext cx="3594285" cy="3010055"/>
-          </a:xfrm>
-          <a:prstGeom prst="rect">
-            <a:avLst/>
-          </a:prstGeom>
-        </p:spPr>
-      </p:pic>
-    </p:spTree>
-    <p:extLst>
-      <p:ext uri="{BB962C8B-B14F-4D97-AF65-F5344CB8AC3E}">
-        <p14:creationId xmlns:p14="http://schemas.microsoft.com/office/powerpoint/2010/main" val="3492231397"/>
+        <p14:creationId xmlns:p14="http://schemas.microsoft.com/office/powerpoint/2010/main" val="3226946332"/>
       </p:ext>
     </p:extLst>
   </p:cSld>
@@ -6095,7 +6120,7 @@
             </a:r>
             <a:r>
               <a:rPr lang="en-US" altLang="zh-CN" sz="3600" b="1" dirty="0"/>
-              <a:t> Classifier – Performance on train</a:t>
+              <a:t> Classifier – Performance on validation</a:t>
             </a:r>
           </a:p>
         </p:txBody>
@@ -6195,8 +6220,8 @@
         </p:nvSpPr>
         <p:spPr>
           <a:xfrm>
-            <a:off x="1446281" y="5531095"/>
-            <a:ext cx="9422824" cy="735714"/>
+            <a:off x="651353" y="5537196"/>
+            <a:ext cx="10408706" cy="403316"/>
           </a:xfrm>
           <a:prstGeom prst="rect">
             <a:avLst/>
@@ -6235,31 +6260,7 @@
           <a:p>
             <a:r>
               <a:rPr lang="en-US" altLang="zh-CN" dirty="0"/>
-              <a:t>Compared to the default model, the number of </a:t>
-            </a:r>
-            <a:r>
-              <a:rPr lang="en-US" altLang="zh-CN" b="1" dirty="0"/>
-              <a:t>false positives </a:t>
-            </a:r>
-            <a:r>
-              <a:rPr lang="en-US" altLang="zh-CN" dirty="0"/>
-              <a:t>greatly</a:t>
-            </a:r>
-            <a:r>
-              <a:rPr lang="en-US" altLang="zh-CN" b="1" dirty="0"/>
-              <a:t> </a:t>
-            </a:r>
-            <a:r>
-              <a:rPr lang="en-US" altLang="zh-CN" dirty="0"/>
-              <a:t>decreases although the number of </a:t>
-            </a:r>
-            <a:r>
-              <a:rPr lang="en-US" altLang="zh-CN" b="1" dirty="0"/>
-              <a:t>false negative</a:t>
-            </a:r>
-            <a:r>
-              <a:rPr lang="en-US" altLang="zh-CN" dirty="0"/>
-              <a:t> shows a subtle increase.</a:t>
+              <a:t>The performance on the validation set is similar to the performance on the train set.</a:t>
             </a:r>
           </a:p>
         </p:txBody>
@@ -6269,7 +6270,7 @@
           <p:cNvPr id="4" name="Picture 3">
             <a:extLst>
               <a:ext uri="{FF2B5EF4-FFF2-40B4-BE49-F238E27FC236}">
-                <a16:creationId xmlns:a16="http://schemas.microsoft.com/office/drawing/2014/main" id="{C64C52C4-1500-9A77-F748-70E913639AE9}"/>
+                <a16:creationId xmlns:a16="http://schemas.microsoft.com/office/drawing/2014/main" id="{C2EFCF1D-1FF4-F408-A7E5-55C6E4C32341}"/>
               </a:ext>
             </a:extLst>
           </p:cNvPr>
@@ -6286,8 +6287,8 @@
         </p:blipFill>
         <p:spPr>
           <a:xfrm>
-            <a:off x="2997040" y="1420113"/>
-            <a:ext cx="6197919" cy="730288"/>
+            <a:off x="3079595" y="1293118"/>
+            <a:ext cx="6032810" cy="711237"/>
           </a:xfrm>
           <a:prstGeom prst="rect">
             <a:avLst/>
@@ -6299,7 +6300,7 @@
           <p:cNvPr id="6" name="Picture 5">
             <a:extLst>
               <a:ext uri="{FF2B5EF4-FFF2-40B4-BE49-F238E27FC236}">
-                <a16:creationId xmlns:a16="http://schemas.microsoft.com/office/drawing/2014/main" id="{A1E0F0DA-FCE7-8A42-F43C-412EFE73EDC1}"/>
+                <a16:creationId xmlns:a16="http://schemas.microsoft.com/office/drawing/2014/main" id="{67DB2CEE-8A87-F8B4-EBD3-BA9726E4F63F}"/>
               </a:ext>
             </a:extLst>
           </p:cNvPr>
@@ -6316,8 +6317,8 @@
         </p:blipFill>
         <p:spPr>
           <a:xfrm>
-            <a:off x="1669543" y="3244261"/>
-            <a:ext cx="2038455" cy="946199"/>
+            <a:off x="1118253" y="3245783"/>
+            <a:ext cx="1917799" cy="920797"/>
           </a:xfrm>
           <a:prstGeom prst="rect">
             <a:avLst/>
@@ -6329,7 +6330,7 @@
           <p:cNvPr id="9" name="Picture 8">
             <a:extLst>
               <a:ext uri="{FF2B5EF4-FFF2-40B4-BE49-F238E27FC236}">
-                <a16:creationId xmlns:a16="http://schemas.microsoft.com/office/drawing/2014/main" id="{E56C87E7-9235-7DDE-0F91-B8CC92767C37}"/>
+                <a16:creationId xmlns:a16="http://schemas.microsoft.com/office/drawing/2014/main" id="{99BEB3D6-838C-B6C5-B1FA-190FD4788FC7}"/>
               </a:ext>
             </a:extLst>
           </p:cNvPr>
@@ -6346,8 +6347,8 @@
         </p:blipFill>
         <p:spPr>
           <a:xfrm>
-            <a:off x="4048031" y="2351948"/>
-            <a:ext cx="3638737" cy="2927500"/>
+            <a:off x="3535497" y="2180382"/>
+            <a:ext cx="3575234" cy="2940201"/>
           </a:xfrm>
           <a:prstGeom prst="rect">
             <a:avLst/>
@@ -6359,7 +6360,7 @@
           <p:cNvPr id="13" name="Picture 12">
             <a:extLst>
               <a:ext uri="{FF2B5EF4-FFF2-40B4-BE49-F238E27FC236}">
-                <a16:creationId xmlns:a16="http://schemas.microsoft.com/office/drawing/2014/main" id="{1CB27D7B-5040-80CB-2F65-78A739C065CF}"/>
+                <a16:creationId xmlns:a16="http://schemas.microsoft.com/office/drawing/2014/main" id="{D40F53A0-8614-152C-A706-3B3710A8B529}"/>
               </a:ext>
             </a:extLst>
           </p:cNvPr>
@@ -6376,8 +6377,8 @@
         </p:blipFill>
         <p:spPr>
           <a:xfrm>
-            <a:off x="8026801" y="2236081"/>
-            <a:ext cx="3600635" cy="2940201"/>
+            <a:off x="7498513" y="2138679"/>
+            <a:ext cx="3575234" cy="2927500"/>
           </a:xfrm>
           <a:prstGeom prst="rect">
             <a:avLst/>
@@ -6387,7 +6388,7 @@
     </p:spTree>
     <p:extLst>
       <p:ext uri="{BB962C8B-B14F-4D97-AF65-F5344CB8AC3E}">
-        <p14:creationId xmlns:p14="http://schemas.microsoft.com/office/powerpoint/2010/main" val="3226946332"/>
+        <p14:creationId xmlns:p14="http://schemas.microsoft.com/office/powerpoint/2010/main" val="12548153"/>
       </p:ext>
     </p:extLst>
   </p:cSld>
@@ -6428,7 +6429,7 @@
         </p:nvSpPr>
         <p:spPr>
           <a:xfrm>
-            <a:off x="0" y="95532"/>
+            <a:off x="0" y="98695"/>
             <a:ext cx="12192000" cy="714234"/>
           </a:xfrm>
           <a:prstGeom prst="rect">
@@ -6456,7 +6457,7 @@
             </a:r>
             <a:r>
               <a:rPr lang="en-US" altLang="zh-CN" sz="3600" b="1" dirty="0"/>
-              <a:t> Classifier – Performance on validation</a:t>
+              <a:t> Classifier– Permutation Feature Importance</a:t>
             </a:r>
           </a:p>
         </p:txBody>
@@ -6544,10 +6545,10 @@
       </p:sp>
       <p:sp>
         <p:nvSpPr>
-          <p:cNvPr id="12" name="TextBox 11">
-            <a:extLst>
-              <a:ext uri="{FF2B5EF4-FFF2-40B4-BE49-F238E27FC236}">
-                <a16:creationId xmlns:a16="http://schemas.microsoft.com/office/drawing/2014/main" id="{65946DDA-9B38-D45D-47C8-45F709A0CAA4}"/>
+          <p:cNvPr id="3" name="TextBox 2">
+            <a:extLst>
+              <a:ext uri="{FF2B5EF4-FFF2-40B4-BE49-F238E27FC236}">
+                <a16:creationId xmlns:a16="http://schemas.microsoft.com/office/drawing/2014/main" id="{E7FF1965-31E2-20FF-4D21-5C9CD2D10F4D}"/>
               </a:ext>
             </a:extLst>
           </p:cNvPr>
@@ -6556,8 +6557,8 @@
         </p:nvSpPr>
         <p:spPr>
           <a:xfrm>
-            <a:off x="651353" y="5537196"/>
-            <a:ext cx="10408706" cy="403316"/>
+            <a:off x="1666565" y="1631852"/>
+            <a:ext cx="5083319" cy="403316"/>
           </a:xfrm>
           <a:prstGeom prst="rect">
             <a:avLst/>
@@ -6568,11 +6569,9 @@
           <a:bodyPr wrap="square">
             <a:spAutoFit/>
           </a:bodyPr>
-          <a:lstStyle>
-            <a:defPPr>
-              <a:defRPr lang="zh-CN"/>
-            </a:defPPr>
-            <a:lvl1pPr marL="285750" indent="-285750">
+          <a:lstStyle/>
+          <a:p>
+            <a:pPr marL="285750" indent="-285750">
               <a:lnSpc>
                 <a:spcPct val="120000"/>
               </a:lnSpc>
@@ -6581,32 +6580,20 @@
               </a:buClr>
               <a:buFont typeface="Wingdings" panose="05000000000000000000" pitchFamily="2" charset="2"/>
               <a:buChar char="n"/>
-            </a:lvl1pPr>
-            <a:lvl2pPr marL="742950" lvl="1" indent="-285750">
-              <a:lnSpc>
-                <a:spcPct val="120000"/>
-              </a:lnSpc>
-              <a:buClr>
-                <a:srgbClr val="D41B2C"/>
-              </a:buClr>
-              <a:buFont typeface="Arial" panose="020B0604020202020204" pitchFamily="34" charset="0"/>
-              <a:buChar char="•"/>
-            </a:lvl2pPr>
-          </a:lstStyle>
-          <a:p>
+            </a:pPr>
             <a:r>
               <a:rPr lang="en-US" altLang="zh-CN" dirty="0"/>
-              <a:t>The performance on the validation set is similar to the performance on the train set.</a:t>
+              <a:t>This is a list of the most significant attributes.</a:t>
             </a:r>
           </a:p>
         </p:txBody>
       </p:sp>
       <p:pic>
         <p:nvPicPr>
-          <p:cNvPr id="4" name="Picture 3">
-            <a:extLst>
-              <a:ext uri="{FF2B5EF4-FFF2-40B4-BE49-F238E27FC236}">
-                <a16:creationId xmlns:a16="http://schemas.microsoft.com/office/drawing/2014/main" id="{C2EFCF1D-1FF4-F408-A7E5-55C6E4C32341}"/>
+          <p:cNvPr id="8" name="Picture 7">
+            <a:extLst>
+              <a:ext uri="{FF2B5EF4-FFF2-40B4-BE49-F238E27FC236}">
+                <a16:creationId xmlns:a16="http://schemas.microsoft.com/office/drawing/2014/main" id="{918B6D41-41F6-373D-60F5-BAD657CF6218}"/>
               </a:ext>
             </a:extLst>
           </p:cNvPr>
@@ -6623,8 +6610,8 @@
         </p:blipFill>
         <p:spPr>
           <a:xfrm>
-            <a:off x="3079595" y="1293118"/>
-            <a:ext cx="6032810" cy="711237"/>
+            <a:off x="1518928" y="2372613"/>
+            <a:ext cx="3232316" cy="2667137"/>
           </a:xfrm>
           <a:prstGeom prst="rect">
             <a:avLst/>
@@ -6633,10 +6620,10 @@
       </p:pic>
       <p:pic>
         <p:nvPicPr>
-          <p:cNvPr id="6" name="Picture 5">
-            <a:extLst>
-              <a:ext uri="{FF2B5EF4-FFF2-40B4-BE49-F238E27FC236}">
-                <a16:creationId xmlns:a16="http://schemas.microsoft.com/office/drawing/2014/main" id="{67DB2CEE-8A87-F8B4-EBD3-BA9726E4F63F}"/>
+          <p:cNvPr id="12" name="Picture 11">
+            <a:extLst>
+              <a:ext uri="{FF2B5EF4-FFF2-40B4-BE49-F238E27FC236}">
+                <a16:creationId xmlns:a16="http://schemas.microsoft.com/office/drawing/2014/main" id="{87AD1755-D907-1DF7-0688-CF0C74954822}"/>
               </a:ext>
             </a:extLst>
           </p:cNvPr>
@@ -6653,68 +6640,8 @@
         </p:blipFill>
         <p:spPr>
           <a:xfrm>
-            <a:off x="1118253" y="3245783"/>
-            <a:ext cx="1917799" cy="920797"/>
-          </a:xfrm>
-          <a:prstGeom prst="rect">
-            <a:avLst/>
-          </a:prstGeom>
-        </p:spPr>
-      </p:pic>
-      <p:pic>
-        <p:nvPicPr>
-          <p:cNvPr id="9" name="Picture 8">
-            <a:extLst>
-              <a:ext uri="{FF2B5EF4-FFF2-40B4-BE49-F238E27FC236}">
-                <a16:creationId xmlns:a16="http://schemas.microsoft.com/office/drawing/2014/main" id="{99BEB3D6-838C-B6C5-B1FA-190FD4788FC7}"/>
-              </a:ext>
-            </a:extLst>
-          </p:cNvPr>
-          <p:cNvPicPr>
-            <a:picLocks noChangeAspect="1"/>
-          </p:cNvPicPr>
-          <p:nvPr/>
-        </p:nvPicPr>
-        <p:blipFill>
-          <a:blip r:embed="rId4"/>
-          <a:stretch>
-            <a:fillRect/>
-          </a:stretch>
-        </p:blipFill>
-        <p:spPr>
-          <a:xfrm>
-            <a:off x="3535497" y="2180382"/>
-            <a:ext cx="3575234" cy="2940201"/>
-          </a:xfrm>
-          <a:prstGeom prst="rect">
-            <a:avLst/>
-          </a:prstGeom>
-        </p:spPr>
-      </p:pic>
-      <p:pic>
-        <p:nvPicPr>
-          <p:cNvPr id="13" name="Picture 12">
-            <a:extLst>
-              <a:ext uri="{FF2B5EF4-FFF2-40B4-BE49-F238E27FC236}">
-                <a16:creationId xmlns:a16="http://schemas.microsoft.com/office/drawing/2014/main" id="{D40F53A0-8614-152C-A706-3B3710A8B529}"/>
-              </a:ext>
-            </a:extLst>
-          </p:cNvPr>
-          <p:cNvPicPr>
-            <a:picLocks noChangeAspect="1"/>
-          </p:cNvPicPr>
-          <p:nvPr/>
-        </p:nvPicPr>
-        <p:blipFill>
-          <a:blip r:embed="rId5"/>
-          <a:stretch>
-            <a:fillRect/>
-          </a:stretch>
-        </p:blipFill>
-        <p:spPr>
-          <a:xfrm>
-            <a:off x="7498513" y="2138679"/>
-            <a:ext cx="3575234" cy="2927500"/>
+            <a:off x="6096000" y="2372613"/>
+            <a:ext cx="3232316" cy="3327571"/>
           </a:xfrm>
           <a:prstGeom prst="rect">
             <a:avLst/>
@@ -6724,7 +6651,7 @@
     </p:spTree>
     <p:extLst>
       <p:ext uri="{BB962C8B-B14F-4D97-AF65-F5344CB8AC3E}">
-        <p14:creationId xmlns:p14="http://schemas.microsoft.com/office/powerpoint/2010/main" val="12548153"/>
+        <p14:creationId xmlns:p14="http://schemas.microsoft.com/office/powerpoint/2010/main" val="512212214"/>
       </p:ext>
     </p:extLst>
   </p:cSld>
@@ -6765,8 +6692,8 @@
         </p:nvSpPr>
         <p:spPr>
           <a:xfrm>
-            <a:off x="0" y="98695"/>
-            <a:ext cx="12192000" cy="714234"/>
+            <a:off x="-1" y="98695"/>
+            <a:ext cx="12191999" cy="714234"/>
           </a:xfrm>
           <a:prstGeom prst="rect">
             <a:avLst/>
@@ -6793,7 +6720,7 @@
             </a:r>
             <a:r>
               <a:rPr lang="en-US" altLang="zh-CN" sz="3600" b="1" dirty="0"/>
-              <a:t> Classifier– Permutation Feature Importance</a:t>
+              <a:t> Classifier – Assess classification thresholds</a:t>
             </a:r>
           </a:p>
         </p:txBody>
@@ -6881,10 +6808,10 @@
       </p:sp>
       <p:sp>
         <p:nvSpPr>
-          <p:cNvPr id="3" name="TextBox 2">
-            <a:extLst>
-              <a:ext uri="{FF2B5EF4-FFF2-40B4-BE49-F238E27FC236}">
-                <a16:creationId xmlns:a16="http://schemas.microsoft.com/office/drawing/2014/main" id="{E7FF1965-31E2-20FF-4D21-5C9CD2D10F4D}"/>
+          <p:cNvPr id="4" name="TextBox 3">
+            <a:extLst>
+              <a:ext uri="{FF2B5EF4-FFF2-40B4-BE49-F238E27FC236}">
+                <a16:creationId xmlns:a16="http://schemas.microsoft.com/office/drawing/2014/main" id="{9D18040C-32C7-18B1-9503-7077020AE38B}"/>
               </a:ext>
             </a:extLst>
           </p:cNvPr>
@@ -6893,8 +6820,8 @@
         </p:nvSpPr>
         <p:spPr>
           <a:xfrm>
-            <a:off x="1666565" y="1631852"/>
-            <a:ext cx="5083319" cy="403316"/>
+            <a:off x="1555714" y="5475205"/>
+            <a:ext cx="9504171" cy="735714"/>
           </a:xfrm>
           <a:prstGeom prst="rect">
             <a:avLst/>
@@ -6918,18 +6845,26 @@
               <a:buChar char="n"/>
             </a:pPr>
             <a:r>
+              <a:rPr lang="en-US" altLang="zh-CN" b="1" dirty="0" err="1"/>
+              <a:t>best_threshold</a:t>
+            </a:r>
+            <a:r>
+              <a:rPr lang="en-US" altLang="zh-CN" b="1" dirty="0"/>
+              <a:t> </a:t>
+            </a:r>
+            <a:r>
               <a:rPr lang="en-US" altLang="zh-CN" dirty="0"/>
-              <a:t>This is a list of the most significant attributes.</a:t>
+              <a:t>= 0.78. Adjusting threshold improves the performance since many metrics perform better.  </a:t>
             </a:r>
           </a:p>
         </p:txBody>
       </p:sp>
       <p:pic>
         <p:nvPicPr>
-          <p:cNvPr id="8" name="Picture 7">
-            <a:extLst>
-              <a:ext uri="{FF2B5EF4-FFF2-40B4-BE49-F238E27FC236}">
-                <a16:creationId xmlns:a16="http://schemas.microsoft.com/office/drawing/2014/main" id="{918B6D41-41F6-373D-60F5-BAD657CF6218}"/>
+          <p:cNvPr id="5" name="Picture 4">
+            <a:extLst>
+              <a:ext uri="{FF2B5EF4-FFF2-40B4-BE49-F238E27FC236}">
+                <a16:creationId xmlns:a16="http://schemas.microsoft.com/office/drawing/2014/main" id="{CA495C43-8016-3828-39A5-BBDDDC5BDE33}"/>
               </a:ext>
             </a:extLst>
           </p:cNvPr>
@@ -6946,8 +6881,8 @@
         </p:blipFill>
         <p:spPr>
           <a:xfrm>
-            <a:off x="1518928" y="2372613"/>
-            <a:ext cx="3232316" cy="2667137"/>
+            <a:off x="841212" y="2553150"/>
+            <a:ext cx="3765744" cy="2889398"/>
           </a:xfrm>
           <a:prstGeom prst="rect">
             <a:avLst/>
@@ -6956,10 +6891,10 @@
       </p:pic>
       <p:pic>
         <p:nvPicPr>
-          <p:cNvPr id="12" name="Picture 11">
-            <a:extLst>
-              <a:ext uri="{FF2B5EF4-FFF2-40B4-BE49-F238E27FC236}">
-                <a16:creationId xmlns:a16="http://schemas.microsoft.com/office/drawing/2014/main" id="{87AD1755-D907-1DF7-0688-CF0C74954822}"/>
+          <p:cNvPr id="8" name="Picture 7">
+            <a:extLst>
+              <a:ext uri="{FF2B5EF4-FFF2-40B4-BE49-F238E27FC236}">
+                <a16:creationId xmlns:a16="http://schemas.microsoft.com/office/drawing/2014/main" id="{314DAF61-B4F1-FD36-AFE1-4036C8A002F0}"/>
               </a:ext>
             </a:extLst>
           </p:cNvPr>
@@ -6976,8 +6911,98 @@
         </p:blipFill>
         <p:spPr>
           <a:xfrm>
-            <a:off x="6096000" y="2372613"/>
-            <a:ext cx="3232316" cy="3327571"/>
+            <a:off x="3327246" y="1325096"/>
+            <a:ext cx="5994708" cy="692186"/>
+          </a:xfrm>
+          <a:prstGeom prst="rect">
+            <a:avLst/>
+          </a:prstGeom>
+        </p:spPr>
+      </p:pic>
+      <p:pic>
+        <p:nvPicPr>
+          <p:cNvPr id="10" name="Picture 9">
+            <a:extLst>
+              <a:ext uri="{FF2B5EF4-FFF2-40B4-BE49-F238E27FC236}">
+                <a16:creationId xmlns:a16="http://schemas.microsoft.com/office/drawing/2014/main" id="{C648A0D0-5CD5-40C3-61B3-8621E5D4DE5B}"/>
+              </a:ext>
+            </a:extLst>
+          </p:cNvPr>
+          <p:cNvPicPr>
+            <a:picLocks noChangeAspect="1"/>
+          </p:cNvPicPr>
+          <p:nvPr/>
+        </p:nvPicPr>
+        <p:blipFill>
+          <a:blip r:embed="rId4"/>
+          <a:stretch>
+            <a:fillRect/>
+          </a:stretch>
+        </p:blipFill>
+        <p:spPr>
+          <a:xfrm>
+            <a:off x="574589" y="1201534"/>
+            <a:ext cx="1962251" cy="927148"/>
+          </a:xfrm>
+          <a:prstGeom prst="rect">
+            <a:avLst/>
+          </a:prstGeom>
+        </p:spPr>
+      </p:pic>
+      <p:pic>
+        <p:nvPicPr>
+          <p:cNvPr id="13" name="Picture 12">
+            <a:extLst>
+              <a:ext uri="{FF2B5EF4-FFF2-40B4-BE49-F238E27FC236}">
+                <a16:creationId xmlns:a16="http://schemas.microsoft.com/office/drawing/2014/main" id="{3AF4AB0B-3633-D820-26EC-E7CD370C249B}"/>
+              </a:ext>
+            </a:extLst>
+          </p:cNvPr>
+          <p:cNvPicPr>
+            <a:picLocks noChangeAspect="1"/>
+          </p:cNvPicPr>
+          <p:nvPr/>
+        </p:nvPicPr>
+        <p:blipFill>
+          <a:blip r:embed="rId5"/>
+          <a:stretch>
+            <a:fillRect/>
+          </a:stretch>
+        </p:blipFill>
+        <p:spPr>
+          <a:xfrm>
+            <a:off x="4606956" y="2441750"/>
+            <a:ext cx="3562533" cy="2952902"/>
+          </a:xfrm>
+          <a:prstGeom prst="rect">
+            <a:avLst/>
+          </a:prstGeom>
+        </p:spPr>
+      </p:pic>
+      <p:pic>
+        <p:nvPicPr>
+          <p:cNvPr id="15" name="Picture 14">
+            <a:extLst>
+              <a:ext uri="{FF2B5EF4-FFF2-40B4-BE49-F238E27FC236}">
+                <a16:creationId xmlns:a16="http://schemas.microsoft.com/office/drawing/2014/main" id="{D64ACD75-498D-62F8-E7E4-6421C4395D0D}"/>
+              </a:ext>
+            </a:extLst>
+          </p:cNvPr>
+          <p:cNvPicPr>
+            <a:picLocks noChangeAspect="1"/>
+          </p:cNvPicPr>
+          <p:nvPr/>
+        </p:nvPicPr>
+        <p:blipFill>
+          <a:blip r:embed="rId6"/>
+          <a:stretch>
+            <a:fillRect/>
+          </a:stretch>
+        </p:blipFill>
+        <p:spPr>
+          <a:xfrm>
+            <a:off x="8299549" y="2508697"/>
+            <a:ext cx="3568883" cy="2933851"/>
           </a:xfrm>
           <a:prstGeom prst="rect">
             <a:avLst/>
@@ -6987,7 +7012,7 @@
     </p:spTree>
     <p:extLst>
       <p:ext uri="{BB962C8B-B14F-4D97-AF65-F5344CB8AC3E}">
-        <p14:creationId xmlns:p14="http://schemas.microsoft.com/office/powerpoint/2010/main" val="512212214"/>
+        <p14:creationId xmlns:p14="http://schemas.microsoft.com/office/powerpoint/2010/main" val="2960716822"/>
       </p:ext>
     </p:extLst>
   </p:cSld>
@@ -7498,8 +7523,8 @@
         </p:nvSpPr>
         <p:spPr>
           <a:xfrm>
-            <a:off x="-1" y="98695"/>
-            <a:ext cx="12191999" cy="714234"/>
+            <a:off x="0" y="95532"/>
+            <a:ext cx="12192000" cy="714234"/>
           </a:xfrm>
           <a:prstGeom prst="rect">
             <a:avLst/>
@@ -7521,12 +7546,8 @@
               </a:buClr>
             </a:pPr>
             <a:r>
-              <a:rPr lang="en-US" altLang="zh-CN" sz="3600" b="1" dirty="0" err="1"/>
-              <a:t>Adaboost</a:t>
-            </a:r>
-            <a:r>
               <a:rPr lang="en-US" altLang="zh-CN" sz="3600" b="1" dirty="0"/>
-              <a:t> Classifier – Assess classification thresholds</a:t>
+              <a:t>Gradient Boosting Classifier – Performance on train</a:t>
             </a:r>
           </a:p>
         </p:txBody>
@@ -7555,363 +7576,6 @@
             <a:fld id="{CD1615FA-664A-4E3E-8664-50FDFADF9207}" type="slidenum">
               <a:rPr lang="zh-CN" altLang="en-US" smtClean="0"/>
               <a:t>20</a:t>
-            </a:fld>
-            <a:endParaRPr lang="zh-CN" altLang="en-US"/>
-          </a:p>
-        </p:txBody>
-      </p:sp>
-      <p:sp>
-        <p:nvSpPr>
-          <p:cNvPr id="2" name="Flowchart: Process 1">
-            <a:extLst>
-              <a:ext uri="{FF2B5EF4-FFF2-40B4-BE49-F238E27FC236}">
-                <a16:creationId xmlns:a16="http://schemas.microsoft.com/office/drawing/2014/main" id="{8105CBB4-A62C-646D-028E-C22D78DFD5E9}"/>
-              </a:ext>
-            </a:extLst>
-          </p:cNvPr>
-          <p:cNvSpPr/>
-          <p:nvPr/>
-        </p:nvSpPr>
-        <p:spPr>
-          <a:xfrm flipV="1">
-            <a:off x="0" y="1046870"/>
-            <a:ext cx="12192000" cy="9144"/>
-          </a:xfrm>
-          <a:prstGeom prst="flowChartProcess">
-            <a:avLst/>
-          </a:prstGeom>
-          <a:solidFill>
-            <a:srgbClr val="D41B2C"/>
-          </a:solidFill>
-          <a:ln>
-            <a:noFill/>
-          </a:ln>
-        </p:spPr>
-        <p:style>
-          <a:lnRef idx="2">
-            <a:schemeClr val="accent1">
-              <a:shade val="15000"/>
-            </a:schemeClr>
-          </a:lnRef>
-          <a:fillRef idx="1">
-            <a:schemeClr val="accent1"/>
-          </a:fillRef>
-          <a:effectRef idx="0">
-            <a:schemeClr val="accent1"/>
-          </a:effectRef>
-          <a:fontRef idx="minor">
-            <a:schemeClr val="lt1"/>
-          </a:fontRef>
-        </p:style>
-        <p:txBody>
-          <a:bodyPr rtlCol="0" anchor="ctr"/>
-          <a:lstStyle/>
-          <a:p>
-            <a:pPr algn="ctr"/>
-            <a:endParaRPr lang="zh-CN" altLang="en-US"/>
-          </a:p>
-        </p:txBody>
-      </p:sp>
-      <p:sp>
-        <p:nvSpPr>
-          <p:cNvPr id="4" name="TextBox 3">
-            <a:extLst>
-              <a:ext uri="{FF2B5EF4-FFF2-40B4-BE49-F238E27FC236}">
-                <a16:creationId xmlns:a16="http://schemas.microsoft.com/office/drawing/2014/main" id="{9D18040C-32C7-18B1-9503-7077020AE38B}"/>
-              </a:ext>
-            </a:extLst>
-          </p:cNvPr>
-          <p:cNvSpPr txBox="1"/>
-          <p:nvPr/>
-        </p:nvSpPr>
-        <p:spPr>
-          <a:xfrm>
-            <a:off x="1555714" y="5475205"/>
-            <a:ext cx="9504171" cy="735714"/>
-          </a:xfrm>
-          <a:prstGeom prst="rect">
-            <a:avLst/>
-          </a:prstGeom>
-          <a:noFill/>
-        </p:spPr>
-        <p:txBody>
-          <a:bodyPr wrap="square">
-            <a:spAutoFit/>
-          </a:bodyPr>
-          <a:lstStyle/>
-          <a:p>
-            <a:pPr marL="285750" indent="-285750">
-              <a:lnSpc>
-                <a:spcPct val="120000"/>
-              </a:lnSpc>
-              <a:buClr>
-                <a:srgbClr val="D41B2C"/>
-              </a:buClr>
-              <a:buFont typeface="Wingdings" panose="05000000000000000000" pitchFamily="2" charset="2"/>
-              <a:buChar char="n"/>
-            </a:pPr>
-            <a:r>
-              <a:rPr lang="en-US" altLang="zh-CN" b="1" dirty="0" err="1"/>
-              <a:t>best_threshold</a:t>
-            </a:r>
-            <a:r>
-              <a:rPr lang="en-US" altLang="zh-CN" b="1" dirty="0"/>
-              <a:t> </a:t>
-            </a:r>
-            <a:r>
-              <a:rPr lang="en-US" altLang="zh-CN" dirty="0"/>
-              <a:t>= 0.78. Adjusting threshold improves the performance since many metrics perform better.  </a:t>
-            </a:r>
-          </a:p>
-        </p:txBody>
-      </p:sp>
-      <p:pic>
-        <p:nvPicPr>
-          <p:cNvPr id="5" name="Picture 4">
-            <a:extLst>
-              <a:ext uri="{FF2B5EF4-FFF2-40B4-BE49-F238E27FC236}">
-                <a16:creationId xmlns:a16="http://schemas.microsoft.com/office/drawing/2014/main" id="{CA495C43-8016-3828-39A5-BBDDDC5BDE33}"/>
-              </a:ext>
-            </a:extLst>
-          </p:cNvPr>
-          <p:cNvPicPr>
-            <a:picLocks noChangeAspect="1"/>
-          </p:cNvPicPr>
-          <p:nvPr/>
-        </p:nvPicPr>
-        <p:blipFill>
-          <a:blip r:embed="rId2"/>
-          <a:stretch>
-            <a:fillRect/>
-          </a:stretch>
-        </p:blipFill>
-        <p:spPr>
-          <a:xfrm>
-            <a:off x="841212" y="2553150"/>
-            <a:ext cx="3765744" cy="2889398"/>
-          </a:xfrm>
-          <a:prstGeom prst="rect">
-            <a:avLst/>
-          </a:prstGeom>
-        </p:spPr>
-      </p:pic>
-      <p:pic>
-        <p:nvPicPr>
-          <p:cNvPr id="8" name="Picture 7">
-            <a:extLst>
-              <a:ext uri="{FF2B5EF4-FFF2-40B4-BE49-F238E27FC236}">
-                <a16:creationId xmlns:a16="http://schemas.microsoft.com/office/drawing/2014/main" id="{314DAF61-B4F1-FD36-AFE1-4036C8A002F0}"/>
-              </a:ext>
-            </a:extLst>
-          </p:cNvPr>
-          <p:cNvPicPr>
-            <a:picLocks noChangeAspect="1"/>
-          </p:cNvPicPr>
-          <p:nvPr/>
-        </p:nvPicPr>
-        <p:blipFill>
-          <a:blip r:embed="rId3"/>
-          <a:stretch>
-            <a:fillRect/>
-          </a:stretch>
-        </p:blipFill>
-        <p:spPr>
-          <a:xfrm>
-            <a:off x="3327246" y="1325096"/>
-            <a:ext cx="5994708" cy="692186"/>
-          </a:xfrm>
-          <a:prstGeom prst="rect">
-            <a:avLst/>
-          </a:prstGeom>
-        </p:spPr>
-      </p:pic>
-      <p:pic>
-        <p:nvPicPr>
-          <p:cNvPr id="10" name="Picture 9">
-            <a:extLst>
-              <a:ext uri="{FF2B5EF4-FFF2-40B4-BE49-F238E27FC236}">
-                <a16:creationId xmlns:a16="http://schemas.microsoft.com/office/drawing/2014/main" id="{C648A0D0-5CD5-40C3-61B3-8621E5D4DE5B}"/>
-              </a:ext>
-            </a:extLst>
-          </p:cNvPr>
-          <p:cNvPicPr>
-            <a:picLocks noChangeAspect="1"/>
-          </p:cNvPicPr>
-          <p:nvPr/>
-        </p:nvPicPr>
-        <p:blipFill>
-          <a:blip r:embed="rId4"/>
-          <a:stretch>
-            <a:fillRect/>
-          </a:stretch>
-        </p:blipFill>
-        <p:spPr>
-          <a:xfrm>
-            <a:off x="574589" y="1201534"/>
-            <a:ext cx="1962251" cy="927148"/>
-          </a:xfrm>
-          <a:prstGeom prst="rect">
-            <a:avLst/>
-          </a:prstGeom>
-        </p:spPr>
-      </p:pic>
-      <p:pic>
-        <p:nvPicPr>
-          <p:cNvPr id="13" name="Picture 12">
-            <a:extLst>
-              <a:ext uri="{FF2B5EF4-FFF2-40B4-BE49-F238E27FC236}">
-                <a16:creationId xmlns:a16="http://schemas.microsoft.com/office/drawing/2014/main" id="{3AF4AB0B-3633-D820-26EC-E7CD370C249B}"/>
-              </a:ext>
-            </a:extLst>
-          </p:cNvPr>
-          <p:cNvPicPr>
-            <a:picLocks noChangeAspect="1"/>
-          </p:cNvPicPr>
-          <p:nvPr/>
-        </p:nvPicPr>
-        <p:blipFill>
-          <a:blip r:embed="rId5"/>
-          <a:stretch>
-            <a:fillRect/>
-          </a:stretch>
-        </p:blipFill>
-        <p:spPr>
-          <a:xfrm>
-            <a:off x="4606956" y="2441750"/>
-            <a:ext cx="3562533" cy="2952902"/>
-          </a:xfrm>
-          <a:prstGeom prst="rect">
-            <a:avLst/>
-          </a:prstGeom>
-        </p:spPr>
-      </p:pic>
-      <p:pic>
-        <p:nvPicPr>
-          <p:cNvPr id="15" name="Picture 14">
-            <a:extLst>
-              <a:ext uri="{FF2B5EF4-FFF2-40B4-BE49-F238E27FC236}">
-                <a16:creationId xmlns:a16="http://schemas.microsoft.com/office/drawing/2014/main" id="{D64ACD75-498D-62F8-E7E4-6421C4395D0D}"/>
-              </a:ext>
-            </a:extLst>
-          </p:cNvPr>
-          <p:cNvPicPr>
-            <a:picLocks noChangeAspect="1"/>
-          </p:cNvPicPr>
-          <p:nvPr/>
-        </p:nvPicPr>
-        <p:blipFill>
-          <a:blip r:embed="rId6"/>
-          <a:stretch>
-            <a:fillRect/>
-          </a:stretch>
-        </p:blipFill>
-        <p:spPr>
-          <a:xfrm>
-            <a:off x="8299549" y="2508697"/>
-            <a:ext cx="3568883" cy="2933851"/>
-          </a:xfrm>
-          <a:prstGeom prst="rect">
-            <a:avLst/>
-          </a:prstGeom>
-        </p:spPr>
-      </p:pic>
-    </p:spTree>
-    <p:extLst>
-      <p:ext uri="{BB962C8B-B14F-4D97-AF65-F5344CB8AC3E}">
-        <p14:creationId xmlns:p14="http://schemas.microsoft.com/office/powerpoint/2010/main" val="2960716822"/>
-      </p:ext>
-    </p:extLst>
-  </p:cSld>
-  <p:clrMapOvr>
-    <a:masterClrMapping/>
-  </p:clrMapOvr>
-</p:sld>
-</file>
-
-<file path=ppt/slides/slide21.xml><?xml version="1.0" encoding="utf-8"?>
-<p:sld xmlns:a="http://schemas.openxmlformats.org/drawingml/2006/main" xmlns:r="http://schemas.openxmlformats.org/officeDocument/2006/relationships" xmlns:p="http://schemas.openxmlformats.org/presentationml/2006/main">
-  <p:cSld>
-    <p:spTree>
-      <p:nvGrpSpPr>
-        <p:cNvPr id="1" name=""/>
-        <p:cNvGrpSpPr/>
-        <p:nvPr/>
-      </p:nvGrpSpPr>
-      <p:grpSpPr>
-        <a:xfrm>
-          <a:off x="0" y="0"/>
-          <a:ext cx="0" cy="0"/>
-          <a:chOff x="0" y="0"/>
-          <a:chExt cx="0" cy="0"/>
-        </a:xfrm>
-      </p:grpSpPr>
-      <p:sp>
-        <p:nvSpPr>
-          <p:cNvPr id="7" name="TextBox 6">
-            <a:extLst>
-              <a:ext uri="{FF2B5EF4-FFF2-40B4-BE49-F238E27FC236}">
-                <a16:creationId xmlns:a16="http://schemas.microsoft.com/office/drawing/2014/main" id="{5D125FF5-A4BE-F7D1-48A3-B299B2BD4C00}"/>
-              </a:ext>
-            </a:extLst>
-          </p:cNvPr>
-          <p:cNvSpPr txBox="1"/>
-          <p:nvPr/>
-        </p:nvSpPr>
-        <p:spPr>
-          <a:xfrm>
-            <a:off x="0" y="95532"/>
-            <a:ext cx="12192000" cy="714234"/>
-          </a:xfrm>
-          <a:prstGeom prst="rect">
-            <a:avLst/>
-          </a:prstGeom>
-          <a:noFill/>
-        </p:spPr>
-        <p:txBody>
-          <a:bodyPr wrap="square">
-            <a:spAutoFit/>
-          </a:bodyPr>
-          <a:lstStyle/>
-          <a:p>
-            <a:pPr lvl="1">
-              <a:lnSpc>
-                <a:spcPct val="120000"/>
-              </a:lnSpc>
-              <a:buClr>
-                <a:srgbClr val="D41B2C"/>
-              </a:buClr>
-            </a:pPr>
-            <a:r>
-              <a:rPr lang="en-US" altLang="zh-CN" sz="3600" b="1" dirty="0"/>
-              <a:t>Gradient Boosting Classifier – Performance on train</a:t>
-            </a:r>
-          </a:p>
-        </p:txBody>
-      </p:sp>
-      <p:sp>
-        <p:nvSpPr>
-          <p:cNvPr id="11" name="Slide Number Placeholder 10">
-            <a:extLst>
-              <a:ext uri="{FF2B5EF4-FFF2-40B4-BE49-F238E27FC236}">
-                <a16:creationId xmlns:a16="http://schemas.microsoft.com/office/drawing/2014/main" id="{E4FAC7AA-BDB7-F7C0-F177-96942C945B33}"/>
-              </a:ext>
-            </a:extLst>
-          </p:cNvPr>
-          <p:cNvSpPr>
-            <a:spLocks noGrp="1"/>
-          </p:cNvSpPr>
-          <p:nvPr>
-            <p:ph type="sldNum" sz="quarter" idx="12"/>
-          </p:nvPr>
-        </p:nvSpPr>
-        <p:spPr/>
-        <p:txBody>
-          <a:bodyPr/>
-          <a:lstStyle/>
-          <a:p>
-            <a:fld id="{CD1615FA-664A-4E3E-8664-50FDFADF9207}" type="slidenum">
-              <a:rPr lang="zh-CN" altLang="en-US" smtClean="0"/>
-              <a:t>21</a:t>
             </a:fld>
             <a:endParaRPr lang="zh-CN" altLang="en-US"/>
           </a:p>
@@ -8161,7 +7825,7 @@
 </p:sld>
 </file>
 
-<file path=ppt/slides/slide22.xml><?xml version="1.0" encoding="utf-8"?>
+<file path=ppt/slides/slide21.xml><?xml version="1.0" encoding="utf-8"?>
 <p:sld xmlns:a="http://schemas.openxmlformats.org/drawingml/2006/main" xmlns:r="http://schemas.openxmlformats.org/officeDocument/2006/relationships" xmlns:p="http://schemas.openxmlformats.org/presentationml/2006/main">
   <p:cSld>
     <p:spTree>
@@ -8248,7 +7912,7 @@
           <a:p>
             <a:fld id="{CD1615FA-664A-4E3E-8664-50FDFADF9207}" type="slidenum">
               <a:rPr lang="zh-CN" altLang="en-US" smtClean="0"/>
-              <a:t>22</a:t>
+              <a:t>21</a:t>
             </a:fld>
             <a:endParaRPr lang="zh-CN" altLang="en-US"/>
           </a:p>
@@ -8498,6 +8162,239 @@
 </p:sld>
 </file>
 
+<file path=ppt/slides/slide22.xml><?xml version="1.0" encoding="utf-8"?>
+<p:sld xmlns:a="http://schemas.openxmlformats.org/drawingml/2006/main" xmlns:r="http://schemas.openxmlformats.org/officeDocument/2006/relationships" xmlns:p="http://schemas.openxmlformats.org/presentationml/2006/main">
+  <p:cSld>
+    <p:spTree>
+      <p:nvGrpSpPr>
+        <p:cNvPr id="1" name=""/>
+        <p:cNvGrpSpPr/>
+        <p:nvPr/>
+      </p:nvGrpSpPr>
+      <p:grpSpPr>
+        <a:xfrm>
+          <a:off x="0" y="0"/>
+          <a:ext cx="0" cy="0"/>
+          <a:chOff x="0" y="0"/>
+          <a:chExt cx="0" cy="0"/>
+        </a:xfrm>
+      </p:grpSpPr>
+      <p:sp>
+        <p:nvSpPr>
+          <p:cNvPr id="7" name="TextBox 6">
+            <a:extLst>
+              <a:ext uri="{FF2B5EF4-FFF2-40B4-BE49-F238E27FC236}">
+                <a16:creationId xmlns:a16="http://schemas.microsoft.com/office/drawing/2014/main" id="{5D125FF5-A4BE-F7D1-48A3-B299B2BD4C00}"/>
+              </a:ext>
+            </a:extLst>
+          </p:cNvPr>
+          <p:cNvSpPr txBox="1"/>
+          <p:nvPr/>
+        </p:nvSpPr>
+        <p:spPr>
+          <a:xfrm>
+            <a:off x="0" y="98695"/>
+            <a:ext cx="12192000" cy="714234"/>
+          </a:xfrm>
+          <a:prstGeom prst="rect">
+            <a:avLst/>
+          </a:prstGeom>
+          <a:noFill/>
+        </p:spPr>
+        <p:txBody>
+          <a:bodyPr wrap="square">
+            <a:spAutoFit/>
+          </a:bodyPr>
+          <a:lstStyle/>
+          <a:p>
+            <a:pPr lvl="1">
+              <a:lnSpc>
+                <a:spcPct val="120000"/>
+              </a:lnSpc>
+              <a:buClr>
+                <a:srgbClr val="D41B2C"/>
+              </a:buClr>
+            </a:pPr>
+            <a:r>
+              <a:rPr lang="en-US" altLang="zh-CN" sz="3600" b="1" dirty="0" err="1"/>
+              <a:t>GBoosting</a:t>
+            </a:r>
+            <a:r>
+              <a:rPr lang="en-US" altLang="zh-CN" sz="3600" b="1" dirty="0"/>
+              <a:t> Classifier – Permutation Feature Importance</a:t>
+            </a:r>
+          </a:p>
+        </p:txBody>
+      </p:sp>
+      <p:sp>
+        <p:nvSpPr>
+          <p:cNvPr id="11" name="Slide Number Placeholder 10">
+            <a:extLst>
+              <a:ext uri="{FF2B5EF4-FFF2-40B4-BE49-F238E27FC236}">
+                <a16:creationId xmlns:a16="http://schemas.microsoft.com/office/drawing/2014/main" id="{E4FAC7AA-BDB7-F7C0-F177-96942C945B33}"/>
+              </a:ext>
+            </a:extLst>
+          </p:cNvPr>
+          <p:cNvSpPr>
+            <a:spLocks noGrp="1"/>
+          </p:cNvSpPr>
+          <p:nvPr>
+            <p:ph type="sldNum" sz="quarter" idx="12"/>
+          </p:nvPr>
+        </p:nvSpPr>
+        <p:spPr/>
+        <p:txBody>
+          <a:bodyPr/>
+          <a:lstStyle/>
+          <a:p>
+            <a:fld id="{CD1615FA-664A-4E3E-8664-50FDFADF9207}" type="slidenum">
+              <a:rPr lang="zh-CN" altLang="en-US" smtClean="0"/>
+              <a:t>22</a:t>
+            </a:fld>
+            <a:endParaRPr lang="zh-CN" altLang="en-US"/>
+          </a:p>
+        </p:txBody>
+      </p:sp>
+      <p:sp>
+        <p:nvSpPr>
+          <p:cNvPr id="2" name="Flowchart: Process 1">
+            <a:extLst>
+              <a:ext uri="{FF2B5EF4-FFF2-40B4-BE49-F238E27FC236}">
+                <a16:creationId xmlns:a16="http://schemas.microsoft.com/office/drawing/2014/main" id="{8105CBB4-A62C-646D-028E-C22D78DFD5E9}"/>
+              </a:ext>
+            </a:extLst>
+          </p:cNvPr>
+          <p:cNvSpPr/>
+          <p:nvPr/>
+        </p:nvSpPr>
+        <p:spPr>
+          <a:xfrm flipV="1">
+            <a:off x="0" y="1046870"/>
+            <a:ext cx="12192000" cy="9144"/>
+          </a:xfrm>
+          <a:prstGeom prst="flowChartProcess">
+            <a:avLst/>
+          </a:prstGeom>
+          <a:solidFill>
+            <a:srgbClr val="D41B2C"/>
+          </a:solidFill>
+          <a:ln>
+            <a:noFill/>
+          </a:ln>
+        </p:spPr>
+        <p:style>
+          <a:lnRef idx="2">
+            <a:schemeClr val="accent1">
+              <a:shade val="15000"/>
+            </a:schemeClr>
+          </a:lnRef>
+          <a:fillRef idx="1">
+            <a:schemeClr val="accent1"/>
+          </a:fillRef>
+          <a:effectRef idx="0">
+            <a:schemeClr val="accent1"/>
+          </a:effectRef>
+          <a:fontRef idx="minor">
+            <a:schemeClr val="lt1"/>
+          </a:fontRef>
+        </p:style>
+        <p:txBody>
+          <a:bodyPr rtlCol="0" anchor="ctr"/>
+          <a:lstStyle/>
+          <a:p>
+            <a:pPr algn="ctr"/>
+            <a:endParaRPr lang="zh-CN" altLang="en-US"/>
+          </a:p>
+        </p:txBody>
+      </p:sp>
+      <p:sp>
+        <p:nvSpPr>
+          <p:cNvPr id="3" name="TextBox 2">
+            <a:extLst>
+              <a:ext uri="{FF2B5EF4-FFF2-40B4-BE49-F238E27FC236}">
+                <a16:creationId xmlns:a16="http://schemas.microsoft.com/office/drawing/2014/main" id="{8A6A4A29-B78B-572F-F77F-B089D000A440}"/>
+              </a:ext>
+            </a:extLst>
+          </p:cNvPr>
+          <p:cNvSpPr txBox="1"/>
+          <p:nvPr/>
+        </p:nvSpPr>
+        <p:spPr>
+          <a:xfrm>
+            <a:off x="1745615" y="1596031"/>
+            <a:ext cx="5083319" cy="403316"/>
+          </a:xfrm>
+          <a:prstGeom prst="rect">
+            <a:avLst/>
+          </a:prstGeom>
+          <a:noFill/>
+        </p:spPr>
+        <p:txBody>
+          <a:bodyPr wrap="square">
+            <a:spAutoFit/>
+          </a:bodyPr>
+          <a:lstStyle/>
+          <a:p>
+            <a:pPr marL="285750" indent="-285750">
+              <a:lnSpc>
+                <a:spcPct val="120000"/>
+              </a:lnSpc>
+              <a:buClr>
+                <a:srgbClr val="D41B2C"/>
+              </a:buClr>
+              <a:buFont typeface="Wingdings" panose="05000000000000000000" pitchFamily="2" charset="2"/>
+              <a:buChar char="n"/>
+            </a:pPr>
+            <a:r>
+              <a:rPr lang="en-US" altLang="zh-CN" dirty="0"/>
+              <a:t>This is a list of the most significant attributes.</a:t>
+            </a:r>
+          </a:p>
+        </p:txBody>
+      </p:sp>
+      <p:pic>
+        <p:nvPicPr>
+          <p:cNvPr id="8" name="Picture 7">
+            <a:extLst>
+              <a:ext uri="{FF2B5EF4-FFF2-40B4-BE49-F238E27FC236}">
+                <a16:creationId xmlns:a16="http://schemas.microsoft.com/office/drawing/2014/main" id="{D7CE127C-FE1C-EF32-1BA0-BA051904F4F1}"/>
+              </a:ext>
+            </a:extLst>
+          </p:cNvPr>
+          <p:cNvPicPr>
+            <a:picLocks noChangeAspect="1"/>
+          </p:cNvPicPr>
+          <p:nvPr/>
+        </p:nvPicPr>
+        <p:blipFill>
+          <a:blip r:embed="rId2"/>
+          <a:stretch>
+            <a:fillRect/>
+          </a:stretch>
+        </p:blipFill>
+        <p:spPr>
+          <a:xfrm>
+            <a:off x="2226914" y="2242432"/>
+            <a:ext cx="2762392" cy="2927500"/>
+          </a:xfrm>
+          <a:prstGeom prst="rect">
+            <a:avLst/>
+          </a:prstGeom>
+        </p:spPr>
+      </p:pic>
+    </p:spTree>
+    <p:extLst>
+      <p:ext uri="{BB962C8B-B14F-4D97-AF65-F5344CB8AC3E}">
+        <p14:creationId xmlns:p14="http://schemas.microsoft.com/office/powerpoint/2010/main" val="14788536"/>
+      </p:ext>
+    </p:extLst>
+  </p:cSld>
+  <p:clrMapOvr>
+    <a:masterClrMapping/>
+  </p:clrMapOvr>
+</p:sld>
+</file>
+
 <file path=ppt/slides/slide23.xml><?xml version="1.0" encoding="utf-8"?>
 <p:sld xmlns:a="http://schemas.openxmlformats.org/drawingml/2006/main" xmlns:r="http://schemas.openxmlformats.org/officeDocument/2006/relationships" xmlns:p="http://schemas.openxmlformats.org/presentationml/2006/main">
   <p:cSld>
@@ -8529,8 +8426,8 @@
         </p:nvSpPr>
         <p:spPr>
           <a:xfrm>
-            <a:off x="0" y="98695"/>
-            <a:ext cx="12192000" cy="714234"/>
+            <a:off x="-1" y="98695"/>
+            <a:ext cx="12191999" cy="714234"/>
           </a:xfrm>
           <a:prstGeom prst="rect">
             <a:avLst/>
@@ -8557,7 +8454,7 @@
             </a:r>
             <a:r>
               <a:rPr lang="en-US" altLang="zh-CN" sz="3600" b="1" dirty="0"/>
-              <a:t> Classifier – Permutation Feature Importance</a:t>
+              <a:t> Classifier – Assess classification thresholds</a:t>
             </a:r>
           </a:p>
         </p:txBody>
@@ -8645,10 +8542,10 @@
       </p:sp>
       <p:sp>
         <p:nvSpPr>
-          <p:cNvPr id="3" name="TextBox 2">
-            <a:extLst>
-              <a:ext uri="{FF2B5EF4-FFF2-40B4-BE49-F238E27FC236}">
-                <a16:creationId xmlns:a16="http://schemas.microsoft.com/office/drawing/2014/main" id="{8A6A4A29-B78B-572F-F77F-B089D000A440}"/>
+          <p:cNvPr id="4" name="TextBox 3">
+            <a:extLst>
+              <a:ext uri="{FF2B5EF4-FFF2-40B4-BE49-F238E27FC236}">
+                <a16:creationId xmlns:a16="http://schemas.microsoft.com/office/drawing/2014/main" id="{9D18040C-32C7-18B1-9503-7077020AE38B}"/>
               </a:ext>
             </a:extLst>
           </p:cNvPr>
@@ -8657,8 +8554,8 @@
         </p:nvSpPr>
         <p:spPr>
           <a:xfrm>
-            <a:off x="1745615" y="1596031"/>
-            <a:ext cx="5083319" cy="403316"/>
+            <a:off x="803017" y="5700674"/>
+            <a:ext cx="10191553" cy="735714"/>
           </a:xfrm>
           <a:prstGeom prst="rect">
             <a:avLst/>
@@ -8682,18 +8579,30 @@
               <a:buChar char="n"/>
             </a:pPr>
             <a:r>
+              <a:rPr lang="en-US" altLang="zh-CN" dirty="0" err="1"/>
+              <a:t>best_threshold</a:t>
+            </a:r>
+            <a:r>
               <a:rPr lang="en-US" altLang="zh-CN" dirty="0"/>
-              <a:t>This is a list of the most significant attributes.</a:t>
+              <a:t> = 0.13. Adjusting classification thresholds changes the matrix. The number of false positives increases. The </a:t>
+            </a:r>
+            <a:r>
+              <a:rPr lang="en-US" altLang="zh-CN" b="1" dirty="0"/>
+              <a:t>precision score</a:t>
+            </a:r>
+            <a:r>
+              <a:rPr lang="en-US" altLang="zh-CN" dirty="0"/>
+              <a:t> for class 1 is increased. </a:t>
             </a:r>
           </a:p>
         </p:txBody>
       </p:sp>
       <p:pic>
         <p:nvPicPr>
-          <p:cNvPr id="8" name="Picture 7">
-            <a:extLst>
-              <a:ext uri="{FF2B5EF4-FFF2-40B4-BE49-F238E27FC236}">
-                <a16:creationId xmlns:a16="http://schemas.microsoft.com/office/drawing/2014/main" id="{D7CE127C-FE1C-EF32-1BA0-BA051904F4F1}"/>
+          <p:cNvPr id="5" name="Picture 4">
+            <a:extLst>
+              <a:ext uri="{FF2B5EF4-FFF2-40B4-BE49-F238E27FC236}">
+                <a16:creationId xmlns:a16="http://schemas.microsoft.com/office/drawing/2014/main" id="{E8B9F9BC-7C98-244E-BAA3-027FEF74895A}"/>
               </a:ext>
             </a:extLst>
           </p:cNvPr>
@@ -8710,8 +8619,128 @@
         </p:blipFill>
         <p:spPr>
           <a:xfrm>
-            <a:off x="2226914" y="2242432"/>
-            <a:ext cx="2762392" cy="2927500"/>
+            <a:off x="536023" y="2669646"/>
+            <a:ext cx="3848298" cy="2933851"/>
+          </a:xfrm>
+          <a:prstGeom prst="rect">
+            <a:avLst/>
+          </a:prstGeom>
+        </p:spPr>
+      </p:pic>
+      <p:pic>
+        <p:nvPicPr>
+          <p:cNvPr id="8" name="Picture 7">
+            <a:extLst>
+              <a:ext uri="{FF2B5EF4-FFF2-40B4-BE49-F238E27FC236}">
+                <a16:creationId xmlns:a16="http://schemas.microsoft.com/office/drawing/2014/main" id="{13C42152-B313-595A-0E0C-658E366CD614}"/>
+              </a:ext>
+            </a:extLst>
+          </p:cNvPr>
+          <p:cNvPicPr>
+            <a:picLocks noChangeAspect="1"/>
+          </p:cNvPicPr>
+          <p:nvPr/>
+        </p:nvPicPr>
+        <p:blipFill>
+          <a:blip r:embed="rId3"/>
+          <a:stretch>
+            <a:fillRect/>
+          </a:stretch>
+        </p:blipFill>
+        <p:spPr>
+          <a:xfrm>
+            <a:off x="896557" y="1428279"/>
+            <a:ext cx="6001058" cy="692186"/>
+          </a:xfrm>
+          <a:prstGeom prst="rect">
+            <a:avLst/>
+          </a:prstGeom>
+        </p:spPr>
+      </p:pic>
+      <p:pic>
+        <p:nvPicPr>
+          <p:cNvPr id="10" name="Picture 9">
+            <a:extLst>
+              <a:ext uri="{FF2B5EF4-FFF2-40B4-BE49-F238E27FC236}">
+                <a16:creationId xmlns:a16="http://schemas.microsoft.com/office/drawing/2014/main" id="{49CB2157-C5CE-B3DC-D35A-530FA2656BF5}"/>
+              </a:ext>
+            </a:extLst>
+          </p:cNvPr>
+          <p:cNvPicPr>
+            <a:picLocks noChangeAspect="1"/>
+          </p:cNvPicPr>
+          <p:nvPr/>
+        </p:nvPicPr>
+        <p:blipFill>
+          <a:blip r:embed="rId4"/>
+          <a:stretch>
+            <a:fillRect/>
+          </a:stretch>
+        </p:blipFill>
+        <p:spPr>
+          <a:xfrm>
+            <a:off x="7924745" y="1162521"/>
+            <a:ext cx="2133710" cy="914447"/>
+          </a:xfrm>
+          <a:prstGeom prst="rect">
+            <a:avLst/>
+          </a:prstGeom>
+        </p:spPr>
+      </p:pic>
+      <p:pic>
+        <p:nvPicPr>
+          <p:cNvPr id="13" name="Picture 12">
+            <a:extLst>
+              <a:ext uri="{FF2B5EF4-FFF2-40B4-BE49-F238E27FC236}">
+                <a16:creationId xmlns:a16="http://schemas.microsoft.com/office/drawing/2014/main" id="{7CBB1006-A040-93A9-3115-52EFF20F894F}"/>
+              </a:ext>
+            </a:extLst>
+          </p:cNvPr>
+          <p:cNvPicPr>
+            <a:picLocks noChangeAspect="1"/>
+          </p:cNvPicPr>
+          <p:nvPr/>
+        </p:nvPicPr>
+        <p:blipFill>
+          <a:blip r:embed="rId5"/>
+          <a:stretch>
+            <a:fillRect/>
+          </a:stretch>
+        </p:blipFill>
+        <p:spPr>
+          <a:xfrm>
+            <a:off x="4462598" y="2449233"/>
+            <a:ext cx="3549832" cy="2946551"/>
+          </a:xfrm>
+          <a:prstGeom prst="rect">
+            <a:avLst/>
+          </a:prstGeom>
+        </p:spPr>
+      </p:pic>
+      <p:pic>
+        <p:nvPicPr>
+          <p:cNvPr id="15" name="Picture 14">
+            <a:extLst>
+              <a:ext uri="{FF2B5EF4-FFF2-40B4-BE49-F238E27FC236}">
+                <a16:creationId xmlns:a16="http://schemas.microsoft.com/office/drawing/2014/main" id="{DFCC3D5D-07C2-2CA0-4385-F6F730FD7093}"/>
+              </a:ext>
+            </a:extLst>
+          </p:cNvPr>
+          <p:cNvPicPr>
+            <a:picLocks noChangeAspect="1"/>
+          </p:cNvPicPr>
+          <p:nvPr/>
+        </p:nvPicPr>
+        <p:blipFill>
+          <a:blip r:embed="rId6"/>
+          <a:stretch>
+            <a:fillRect/>
+          </a:stretch>
+        </p:blipFill>
+        <p:spPr>
+          <a:xfrm>
+            <a:off x="8280363" y="2508113"/>
+            <a:ext cx="3556183" cy="2940201"/>
           </a:xfrm>
           <a:prstGeom prst="rect">
             <a:avLst/>
@@ -8721,7 +8750,7 @@
     </p:spTree>
     <p:extLst>
       <p:ext uri="{BB962C8B-B14F-4D97-AF65-F5344CB8AC3E}">
-        <p14:creationId xmlns:p14="http://schemas.microsoft.com/office/powerpoint/2010/main" val="14788536"/>
+        <p14:creationId xmlns:p14="http://schemas.microsoft.com/office/powerpoint/2010/main" val="4179241708"/>
       </p:ext>
     </p:extLst>
   </p:cSld>
@@ -8762,8 +8791,8 @@
         </p:nvSpPr>
         <p:spPr>
           <a:xfrm>
-            <a:off x="-1" y="98695"/>
-            <a:ext cx="12191999" cy="714234"/>
+            <a:off x="0" y="95532"/>
+            <a:ext cx="12192000" cy="714234"/>
           </a:xfrm>
           <a:prstGeom prst="rect">
             <a:avLst/>
@@ -8785,12 +8814,8 @@
               </a:buClr>
             </a:pPr>
             <a:r>
-              <a:rPr lang="en-US" altLang="zh-CN" sz="3600" b="1" dirty="0" err="1"/>
-              <a:t>GBoosting</a:t>
-            </a:r>
-            <a:r>
               <a:rPr lang="en-US" altLang="zh-CN" sz="3600" b="1" dirty="0"/>
-              <a:t> Classifier – Assess classification thresholds</a:t>
+              <a:t>Classifiers – Comparison</a:t>
             </a:r>
           </a:p>
         </p:txBody>
@@ -8878,10 +8903,10 @@
       </p:sp>
       <p:sp>
         <p:nvSpPr>
-          <p:cNvPr id="4" name="TextBox 3">
-            <a:extLst>
-              <a:ext uri="{FF2B5EF4-FFF2-40B4-BE49-F238E27FC236}">
-                <a16:creationId xmlns:a16="http://schemas.microsoft.com/office/drawing/2014/main" id="{9D18040C-32C7-18B1-9503-7077020AE38B}"/>
+          <p:cNvPr id="12" name="TextBox 11">
+            <a:extLst>
+              <a:ext uri="{FF2B5EF4-FFF2-40B4-BE49-F238E27FC236}">
+                <a16:creationId xmlns:a16="http://schemas.microsoft.com/office/drawing/2014/main" id="{65946DDA-9B38-D45D-47C8-45F709A0CAA4}"/>
               </a:ext>
             </a:extLst>
           </p:cNvPr>
@@ -8890,369 +8915,8 @@
         </p:nvSpPr>
         <p:spPr>
           <a:xfrm>
-            <a:off x="803017" y="5700674"/>
-            <a:ext cx="10191553" cy="735714"/>
-          </a:xfrm>
-          <a:prstGeom prst="rect">
-            <a:avLst/>
-          </a:prstGeom>
-          <a:noFill/>
-        </p:spPr>
-        <p:txBody>
-          <a:bodyPr wrap="square">
-            <a:spAutoFit/>
-          </a:bodyPr>
-          <a:lstStyle/>
-          <a:p>
-            <a:pPr marL="285750" indent="-285750">
-              <a:lnSpc>
-                <a:spcPct val="120000"/>
-              </a:lnSpc>
-              <a:buClr>
-                <a:srgbClr val="D41B2C"/>
-              </a:buClr>
-              <a:buFont typeface="Wingdings" panose="05000000000000000000" pitchFamily="2" charset="2"/>
-              <a:buChar char="n"/>
-            </a:pPr>
-            <a:r>
-              <a:rPr lang="en-US" altLang="zh-CN" dirty="0" err="1"/>
-              <a:t>best_threshold</a:t>
-            </a:r>
-            <a:r>
-              <a:rPr lang="en-US" altLang="zh-CN" dirty="0"/>
-              <a:t> = 0.13. Adjusting classification thresholds changes the matrix. The number of false positives increases. The </a:t>
-            </a:r>
-            <a:r>
-              <a:rPr lang="en-US" altLang="zh-CN" b="1" dirty="0"/>
-              <a:t>precision score</a:t>
-            </a:r>
-            <a:r>
-              <a:rPr lang="en-US" altLang="zh-CN" dirty="0"/>
-              <a:t> for class 1 is increased. </a:t>
-            </a:r>
-          </a:p>
-        </p:txBody>
-      </p:sp>
-      <p:pic>
-        <p:nvPicPr>
-          <p:cNvPr id="5" name="Picture 4">
-            <a:extLst>
-              <a:ext uri="{FF2B5EF4-FFF2-40B4-BE49-F238E27FC236}">
-                <a16:creationId xmlns:a16="http://schemas.microsoft.com/office/drawing/2014/main" id="{E8B9F9BC-7C98-244E-BAA3-027FEF74895A}"/>
-              </a:ext>
-            </a:extLst>
-          </p:cNvPr>
-          <p:cNvPicPr>
-            <a:picLocks noChangeAspect="1"/>
-          </p:cNvPicPr>
-          <p:nvPr/>
-        </p:nvPicPr>
-        <p:blipFill>
-          <a:blip r:embed="rId2"/>
-          <a:stretch>
-            <a:fillRect/>
-          </a:stretch>
-        </p:blipFill>
-        <p:spPr>
-          <a:xfrm>
-            <a:off x="536023" y="2669646"/>
-            <a:ext cx="3848298" cy="2933851"/>
-          </a:xfrm>
-          <a:prstGeom prst="rect">
-            <a:avLst/>
-          </a:prstGeom>
-        </p:spPr>
-      </p:pic>
-      <p:pic>
-        <p:nvPicPr>
-          <p:cNvPr id="8" name="Picture 7">
-            <a:extLst>
-              <a:ext uri="{FF2B5EF4-FFF2-40B4-BE49-F238E27FC236}">
-                <a16:creationId xmlns:a16="http://schemas.microsoft.com/office/drawing/2014/main" id="{13C42152-B313-595A-0E0C-658E366CD614}"/>
-              </a:ext>
-            </a:extLst>
-          </p:cNvPr>
-          <p:cNvPicPr>
-            <a:picLocks noChangeAspect="1"/>
-          </p:cNvPicPr>
-          <p:nvPr/>
-        </p:nvPicPr>
-        <p:blipFill>
-          <a:blip r:embed="rId3"/>
-          <a:stretch>
-            <a:fillRect/>
-          </a:stretch>
-        </p:blipFill>
-        <p:spPr>
-          <a:xfrm>
-            <a:off x="896557" y="1428279"/>
-            <a:ext cx="6001058" cy="692186"/>
-          </a:xfrm>
-          <a:prstGeom prst="rect">
-            <a:avLst/>
-          </a:prstGeom>
-        </p:spPr>
-      </p:pic>
-      <p:pic>
-        <p:nvPicPr>
-          <p:cNvPr id="10" name="Picture 9">
-            <a:extLst>
-              <a:ext uri="{FF2B5EF4-FFF2-40B4-BE49-F238E27FC236}">
-                <a16:creationId xmlns:a16="http://schemas.microsoft.com/office/drawing/2014/main" id="{49CB2157-C5CE-B3DC-D35A-530FA2656BF5}"/>
-              </a:ext>
-            </a:extLst>
-          </p:cNvPr>
-          <p:cNvPicPr>
-            <a:picLocks noChangeAspect="1"/>
-          </p:cNvPicPr>
-          <p:nvPr/>
-        </p:nvPicPr>
-        <p:blipFill>
-          <a:blip r:embed="rId4"/>
-          <a:stretch>
-            <a:fillRect/>
-          </a:stretch>
-        </p:blipFill>
-        <p:spPr>
-          <a:xfrm>
-            <a:off x="7924745" y="1162521"/>
-            <a:ext cx="2133710" cy="914447"/>
-          </a:xfrm>
-          <a:prstGeom prst="rect">
-            <a:avLst/>
-          </a:prstGeom>
-        </p:spPr>
-      </p:pic>
-      <p:pic>
-        <p:nvPicPr>
-          <p:cNvPr id="13" name="Picture 12">
-            <a:extLst>
-              <a:ext uri="{FF2B5EF4-FFF2-40B4-BE49-F238E27FC236}">
-                <a16:creationId xmlns:a16="http://schemas.microsoft.com/office/drawing/2014/main" id="{7CBB1006-A040-93A9-3115-52EFF20F894F}"/>
-              </a:ext>
-            </a:extLst>
-          </p:cNvPr>
-          <p:cNvPicPr>
-            <a:picLocks noChangeAspect="1"/>
-          </p:cNvPicPr>
-          <p:nvPr/>
-        </p:nvPicPr>
-        <p:blipFill>
-          <a:blip r:embed="rId5"/>
-          <a:stretch>
-            <a:fillRect/>
-          </a:stretch>
-        </p:blipFill>
-        <p:spPr>
-          <a:xfrm>
-            <a:off x="4462598" y="2449233"/>
-            <a:ext cx="3549832" cy="2946551"/>
-          </a:xfrm>
-          <a:prstGeom prst="rect">
-            <a:avLst/>
-          </a:prstGeom>
-        </p:spPr>
-      </p:pic>
-      <p:pic>
-        <p:nvPicPr>
-          <p:cNvPr id="15" name="Picture 14">
-            <a:extLst>
-              <a:ext uri="{FF2B5EF4-FFF2-40B4-BE49-F238E27FC236}">
-                <a16:creationId xmlns:a16="http://schemas.microsoft.com/office/drawing/2014/main" id="{DFCC3D5D-07C2-2CA0-4385-F6F730FD7093}"/>
-              </a:ext>
-            </a:extLst>
-          </p:cNvPr>
-          <p:cNvPicPr>
-            <a:picLocks noChangeAspect="1"/>
-          </p:cNvPicPr>
-          <p:nvPr/>
-        </p:nvPicPr>
-        <p:blipFill>
-          <a:blip r:embed="rId6"/>
-          <a:stretch>
-            <a:fillRect/>
-          </a:stretch>
-        </p:blipFill>
-        <p:spPr>
-          <a:xfrm>
-            <a:off x="8280363" y="2508113"/>
-            <a:ext cx="3556183" cy="2940201"/>
-          </a:xfrm>
-          <a:prstGeom prst="rect">
-            <a:avLst/>
-          </a:prstGeom>
-        </p:spPr>
-      </p:pic>
-    </p:spTree>
-    <p:extLst>
-      <p:ext uri="{BB962C8B-B14F-4D97-AF65-F5344CB8AC3E}">
-        <p14:creationId xmlns:p14="http://schemas.microsoft.com/office/powerpoint/2010/main" val="4179241708"/>
-      </p:ext>
-    </p:extLst>
-  </p:cSld>
-  <p:clrMapOvr>
-    <a:masterClrMapping/>
-  </p:clrMapOvr>
-</p:sld>
-</file>
-
-<file path=ppt/slides/slide25.xml><?xml version="1.0" encoding="utf-8"?>
-<p:sld xmlns:a="http://schemas.openxmlformats.org/drawingml/2006/main" xmlns:r="http://schemas.openxmlformats.org/officeDocument/2006/relationships" xmlns:p="http://schemas.openxmlformats.org/presentationml/2006/main">
-  <p:cSld>
-    <p:spTree>
-      <p:nvGrpSpPr>
-        <p:cNvPr id="1" name=""/>
-        <p:cNvGrpSpPr/>
-        <p:nvPr/>
-      </p:nvGrpSpPr>
-      <p:grpSpPr>
-        <a:xfrm>
-          <a:off x="0" y="0"/>
-          <a:ext cx="0" cy="0"/>
-          <a:chOff x="0" y="0"/>
-          <a:chExt cx="0" cy="0"/>
-        </a:xfrm>
-      </p:grpSpPr>
-      <p:sp>
-        <p:nvSpPr>
-          <p:cNvPr id="7" name="TextBox 6">
-            <a:extLst>
-              <a:ext uri="{FF2B5EF4-FFF2-40B4-BE49-F238E27FC236}">
-                <a16:creationId xmlns:a16="http://schemas.microsoft.com/office/drawing/2014/main" id="{5D125FF5-A4BE-F7D1-48A3-B299B2BD4C00}"/>
-              </a:ext>
-            </a:extLst>
-          </p:cNvPr>
-          <p:cNvSpPr txBox="1"/>
-          <p:nvPr/>
-        </p:nvSpPr>
-        <p:spPr>
-          <a:xfrm>
-            <a:off x="0" y="95532"/>
-            <a:ext cx="12192000" cy="714234"/>
-          </a:xfrm>
-          <a:prstGeom prst="rect">
-            <a:avLst/>
-          </a:prstGeom>
-          <a:noFill/>
-        </p:spPr>
-        <p:txBody>
-          <a:bodyPr wrap="square">
-            <a:spAutoFit/>
-          </a:bodyPr>
-          <a:lstStyle/>
-          <a:p>
-            <a:pPr lvl="1">
-              <a:lnSpc>
-                <a:spcPct val="120000"/>
-              </a:lnSpc>
-              <a:buClr>
-                <a:srgbClr val="D41B2C"/>
-              </a:buClr>
-            </a:pPr>
-            <a:r>
-              <a:rPr lang="en-US" altLang="zh-CN" sz="3600" b="1" dirty="0"/>
-              <a:t>Classifiers – Comparison</a:t>
-            </a:r>
-          </a:p>
-        </p:txBody>
-      </p:sp>
-      <p:sp>
-        <p:nvSpPr>
-          <p:cNvPr id="11" name="Slide Number Placeholder 10">
-            <a:extLst>
-              <a:ext uri="{FF2B5EF4-FFF2-40B4-BE49-F238E27FC236}">
-                <a16:creationId xmlns:a16="http://schemas.microsoft.com/office/drawing/2014/main" id="{E4FAC7AA-BDB7-F7C0-F177-96942C945B33}"/>
-              </a:ext>
-            </a:extLst>
-          </p:cNvPr>
-          <p:cNvSpPr>
-            <a:spLocks noGrp="1"/>
-          </p:cNvSpPr>
-          <p:nvPr>
-            <p:ph type="sldNum" sz="quarter" idx="12"/>
-          </p:nvPr>
-        </p:nvSpPr>
-        <p:spPr/>
-        <p:txBody>
-          <a:bodyPr/>
-          <a:lstStyle/>
-          <a:p>
-            <a:fld id="{CD1615FA-664A-4E3E-8664-50FDFADF9207}" type="slidenum">
-              <a:rPr lang="zh-CN" altLang="en-US" smtClean="0"/>
-              <a:t>25</a:t>
-            </a:fld>
-            <a:endParaRPr lang="zh-CN" altLang="en-US"/>
-          </a:p>
-        </p:txBody>
-      </p:sp>
-      <p:sp>
-        <p:nvSpPr>
-          <p:cNvPr id="2" name="Flowchart: Process 1">
-            <a:extLst>
-              <a:ext uri="{FF2B5EF4-FFF2-40B4-BE49-F238E27FC236}">
-                <a16:creationId xmlns:a16="http://schemas.microsoft.com/office/drawing/2014/main" id="{8105CBB4-A62C-646D-028E-C22D78DFD5E9}"/>
-              </a:ext>
-            </a:extLst>
-          </p:cNvPr>
-          <p:cNvSpPr/>
-          <p:nvPr/>
-        </p:nvSpPr>
-        <p:spPr>
-          <a:xfrm flipV="1">
-            <a:off x="0" y="1046870"/>
-            <a:ext cx="12192000" cy="9144"/>
-          </a:xfrm>
-          <a:prstGeom prst="flowChartProcess">
-            <a:avLst/>
-          </a:prstGeom>
-          <a:solidFill>
-            <a:srgbClr val="D41B2C"/>
-          </a:solidFill>
-          <a:ln>
-            <a:noFill/>
-          </a:ln>
-        </p:spPr>
-        <p:style>
-          <a:lnRef idx="2">
-            <a:schemeClr val="accent1">
-              <a:shade val="15000"/>
-            </a:schemeClr>
-          </a:lnRef>
-          <a:fillRef idx="1">
-            <a:schemeClr val="accent1"/>
-          </a:fillRef>
-          <a:effectRef idx="0">
-            <a:schemeClr val="accent1"/>
-          </a:effectRef>
-          <a:fontRef idx="minor">
-            <a:schemeClr val="lt1"/>
-          </a:fontRef>
-        </p:style>
-        <p:txBody>
-          <a:bodyPr rtlCol="0" anchor="ctr"/>
-          <a:lstStyle/>
-          <a:p>
-            <a:pPr algn="ctr"/>
-            <a:endParaRPr lang="zh-CN" altLang="en-US"/>
-          </a:p>
-        </p:txBody>
-      </p:sp>
-      <p:sp>
-        <p:nvSpPr>
-          <p:cNvPr id="12" name="TextBox 11">
-            <a:extLst>
-              <a:ext uri="{FF2B5EF4-FFF2-40B4-BE49-F238E27FC236}">
-                <a16:creationId xmlns:a16="http://schemas.microsoft.com/office/drawing/2014/main" id="{65946DDA-9B38-D45D-47C8-45F709A0CAA4}"/>
-              </a:ext>
-            </a:extLst>
-          </p:cNvPr>
-          <p:cNvSpPr txBox="1"/>
-          <p:nvPr/>
-        </p:nvSpPr>
-        <p:spPr>
-          <a:xfrm>
-            <a:off x="6348401" y="4363379"/>
-            <a:ext cx="5324096" cy="403316"/>
+            <a:off x="6498671" y="4677936"/>
+            <a:ext cx="5324096" cy="735714"/>
           </a:xfrm>
           <a:prstGeom prst="rect">
             <a:avLst/>
@@ -9291,7 +8955,7 @@
           <a:p>
             <a:r>
               <a:rPr lang="en-US" altLang="zh-CN" dirty="0"/>
-              <a:t>Todo</a:t>
+              <a:t>Gradient Boosting Classifier has a relatively high precision and balanced with other metrics.</a:t>
             </a:r>
           </a:p>
         </p:txBody>
@@ -9752,438 +9416,6 @@
     <p:extLst>
       <p:ext uri="{BB962C8B-B14F-4D97-AF65-F5344CB8AC3E}">
         <p14:creationId xmlns:p14="http://schemas.microsoft.com/office/powerpoint/2010/main" val="1070114728"/>
-      </p:ext>
-    </p:extLst>
-  </p:cSld>
-  <p:clrMapOvr>
-    <a:masterClrMapping/>
-  </p:clrMapOvr>
-</p:sld>
-</file>
-
-<file path=ppt/slides/slide26.xml><?xml version="1.0" encoding="utf-8"?>
-<p:sld xmlns:a="http://schemas.openxmlformats.org/drawingml/2006/main" xmlns:r="http://schemas.openxmlformats.org/officeDocument/2006/relationships" xmlns:p="http://schemas.openxmlformats.org/presentationml/2006/main">
-  <p:cSld>
-    <p:spTree>
-      <p:nvGrpSpPr>
-        <p:cNvPr id="1" name=""/>
-        <p:cNvGrpSpPr/>
-        <p:nvPr/>
-      </p:nvGrpSpPr>
-      <p:grpSpPr>
-        <a:xfrm>
-          <a:off x="0" y="0"/>
-          <a:ext cx="0" cy="0"/>
-          <a:chOff x="0" y="0"/>
-          <a:chExt cx="0" cy="0"/>
-        </a:xfrm>
-      </p:grpSpPr>
-      <p:sp>
-        <p:nvSpPr>
-          <p:cNvPr id="7" name="TextBox 6">
-            <a:extLst>
-              <a:ext uri="{FF2B5EF4-FFF2-40B4-BE49-F238E27FC236}">
-                <a16:creationId xmlns:a16="http://schemas.microsoft.com/office/drawing/2014/main" id="{5D125FF5-A4BE-F7D1-48A3-B299B2BD4C00}"/>
-              </a:ext>
-            </a:extLst>
-          </p:cNvPr>
-          <p:cNvSpPr txBox="1"/>
-          <p:nvPr/>
-        </p:nvSpPr>
-        <p:spPr>
-          <a:xfrm>
-            <a:off x="0" y="95532"/>
-            <a:ext cx="12192000" cy="714234"/>
-          </a:xfrm>
-          <a:prstGeom prst="rect">
-            <a:avLst/>
-          </a:prstGeom>
-          <a:noFill/>
-        </p:spPr>
-        <p:txBody>
-          <a:bodyPr wrap="square">
-            <a:spAutoFit/>
-          </a:bodyPr>
-          <a:lstStyle/>
-          <a:p>
-            <a:pPr lvl="1">
-              <a:lnSpc>
-                <a:spcPct val="120000"/>
-              </a:lnSpc>
-              <a:buClr>
-                <a:srgbClr val="D41B2C"/>
-              </a:buClr>
-            </a:pPr>
-            <a:r>
-              <a:rPr lang="en-US" altLang="zh-CN" sz="3600" b="1" dirty="0"/>
-              <a:t>Best model on test set</a:t>
-            </a:r>
-          </a:p>
-        </p:txBody>
-      </p:sp>
-      <p:sp>
-        <p:nvSpPr>
-          <p:cNvPr id="11" name="Slide Number Placeholder 10">
-            <a:extLst>
-              <a:ext uri="{FF2B5EF4-FFF2-40B4-BE49-F238E27FC236}">
-                <a16:creationId xmlns:a16="http://schemas.microsoft.com/office/drawing/2014/main" id="{E4FAC7AA-BDB7-F7C0-F177-96942C945B33}"/>
-              </a:ext>
-            </a:extLst>
-          </p:cNvPr>
-          <p:cNvSpPr>
-            <a:spLocks noGrp="1"/>
-          </p:cNvSpPr>
-          <p:nvPr>
-            <p:ph type="sldNum" sz="quarter" idx="12"/>
-          </p:nvPr>
-        </p:nvSpPr>
-        <p:spPr/>
-        <p:txBody>
-          <a:bodyPr/>
-          <a:lstStyle/>
-          <a:p>
-            <a:fld id="{CD1615FA-664A-4E3E-8664-50FDFADF9207}" type="slidenum">
-              <a:rPr lang="zh-CN" altLang="en-US" smtClean="0"/>
-              <a:t>26</a:t>
-            </a:fld>
-            <a:endParaRPr lang="zh-CN" altLang="en-US"/>
-          </a:p>
-        </p:txBody>
-      </p:sp>
-      <p:sp>
-        <p:nvSpPr>
-          <p:cNvPr id="2" name="Flowchart: Process 1">
-            <a:extLst>
-              <a:ext uri="{FF2B5EF4-FFF2-40B4-BE49-F238E27FC236}">
-                <a16:creationId xmlns:a16="http://schemas.microsoft.com/office/drawing/2014/main" id="{8105CBB4-A62C-646D-028E-C22D78DFD5E9}"/>
-              </a:ext>
-            </a:extLst>
-          </p:cNvPr>
-          <p:cNvSpPr/>
-          <p:nvPr/>
-        </p:nvSpPr>
-        <p:spPr>
-          <a:xfrm flipV="1">
-            <a:off x="0" y="1046870"/>
-            <a:ext cx="12192000" cy="9144"/>
-          </a:xfrm>
-          <a:prstGeom prst="flowChartProcess">
-            <a:avLst/>
-          </a:prstGeom>
-          <a:solidFill>
-            <a:srgbClr val="D41B2C"/>
-          </a:solidFill>
-          <a:ln>
-            <a:noFill/>
-          </a:ln>
-        </p:spPr>
-        <p:style>
-          <a:lnRef idx="2">
-            <a:schemeClr val="accent1">
-              <a:shade val="15000"/>
-            </a:schemeClr>
-          </a:lnRef>
-          <a:fillRef idx="1">
-            <a:schemeClr val="accent1"/>
-          </a:fillRef>
-          <a:effectRef idx="0">
-            <a:schemeClr val="accent1"/>
-          </a:effectRef>
-          <a:fontRef idx="minor">
-            <a:schemeClr val="lt1"/>
-          </a:fontRef>
-        </p:style>
-        <p:txBody>
-          <a:bodyPr rtlCol="0" anchor="ctr"/>
-          <a:lstStyle/>
-          <a:p>
-            <a:pPr algn="ctr"/>
-            <a:endParaRPr lang="zh-CN" altLang="en-US"/>
-          </a:p>
-        </p:txBody>
-      </p:sp>
-      <p:sp>
-        <p:nvSpPr>
-          <p:cNvPr id="12" name="TextBox 11">
-            <a:extLst>
-              <a:ext uri="{FF2B5EF4-FFF2-40B4-BE49-F238E27FC236}">
-                <a16:creationId xmlns:a16="http://schemas.microsoft.com/office/drawing/2014/main" id="{65946DDA-9B38-D45D-47C8-45F709A0CAA4}"/>
-              </a:ext>
-            </a:extLst>
-          </p:cNvPr>
-          <p:cNvSpPr txBox="1"/>
-          <p:nvPr/>
-        </p:nvSpPr>
-        <p:spPr>
-          <a:xfrm>
-            <a:off x="6348401" y="4363379"/>
-            <a:ext cx="5324096" cy="403316"/>
-          </a:xfrm>
-          <a:prstGeom prst="rect">
-            <a:avLst/>
-          </a:prstGeom>
-          <a:noFill/>
-        </p:spPr>
-        <p:txBody>
-          <a:bodyPr wrap="square">
-            <a:spAutoFit/>
-          </a:bodyPr>
-          <a:lstStyle>
-            <a:defPPr>
-              <a:defRPr lang="zh-CN"/>
-            </a:defPPr>
-            <a:lvl1pPr marL="285750" indent="-285750">
-              <a:lnSpc>
-                <a:spcPct val="120000"/>
-              </a:lnSpc>
-              <a:buClr>
-                <a:srgbClr val="D41B2C"/>
-              </a:buClr>
-              <a:buFont typeface="Wingdings" panose="05000000000000000000" pitchFamily="2" charset="2"/>
-              <a:buChar char="n"/>
-            </a:lvl1pPr>
-            <a:lvl2pPr marL="742950" lvl="1" indent="-285750">
-              <a:lnSpc>
-                <a:spcPct val="120000"/>
-              </a:lnSpc>
-              <a:buClr>
-                <a:srgbClr val="D41B2C"/>
-              </a:buClr>
-              <a:buFont typeface="Arial" panose="020B0604020202020204" pitchFamily="34" charset="0"/>
-              <a:buChar char="•"/>
-            </a:lvl2pPr>
-          </a:lstStyle>
-          <a:p>
-            <a:r>
-              <a:rPr lang="en-US" altLang="zh-CN" dirty="0"/>
-              <a:t>Todo</a:t>
-            </a:r>
-          </a:p>
-        </p:txBody>
-      </p:sp>
-    </p:spTree>
-    <p:extLst>
-      <p:ext uri="{BB962C8B-B14F-4D97-AF65-F5344CB8AC3E}">
-        <p14:creationId xmlns:p14="http://schemas.microsoft.com/office/powerpoint/2010/main" val="3767392265"/>
-      </p:ext>
-    </p:extLst>
-  </p:cSld>
-  <p:clrMapOvr>
-    <a:masterClrMapping/>
-  </p:clrMapOvr>
-</p:sld>
-</file>
-
-<file path=ppt/slides/slide27.xml><?xml version="1.0" encoding="utf-8"?>
-<p:sld xmlns:a="http://schemas.openxmlformats.org/drawingml/2006/main" xmlns:r="http://schemas.openxmlformats.org/officeDocument/2006/relationships" xmlns:p="http://schemas.openxmlformats.org/presentationml/2006/main">
-  <p:cSld>
-    <p:spTree>
-      <p:nvGrpSpPr>
-        <p:cNvPr id="1" name=""/>
-        <p:cNvGrpSpPr/>
-        <p:nvPr/>
-      </p:nvGrpSpPr>
-      <p:grpSpPr>
-        <a:xfrm>
-          <a:off x="0" y="0"/>
-          <a:ext cx="0" cy="0"/>
-          <a:chOff x="0" y="0"/>
-          <a:chExt cx="0" cy="0"/>
-        </a:xfrm>
-      </p:grpSpPr>
-      <p:sp>
-        <p:nvSpPr>
-          <p:cNvPr id="7" name="TextBox 6">
-            <a:extLst>
-              <a:ext uri="{FF2B5EF4-FFF2-40B4-BE49-F238E27FC236}">
-                <a16:creationId xmlns:a16="http://schemas.microsoft.com/office/drawing/2014/main" id="{5D125FF5-A4BE-F7D1-48A3-B299B2BD4C00}"/>
-              </a:ext>
-            </a:extLst>
-          </p:cNvPr>
-          <p:cNvSpPr txBox="1"/>
-          <p:nvPr/>
-        </p:nvSpPr>
-        <p:spPr>
-          <a:xfrm>
-            <a:off x="781878" y="95532"/>
-            <a:ext cx="11410122" cy="820674"/>
-          </a:xfrm>
-          <a:prstGeom prst="rect">
-            <a:avLst/>
-          </a:prstGeom>
-          <a:noFill/>
-        </p:spPr>
-        <p:txBody>
-          <a:bodyPr wrap="square">
-            <a:spAutoFit/>
-          </a:bodyPr>
-          <a:lstStyle/>
-          <a:p>
-            <a:pPr>
-              <a:lnSpc>
-                <a:spcPct val="150000"/>
-              </a:lnSpc>
-            </a:pPr>
-            <a:r>
-              <a:rPr lang="en-US" altLang="zh-CN" sz="3600" dirty="0">
-                <a:solidFill>
-                  <a:schemeClr val="bg2">
-                    <a:lumMod val="25000"/>
-                  </a:schemeClr>
-                </a:solidFill>
-                <a:latin typeface="Arial" panose="020B0604020202020204" pitchFamily="34" charset="0"/>
-                <a:ea typeface="微软雅黑" panose="020B0503020204020204" pitchFamily="34" charset="-122"/>
-                <a:cs typeface="Arial" panose="020B0604020202020204" pitchFamily="34" charset="0"/>
-              </a:rPr>
-              <a:t>Discussions</a:t>
-            </a:r>
-          </a:p>
-        </p:txBody>
-      </p:sp>
-      <p:sp>
-        <p:nvSpPr>
-          <p:cNvPr id="11" name="Slide Number Placeholder 10">
-            <a:extLst>
-              <a:ext uri="{FF2B5EF4-FFF2-40B4-BE49-F238E27FC236}">
-                <a16:creationId xmlns:a16="http://schemas.microsoft.com/office/drawing/2014/main" id="{E4FAC7AA-BDB7-F7C0-F177-96942C945B33}"/>
-              </a:ext>
-            </a:extLst>
-          </p:cNvPr>
-          <p:cNvSpPr>
-            <a:spLocks noGrp="1"/>
-          </p:cNvSpPr>
-          <p:nvPr>
-            <p:ph type="sldNum" sz="quarter" idx="12"/>
-          </p:nvPr>
-        </p:nvSpPr>
-        <p:spPr/>
-        <p:txBody>
-          <a:bodyPr/>
-          <a:lstStyle/>
-          <a:p>
-            <a:fld id="{CD1615FA-664A-4E3E-8664-50FDFADF9207}" type="slidenum">
-              <a:rPr lang="zh-CN" altLang="en-US" smtClean="0"/>
-              <a:t>27</a:t>
-            </a:fld>
-            <a:endParaRPr lang="zh-CN" altLang="en-US"/>
-          </a:p>
-        </p:txBody>
-      </p:sp>
-      <p:sp>
-        <p:nvSpPr>
-          <p:cNvPr id="2" name="Flowchart: Process 1">
-            <a:extLst>
-              <a:ext uri="{FF2B5EF4-FFF2-40B4-BE49-F238E27FC236}">
-                <a16:creationId xmlns:a16="http://schemas.microsoft.com/office/drawing/2014/main" id="{8105CBB4-A62C-646D-028E-C22D78DFD5E9}"/>
-              </a:ext>
-            </a:extLst>
-          </p:cNvPr>
-          <p:cNvSpPr/>
-          <p:nvPr/>
-        </p:nvSpPr>
-        <p:spPr>
-          <a:xfrm flipV="1">
-            <a:off x="0" y="1046870"/>
-            <a:ext cx="12192000" cy="9144"/>
-          </a:xfrm>
-          <a:prstGeom prst="flowChartProcess">
-            <a:avLst/>
-          </a:prstGeom>
-          <a:solidFill>
-            <a:srgbClr val="D41B2C"/>
-          </a:solidFill>
-          <a:ln>
-            <a:noFill/>
-          </a:ln>
-        </p:spPr>
-        <p:style>
-          <a:lnRef idx="2">
-            <a:schemeClr val="accent1">
-              <a:shade val="15000"/>
-            </a:schemeClr>
-          </a:lnRef>
-          <a:fillRef idx="1">
-            <a:schemeClr val="accent1"/>
-          </a:fillRef>
-          <a:effectRef idx="0">
-            <a:schemeClr val="accent1"/>
-          </a:effectRef>
-          <a:fontRef idx="minor">
-            <a:schemeClr val="lt1"/>
-          </a:fontRef>
-        </p:style>
-        <p:txBody>
-          <a:bodyPr rtlCol="0" anchor="ctr"/>
-          <a:lstStyle/>
-          <a:p>
-            <a:pPr algn="ctr"/>
-            <a:endParaRPr lang="zh-CN" altLang="en-US"/>
-          </a:p>
-        </p:txBody>
-      </p:sp>
-      <p:sp>
-        <p:nvSpPr>
-          <p:cNvPr id="3" name="TextBox 2">
-            <a:extLst>
-              <a:ext uri="{FF2B5EF4-FFF2-40B4-BE49-F238E27FC236}">
-                <a16:creationId xmlns:a16="http://schemas.microsoft.com/office/drawing/2014/main" id="{AABB78DE-C76A-CC73-923F-075FFB8EC3F0}"/>
-              </a:ext>
-            </a:extLst>
-          </p:cNvPr>
-          <p:cNvSpPr txBox="1"/>
-          <p:nvPr/>
-        </p:nvSpPr>
-        <p:spPr>
-          <a:xfrm>
-            <a:off x="1105914" y="1783465"/>
-            <a:ext cx="9980171" cy="403316"/>
-          </a:xfrm>
-          <a:prstGeom prst="rect">
-            <a:avLst/>
-          </a:prstGeom>
-          <a:noFill/>
-        </p:spPr>
-        <p:txBody>
-          <a:bodyPr wrap="square">
-            <a:spAutoFit/>
-          </a:bodyPr>
-          <a:lstStyle>
-            <a:defPPr>
-              <a:defRPr lang="zh-CN"/>
-            </a:defPPr>
-            <a:lvl1pPr marL="285750" indent="-285750">
-              <a:lnSpc>
-                <a:spcPct val="120000"/>
-              </a:lnSpc>
-              <a:buClr>
-                <a:srgbClr val="D41B2C"/>
-              </a:buClr>
-              <a:buFont typeface="Wingdings" panose="05000000000000000000" pitchFamily="2" charset="2"/>
-              <a:buChar char="n"/>
-            </a:lvl1pPr>
-            <a:lvl2pPr marL="742950" lvl="1" indent="-285750">
-              <a:lnSpc>
-                <a:spcPct val="120000"/>
-              </a:lnSpc>
-              <a:buClr>
-                <a:srgbClr val="D41B2C"/>
-              </a:buClr>
-              <a:buFont typeface="Arial" panose="020B0604020202020204" pitchFamily="34" charset="0"/>
-              <a:buChar char="•"/>
-            </a:lvl2pPr>
-          </a:lstStyle>
-          <a:p>
-            <a:r>
-              <a:rPr lang="en-US" altLang="zh-CN" dirty="0"/>
-              <a:t>Estimate the generalization error</a:t>
-            </a:r>
-          </a:p>
-        </p:txBody>
-      </p:sp>
-    </p:spTree>
-    <p:extLst>
-      <p:ext uri="{BB962C8B-B14F-4D97-AF65-F5344CB8AC3E}">
-        <p14:creationId xmlns:p14="http://schemas.microsoft.com/office/powerpoint/2010/main" val="1459056116"/>
       </p:ext>
     </p:extLst>
   </p:cSld>
@@ -11673,7 +10905,7 @@
             </a:pPr>
             <a:r>
               <a:rPr lang="en-US" altLang="zh-CN" sz="3600" b="1" dirty="0"/>
-              <a:t>SGD classifier – False Discoveries</a:t>
+              <a:t>SGD classifier – Assess classification thresholds</a:t>
             </a:r>
           </a:p>
         </p:txBody>
@@ -11799,7 +11031,15 @@
             </a:pPr>
             <a:r>
               <a:rPr lang="en-US" altLang="zh-CN" dirty="0"/>
-              <a:t>Todo</a:t>
+              <a:t>Best threshold is 0.53. After adjusting the classification threshold, the </a:t>
+            </a:r>
+            <a:r>
+              <a:rPr lang="en-US" altLang="zh-CN" b="1" dirty="0"/>
+              <a:t>false positives</a:t>
+            </a:r>
+            <a:r>
+              <a:rPr lang="en-US" altLang="zh-CN" dirty="0"/>
+              <a:t> is much lower. </a:t>
             </a:r>
           </a:p>
         </p:txBody>
@@ -11809,7 +11049,7 @@
           <p:cNvPr id="4" name="Picture 3">
             <a:extLst>
               <a:ext uri="{FF2B5EF4-FFF2-40B4-BE49-F238E27FC236}">
-                <a16:creationId xmlns:a16="http://schemas.microsoft.com/office/drawing/2014/main" id="{9F4BFBDF-F893-8E99-A07A-BE066CE7F8B5}"/>
+                <a16:creationId xmlns:a16="http://schemas.microsoft.com/office/drawing/2014/main" id="{B0C87F0F-FAB5-EDDA-C5DC-32E7C6586C89}"/>
               </a:ext>
             </a:extLst>
           </p:cNvPr>
@@ -11826,8 +11066,8 @@
         </p:blipFill>
         <p:spPr>
           <a:xfrm>
-            <a:off x="1486255" y="1471121"/>
-            <a:ext cx="3841947" cy="3689540"/>
+            <a:off x="7991253" y="2487738"/>
+            <a:ext cx="3714941" cy="2844946"/>
           </a:xfrm>
           <a:prstGeom prst="rect">
             <a:avLst/>
@@ -11839,7 +11079,7 @@
           <p:cNvPr id="6" name="Picture 5">
             <a:extLst>
               <a:ext uri="{FF2B5EF4-FFF2-40B4-BE49-F238E27FC236}">
-                <a16:creationId xmlns:a16="http://schemas.microsoft.com/office/drawing/2014/main" id="{664B2325-3FC0-40DE-72B6-990EA160C563}"/>
+                <a16:creationId xmlns:a16="http://schemas.microsoft.com/office/drawing/2014/main" id="{7C971632-98ED-27E8-83F8-97AC2F247ABB}"/>
               </a:ext>
             </a:extLst>
           </p:cNvPr>
@@ -11856,8 +11096,98 @@
         </p:blipFill>
         <p:spPr>
           <a:xfrm>
-            <a:off x="5968016" y="1433279"/>
-            <a:ext cx="3841947" cy="3708591"/>
+            <a:off x="862640" y="1298776"/>
+            <a:ext cx="2019404" cy="946199"/>
+          </a:xfrm>
+          <a:prstGeom prst="rect">
+            <a:avLst/>
+          </a:prstGeom>
+        </p:spPr>
+      </p:pic>
+      <p:pic>
+        <p:nvPicPr>
+          <p:cNvPr id="9" name="Picture 8">
+            <a:extLst>
+              <a:ext uri="{FF2B5EF4-FFF2-40B4-BE49-F238E27FC236}">
+                <a16:creationId xmlns:a16="http://schemas.microsoft.com/office/drawing/2014/main" id="{DF872E49-A327-5761-4388-E1814859E655}"/>
+              </a:ext>
+            </a:extLst>
+          </p:cNvPr>
+          <p:cNvPicPr>
+            <a:picLocks noChangeAspect="1"/>
+          </p:cNvPicPr>
+          <p:nvPr/>
+        </p:nvPicPr>
+        <p:blipFill>
+          <a:blip r:embed="rId4"/>
+          <a:stretch>
+            <a:fillRect/>
+          </a:stretch>
+        </p:blipFill>
+        <p:spPr>
+          <a:xfrm>
+            <a:off x="4257261" y="2348031"/>
+            <a:ext cx="3733992" cy="2984653"/>
+          </a:xfrm>
+          <a:prstGeom prst="rect">
+            <a:avLst/>
+          </a:prstGeom>
+        </p:spPr>
+      </p:pic>
+      <p:pic>
+        <p:nvPicPr>
+          <p:cNvPr id="12" name="Picture 11">
+            <a:extLst>
+              <a:ext uri="{FF2B5EF4-FFF2-40B4-BE49-F238E27FC236}">
+                <a16:creationId xmlns:a16="http://schemas.microsoft.com/office/drawing/2014/main" id="{0E25C352-A282-4E2F-9EBD-EB34B62430B7}"/>
+              </a:ext>
+            </a:extLst>
+          </p:cNvPr>
+          <p:cNvPicPr>
+            <a:picLocks noChangeAspect="1"/>
+          </p:cNvPicPr>
+          <p:nvPr/>
+        </p:nvPicPr>
+        <p:blipFill>
+          <a:blip r:embed="rId5"/>
+          <a:stretch>
+            <a:fillRect/>
+          </a:stretch>
+        </p:blipFill>
+        <p:spPr>
+          <a:xfrm>
+            <a:off x="586827" y="2443414"/>
+            <a:ext cx="3613336" cy="2997354"/>
+          </a:xfrm>
+          <a:prstGeom prst="rect">
+            <a:avLst/>
+          </a:prstGeom>
+        </p:spPr>
+      </p:pic>
+      <p:pic>
+        <p:nvPicPr>
+          <p:cNvPr id="14" name="Picture 13">
+            <a:extLst>
+              <a:ext uri="{FF2B5EF4-FFF2-40B4-BE49-F238E27FC236}">
+                <a16:creationId xmlns:a16="http://schemas.microsoft.com/office/drawing/2014/main" id="{DB17F933-D2DC-C03C-595F-17F506EFF377}"/>
+              </a:ext>
+            </a:extLst>
+          </p:cNvPr>
+          <p:cNvPicPr>
+            <a:picLocks noChangeAspect="1"/>
+          </p:cNvPicPr>
+          <p:nvPr/>
+        </p:nvPicPr>
+        <p:blipFill>
+          <a:blip r:embed="rId6"/>
+          <a:stretch>
+            <a:fillRect/>
+          </a:stretch>
+        </p:blipFill>
+        <p:spPr>
+          <a:xfrm>
+            <a:off x="3847785" y="1324365"/>
+            <a:ext cx="6134415" cy="711237"/>
           </a:xfrm>
           <a:prstGeom prst="rect">
             <a:avLst/>
@@ -11867,7 +11197,7 @@
     </p:spTree>
     <p:extLst>
       <p:ext uri="{BB962C8B-B14F-4D97-AF65-F5344CB8AC3E}">
-        <p14:creationId xmlns:p14="http://schemas.microsoft.com/office/powerpoint/2010/main" val="785604013"/>
+        <p14:creationId xmlns:p14="http://schemas.microsoft.com/office/powerpoint/2010/main" val="3384414174"/>
       </p:ext>
     </p:extLst>
   </p:cSld>
@@ -11908,7 +11238,7 @@
         </p:nvSpPr>
         <p:spPr>
           <a:xfrm>
-            <a:off x="-1" y="98695"/>
+            <a:off x="-1" y="136525"/>
             <a:ext cx="12191999" cy="714234"/>
           </a:xfrm>
           <a:prstGeom prst="rect">
@@ -11932,7 +11262,7 @@
             </a:pPr>
             <a:r>
               <a:rPr lang="en-US" altLang="zh-CN" sz="3600" b="1" dirty="0"/>
-              <a:t>SGD classifier – Assess classification thresholds</a:t>
+              <a:t>Random forest classifier – Performance on train</a:t>
             </a:r>
           </a:p>
         </p:txBody>
@@ -12020,10 +11350,10 @@
       </p:sp>
       <p:sp>
         <p:nvSpPr>
-          <p:cNvPr id="23" name="TextBox 22">
-            <a:extLst>
-              <a:ext uri="{FF2B5EF4-FFF2-40B4-BE49-F238E27FC236}">
-                <a16:creationId xmlns:a16="http://schemas.microsoft.com/office/drawing/2014/main" id="{32F6A79F-BEBE-6C92-1743-AD9856B32D53}"/>
+          <p:cNvPr id="4" name="TextBox 3">
+            <a:extLst>
+              <a:ext uri="{FF2B5EF4-FFF2-40B4-BE49-F238E27FC236}">
+                <a16:creationId xmlns:a16="http://schemas.microsoft.com/office/drawing/2014/main" id="{9D18040C-32C7-18B1-9503-7077020AE38B}"/>
               </a:ext>
             </a:extLst>
           </p:cNvPr>
@@ -12032,8 +11362,8 @@
         </p:nvSpPr>
         <p:spPr>
           <a:xfrm>
-            <a:off x="687659" y="5575769"/>
-            <a:ext cx="10560714" cy="403316"/>
+            <a:off x="1264936" y="5495559"/>
+            <a:ext cx="9607656" cy="735714"/>
           </a:xfrm>
           <a:prstGeom prst="rect">
             <a:avLst/>
@@ -12058,25 +11388,34 @@
             </a:pPr>
             <a:r>
               <a:rPr lang="en-US" altLang="zh-CN" dirty="0"/>
-              <a:t>Best threshold is 0.53. After adjusting the classification threshold, the </a:t>
+              <a:t>Compared with the default model, </a:t>
             </a:r>
             <a:r>
               <a:rPr lang="en-US" altLang="zh-CN" b="1" dirty="0"/>
-              <a:t>false positives</a:t>
+              <a:t>false positives </a:t>
+            </a:r>
+            <a:r>
+              <a:rPr lang="en-US" altLang="zh-CN" dirty="0"/>
+              <a:t>increase, and the </a:t>
+            </a:r>
+            <a:r>
+              <a:rPr lang="en-US" altLang="zh-CN" b="1" dirty="0"/>
+              <a:t>precision score</a:t>
             </a:r>
             <a:r>
               <a:rPr lang="en-US" altLang="zh-CN" dirty="0"/>
               <a:t> is much lower. </a:t>
             </a:r>
+            <a:endParaRPr lang="en-US" altLang="zh-CN" b="1" dirty="0"/>
           </a:p>
         </p:txBody>
       </p:sp>
       <p:pic>
         <p:nvPicPr>
-          <p:cNvPr id="4" name="Picture 3">
-            <a:extLst>
-              <a:ext uri="{FF2B5EF4-FFF2-40B4-BE49-F238E27FC236}">
-                <a16:creationId xmlns:a16="http://schemas.microsoft.com/office/drawing/2014/main" id="{B0C87F0F-FAB5-EDDA-C5DC-32E7C6586C89}"/>
+          <p:cNvPr id="5" name="Picture 4">
+            <a:extLst>
+              <a:ext uri="{FF2B5EF4-FFF2-40B4-BE49-F238E27FC236}">
+                <a16:creationId xmlns:a16="http://schemas.microsoft.com/office/drawing/2014/main" id="{18B2A922-F1A2-5EC1-E46B-9A09A92048FC}"/>
               </a:ext>
             </a:extLst>
           </p:cNvPr>
@@ -12093,8 +11432,8 @@
         </p:blipFill>
         <p:spPr>
           <a:xfrm>
-            <a:off x="7991253" y="2487738"/>
-            <a:ext cx="3714941" cy="2844946"/>
+            <a:off x="3000214" y="1263011"/>
+            <a:ext cx="6191568" cy="698536"/>
           </a:xfrm>
           <a:prstGeom prst="rect">
             <a:avLst/>
@@ -12103,10 +11442,10 @@
       </p:pic>
       <p:pic>
         <p:nvPicPr>
-          <p:cNvPr id="6" name="Picture 5">
-            <a:extLst>
-              <a:ext uri="{FF2B5EF4-FFF2-40B4-BE49-F238E27FC236}">
-                <a16:creationId xmlns:a16="http://schemas.microsoft.com/office/drawing/2014/main" id="{7C971632-98ED-27E8-83F8-97AC2F247ABB}"/>
+          <p:cNvPr id="9" name="Picture 8">
+            <a:extLst>
+              <a:ext uri="{FF2B5EF4-FFF2-40B4-BE49-F238E27FC236}">
+                <a16:creationId xmlns:a16="http://schemas.microsoft.com/office/drawing/2014/main" id="{0DB88041-250C-2A81-22D2-7F898E4082B6}"/>
               </a:ext>
             </a:extLst>
           </p:cNvPr>
@@ -12123,8 +11462,8 @@
         </p:blipFill>
         <p:spPr>
           <a:xfrm>
-            <a:off x="862640" y="1298776"/>
-            <a:ext cx="2019404" cy="946199"/>
+            <a:off x="1221391" y="3021477"/>
+            <a:ext cx="1968601" cy="958899"/>
           </a:xfrm>
           <a:prstGeom prst="rect">
             <a:avLst/>
@@ -12133,10 +11472,10 @@
       </p:pic>
       <p:pic>
         <p:nvPicPr>
-          <p:cNvPr id="9" name="Picture 8">
-            <a:extLst>
-              <a:ext uri="{FF2B5EF4-FFF2-40B4-BE49-F238E27FC236}">
-                <a16:creationId xmlns:a16="http://schemas.microsoft.com/office/drawing/2014/main" id="{DF872E49-A327-5761-4388-E1814859E655}"/>
+          <p:cNvPr id="14" name="Picture 13">
+            <a:extLst>
+              <a:ext uri="{FF2B5EF4-FFF2-40B4-BE49-F238E27FC236}">
+                <a16:creationId xmlns:a16="http://schemas.microsoft.com/office/drawing/2014/main" id="{5EACEEEA-CADF-2AAE-3330-62E7BC745D77}"/>
               </a:ext>
             </a:extLst>
           </p:cNvPr>
@@ -12153,8 +11492,8 @@
         </p:blipFill>
         <p:spPr>
           <a:xfrm>
-            <a:off x="4257261" y="2348031"/>
-            <a:ext cx="3733992" cy="2984653"/>
+            <a:off x="7862566" y="2168427"/>
+            <a:ext cx="3651438" cy="3010055"/>
           </a:xfrm>
           <a:prstGeom prst="rect">
             <a:avLst/>
@@ -12163,10 +11502,10 @@
       </p:pic>
       <p:pic>
         <p:nvPicPr>
-          <p:cNvPr id="12" name="Picture 11">
-            <a:extLst>
-              <a:ext uri="{FF2B5EF4-FFF2-40B4-BE49-F238E27FC236}">
-                <a16:creationId xmlns:a16="http://schemas.microsoft.com/office/drawing/2014/main" id="{0E25C352-A282-4E2F-9EBD-EB34B62430B7}"/>
+          <p:cNvPr id="16" name="Picture 15">
+            <a:extLst>
+              <a:ext uri="{FF2B5EF4-FFF2-40B4-BE49-F238E27FC236}">
+                <a16:creationId xmlns:a16="http://schemas.microsoft.com/office/drawing/2014/main" id="{E42E02FA-B475-B6B7-E90D-45609207D377}"/>
               </a:ext>
             </a:extLst>
           </p:cNvPr>
@@ -12183,38 +11522,8 @@
         </p:blipFill>
         <p:spPr>
           <a:xfrm>
-            <a:off x="586827" y="2443414"/>
-            <a:ext cx="3613336" cy="2997354"/>
-          </a:xfrm>
-          <a:prstGeom prst="rect">
-            <a:avLst/>
-          </a:prstGeom>
-        </p:spPr>
-      </p:pic>
-      <p:pic>
-        <p:nvPicPr>
-          <p:cNvPr id="14" name="Picture 13">
-            <a:extLst>
-              <a:ext uri="{FF2B5EF4-FFF2-40B4-BE49-F238E27FC236}">
-                <a16:creationId xmlns:a16="http://schemas.microsoft.com/office/drawing/2014/main" id="{DB17F933-D2DC-C03C-595F-17F506EFF377}"/>
-              </a:ext>
-            </a:extLst>
-          </p:cNvPr>
-          <p:cNvPicPr>
-            <a:picLocks noChangeAspect="1"/>
-          </p:cNvPicPr>
-          <p:nvPr/>
-        </p:nvPicPr>
-        <p:blipFill>
-          <a:blip r:embed="rId6"/>
-          <a:stretch>
-            <a:fillRect/>
-          </a:stretch>
-        </p:blipFill>
-        <p:spPr>
-          <a:xfrm>
-            <a:off x="3847785" y="1324365"/>
-            <a:ext cx="6134415" cy="711237"/>
+            <a:off x="3618006" y="2168427"/>
+            <a:ext cx="3816546" cy="3219615"/>
           </a:xfrm>
           <a:prstGeom prst="rect">
             <a:avLst/>
@@ -12224,7 +11533,7 @@
     </p:spTree>
     <p:extLst>
       <p:ext uri="{BB962C8B-B14F-4D97-AF65-F5344CB8AC3E}">
-        <p14:creationId xmlns:p14="http://schemas.microsoft.com/office/powerpoint/2010/main" val="3384414174"/>
+        <p14:creationId xmlns:p14="http://schemas.microsoft.com/office/powerpoint/2010/main" val="3431067947"/>
       </p:ext>
     </p:extLst>
   </p:cSld>
@@ -12265,8 +11574,8 @@
         </p:nvSpPr>
         <p:spPr>
           <a:xfrm>
-            <a:off x="-1" y="136525"/>
-            <a:ext cx="12191999" cy="714234"/>
+            <a:off x="0" y="95532"/>
+            <a:ext cx="12192000" cy="714234"/>
           </a:xfrm>
           <a:prstGeom prst="rect">
             <a:avLst/>
@@ -12289,7 +11598,7 @@
             </a:pPr>
             <a:r>
               <a:rPr lang="en-US" altLang="zh-CN" sz="3600" b="1" dirty="0"/>
-              <a:t>Random forest classifier – Performance on train</a:t>
+              <a:t>Random forest classifier – Performance on validation</a:t>
             </a:r>
           </a:p>
         </p:txBody>
@@ -12377,10 +11686,10 @@
       </p:sp>
       <p:sp>
         <p:nvSpPr>
-          <p:cNvPr id="4" name="TextBox 3">
-            <a:extLst>
-              <a:ext uri="{FF2B5EF4-FFF2-40B4-BE49-F238E27FC236}">
-                <a16:creationId xmlns:a16="http://schemas.microsoft.com/office/drawing/2014/main" id="{9D18040C-32C7-18B1-9503-7077020AE38B}"/>
+          <p:cNvPr id="12" name="TextBox 11">
+            <a:extLst>
+              <a:ext uri="{FF2B5EF4-FFF2-40B4-BE49-F238E27FC236}">
+                <a16:creationId xmlns:a16="http://schemas.microsoft.com/office/drawing/2014/main" id="{65946DDA-9B38-D45D-47C8-45F709A0CAA4}"/>
               </a:ext>
             </a:extLst>
           </p:cNvPr>
@@ -12389,8 +11698,8 @@
         </p:nvSpPr>
         <p:spPr>
           <a:xfrm>
-            <a:off x="1264936" y="5495559"/>
-            <a:ext cx="9607656" cy="735714"/>
+            <a:off x="1495986" y="5531507"/>
+            <a:ext cx="9194010" cy="403316"/>
           </a:xfrm>
           <a:prstGeom prst="rect">
             <a:avLst/>
@@ -12401,9 +11710,11 @@
           <a:bodyPr wrap="square">
             <a:spAutoFit/>
           </a:bodyPr>
-          <a:lstStyle/>
-          <a:p>
-            <a:pPr marL="285750" indent="-285750">
+          <a:lstStyle>
+            <a:defPPr>
+              <a:defRPr lang="zh-CN"/>
+            </a:defPPr>
+            <a:lvl1pPr marL="285750" indent="-285750">
               <a:lnSpc>
                 <a:spcPct val="120000"/>
               </a:lnSpc>
@@ -12412,37 +11723,32 @@
               </a:buClr>
               <a:buFont typeface="Wingdings" panose="05000000000000000000" pitchFamily="2" charset="2"/>
               <a:buChar char="n"/>
-            </a:pPr>
+            </a:lvl1pPr>
+            <a:lvl2pPr marL="742950" lvl="1" indent="-285750">
+              <a:lnSpc>
+                <a:spcPct val="120000"/>
+              </a:lnSpc>
+              <a:buClr>
+                <a:srgbClr val="D41B2C"/>
+              </a:buClr>
+              <a:buFont typeface="Arial" panose="020B0604020202020204" pitchFamily="34" charset="0"/>
+              <a:buChar char="•"/>
+            </a:lvl2pPr>
+          </a:lstStyle>
+          <a:p>
             <a:r>
               <a:rPr lang="en-US" altLang="zh-CN" dirty="0"/>
-              <a:t>Compared with the default model, </a:t>
-            </a:r>
-            <a:r>
-              <a:rPr lang="en-US" altLang="zh-CN" b="1" dirty="0"/>
-              <a:t>false positives </a:t>
-            </a:r>
-            <a:r>
-              <a:rPr lang="en-US" altLang="zh-CN" dirty="0"/>
-              <a:t>increase, and the </a:t>
-            </a:r>
-            <a:r>
-              <a:rPr lang="en-US" altLang="zh-CN" b="1" dirty="0"/>
-              <a:t>precision score</a:t>
-            </a:r>
-            <a:r>
-              <a:rPr lang="en-US" altLang="zh-CN" dirty="0"/>
-              <a:t> is much lower. </a:t>
-            </a:r>
-            <a:endParaRPr lang="en-US" altLang="zh-CN" b="1" dirty="0"/>
+              <a:t>The performance on the validation slightly decreases. </a:t>
+            </a:r>
           </a:p>
         </p:txBody>
       </p:sp>
       <p:pic>
         <p:nvPicPr>
-          <p:cNvPr id="5" name="Picture 4">
-            <a:extLst>
-              <a:ext uri="{FF2B5EF4-FFF2-40B4-BE49-F238E27FC236}">
-                <a16:creationId xmlns:a16="http://schemas.microsoft.com/office/drawing/2014/main" id="{18B2A922-F1A2-5EC1-E46B-9A09A92048FC}"/>
+          <p:cNvPr id="4" name="Picture 3">
+            <a:extLst>
+              <a:ext uri="{FF2B5EF4-FFF2-40B4-BE49-F238E27FC236}">
+                <a16:creationId xmlns:a16="http://schemas.microsoft.com/office/drawing/2014/main" id="{A933BC9F-850F-3CAF-CEC4-5D99AFF4DD4F}"/>
               </a:ext>
             </a:extLst>
           </p:cNvPr>
@@ -12459,8 +11765,8 @@
         </p:blipFill>
         <p:spPr>
           <a:xfrm>
-            <a:off x="3000214" y="1263011"/>
-            <a:ext cx="6191568" cy="698536"/>
+            <a:off x="2987515" y="1438406"/>
+            <a:ext cx="6216970" cy="730288"/>
           </a:xfrm>
           <a:prstGeom prst="rect">
             <a:avLst/>
@@ -12469,10 +11775,10 @@
       </p:pic>
       <p:pic>
         <p:nvPicPr>
-          <p:cNvPr id="9" name="Picture 8">
-            <a:extLst>
-              <a:ext uri="{FF2B5EF4-FFF2-40B4-BE49-F238E27FC236}">
-                <a16:creationId xmlns:a16="http://schemas.microsoft.com/office/drawing/2014/main" id="{0DB88041-250C-2A81-22D2-7F898E4082B6}"/>
+          <p:cNvPr id="6" name="Picture 5">
+            <a:extLst>
+              <a:ext uri="{FF2B5EF4-FFF2-40B4-BE49-F238E27FC236}">
+                <a16:creationId xmlns:a16="http://schemas.microsoft.com/office/drawing/2014/main" id="{42F9F3D2-3CF3-0FE9-462A-FCA109B2FDA4}"/>
               </a:ext>
             </a:extLst>
           </p:cNvPr>
@@ -12489,8 +11795,8 @@
         </p:blipFill>
         <p:spPr>
           <a:xfrm>
-            <a:off x="1221391" y="3021477"/>
-            <a:ext cx="1968601" cy="958899"/>
+            <a:off x="1057016" y="3230362"/>
+            <a:ext cx="1930499" cy="908097"/>
           </a:xfrm>
           <a:prstGeom prst="rect">
             <a:avLst/>
@@ -12499,10 +11805,10 @@
       </p:pic>
       <p:pic>
         <p:nvPicPr>
-          <p:cNvPr id="14" name="Picture 13">
-            <a:extLst>
-              <a:ext uri="{FF2B5EF4-FFF2-40B4-BE49-F238E27FC236}">
-                <a16:creationId xmlns:a16="http://schemas.microsoft.com/office/drawing/2014/main" id="{5EACEEEA-CADF-2AAE-3330-62E7BC745D77}"/>
+          <p:cNvPr id="13" name="Picture 12">
+            <a:extLst>
+              <a:ext uri="{FF2B5EF4-FFF2-40B4-BE49-F238E27FC236}">
+                <a16:creationId xmlns:a16="http://schemas.microsoft.com/office/drawing/2014/main" id="{8C2B8A1E-D86B-DF37-494D-8F4F20A56357}"/>
               </a:ext>
             </a:extLst>
           </p:cNvPr>
@@ -12519,8 +11825,8 @@
         </p:blipFill>
         <p:spPr>
           <a:xfrm>
-            <a:off x="7862566" y="2168427"/>
-            <a:ext cx="3651438" cy="3010055"/>
+            <a:off x="7362890" y="2345073"/>
+            <a:ext cx="3683189" cy="3010055"/>
           </a:xfrm>
           <a:prstGeom prst="rect">
             <a:avLst/>
@@ -12529,10 +11835,10 @@
       </p:pic>
       <p:pic>
         <p:nvPicPr>
-          <p:cNvPr id="16" name="Picture 15">
-            <a:extLst>
-              <a:ext uri="{FF2B5EF4-FFF2-40B4-BE49-F238E27FC236}">
-                <a16:creationId xmlns:a16="http://schemas.microsoft.com/office/drawing/2014/main" id="{E42E02FA-B475-B6B7-E90D-45609207D377}"/>
+          <p:cNvPr id="15" name="Picture 14">
+            <a:extLst>
+              <a:ext uri="{FF2B5EF4-FFF2-40B4-BE49-F238E27FC236}">
+                <a16:creationId xmlns:a16="http://schemas.microsoft.com/office/drawing/2014/main" id="{B1E3B897-D211-B785-034E-03FD348A2B92}"/>
               </a:ext>
             </a:extLst>
           </p:cNvPr>
@@ -12549,8 +11855,8 @@
         </p:blipFill>
         <p:spPr>
           <a:xfrm>
-            <a:off x="3618006" y="2168427"/>
-            <a:ext cx="3816546" cy="3219615"/>
+            <a:off x="3264553" y="2202814"/>
+            <a:ext cx="3816546" cy="3206915"/>
           </a:xfrm>
           <a:prstGeom prst="rect">
             <a:avLst/>
@@ -12560,7 +11866,7 @@
     </p:spTree>
     <p:extLst>
       <p:ext uri="{BB962C8B-B14F-4D97-AF65-F5344CB8AC3E}">
-        <p14:creationId xmlns:p14="http://schemas.microsoft.com/office/powerpoint/2010/main" val="3431067947"/>
+        <p14:creationId xmlns:p14="http://schemas.microsoft.com/office/powerpoint/2010/main" val="2604750404"/>
       </p:ext>
     </p:extLst>
   </p:cSld>
